--- a/Documentation/Presentation/Design Powerpoint.pptx
+++ b/Documentation/Presentation/Design Powerpoint.pptx
@@ -9,9 +9,9 @@
     <p:sldId id="258" r:id="rId3"/>
     <p:sldId id="264" r:id="rId4"/>
     <p:sldId id="259" r:id="rId5"/>
-    <p:sldId id="267" r:id="rId6"/>
-    <p:sldId id="268" r:id="rId7"/>
-    <p:sldId id="269" r:id="rId8"/>
+    <p:sldId id="276" r:id="rId6"/>
+    <p:sldId id="277" r:id="rId7"/>
+    <p:sldId id="278" r:id="rId8"/>
     <p:sldId id="265" r:id="rId9"/>
     <p:sldId id="266" r:id="rId10"/>
     <p:sldId id="271" r:id="rId11"/>
@@ -120,7 +120,7 @@
   </p:defaultTextStyle>
   <p:extLst>
     <p:ext uri="{EFAFB233-063F-42B5-8137-9DF3F51BA10A}">
-      <p15:sldGuideLst xmlns:p15="http://schemas.microsoft.com/office/powerpoint/2012/main">
+      <p15:sldGuideLst xmlns:p15="http://schemas.microsoft.com/office/powerpoint/2012/main" xmlns="">
         <p15:guide id="1" orient="horz" pos="2160">
           <p15:clr>
             <a:srgbClr val="A4A3A4"/>
@@ -12516,40 +12516,25 @@
           <a:p>
             <a:r>
               <a:rPr lang="en-US" sz="2800" dirty="0" smtClean="0"/>
-              <a:t>Control </a:t>
-            </a:r>
-            <a:r>
-              <a:rPr lang="en-US" sz="2800" dirty="0" smtClean="0"/>
-              <a:t>algorithms: Software implemented PIDs</a:t>
-            </a:r>
-            <a:endParaRPr lang="en-US" sz="2800" dirty="0" smtClean="0"/>
+              <a:t>Control algorithms: Software implemented PIDs</a:t>
+            </a:r>
           </a:p>
           <a:p>
             <a:r>
               <a:rPr lang="en-US" sz="2800" dirty="0" smtClean="0"/>
               <a:t>Software: MATLAB/Simulink and associated CODER software</a:t>
             </a:r>
-            <a:endParaRPr lang="en-US" sz="2800" dirty="0" smtClean="0"/>
           </a:p>
           <a:p>
             <a:r>
               <a:rPr lang="en-US" sz="2800" dirty="0" smtClean="0"/>
-              <a:t>Simulink model of the control is developed and then C code is generated for the target </a:t>
-            </a:r>
+              <a:t>Simulink model of the control is developed and then C code is generated for the target hardware</a:t>
+            </a:r>
+          </a:p>
+          <a:p>
             <a:r>
               <a:rPr lang="en-US" sz="2800" dirty="0" smtClean="0"/>
-              <a:t>hardware</a:t>
-            </a:r>
-            <a:endParaRPr lang="en-US" sz="2800" dirty="0" smtClean="0"/>
-          </a:p>
-          <a:p>
-            <a:r>
-              <a:rPr lang="en-US" sz="2800" dirty="0" smtClean="0"/>
-              <a:t>Current hardware is an Arduino Mega </a:t>
-            </a:r>
-            <a:r>
-              <a:rPr lang="en-US" sz="2800" dirty="0" smtClean="0"/>
-              <a:t>2560</a:t>
+              <a:t>Current hardware is an Arduino Mega 2560</a:t>
             </a:r>
           </a:p>
           <a:p>
@@ -12714,7 +12699,6 @@
               <a:rPr lang="en-US" dirty="0" smtClean="0"/>
               <a:t>PWM signals from the microcontroller are filtered into analog signals to drive the pneumatic actuators</a:t>
             </a:r>
-            <a:endParaRPr lang="en-US" dirty="0" smtClean="0"/>
           </a:p>
           <a:p>
             <a:r>
@@ -12731,7 +12715,6 @@
               <a:rPr lang="en-US" dirty="0" smtClean="0"/>
               <a:t>-isolators used to protect microcontroller by separating power circuits</a:t>
             </a:r>
-            <a:endParaRPr lang="en-US" dirty="0" smtClean="0"/>
           </a:p>
           <a:p>
             <a:endParaRPr lang="en-US" dirty="0"/>
@@ -12790,11 +12773,7 @@
           <a:p>
             <a:r>
               <a:rPr lang="en-US" dirty="0" smtClean="0"/>
-              <a:t>User </a:t>
-            </a:r>
-            <a:r>
-              <a:rPr lang="en-US" dirty="0" smtClean="0"/>
-              <a:t>Interface and Remote </a:t>
+              <a:t>User Interface and Remote </a:t>
             </a:r>
             <a:r>
               <a:rPr lang="en-US" dirty="0" err="1" smtClean="0"/>
@@ -12830,15 +12809,7 @@
             </a:r>
             <a:r>
               <a:rPr lang="en-US" dirty="0" smtClean="0"/>
-              <a:t> </a:t>
-            </a:r>
-            <a:r>
-              <a:rPr lang="en-US" dirty="0" smtClean="0"/>
-              <a:t>short range radio devices using IEEE standard </a:t>
-            </a:r>
-            <a:r>
-              <a:rPr lang="en-US" dirty="0" smtClean="0"/>
-              <a:t>802.15.4</a:t>
+              <a:t> short range radio devices using IEEE standard 802.15.4</a:t>
             </a:r>
           </a:p>
           <a:p>
@@ -12858,7 +12829,6 @@
               <a:rPr lang="en-US" dirty="0" smtClean="0"/>
               <a:t>2.4GHz operating frequency</a:t>
             </a:r>
-            <a:endParaRPr lang="en-US" dirty="0" smtClean="0"/>
           </a:p>
         </p:txBody>
       </p:sp>
@@ -13504,7 +13474,7 @@
             <p:ph idx="1"/>
             <p:extLst>
               <p:ext uri="{D42A27DB-BD31-4B8C-83A1-F6EECF244321}">
-                <p14:modId xmlns:p14="http://schemas.microsoft.com/office/powerpoint/2010/main" val="2171599680"/>
+                <p14:modId xmlns:p14="http://schemas.microsoft.com/office/powerpoint/2010/main" val="1731981675"/>
               </p:ext>
             </p:extLst>
           </p:nvPr>
@@ -14466,7 +14436,7 @@
     </p:spTree>
     <p:extLst>
       <p:ext uri="{BB962C8B-B14F-4D97-AF65-F5344CB8AC3E}">
-        <p14:creationId xmlns:p14="http://schemas.microsoft.com/office/powerpoint/2010/main" val="2724449421"/>
+        <p14:creationId xmlns:p14="http://schemas.microsoft.com/office/powerpoint/2010/main" val="1785831037"/>
       </p:ext>
     </p:extLst>
   </p:cSld>
@@ -14539,7 +14509,7 @@
         </p:spPr>
         <p:txBody>
           <a:bodyPr>
-            <a:normAutofit fontScale="92500" lnSpcReduction="20000"/>
+            <a:normAutofit lnSpcReduction="10000"/>
           </a:bodyPr>
           <a:lstStyle/>
           <a:p>
@@ -14561,170 +14531,444 @@
           </a:p>
           <a:p>
             <a:r>
+              <a:rPr lang="en-US" sz="3000" dirty="0" smtClean="0"/>
+              <a:t>Receiver Tank</a:t>
+            </a:r>
+          </a:p>
+          <a:p>
+            <a:r>
+              <a:rPr lang="en-US" sz="3000" dirty="0" smtClean="0"/>
+              <a:t>Air </a:t>
+            </a:r>
+            <a:r>
+              <a:rPr lang="en-US" sz="3000" dirty="0"/>
+              <a:t>C</a:t>
+            </a:r>
+            <a:r>
+              <a:rPr lang="en-US" sz="3000" dirty="0" smtClean="0"/>
+              <a:t>ompressor</a:t>
+            </a:r>
+          </a:p>
+          <a:p>
+            <a:r>
+              <a:rPr lang="en-US" sz="3000" dirty="0"/>
+              <a:t>D</a:t>
+            </a:r>
+            <a:r>
+              <a:rPr lang="en-US" sz="3000" dirty="0" smtClean="0"/>
+              <a:t>ouble </a:t>
+            </a:r>
+            <a:r>
               <a:rPr lang="en-US" sz="3000" dirty="0"/>
               <a:t>A</a:t>
             </a:r>
             <a:r>
               <a:rPr lang="en-US" sz="3000" dirty="0" smtClean="0"/>
+              <a:t>cting </a:t>
+            </a:r>
+            <a:r>
+              <a:rPr lang="en-US" sz="3000" dirty="0"/>
+              <a:t>A</a:t>
+            </a:r>
+            <a:r>
+              <a:rPr lang="en-US" sz="3000" dirty="0" smtClean="0"/>
               <a:t>ir </a:t>
             </a:r>
             <a:r>
               <a:rPr lang="en-US" sz="3000" dirty="0"/>
-              <a:t>S</a:t>
+              <a:t>C</a:t>
             </a:r>
             <a:r>
               <a:rPr lang="en-US" sz="3000" dirty="0" smtClean="0"/>
-              <a:t>upply </a:t>
-            </a:r>
+              <a:t>ylinders (w/ feedback)</a:t>
+            </a:r>
+          </a:p>
+          <a:p>
+            <a:r>
+              <a:rPr lang="en-US" sz="3000" dirty="0" smtClean="0"/>
+              <a:t>Solenoid </a:t>
+            </a:r>
+            <a:r>
+              <a:rPr lang="en-US" sz="3000" dirty="0"/>
+              <a:t>V</a:t>
+            </a:r>
+            <a:r>
+              <a:rPr lang="en-US" sz="3000" dirty="0" smtClean="0"/>
+              <a:t>alve </a:t>
+            </a:r>
+          </a:p>
+          <a:p>
+            <a:r>
+              <a:rPr lang="en-US" sz="3000" dirty="0"/>
+              <a:t>D</a:t>
+            </a:r>
+            <a:r>
+              <a:rPr lang="en-US" sz="3000" dirty="0" smtClean="0"/>
+              <a:t>irectional </a:t>
+            </a:r>
+            <a:r>
+              <a:rPr lang="en-US" sz="3000" dirty="0"/>
+              <a:t>C</a:t>
+            </a:r>
+            <a:r>
+              <a:rPr lang="en-US" sz="3000" dirty="0" smtClean="0"/>
+              <a:t>ontrol </a:t>
+            </a:r>
+            <a:r>
+              <a:rPr lang="en-US" sz="3000" dirty="0"/>
+              <a:t>V</a:t>
+            </a:r>
+            <a:r>
+              <a:rPr lang="en-US" sz="3000" dirty="0" smtClean="0"/>
+              <a:t>alves (4/2)</a:t>
+            </a:r>
+          </a:p>
+          <a:p>
+            <a:r>
+              <a:rPr lang="en-US" sz="3000" dirty="0"/>
+              <a:t>P</a:t>
+            </a:r>
+            <a:r>
+              <a:rPr lang="en-US" sz="3000" dirty="0" smtClean="0"/>
+              <a:t>ressure </a:t>
+            </a:r>
+            <a:r>
+              <a:rPr lang="en-US" sz="3000" dirty="0"/>
+              <a:t>R</a:t>
+            </a:r>
+            <a:r>
+              <a:rPr lang="en-US" sz="3000" dirty="0" smtClean="0"/>
+              <a:t>elief </a:t>
+            </a:r>
+            <a:r>
+              <a:rPr lang="en-US" sz="3000" dirty="0"/>
+              <a:t>V</a:t>
+            </a:r>
+            <a:r>
+              <a:rPr lang="en-US" sz="3000" dirty="0" smtClean="0"/>
+              <a:t>alve</a:t>
+            </a:r>
+          </a:p>
+          <a:p>
             <a:r>
               <a:rPr lang="en-US" sz="3000" dirty="0"/>
               <a:t>T</a:t>
             </a:r>
             <a:r>
               <a:rPr lang="en-US" sz="3000" dirty="0" smtClean="0"/>
-              <a:t>ank</a:t>
-            </a:r>
-          </a:p>
-          <a:p>
-            <a:r>
-              <a:rPr lang="en-US" sz="3000" dirty="0" smtClean="0"/>
-              <a:t>Air </a:t>
-            </a:r>
-            <a:r>
-              <a:rPr lang="en-US" sz="3000" dirty="0"/>
-              <a:t>C</a:t>
-            </a:r>
-            <a:r>
-              <a:rPr lang="en-US" sz="3000" dirty="0" smtClean="0"/>
-              <a:t>ompressor</a:t>
-            </a:r>
-          </a:p>
-          <a:p>
-            <a:r>
-              <a:rPr lang="en-US" sz="3000" dirty="0"/>
-              <a:t>D</a:t>
-            </a:r>
-            <a:r>
-              <a:rPr lang="en-US" sz="3000" dirty="0" smtClean="0"/>
-              <a:t>ouble </a:t>
-            </a:r>
-            <a:r>
-              <a:rPr lang="en-US" sz="3000" dirty="0"/>
-              <a:t>A</a:t>
-            </a:r>
-            <a:r>
-              <a:rPr lang="en-US" sz="3000" dirty="0" smtClean="0"/>
-              <a:t>cting </a:t>
-            </a:r>
-            <a:r>
-              <a:rPr lang="en-US" sz="3000" dirty="0"/>
-              <a:t>A</a:t>
-            </a:r>
-            <a:r>
-              <a:rPr lang="en-US" sz="3000" dirty="0" smtClean="0"/>
-              <a:t>ir </a:t>
-            </a:r>
-            <a:r>
-              <a:rPr lang="en-US" sz="3000" dirty="0"/>
-              <a:t>C</a:t>
-            </a:r>
-            <a:r>
-              <a:rPr lang="en-US" sz="3000" dirty="0" smtClean="0"/>
-              <a:t>ylinders (w/ feedback)</a:t>
-            </a:r>
-          </a:p>
-          <a:p>
-            <a:r>
-              <a:rPr lang="en-US" sz="3000" dirty="0" smtClean="0"/>
-              <a:t>Receiver Tank</a:t>
-            </a:r>
-          </a:p>
-          <a:p>
-            <a:r>
-              <a:rPr lang="en-US" sz="3000" dirty="0"/>
-              <a:t>S</a:t>
-            </a:r>
-            <a:r>
-              <a:rPr lang="en-US" sz="3000" dirty="0" smtClean="0"/>
-              <a:t>olenoid </a:t>
-            </a:r>
-            <a:r>
-              <a:rPr lang="en-US" sz="3000" dirty="0"/>
-              <a:t>V</a:t>
-            </a:r>
-            <a:r>
-              <a:rPr lang="en-US" sz="3000" dirty="0" smtClean="0"/>
-              <a:t>alve </a:t>
-            </a:r>
-          </a:p>
-          <a:p>
-            <a:r>
-              <a:rPr lang="en-US" sz="3000" dirty="0"/>
-              <a:t>D</a:t>
-            </a:r>
-            <a:r>
-              <a:rPr lang="en-US" sz="3000" dirty="0" smtClean="0"/>
-              <a:t>irectional </a:t>
-            </a:r>
-            <a:r>
-              <a:rPr lang="en-US" sz="3000" dirty="0"/>
-              <a:t>C</a:t>
-            </a:r>
-            <a:r>
-              <a:rPr lang="en-US" sz="3000" dirty="0" smtClean="0"/>
-              <a:t>ontrol </a:t>
-            </a:r>
-            <a:r>
-              <a:rPr lang="en-US" sz="3000" dirty="0"/>
-              <a:t>V</a:t>
-            </a:r>
-            <a:r>
-              <a:rPr lang="en-US" sz="3000" dirty="0" smtClean="0"/>
-              <a:t>alves (4/2)</a:t>
-            </a:r>
-          </a:p>
-          <a:p>
-            <a:r>
-              <a:rPr lang="en-US" sz="3000" dirty="0"/>
-              <a:t>P</a:t>
-            </a:r>
-            <a:r>
-              <a:rPr lang="en-US" sz="3000" dirty="0" smtClean="0"/>
-              <a:t>ressure </a:t>
-            </a:r>
-            <a:r>
-              <a:rPr lang="en-US" sz="3000" dirty="0"/>
-              <a:t>R</a:t>
-            </a:r>
-            <a:r>
-              <a:rPr lang="en-US" sz="3000" dirty="0" smtClean="0"/>
-              <a:t>elief </a:t>
-            </a:r>
-            <a:r>
-              <a:rPr lang="en-US" sz="3000" dirty="0"/>
-              <a:t>V</a:t>
-            </a:r>
-            <a:r>
-              <a:rPr lang="en-US" sz="3000" dirty="0" smtClean="0"/>
-              <a:t>alve</a:t>
-            </a:r>
-          </a:p>
-          <a:p>
-            <a:r>
-              <a:rPr lang="en-US" sz="3000" dirty="0"/>
-              <a:t>T</a:t>
-            </a:r>
-            <a:r>
-              <a:rPr lang="en-US" sz="3000" dirty="0" smtClean="0"/>
               <a:t>ubing</a:t>
             </a:r>
           </a:p>
         </p:txBody>
       </p:sp>
+      <p:pic>
+        <p:nvPicPr>
+          <p:cNvPr id="1026" name="Picture 2" descr="http://www.daerospace.com/HydraulicSystems/DVHFigure%203.png"/>
+          <p:cNvPicPr>
+            <a:picLocks noChangeAspect="1" noChangeArrowheads="1"/>
+          </p:cNvPicPr>
+          <p:nvPr/>
+        </p:nvPicPr>
+        <p:blipFill>
+          <a:blip r:embed="rId2">
+            <a:extLst>
+              <a:ext uri="{28A0092B-C50C-407E-A947-70E740481C1C}">
+                <a14:useLocalDpi xmlns:a14="http://schemas.microsoft.com/office/drawing/2010/main" val="0"/>
+              </a:ext>
+            </a:extLst>
+          </a:blip>
+          <a:srcRect/>
+          <a:stretch>
+            <a:fillRect/>
+          </a:stretch>
+        </p:blipFill>
+        <p:spPr bwMode="auto">
+          <a:xfrm>
+            <a:off x="5821438" y="4821011"/>
+            <a:ext cx="3912223" cy="1673100"/>
+          </a:xfrm>
+          <a:prstGeom prst="rect">
+            <a:avLst/>
+          </a:prstGeom>
+          <a:noFill/>
+          <a:extLst>
+            <a:ext uri="{909E8E84-426E-40DD-AFC4-6F175D3DCCD1}">
+              <a14:hiddenFill xmlns:a14="http://schemas.microsoft.com/office/drawing/2010/main">
+                <a:solidFill>
+                  <a:srgbClr val="FFFFFF"/>
+                </a:solidFill>
+              </a14:hiddenFill>
+            </a:ext>
+          </a:extLst>
+        </p:spPr>
+      </p:pic>
+      <p:pic>
+        <p:nvPicPr>
+          <p:cNvPr id="1028" name="Picture 4" descr="http://i00.i.aliimg.com/img/pb/412/325/108/108325412_235.JPG"/>
+          <p:cNvPicPr>
+            <a:picLocks noChangeAspect="1" noChangeArrowheads="1"/>
+          </p:cNvPicPr>
+          <p:nvPr/>
+        </p:nvPicPr>
+        <p:blipFill rotWithShape="1">
+          <a:blip r:embed="rId3">
+            <a:extLst>
+              <a:ext uri="{28A0092B-C50C-407E-A947-70E740481C1C}">
+                <a14:useLocalDpi xmlns:a14="http://schemas.microsoft.com/office/drawing/2010/main" val="0"/>
+              </a:ext>
+            </a:extLst>
+          </a:blip>
+          <a:srcRect l="12334" t="8761" r="51151" b="11467"/>
+          <a:stretch/>
+        </p:blipFill>
+        <p:spPr bwMode="auto">
+          <a:xfrm>
+            <a:off x="9254957" y="1728387"/>
+            <a:ext cx="2264636" cy="2766702"/>
+          </a:xfrm>
+          <a:prstGeom prst="rect">
+            <a:avLst/>
+          </a:prstGeom>
+          <a:noFill/>
+          <a:extLst>
+            <a:ext uri="{909E8E84-426E-40DD-AFC4-6F175D3DCCD1}">
+              <a14:hiddenFill xmlns:a14="http://schemas.microsoft.com/office/drawing/2010/main">
+                <a:solidFill>
+                  <a:srgbClr val="FFFFFF"/>
+                </a:solidFill>
+              </a14:hiddenFill>
+            </a:ext>
+          </a:extLst>
+        </p:spPr>
+      </p:pic>
+      <p:pic>
+        <p:nvPicPr>
+          <p:cNvPr id="6" name="Picture 5"/>
+          <p:cNvPicPr/>
+          <p:nvPr/>
+        </p:nvPicPr>
+        <p:blipFill>
+          <a:blip r:embed="rId4">
+            <a:extLst>
+              <a:ext uri="{28A0092B-C50C-407E-A947-70E740481C1C}">
+                <a14:useLocalDpi xmlns:a14="http://schemas.microsoft.com/office/drawing/2010/main" val="0"/>
+              </a:ext>
+            </a:extLst>
+          </a:blip>
+          <a:stretch>
+            <a:fillRect/>
+          </a:stretch>
+        </p:blipFill>
+        <p:spPr>
+          <a:xfrm>
+            <a:off x="5696127" y="1238801"/>
+            <a:ext cx="2933700" cy="979170"/>
+          </a:xfrm>
+          <a:prstGeom prst="rect">
+            <a:avLst/>
+          </a:prstGeom>
+        </p:spPr>
+      </p:pic>
+      <mc:AlternateContent xmlns:mc="http://schemas.openxmlformats.org/markup-compatibility/2006" xmlns:a14="http://schemas.microsoft.com/office/drawing/2010/main">
+        <mc:Choice Requires="a14">
+          <p:sp>
+            <p:nvSpPr>
+              <p:cNvPr id="4" name="TextBox 3"/>
+              <p:cNvSpPr txBox="1"/>
+              <p:nvPr/>
+            </p:nvSpPr>
+            <p:spPr>
+              <a:xfrm>
+                <a:off x="5254240" y="2252001"/>
+                <a:ext cx="3512320" cy="394147"/>
+              </a:xfrm>
+              <a:prstGeom prst="rect">
+                <a:avLst/>
+              </a:prstGeom>
+              <a:noFill/>
+            </p:spPr>
+            <p:txBody>
+              <a:bodyPr wrap="square" rtlCol="0">
+                <a:spAutoFit/>
+              </a:bodyPr>
+              <a:lstStyle/>
+              <a:p>
+                <a:pPr/>
+                <a14:m>
+                  <m:oMathPara xmlns:m="http://schemas.openxmlformats.org/officeDocument/2006/math">
+                    <m:oMathParaPr>
+                      <m:jc m:val="centerGroup"/>
+                    </m:oMathParaPr>
+                    <m:oMath xmlns:m="http://schemas.openxmlformats.org/officeDocument/2006/math">
+                      <m:r>
+                        <a:rPr lang="en-US" i="1">
+                          <a:latin typeface="Cambria Math"/>
+                        </a:rPr>
+                        <m:t>𝐹</m:t>
+                      </m:r>
+                      <m:r>
+                        <a:rPr lang="en-US" i="1">
+                          <a:latin typeface="Cambria Math"/>
+                        </a:rPr>
+                        <m:t> =</m:t>
+                      </m:r>
+                      <m:sSub>
+                        <m:sSubPr>
+                          <m:ctrlPr>
+                            <a:rPr lang="en-US" i="1">
+                              <a:latin typeface="Cambria Math"/>
+                            </a:rPr>
+                          </m:ctrlPr>
+                        </m:sSubPr>
+                        <m:e>
+                          <m:r>
+                            <a:rPr lang="en-US" i="1">
+                              <a:latin typeface="Cambria Math"/>
+                            </a:rPr>
+                            <m:t>𝑃</m:t>
+                          </m:r>
+                        </m:e>
+                        <m:sub>
+                          <m:r>
+                            <a:rPr lang="en-US" i="1">
+                              <a:latin typeface="Cambria Math"/>
+                            </a:rPr>
+                            <m:t>𝑐𝑎𝑝</m:t>
+                          </m:r>
+                        </m:sub>
+                      </m:sSub>
+                      <m:sSub>
+                        <m:sSubPr>
+                          <m:ctrlPr>
+                            <a:rPr lang="en-US" i="1">
+                              <a:latin typeface="Cambria Math"/>
+                            </a:rPr>
+                          </m:ctrlPr>
+                        </m:sSubPr>
+                        <m:e>
+                          <m:r>
+                            <a:rPr lang="en-US" i="1">
+                              <a:latin typeface="Cambria Math"/>
+                            </a:rPr>
+                            <m:t>𝐴</m:t>
+                          </m:r>
+                        </m:e>
+                        <m:sub>
+                          <m:r>
+                            <a:rPr lang="en-US" i="1">
+                              <a:latin typeface="Cambria Math"/>
+                            </a:rPr>
+                            <m:t>𝑐𝑎𝑝</m:t>
+                          </m:r>
+                        </m:sub>
+                      </m:sSub>
+                      <m:r>
+                        <a:rPr lang="en-US" i="1">
+                          <a:latin typeface="Cambria Math"/>
+                        </a:rPr>
+                        <m:t> −</m:t>
+                      </m:r>
+                      <m:sSub>
+                        <m:sSubPr>
+                          <m:ctrlPr>
+                            <a:rPr lang="en-US" i="1">
+                              <a:latin typeface="Cambria Math"/>
+                            </a:rPr>
+                          </m:ctrlPr>
+                        </m:sSubPr>
+                        <m:e>
+                          <m:r>
+                            <a:rPr lang="en-US" i="1">
+                              <a:latin typeface="Cambria Math"/>
+                            </a:rPr>
+                            <m:t>𝑃</m:t>
+                          </m:r>
+                        </m:e>
+                        <m:sub>
+                          <m:r>
+                            <a:rPr lang="en-US" i="1">
+                              <a:latin typeface="Cambria Math"/>
+                            </a:rPr>
+                            <m:t>𝑟𝑜𝑑</m:t>
+                          </m:r>
+                        </m:sub>
+                      </m:sSub>
+                      <m:sSub>
+                        <m:sSubPr>
+                          <m:ctrlPr>
+                            <a:rPr lang="en-US" i="1">
+                              <a:latin typeface="Cambria Math"/>
+                            </a:rPr>
+                          </m:ctrlPr>
+                        </m:sSubPr>
+                        <m:e>
+                          <m:r>
+                            <a:rPr lang="en-US" i="1">
+                              <a:latin typeface="Cambria Math"/>
+                            </a:rPr>
+                            <m:t>𝐴</m:t>
+                          </m:r>
+                        </m:e>
+                        <m:sub>
+                          <m:r>
+                            <a:rPr lang="en-US" i="1">
+                              <a:latin typeface="Cambria Math"/>
+                            </a:rPr>
+                            <m:t>𝑟𝑜𝑑</m:t>
+                          </m:r>
+                        </m:sub>
+                      </m:sSub>
+                    </m:oMath>
+                  </m:oMathPara>
+                </a14:m>
+                <a:endParaRPr lang="en-US" dirty="0"/>
+              </a:p>
+            </p:txBody>
+          </p:sp>
+        </mc:Choice>
+        <mc:Fallback xmlns="">
+          <p:sp>
+            <p:nvSpPr>
+              <p:cNvPr id="4" name="TextBox 3"/>
+              <p:cNvSpPr txBox="1">
+                <a:spLocks noRot="1" noChangeAspect="1" noMove="1" noResize="1" noEditPoints="1" noAdjustHandles="1" noChangeArrowheads="1" noChangeShapeType="1" noTextEdit="1"/>
+              </p:cNvSpPr>
+              <p:nvPr/>
+            </p:nvSpPr>
+            <p:spPr>
+              <a:xfrm>
+                <a:off x="5254240" y="2252001"/>
+                <a:ext cx="3512320" cy="394147"/>
+              </a:xfrm>
+              <a:prstGeom prst="rect">
+                <a:avLst/>
+              </a:prstGeom>
+              <a:blipFill rotWithShape="1">
+                <a:blip r:embed="rId5"/>
+                <a:stretch>
+                  <a:fillRect b="-3077"/>
+                </a:stretch>
+              </a:blipFill>
+            </p:spPr>
+            <p:txBody>
+              <a:bodyPr/>
+              <a:lstStyle/>
+              <a:p>
+                <a:r>
+                  <a:rPr lang="en-US">
+                    <a:noFill/>
+                  </a:rPr>
+                  <a:t> </a:t>
+                </a:r>
+              </a:p>
+            </p:txBody>
+          </p:sp>
+        </mc:Fallback>
+      </mc:AlternateContent>
     </p:spTree>
     <p:extLst>
       <p:ext uri="{BB962C8B-B14F-4D97-AF65-F5344CB8AC3E}">
-        <p14:creationId xmlns:p14="http://schemas.microsoft.com/office/powerpoint/2010/main" val="999933654"/>
+        <p14:creationId xmlns:p14="http://schemas.microsoft.com/office/powerpoint/2010/main" val="2435262260"/>
       </p:ext>
     </p:extLst>
   </p:cSld>
@@ -14816,10 +15060,43 @@
           </a:ln>
         </p:spPr>
       </p:pic>
+      <p:pic>
+        <p:nvPicPr>
+          <p:cNvPr id="5" name="Content Placeholder 3" descr="D:\MyDocs\Documents\Classes\AgileRoboticControls\Research\Pneumatic Circuits\Sample Circuit.png"/>
+          <p:cNvPicPr>
+            <a:picLocks/>
+          </p:cNvPicPr>
+          <p:nvPr/>
+        </p:nvPicPr>
+        <p:blipFill rotWithShape="1">
+          <a:blip r:embed="rId2">
+            <a:extLst>
+              <a:ext uri="{28A0092B-C50C-407E-A947-70E740481C1C}">
+                <a14:useLocalDpi xmlns:a14="http://schemas.microsoft.com/office/drawing/2010/main" val="0"/>
+              </a:ext>
+            </a:extLst>
+          </a:blip>
+          <a:srcRect l="65704" t="40286" r="21823" b="47157"/>
+          <a:stretch/>
+        </p:blipFill>
+        <p:spPr bwMode="auto">
+          <a:xfrm flipV="1">
+            <a:off x="7649669" y="3264494"/>
+            <a:ext cx="1256232" cy="529840"/>
+          </a:xfrm>
+          <a:prstGeom prst="rect">
+            <a:avLst/>
+          </a:prstGeom>
+          <a:noFill/>
+          <a:ln>
+            <a:noFill/>
+          </a:ln>
+        </p:spPr>
+      </p:pic>
     </p:spTree>
     <p:extLst>
       <p:ext uri="{BB962C8B-B14F-4D97-AF65-F5344CB8AC3E}">
-        <p14:creationId xmlns:p14="http://schemas.microsoft.com/office/powerpoint/2010/main" val="1815423388"/>
+        <p14:creationId xmlns:p14="http://schemas.microsoft.com/office/powerpoint/2010/main" val="939920761"/>
       </p:ext>
     </p:extLst>
   </p:cSld>
@@ -15276,7 +15553,7 @@
   <a:extraClrSchemeLst/>
   <a:extLst>
     <a:ext uri="{05A4C25C-085E-4340-85A3-A5531E510DB2}">
-      <thm15:themeFamily xmlns:thm15="http://schemas.microsoft.com/office/thememl/2012/main" name="Circuit" id="{0AC2F7E7-15F5-431C-B2A2-456FE929F56C}" vid="{142578CA-DEC9-49C3-80AF-C113973CC9A9}"/>
+      <thm15:themeFamily xmlns:thm15="http://schemas.microsoft.com/office/thememl/2012/main" xmlns="" name="Circuit" id="{0AC2F7E7-15F5-431C-B2A2-456FE929F56C}" vid="{142578CA-DEC9-49C3-80AF-C113973CC9A9}"/>
     </a:ext>
   </a:extLst>
 </a:theme>

--- a/Documentation/Presentation/Design Powerpoint.pptx
+++ b/Documentation/Presentation/Design Powerpoint.pptx
@@ -8,18 +8,22 @@
     <p:sldId id="256" r:id="rId2"/>
     <p:sldId id="258" r:id="rId3"/>
     <p:sldId id="264" r:id="rId4"/>
-    <p:sldId id="259" r:id="rId5"/>
-    <p:sldId id="276" r:id="rId6"/>
-    <p:sldId id="277" r:id="rId7"/>
-    <p:sldId id="278" r:id="rId8"/>
-    <p:sldId id="265" r:id="rId9"/>
-    <p:sldId id="266" r:id="rId10"/>
-    <p:sldId id="271" r:id="rId11"/>
-    <p:sldId id="272" r:id="rId12"/>
-    <p:sldId id="273" r:id="rId13"/>
-    <p:sldId id="274" r:id="rId14"/>
-    <p:sldId id="275" r:id="rId15"/>
-    <p:sldId id="263" r:id="rId16"/>
+    <p:sldId id="279" r:id="rId5"/>
+    <p:sldId id="280" r:id="rId6"/>
+    <p:sldId id="281" r:id="rId7"/>
+    <p:sldId id="282" r:id="rId8"/>
+    <p:sldId id="283" r:id="rId9"/>
+    <p:sldId id="276" r:id="rId10"/>
+    <p:sldId id="277" r:id="rId11"/>
+    <p:sldId id="278" r:id="rId12"/>
+    <p:sldId id="265" r:id="rId13"/>
+    <p:sldId id="266" r:id="rId14"/>
+    <p:sldId id="271" r:id="rId15"/>
+    <p:sldId id="272" r:id="rId16"/>
+    <p:sldId id="273" r:id="rId17"/>
+    <p:sldId id="274" r:id="rId18"/>
+    <p:sldId id="275" r:id="rId19"/>
+    <p:sldId id="263" r:id="rId20"/>
   </p:sldIdLst>
   <p:sldSz cx="12192000" cy="6858000"/>
   <p:notesSz cx="6858000" cy="9144000"/>
@@ -120,7 +124,7 @@
   </p:defaultTextStyle>
   <p:extLst>
     <p:ext uri="{EFAFB233-063F-42B5-8137-9DF3F51BA10A}">
-      <p15:sldGuideLst xmlns:p15="http://schemas.microsoft.com/office/powerpoint/2012/main" xmlns="">
+      <p15:sldGuideLst xmlns="" xmlns:p15="http://schemas.microsoft.com/office/powerpoint/2012/main">
         <p15:guide id="1" orient="horz" pos="2160">
           <p15:clr>
             <a:srgbClr val="A4A3A4"/>
@@ -12477,18 +12481,21 @@
             <p:ph type="title"/>
           </p:nvPr>
         </p:nvSpPr>
-        <p:spPr/>
+        <p:spPr>
+          <a:xfrm>
+            <a:off x="1219200" y="0"/>
+            <a:ext cx="10972800" cy="1143000"/>
+          </a:xfrm>
+        </p:spPr>
         <p:txBody>
-          <a:bodyPr>
-            <a:normAutofit/>
-          </a:bodyPr>
+          <a:bodyPr/>
           <a:lstStyle/>
           <a:p>
             <a:r>
-              <a:rPr lang="en-US" sz="4000" dirty="0" smtClean="0"/>
-              <a:t>Control architecture</a:t>
-            </a:r>
-            <a:endParaRPr lang="en-US" sz="4000" dirty="0"/>
+              <a:rPr lang="en-US" dirty="0" smtClean="0"/>
+              <a:t>Components</a:t>
+            </a:r>
+            <a:endParaRPr lang="en-US" dirty="0"/>
           </a:p>
         </p:txBody>
       </p:sp>
@@ -12504,54 +12511,472 @@
         </p:nvSpPr>
         <p:spPr>
           <a:xfrm>
-            <a:off x="1141412" y="2249486"/>
-            <a:ext cx="9905999" cy="4265613"/>
+            <a:off x="1016000" y="1102056"/>
+            <a:ext cx="7704919" cy="5029200"/>
           </a:xfrm>
         </p:spPr>
         <p:txBody>
           <a:bodyPr>
-            <a:normAutofit/>
+            <a:normAutofit lnSpcReduction="10000"/>
           </a:bodyPr>
           <a:lstStyle/>
           <a:p>
-            <a:r>
-              <a:rPr lang="en-US" sz="2800" dirty="0" smtClean="0"/>
-              <a:t>Control algorithms: Software implemented PIDs</a:t>
-            </a:r>
-          </a:p>
-          <a:p>
-            <a:r>
-              <a:rPr lang="en-US" sz="2800" dirty="0" smtClean="0"/>
-              <a:t>Software: MATLAB/Simulink and associated CODER software</a:t>
-            </a:r>
-          </a:p>
-          <a:p>
-            <a:r>
-              <a:rPr lang="en-US" sz="2800" dirty="0" smtClean="0"/>
-              <a:t>Simulink model of the control is developed and then C code is generated for the target hardware</a:t>
-            </a:r>
-          </a:p>
-          <a:p>
-            <a:r>
-              <a:rPr lang="en-US" sz="2800" dirty="0" smtClean="0"/>
-              <a:t>Current hardware is an Arduino Mega 2560</a:t>
-            </a:r>
-          </a:p>
-          <a:p>
-            <a:r>
-              <a:rPr lang="en-US" sz="2800" dirty="0"/>
-              <a:t>The feedback in the control loop will be a position feedback from the cylinder</a:t>
-            </a:r>
-          </a:p>
-          <a:p>
-            <a:endParaRPr lang="en-US" sz="2800" dirty="0"/>
+            <a:pPr marL="0" indent="0">
+              <a:buNone/>
+            </a:pPr>
+            <a:r>
+              <a:rPr lang="en-US" dirty="0" smtClean="0"/>
+              <a:t>Pneumatic </a:t>
+            </a:r>
+            <a:r>
+              <a:rPr lang="en-US" dirty="0"/>
+              <a:t>components </a:t>
+            </a:r>
+            <a:r>
+              <a:rPr lang="en-US" dirty="0" smtClean="0"/>
+              <a:t>include:</a:t>
+            </a:r>
+          </a:p>
+          <a:p>
+            <a:r>
+              <a:rPr lang="en-US" sz="3000" dirty="0" smtClean="0"/>
+              <a:t>Receiver Tank</a:t>
+            </a:r>
+          </a:p>
+          <a:p>
+            <a:r>
+              <a:rPr lang="en-US" sz="3000" dirty="0" smtClean="0"/>
+              <a:t>Air </a:t>
+            </a:r>
+            <a:r>
+              <a:rPr lang="en-US" sz="3000" dirty="0"/>
+              <a:t>C</a:t>
+            </a:r>
+            <a:r>
+              <a:rPr lang="en-US" sz="3000" dirty="0" smtClean="0"/>
+              <a:t>ompressor</a:t>
+            </a:r>
+          </a:p>
+          <a:p>
+            <a:r>
+              <a:rPr lang="en-US" sz="3000" dirty="0"/>
+              <a:t>D</a:t>
+            </a:r>
+            <a:r>
+              <a:rPr lang="en-US" sz="3000" dirty="0" smtClean="0"/>
+              <a:t>ouble </a:t>
+            </a:r>
+            <a:r>
+              <a:rPr lang="en-US" sz="3000" dirty="0"/>
+              <a:t>A</a:t>
+            </a:r>
+            <a:r>
+              <a:rPr lang="en-US" sz="3000" dirty="0" smtClean="0"/>
+              <a:t>cting </a:t>
+            </a:r>
+            <a:r>
+              <a:rPr lang="en-US" sz="3000" dirty="0"/>
+              <a:t>A</a:t>
+            </a:r>
+            <a:r>
+              <a:rPr lang="en-US" sz="3000" dirty="0" smtClean="0"/>
+              <a:t>ir </a:t>
+            </a:r>
+            <a:r>
+              <a:rPr lang="en-US" sz="3000" dirty="0"/>
+              <a:t>C</a:t>
+            </a:r>
+            <a:r>
+              <a:rPr lang="en-US" sz="3000" dirty="0" smtClean="0"/>
+              <a:t>ylinders (w/ feedback)</a:t>
+            </a:r>
+          </a:p>
+          <a:p>
+            <a:r>
+              <a:rPr lang="en-US" sz="3000" dirty="0" smtClean="0"/>
+              <a:t>Solenoid </a:t>
+            </a:r>
+            <a:r>
+              <a:rPr lang="en-US" sz="3000" dirty="0"/>
+              <a:t>V</a:t>
+            </a:r>
+            <a:r>
+              <a:rPr lang="en-US" sz="3000" dirty="0" smtClean="0"/>
+              <a:t>alve </a:t>
+            </a:r>
+          </a:p>
+          <a:p>
+            <a:r>
+              <a:rPr lang="en-US" sz="3000" dirty="0"/>
+              <a:t>D</a:t>
+            </a:r>
+            <a:r>
+              <a:rPr lang="en-US" sz="3000" dirty="0" smtClean="0"/>
+              <a:t>irectional </a:t>
+            </a:r>
+            <a:r>
+              <a:rPr lang="en-US" sz="3000" dirty="0"/>
+              <a:t>C</a:t>
+            </a:r>
+            <a:r>
+              <a:rPr lang="en-US" sz="3000" dirty="0" smtClean="0"/>
+              <a:t>ontrol </a:t>
+            </a:r>
+            <a:r>
+              <a:rPr lang="en-US" sz="3000" dirty="0"/>
+              <a:t>V</a:t>
+            </a:r>
+            <a:r>
+              <a:rPr lang="en-US" sz="3000" dirty="0" smtClean="0"/>
+              <a:t>alves (4/2)</a:t>
+            </a:r>
+          </a:p>
+          <a:p>
+            <a:r>
+              <a:rPr lang="en-US" sz="3000" dirty="0"/>
+              <a:t>P</a:t>
+            </a:r>
+            <a:r>
+              <a:rPr lang="en-US" sz="3000" dirty="0" smtClean="0"/>
+              <a:t>ressure </a:t>
+            </a:r>
+            <a:r>
+              <a:rPr lang="en-US" sz="3000" dirty="0"/>
+              <a:t>R</a:t>
+            </a:r>
+            <a:r>
+              <a:rPr lang="en-US" sz="3000" dirty="0" smtClean="0"/>
+              <a:t>elief </a:t>
+            </a:r>
+            <a:r>
+              <a:rPr lang="en-US" sz="3000" dirty="0"/>
+              <a:t>V</a:t>
+            </a:r>
+            <a:r>
+              <a:rPr lang="en-US" sz="3000" dirty="0" smtClean="0"/>
+              <a:t>alve</a:t>
+            </a:r>
+          </a:p>
+          <a:p>
+            <a:r>
+              <a:rPr lang="en-US" sz="3000" dirty="0"/>
+              <a:t>T</a:t>
+            </a:r>
+            <a:r>
+              <a:rPr lang="en-US" sz="3000" dirty="0" smtClean="0"/>
+              <a:t>ubing</a:t>
+            </a:r>
           </a:p>
         </p:txBody>
       </p:sp>
+      <p:pic>
+        <p:nvPicPr>
+          <p:cNvPr id="1026" name="Picture 2" descr="http://www.daerospace.com/HydraulicSystems/DVHFigure%203.png"/>
+          <p:cNvPicPr>
+            <a:picLocks noChangeAspect="1" noChangeArrowheads="1"/>
+          </p:cNvPicPr>
+          <p:nvPr/>
+        </p:nvPicPr>
+        <p:blipFill>
+          <a:blip r:embed="rId2">
+            <a:extLst>
+              <a:ext uri="{28A0092B-C50C-407E-A947-70E740481C1C}">
+                <a14:useLocalDpi xmlns:a14="http://schemas.microsoft.com/office/drawing/2010/main" val="0"/>
+              </a:ext>
+            </a:extLst>
+          </a:blip>
+          <a:srcRect/>
+          <a:stretch>
+            <a:fillRect/>
+          </a:stretch>
+        </p:blipFill>
+        <p:spPr bwMode="auto">
+          <a:xfrm>
+            <a:off x="5821438" y="4821011"/>
+            <a:ext cx="3912223" cy="1673100"/>
+          </a:xfrm>
+          <a:prstGeom prst="rect">
+            <a:avLst/>
+          </a:prstGeom>
+          <a:noFill/>
+          <a:extLst>
+            <a:ext uri="{909E8E84-426E-40DD-AFC4-6F175D3DCCD1}">
+              <a14:hiddenFill xmlns:a14="http://schemas.microsoft.com/office/drawing/2010/main">
+                <a:solidFill>
+                  <a:srgbClr val="FFFFFF"/>
+                </a:solidFill>
+              </a14:hiddenFill>
+            </a:ext>
+          </a:extLst>
+        </p:spPr>
+      </p:pic>
+      <p:pic>
+        <p:nvPicPr>
+          <p:cNvPr id="1028" name="Picture 4" descr="http://i00.i.aliimg.com/img/pb/412/325/108/108325412_235.JPG"/>
+          <p:cNvPicPr>
+            <a:picLocks noChangeAspect="1" noChangeArrowheads="1"/>
+          </p:cNvPicPr>
+          <p:nvPr/>
+        </p:nvPicPr>
+        <p:blipFill rotWithShape="1">
+          <a:blip r:embed="rId3">
+            <a:extLst>
+              <a:ext uri="{28A0092B-C50C-407E-A947-70E740481C1C}">
+                <a14:useLocalDpi xmlns:a14="http://schemas.microsoft.com/office/drawing/2010/main" val="0"/>
+              </a:ext>
+            </a:extLst>
+          </a:blip>
+          <a:srcRect l="12334" t="8761" r="51151" b="11467"/>
+          <a:stretch/>
+        </p:blipFill>
+        <p:spPr bwMode="auto">
+          <a:xfrm>
+            <a:off x="9254957" y="1728387"/>
+            <a:ext cx="2264636" cy="2766702"/>
+          </a:xfrm>
+          <a:prstGeom prst="rect">
+            <a:avLst/>
+          </a:prstGeom>
+          <a:noFill/>
+          <a:extLst>
+            <a:ext uri="{909E8E84-426E-40DD-AFC4-6F175D3DCCD1}">
+              <a14:hiddenFill xmlns:a14="http://schemas.microsoft.com/office/drawing/2010/main">
+                <a:solidFill>
+                  <a:srgbClr val="FFFFFF"/>
+                </a:solidFill>
+              </a14:hiddenFill>
+            </a:ext>
+          </a:extLst>
+        </p:spPr>
+      </p:pic>
+      <p:pic>
+        <p:nvPicPr>
+          <p:cNvPr id="6" name="Picture 5"/>
+          <p:cNvPicPr/>
+          <p:nvPr/>
+        </p:nvPicPr>
+        <p:blipFill>
+          <a:blip r:embed="rId4">
+            <a:extLst>
+              <a:ext uri="{28A0092B-C50C-407E-A947-70E740481C1C}">
+                <a14:useLocalDpi xmlns:a14="http://schemas.microsoft.com/office/drawing/2010/main" val="0"/>
+              </a:ext>
+            </a:extLst>
+          </a:blip>
+          <a:stretch>
+            <a:fillRect/>
+          </a:stretch>
+        </p:blipFill>
+        <p:spPr>
+          <a:xfrm>
+            <a:off x="5696127" y="1238801"/>
+            <a:ext cx="2933700" cy="979170"/>
+          </a:xfrm>
+          <a:prstGeom prst="rect">
+            <a:avLst/>
+          </a:prstGeom>
+        </p:spPr>
+      </p:pic>
+      <mc:AlternateContent xmlns:mc="http://schemas.openxmlformats.org/markup-compatibility/2006" xmlns:a14="http://schemas.microsoft.com/office/drawing/2010/main">
+        <mc:Choice Requires="a14">
+          <p:sp>
+            <p:nvSpPr>
+              <p:cNvPr id="4" name="TextBox 3"/>
+              <p:cNvSpPr txBox="1"/>
+              <p:nvPr/>
+            </p:nvSpPr>
+            <p:spPr>
+              <a:xfrm>
+                <a:off x="5254240" y="2252001"/>
+                <a:ext cx="3512320" cy="394147"/>
+              </a:xfrm>
+              <a:prstGeom prst="rect">
+                <a:avLst/>
+              </a:prstGeom>
+              <a:noFill/>
+            </p:spPr>
+            <p:txBody>
+              <a:bodyPr wrap="square" rtlCol="0">
+                <a:spAutoFit/>
+              </a:bodyPr>
+              <a:lstStyle/>
+              <a:p>
+                <a:pPr/>
+                <a14:m>
+                  <m:oMathPara xmlns:m="http://schemas.openxmlformats.org/officeDocument/2006/math">
+                    <m:oMathParaPr>
+                      <m:jc m:val="centerGroup"/>
+                    </m:oMathParaPr>
+                    <m:oMath xmlns:m="http://schemas.openxmlformats.org/officeDocument/2006/math">
+                      <m:r>
+                        <a:rPr lang="en-US" i="1">
+                          <a:latin typeface="Cambria Math"/>
+                        </a:rPr>
+                        <m:t>𝐹</m:t>
+                      </m:r>
+                      <m:r>
+                        <a:rPr lang="en-US" i="1">
+                          <a:latin typeface="Cambria Math"/>
+                        </a:rPr>
+                        <m:t> =</m:t>
+                      </m:r>
+                      <m:sSub>
+                        <m:sSubPr>
+                          <m:ctrlPr>
+                            <a:rPr lang="en-US" i="1">
+                              <a:latin typeface="Cambria Math"/>
+                            </a:rPr>
+                          </m:ctrlPr>
+                        </m:sSubPr>
+                        <m:e>
+                          <m:r>
+                            <a:rPr lang="en-US" i="1">
+                              <a:latin typeface="Cambria Math"/>
+                            </a:rPr>
+                            <m:t>𝑃</m:t>
+                          </m:r>
+                        </m:e>
+                        <m:sub>
+                          <m:r>
+                            <a:rPr lang="en-US" i="1">
+                              <a:latin typeface="Cambria Math"/>
+                            </a:rPr>
+                            <m:t>𝑐𝑎𝑝</m:t>
+                          </m:r>
+                        </m:sub>
+                      </m:sSub>
+                      <m:sSub>
+                        <m:sSubPr>
+                          <m:ctrlPr>
+                            <a:rPr lang="en-US" i="1">
+                              <a:latin typeface="Cambria Math"/>
+                            </a:rPr>
+                          </m:ctrlPr>
+                        </m:sSubPr>
+                        <m:e>
+                          <m:r>
+                            <a:rPr lang="en-US" i="1">
+                              <a:latin typeface="Cambria Math"/>
+                            </a:rPr>
+                            <m:t>𝐴</m:t>
+                          </m:r>
+                        </m:e>
+                        <m:sub>
+                          <m:r>
+                            <a:rPr lang="en-US" i="1">
+                              <a:latin typeface="Cambria Math"/>
+                            </a:rPr>
+                            <m:t>𝑐𝑎𝑝</m:t>
+                          </m:r>
+                        </m:sub>
+                      </m:sSub>
+                      <m:r>
+                        <a:rPr lang="en-US" i="1">
+                          <a:latin typeface="Cambria Math"/>
+                        </a:rPr>
+                        <m:t> −</m:t>
+                      </m:r>
+                      <m:sSub>
+                        <m:sSubPr>
+                          <m:ctrlPr>
+                            <a:rPr lang="en-US" i="1">
+                              <a:latin typeface="Cambria Math"/>
+                            </a:rPr>
+                          </m:ctrlPr>
+                        </m:sSubPr>
+                        <m:e>
+                          <m:r>
+                            <a:rPr lang="en-US" i="1">
+                              <a:latin typeface="Cambria Math"/>
+                            </a:rPr>
+                            <m:t>𝑃</m:t>
+                          </m:r>
+                        </m:e>
+                        <m:sub>
+                          <m:r>
+                            <a:rPr lang="en-US" i="1">
+                              <a:latin typeface="Cambria Math"/>
+                            </a:rPr>
+                            <m:t>𝑟𝑜𝑑</m:t>
+                          </m:r>
+                        </m:sub>
+                      </m:sSub>
+                      <m:sSub>
+                        <m:sSubPr>
+                          <m:ctrlPr>
+                            <a:rPr lang="en-US" i="1">
+                              <a:latin typeface="Cambria Math"/>
+                            </a:rPr>
+                          </m:ctrlPr>
+                        </m:sSubPr>
+                        <m:e>
+                          <m:r>
+                            <a:rPr lang="en-US" i="1">
+                              <a:latin typeface="Cambria Math"/>
+                            </a:rPr>
+                            <m:t>𝐴</m:t>
+                          </m:r>
+                        </m:e>
+                        <m:sub>
+                          <m:r>
+                            <a:rPr lang="en-US" i="1">
+                              <a:latin typeface="Cambria Math"/>
+                            </a:rPr>
+                            <m:t>𝑟𝑜𝑑</m:t>
+                          </m:r>
+                        </m:sub>
+                      </m:sSub>
+                    </m:oMath>
+                  </m:oMathPara>
+                </a14:m>
+                <a:endParaRPr lang="en-US" dirty="0"/>
+              </a:p>
+            </p:txBody>
+          </p:sp>
+        </mc:Choice>
+        <mc:Fallback xmlns="">
+          <p:sp>
+            <p:nvSpPr>
+              <p:cNvPr id="4" name="TextBox 3"/>
+              <p:cNvSpPr txBox="1">
+                <a:spLocks noRot="1" noChangeAspect="1" noMove="1" noResize="1" noEditPoints="1" noAdjustHandles="1" noChangeArrowheads="1" noChangeShapeType="1" noTextEdit="1"/>
+              </p:cNvSpPr>
+              <p:nvPr/>
+            </p:nvSpPr>
+            <p:spPr>
+              <a:xfrm>
+                <a:off x="5254240" y="2252001"/>
+                <a:ext cx="3512320" cy="394147"/>
+              </a:xfrm>
+              <a:prstGeom prst="rect">
+                <a:avLst/>
+              </a:prstGeom>
+              <a:blipFill rotWithShape="1">
+                <a:blip r:embed="rId5"/>
+                <a:stretch>
+                  <a:fillRect b="-3077"/>
+                </a:stretch>
+              </a:blipFill>
+            </p:spPr>
+            <p:txBody>
+              <a:bodyPr/>
+              <a:lstStyle/>
+              <a:p>
+                <a:r>
+                  <a:rPr lang="en-US">
+                    <a:noFill/>
+                  </a:rPr>
+                  <a:t> </a:t>
+                </a:r>
+              </a:p>
+            </p:txBody>
+          </p:sp>
+        </mc:Fallback>
+      </mc:AlternateContent>
     </p:spTree>
     <p:extLst>
       <p:ext uri="{BB962C8B-B14F-4D97-AF65-F5344CB8AC3E}">
-        <p14:creationId xmlns:p14="http://schemas.microsoft.com/office/powerpoint/2010/main" val="3213992839"/>
+        <p14:creationId xmlns:p14="http://schemas.microsoft.com/office/powerpoint/2010/main" val="2435262260"/>
       </p:ext>
     </p:extLst>
   </p:cSld>
@@ -12588,42 +13013,98 @@
             <p:ph type="title"/>
           </p:nvPr>
         </p:nvSpPr>
-        <p:spPr/>
+        <p:spPr>
+          <a:xfrm>
+            <a:off x="1100470" y="250029"/>
+            <a:ext cx="9905998" cy="1478570"/>
+          </a:xfrm>
+        </p:spPr>
         <p:txBody>
           <a:bodyPr/>
           <a:lstStyle/>
           <a:p>
-            <a:endParaRPr lang="en-US"/>
+            <a:r>
+              <a:rPr lang="en-US" dirty="0" smtClean="0"/>
+              <a:t>Pneumatic Circuit</a:t>
+            </a:r>
+            <a:endParaRPr lang="en-US" dirty="0"/>
           </a:p>
         </p:txBody>
       </p:sp>
-      <p:sp>
-        <p:nvSpPr>
-          <p:cNvPr id="3" name="Content Placeholder 2"/>
-          <p:cNvSpPr>
-            <a:spLocks noGrp="1"/>
-          </p:cNvSpPr>
+      <p:pic>
+        <p:nvPicPr>
+          <p:cNvPr id="4" name="Content Placeholder 3" descr="D:\MyDocs\Documents\Classes\AgileRoboticControls\Research\Pneumatic Circuits\Sample Circuit.png"/>
+          <p:cNvPicPr>
+            <a:picLocks noGrp="1"/>
+          </p:cNvPicPr>
           <p:nvPr>
             <p:ph idx="1"/>
           </p:nvPr>
-        </p:nvSpPr>
-        <p:spPr/>
-        <p:txBody>
-          <a:bodyPr/>
-          <a:lstStyle/>
-          <a:p>
-            <a:r>
-              <a:rPr lang="en-US" dirty="0" smtClean="0"/>
-              <a:t>&lt;Picture of Simulink model with PIDs&gt;</a:t>
-            </a:r>
-            <a:endParaRPr lang="en-US" dirty="0"/>
-          </a:p>
-        </p:txBody>
-      </p:sp>
+        </p:nvPicPr>
+        <p:blipFill>
+          <a:blip r:embed="rId2">
+            <a:extLst>
+              <a:ext uri="{28A0092B-C50C-407E-A947-70E740481C1C}">
+                <a14:useLocalDpi xmlns:a14="http://schemas.microsoft.com/office/drawing/2010/main" val="0"/>
+              </a:ext>
+            </a:extLst>
+          </a:blip>
+          <a:srcRect/>
+          <a:stretch>
+            <a:fillRect/>
+          </a:stretch>
+        </p:blipFill>
+        <p:spPr bwMode="auto">
+          <a:xfrm>
+            <a:off x="1023581" y="1583139"/>
+            <a:ext cx="10072049" cy="4219433"/>
+          </a:xfrm>
+          <a:prstGeom prst="rect">
+            <a:avLst/>
+          </a:prstGeom>
+          <a:noFill/>
+          <a:ln>
+            <a:noFill/>
+          </a:ln>
+        </p:spPr>
+      </p:pic>
+      <p:pic>
+        <p:nvPicPr>
+          <p:cNvPr id="5" name="Content Placeholder 3" descr="D:\MyDocs\Documents\Classes\AgileRoboticControls\Research\Pneumatic Circuits\Sample Circuit.png"/>
+          <p:cNvPicPr>
+            <a:picLocks/>
+          </p:cNvPicPr>
+          <p:nvPr/>
+        </p:nvPicPr>
+        <p:blipFill rotWithShape="1">
+          <a:blip r:embed="rId2">
+            <a:extLst>
+              <a:ext uri="{28A0092B-C50C-407E-A947-70E740481C1C}">
+                <a14:useLocalDpi xmlns:a14="http://schemas.microsoft.com/office/drawing/2010/main" val="0"/>
+              </a:ext>
+            </a:extLst>
+          </a:blip>
+          <a:srcRect l="65704" t="40286" r="21823" b="47157"/>
+          <a:stretch/>
+        </p:blipFill>
+        <p:spPr bwMode="auto">
+          <a:xfrm flipV="1">
+            <a:off x="7649669" y="3264494"/>
+            <a:ext cx="1256232" cy="529840"/>
+          </a:xfrm>
+          <a:prstGeom prst="rect">
+            <a:avLst/>
+          </a:prstGeom>
+          <a:noFill/>
+          <a:ln>
+            <a:noFill/>
+          </a:ln>
+        </p:spPr>
+      </p:pic>
     </p:spTree>
     <p:extLst>
       <p:ext uri="{BB962C8B-B14F-4D97-AF65-F5344CB8AC3E}">
-        <p14:creationId xmlns:p14="http://schemas.microsoft.com/office/powerpoint/2010/main" val="3175501738"/>
+        <p14:creationId xmlns:p14="http://schemas.microsoft.com/office/powerpoint/2010/main" val="939920761"/>
       </p:ext>
     </p:extLst>
   </p:cSld>
@@ -12667,6 +13148,391 @@
           <a:p>
             <a:r>
               <a:rPr lang="en-US" dirty="0" smtClean="0"/>
+              <a:t>Kinematic Modelling</a:t>
+            </a:r>
+            <a:endParaRPr lang="en-US" dirty="0"/>
+          </a:p>
+        </p:txBody>
+      </p:sp>
+      <p:sp>
+        <p:nvSpPr>
+          <p:cNvPr id="3" name="Content Placeholder 2"/>
+          <p:cNvSpPr>
+            <a:spLocks noGrp="1"/>
+          </p:cNvSpPr>
+          <p:nvPr>
+            <p:ph idx="1"/>
+          </p:nvPr>
+        </p:nvSpPr>
+        <p:spPr/>
+        <p:txBody>
+          <a:bodyPr/>
+          <a:lstStyle/>
+          <a:p>
+            <a:r>
+              <a:rPr lang="en-US" dirty="0"/>
+              <a:t>Homogenous Transformations</a:t>
+            </a:r>
+          </a:p>
+          <a:p>
+            <a:r>
+              <a:rPr lang="en-US" dirty="0"/>
+              <a:t>Determines cylinder stroke</a:t>
+            </a:r>
+          </a:p>
+          <a:p>
+            <a:pPr marL="0" indent="0">
+              <a:buNone/>
+            </a:pPr>
+            <a:endParaRPr lang="en-US" dirty="0"/>
+          </a:p>
+        </p:txBody>
+      </p:sp>
+    </p:spTree>
+    <p:extLst>
+      <p:ext uri="{BB962C8B-B14F-4D97-AF65-F5344CB8AC3E}">
+        <p14:creationId xmlns:p14="http://schemas.microsoft.com/office/powerpoint/2010/main" val="156962544"/>
+      </p:ext>
+    </p:extLst>
+  </p:cSld>
+  <p:clrMapOvr>
+    <a:masterClrMapping/>
+  </p:clrMapOvr>
+</p:sld>
+</file>
+
+<file path=ppt/slides/slide13.xml><?xml version="1.0" encoding="utf-8"?>
+<p:sld xmlns:a="http://schemas.openxmlformats.org/drawingml/2006/main" xmlns:r="http://schemas.openxmlformats.org/officeDocument/2006/relationships" xmlns:p="http://schemas.openxmlformats.org/presentationml/2006/main">
+  <p:cSld>
+    <p:spTree>
+      <p:nvGrpSpPr>
+        <p:cNvPr id="1" name=""/>
+        <p:cNvGrpSpPr/>
+        <p:nvPr/>
+      </p:nvGrpSpPr>
+      <p:grpSpPr>
+        <a:xfrm>
+          <a:off x="0" y="0"/>
+          <a:ext cx="0" cy="0"/>
+          <a:chOff x="0" y="0"/>
+          <a:chExt cx="0" cy="0"/>
+        </a:xfrm>
+      </p:grpSpPr>
+      <p:sp>
+        <p:nvSpPr>
+          <p:cNvPr id="2" name="Title 1"/>
+          <p:cNvSpPr>
+            <a:spLocks noGrp="1"/>
+          </p:cNvSpPr>
+          <p:nvPr>
+            <p:ph type="title"/>
+          </p:nvPr>
+        </p:nvSpPr>
+        <p:spPr/>
+        <p:txBody>
+          <a:bodyPr/>
+          <a:lstStyle/>
+          <a:p>
+            <a:r>
+              <a:rPr lang="en-US" dirty="0"/>
+              <a:t>Dynamic Model</a:t>
+            </a:r>
+          </a:p>
+        </p:txBody>
+      </p:sp>
+      <p:sp>
+        <p:nvSpPr>
+          <p:cNvPr id="3" name="Content Placeholder 2"/>
+          <p:cNvSpPr>
+            <a:spLocks noGrp="1"/>
+          </p:cNvSpPr>
+          <p:nvPr>
+            <p:ph idx="1"/>
+          </p:nvPr>
+        </p:nvSpPr>
+        <p:spPr/>
+        <p:txBody>
+          <a:bodyPr/>
+          <a:lstStyle/>
+          <a:p>
+            <a:r>
+              <a:rPr lang="en-US" dirty="0" err="1"/>
+              <a:t>Lagrangian</a:t>
+            </a:r>
+            <a:r>
+              <a:rPr lang="en-US" dirty="0"/>
+              <a:t> Mechanics</a:t>
+            </a:r>
+          </a:p>
+          <a:p>
+            <a:r>
+              <a:rPr lang="en-US" dirty="0"/>
+              <a:t>Non-inertial reference frames</a:t>
+            </a:r>
+          </a:p>
+          <a:p>
+            <a:r>
+              <a:rPr lang="en-US" dirty="0"/>
+              <a:t>Arbitrary </a:t>
+            </a:r>
+            <a:r>
+              <a:rPr lang="en-US" dirty="0" smtClean="0"/>
+              <a:t>global reference </a:t>
+            </a:r>
+            <a:r>
+              <a:rPr lang="en-US" dirty="0"/>
+              <a:t>frame</a:t>
+            </a:r>
+          </a:p>
+          <a:p>
+            <a:r>
+              <a:rPr lang="en-US" dirty="0"/>
+              <a:t>Determines mechanical properties of </a:t>
+            </a:r>
+            <a:r>
+              <a:rPr lang="en-US" dirty="0" smtClean="0"/>
+              <a:t>components</a:t>
+            </a:r>
+          </a:p>
+          <a:p>
+            <a:r>
+              <a:rPr lang="en-US" dirty="0" smtClean="0"/>
+              <a:t>27 Equations</a:t>
+            </a:r>
+            <a:endParaRPr lang="en-US" dirty="0"/>
+          </a:p>
+        </p:txBody>
+      </p:sp>
+    </p:spTree>
+    <p:extLst>
+      <p:ext uri="{BB962C8B-B14F-4D97-AF65-F5344CB8AC3E}">
+        <p14:creationId xmlns:p14="http://schemas.microsoft.com/office/powerpoint/2010/main" val="18980793"/>
+      </p:ext>
+    </p:extLst>
+  </p:cSld>
+  <p:clrMapOvr>
+    <a:masterClrMapping/>
+  </p:clrMapOvr>
+</p:sld>
+</file>
+
+<file path=ppt/slides/slide14.xml><?xml version="1.0" encoding="utf-8"?>
+<p:sld xmlns:a="http://schemas.openxmlformats.org/drawingml/2006/main" xmlns:r="http://schemas.openxmlformats.org/officeDocument/2006/relationships" xmlns:p="http://schemas.openxmlformats.org/presentationml/2006/main">
+  <p:cSld>
+    <p:spTree>
+      <p:nvGrpSpPr>
+        <p:cNvPr id="1" name=""/>
+        <p:cNvGrpSpPr/>
+        <p:nvPr/>
+      </p:nvGrpSpPr>
+      <p:grpSpPr>
+        <a:xfrm>
+          <a:off x="0" y="0"/>
+          <a:ext cx="0" cy="0"/>
+          <a:chOff x="0" y="0"/>
+          <a:chExt cx="0" cy="0"/>
+        </a:xfrm>
+      </p:grpSpPr>
+      <p:sp>
+        <p:nvSpPr>
+          <p:cNvPr id="2" name="Title 1"/>
+          <p:cNvSpPr>
+            <a:spLocks noGrp="1"/>
+          </p:cNvSpPr>
+          <p:nvPr>
+            <p:ph type="title"/>
+          </p:nvPr>
+        </p:nvSpPr>
+        <p:spPr/>
+        <p:txBody>
+          <a:bodyPr>
+            <a:normAutofit/>
+          </a:bodyPr>
+          <a:lstStyle/>
+          <a:p>
+            <a:r>
+              <a:rPr lang="en-US" sz="4000" dirty="0" smtClean="0"/>
+              <a:t>Control architecture</a:t>
+            </a:r>
+            <a:endParaRPr lang="en-US" sz="4000" dirty="0"/>
+          </a:p>
+        </p:txBody>
+      </p:sp>
+      <p:sp>
+        <p:nvSpPr>
+          <p:cNvPr id="3" name="Content Placeholder 2"/>
+          <p:cNvSpPr>
+            <a:spLocks noGrp="1"/>
+          </p:cNvSpPr>
+          <p:nvPr>
+            <p:ph idx="1"/>
+          </p:nvPr>
+        </p:nvSpPr>
+        <p:spPr>
+          <a:xfrm>
+            <a:off x="1141412" y="2249486"/>
+            <a:ext cx="9905999" cy="4265613"/>
+          </a:xfrm>
+        </p:spPr>
+        <p:txBody>
+          <a:bodyPr>
+            <a:normAutofit/>
+          </a:bodyPr>
+          <a:lstStyle/>
+          <a:p>
+            <a:r>
+              <a:rPr lang="en-US" sz="2800" dirty="0" smtClean="0"/>
+              <a:t>Control algorithms: Software implemented PIDs</a:t>
+            </a:r>
+          </a:p>
+          <a:p>
+            <a:r>
+              <a:rPr lang="en-US" sz="2800" dirty="0" smtClean="0"/>
+              <a:t>Software: MATLAB/Simulink and associated CODER software</a:t>
+            </a:r>
+          </a:p>
+          <a:p>
+            <a:r>
+              <a:rPr lang="en-US" sz="2800" dirty="0" smtClean="0"/>
+              <a:t>Simulink model of the control is developed and then C code is generated for the target hardware</a:t>
+            </a:r>
+          </a:p>
+          <a:p>
+            <a:r>
+              <a:rPr lang="en-US" sz="2800" dirty="0" smtClean="0"/>
+              <a:t>Current hardware is an Arduino Mega 2560</a:t>
+            </a:r>
+          </a:p>
+          <a:p>
+            <a:r>
+              <a:rPr lang="en-US" sz="2800" dirty="0"/>
+              <a:t>The feedback in the control loop will be a position feedback from the cylinder</a:t>
+            </a:r>
+          </a:p>
+          <a:p>
+            <a:endParaRPr lang="en-US" sz="2800" dirty="0"/>
+          </a:p>
+        </p:txBody>
+      </p:sp>
+    </p:spTree>
+    <p:extLst>
+      <p:ext uri="{BB962C8B-B14F-4D97-AF65-F5344CB8AC3E}">
+        <p14:creationId xmlns:p14="http://schemas.microsoft.com/office/powerpoint/2010/main" val="3213992839"/>
+      </p:ext>
+    </p:extLst>
+  </p:cSld>
+  <p:clrMapOvr>
+    <a:masterClrMapping/>
+  </p:clrMapOvr>
+</p:sld>
+</file>
+
+<file path=ppt/slides/slide15.xml><?xml version="1.0" encoding="utf-8"?>
+<p:sld xmlns:a="http://schemas.openxmlformats.org/drawingml/2006/main" xmlns:r="http://schemas.openxmlformats.org/officeDocument/2006/relationships" xmlns:p="http://schemas.openxmlformats.org/presentationml/2006/main">
+  <p:cSld>
+    <p:spTree>
+      <p:nvGrpSpPr>
+        <p:cNvPr id="1" name=""/>
+        <p:cNvGrpSpPr/>
+        <p:nvPr/>
+      </p:nvGrpSpPr>
+      <p:grpSpPr>
+        <a:xfrm>
+          <a:off x="0" y="0"/>
+          <a:ext cx="0" cy="0"/>
+          <a:chOff x="0" y="0"/>
+          <a:chExt cx="0" cy="0"/>
+        </a:xfrm>
+      </p:grpSpPr>
+      <p:sp>
+        <p:nvSpPr>
+          <p:cNvPr id="2" name="Title 1"/>
+          <p:cNvSpPr>
+            <a:spLocks noGrp="1"/>
+          </p:cNvSpPr>
+          <p:nvPr>
+            <p:ph type="title"/>
+          </p:nvPr>
+        </p:nvSpPr>
+        <p:spPr/>
+        <p:txBody>
+          <a:bodyPr/>
+          <a:lstStyle/>
+          <a:p>
+            <a:endParaRPr lang="en-US"/>
+          </a:p>
+        </p:txBody>
+      </p:sp>
+      <p:sp>
+        <p:nvSpPr>
+          <p:cNvPr id="3" name="Content Placeholder 2"/>
+          <p:cNvSpPr>
+            <a:spLocks noGrp="1"/>
+          </p:cNvSpPr>
+          <p:nvPr>
+            <p:ph idx="1"/>
+          </p:nvPr>
+        </p:nvSpPr>
+        <p:spPr/>
+        <p:txBody>
+          <a:bodyPr/>
+          <a:lstStyle/>
+          <a:p>
+            <a:r>
+              <a:rPr lang="en-US" dirty="0" smtClean="0"/>
+              <a:t>&lt;Picture of Simulink model with PIDs&gt;</a:t>
+            </a:r>
+            <a:endParaRPr lang="en-US" dirty="0"/>
+          </a:p>
+        </p:txBody>
+      </p:sp>
+    </p:spTree>
+    <p:extLst>
+      <p:ext uri="{BB962C8B-B14F-4D97-AF65-F5344CB8AC3E}">
+        <p14:creationId xmlns:p14="http://schemas.microsoft.com/office/powerpoint/2010/main" val="3175501738"/>
+      </p:ext>
+    </p:extLst>
+  </p:cSld>
+  <p:clrMapOvr>
+    <a:masterClrMapping/>
+  </p:clrMapOvr>
+</p:sld>
+</file>
+
+<file path=ppt/slides/slide16.xml><?xml version="1.0" encoding="utf-8"?>
+<p:sld xmlns:a="http://schemas.openxmlformats.org/drawingml/2006/main" xmlns:r="http://schemas.openxmlformats.org/officeDocument/2006/relationships" xmlns:p="http://schemas.openxmlformats.org/presentationml/2006/main">
+  <p:cSld>
+    <p:spTree>
+      <p:nvGrpSpPr>
+        <p:cNvPr id="1" name=""/>
+        <p:cNvGrpSpPr/>
+        <p:nvPr/>
+      </p:nvGrpSpPr>
+      <p:grpSpPr>
+        <a:xfrm>
+          <a:off x="0" y="0"/>
+          <a:ext cx="0" cy="0"/>
+          <a:chOff x="0" y="0"/>
+          <a:chExt cx="0" cy="0"/>
+        </a:xfrm>
+      </p:grpSpPr>
+      <p:sp>
+        <p:nvSpPr>
+          <p:cNvPr id="2" name="Title 1"/>
+          <p:cNvSpPr>
+            <a:spLocks noGrp="1"/>
+          </p:cNvSpPr>
+          <p:nvPr>
+            <p:ph type="title"/>
+          </p:nvPr>
+        </p:nvSpPr>
+        <p:spPr/>
+        <p:txBody>
+          <a:bodyPr/>
+          <a:lstStyle/>
+          <a:p>
+            <a:r>
+              <a:rPr lang="en-US" dirty="0" smtClean="0"/>
               <a:t>Signal Conditioning</a:t>
             </a:r>
             <a:endParaRPr lang="en-US" dirty="0"/>
@@ -12734,7 +13600,7 @@
 </p:sld>
 </file>
 
-<file path=ppt/slides/slide13.xml><?xml version="1.0" encoding="utf-8"?>
+<file path=ppt/slides/slide17.xml><?xml version="1.0" encoding="utf-8"?>
 <p:sld xmlns:a="http://schemas.openxmlformats.org/drawingml/2006/main" xmlns:r="http://schemas.openxmlformats.org/officeDocument/2006/relationships" xmlns:p="http://schemas.openxmlformats.org/presentationml/2006/main">
   <p:cSld>
     <p:spTree>
@@ -12905,7 +13771,7 @@
 </p:sld>
 </file>
 
-<file path=ppt/slides/slide14.xml><?xml version="1.0" encoding="utf-8"?>
+<file path=ppt/slides/slide18.xml><?xml version="1.0" encoding="utf-8"?>
 <p:sld xmlns:a="http://schemas.openxmlformats.org/drawingml/2006/main" xmlns:r="http://schemas.openxmlformats.org/officeDocument/2006/relationships" xmlns:p="http://schemas.openxmlformats.org/presentationml/2006/main">
   <p:cSld>
     <p:spTree>
@@ -13014,7 +13880,7 @@
 </p:sld>
 </file>
 
-<file path=ppt/slides/slide15.xml><?xml version="1.0" encoding="utf-8"?>
+<file path=ppt/slides/slide19.xml><?xml version="1.0" encoding="utf-8"?>
 <p:sld xmlns:a="http://schemas.openxmlformats.org/drawingml/2006/main" xmlns:r="http://schemas.openxmlformats.org/officeDocument/2006/relationships" xmlns:p="http://schemas.openxmlformats.org/presentationml/2006/main">
   <p:cSld>
     <p:spTree>
@@ -13381,7 +14247,190 @@
           <a:p>
             <a:r>
               <a:rPr lang="en-US" dirty="0" smtClean="0"/>
-              <a:t>Mechanical Design</a:t>
+              <a:t>Design Ideas</a:t>
+            </a:r>
+            <a:endParaRPr lang="en-US" dirty="0"/>
+          </a:p>
+        </p:txBody>
+      </p:sp>
+      <p:pic>
+        <p:nvPicPr>
+          <p:cNvPr id="4" name="Picture 3" descr="D:\MyDocs\Documents\Classes\Senior Design\SolidWorks Models\Arachnea.png"/>
+          <p:cNvPicPr/>
+          <p:nvPr/>
+        </p:nvPicPr>
+        <p:blipFill>
+          <a:blip r:embed="rId2">
+            <a:extLst>
+              <a:ext uri="{28A0092B-C50C-407E-A947-70E740481C1C}">
+                <a14:useLocalDpi xmlns:a14="http://schemas.microsoft.com/office/drawing/2010/main" val="0"/>
+              </a:ext>
+            </a:extLst>
+          </a:blip>
+          <a:srcRect/>
+          <a:stretch>
+            <a:fillRect/>
+          </a:stretch>
+        </p:blipFill>
+        <p:spPr bwMode="auto">
+          <a:xfrm>
+            <a:off x="939306" y="1777526"/>
+            <a:ext cx="2470466" cy="2136448"/>
+          </a:xfrm>
+          <a:prstGeom prst="rect">
+            <a:avLst/>
+          </a:prstGeom>
+          <a:noFill/>
+          <a:ln>
+            <a:noFill/>
+          </a:ln>
+        </p:spPr>
+      </p:pic>
+      <p:pic>
+        <p:nvPicPr>
+          <p:cNvPr id="5" name="Picture 4" descr="D:\MyDocs\Desktop\hexbot.png"/>
+          <p:cNvPicPr/>
+          <p:nvPr/>
+        </p:nvPicPr>
+        <p:blipFill>
+          <a:blip r:embed="rId3">
+            <a:extLst>
+              <a:ext uri="{28A0092B-C50C-407E-A947-70E740481C1C}">
+                <a14:useLocalDpi xmlns:a14="http://schemas.microsoft.com/office/drawing/2010/main" val="0"/>
+              </a:ext>
+            </a:extLst>
+          </a:blip>
+          <a:srcRect/>
+          <a:stretch>
+            <a:fillRect/>
+          </a:stretch>
+        </p:blipFill>
+        <p:spPr bwMode="auto">
+          <a:xfrm>
+            <a:off x="3371682" y="3913974"/>
+            <a:ext cx="2470466" cy="2136448"/>
+          </a:xfrm>
+          <a:prstGeom prst="rect">
+            <a:avLst/>
+          </a:prstGeom>
+          <a:noFill/>
+          <a:ln>
+            <a:noFill/>
+          </a:ln>
+        </p:spPr>
+      </p:pic>
+      <p:pic>
+        <p:nvPicPr>
+          <p:cNvPr id="6" name="Picture 5" descr="D:\MyDocs\Documents\Classes\Senior Design\SolidWorks Models\Boxxy.png"/>
+          <p:cNvPicPr/>
+          <p:nvPr/>
+        </p:nvPicPr>
+        <p:blipFill>
+          <a:blip r:embed="rId4">
+            <a:extLst>
+              <a:ext uri="{28A0092B-C50C-407E-A947-70E740481C1C}">
+                <a14:useLocalDpi xmlns:a14="http://schemas.microsoft.com/office/drawing/2010/main" val="0"/>
+              </a:ext>
+            </a:extLst>
+          </a:blip>
+          <a:srcRect/>
+          <a:stretch>
+            <a:fillRect/>
+          </a:stretch>
+        </p:blipFill>
+        <p:spPr bwMode="auto">
+          <a:xfrm>
+            <a:off x="5842148" y="1777526"/>
+            <a:ext cx="2470466" cy="2136448"/>
+          </a:xfrm>
+          <a:prstGeom prst="rect">
+            <a:avLst/>
+          </a:prstGeom>
+          <a:noFill/>
+          <a:ln>
+            <a:noFill/>
+          </a:ln>
+        </p:spPr>
+      </p:pic>
+      <p:pic>
+        <p:nvPicPr>
+          <p:cNvPr id="1026" name="Picture 2"/>
+          <p:cNvPicPr>
+            <a:picLocks noChangeAspect="1" noChangeArrowheads="1"/>
+          </p:cNvPicPr>
+          <p:nvPr/>
+        </p:nvPicPr>
+        <p:blipFill>
+          <a:blip r:embed="rId5">
+            <a:extLst>
+              <a:ext uri="{28A0092B-C50C-407E-A947-70E740481C1C}">
+                <a14:useLocalDpi xmlns:a14="http://schemas.microsoft.com/office/drawing/2010/main" val="0"/>
+              </a:ext>
+            </a:extLst>
+          </a:blip>
+          <a:srcRect/>
+          <a:stretch>
+            <a:fillRect/>
+          </a:stretch>
+        </p:blipFill>
+        <p:spPr bwMode="auto">
+          <a:xfrm>
+            <a:off x="8312614" y="3913974"/>
+            <a:ext cx="2470466" cy="2136448"/>
+          </a:xfrm>
+          <a:prstGeom prst="rect">
+            <a:avLst/>
+          </a:prstGeom>
+          <a:noFill/>
+          <a:ln>
+            <a:noFill/>
+          </a:ln>
+          <a:extLst>
+            <a:ext uri="{909E8E84-426E-40DD-AFC4-6F175D3DCCD1}">
+              <a14:hiddenFill xmlns:a14="http://schemas.microsoft.com/office/drawing/2010/main">
+                <a:solidFill>
+                  <a:schemeClr val="accent1"/>
+                </a:solidFill>
+              </a14:hiddenFill>
+            </a:ext>
+            <a:ext uri="{91240B29-F687-4F45-9708-019B960494DF}">
+              <a14:hiddenLine xmlns:a14="http://schemas.microsoft.com/office/drawing/2010/main" w="9525">
+                <a:solidFill>
+                  <a:schemeClr val="tx1"/>
+                </a:solidFill>
+                <a:miter lim="800000"/>
+                <a:headEnd/>
+                <a:tailEnd/>
+              </a14:hiddenLine>
+            </a:ext>
+          </a:extLst>
+        </p:spPr>
+      </p:pic>
+      <p:sp>
+        <p:nvSpPr>
+          <p:cNvPr id="8" name="TextBox 7"/>
+          <p:cNvSpPr txBox="1"/>
+          <p:nvPr/>
+        </p:nvSpPr>
+        <p:spPr>
+          <a:xfrm>
+            <a:off x="1641091" y="3913974"/>
+            <a:ext cx="1066895" cy="369332"/>
+          </a:xfrm>
+          <a:prstGeom prst="rect">
+            <a:avLst/>
+          </a:prstGeom>
+          <a:noFill/>
+        </p:spPr>
+        <p:txBody>
+          <a:bodyPr wrap="none" rtlCol="0">
+            <a:spAutoFit/>
+          </a:bodyPr>
+          <a:lstStyle/>
+          <a:p>
+            <a:r>
+              <a:rPr lang="en-US" dirty="0" err="1" smtClean="0"/>
+              <a:t>Arachnea</a:t>
             </a:r>
             <a:endParaRPr lang="en-US" dirty="0"/>
           </a:p>
@@ -13389,7 +14438,424 @@
       </p:sp>
       <p:sp>
         <p:nvSpPr>
-          <p:cNvPr id="3" name="Content Placeholder 2"/>
+          <p:cNvPr id="9" name="TextBox 8"/>
+          <p:cNvSpPr txBox="1"/>
+          <p:nvPr/>
+        </p:nvSpPr>
+        <p:spPr>
+          <a:xfrm>
+            <a:off x="4117261" y="3544642"/>
+            <a:ext cx="979307" cy="369332"/>
+          </a:xfrm>
+          <a:prstGeom prst="rect">
+            <a:avLst/>
+          </a:prstGeom>
+          <a:noFill/>
+        </p:spPr>
+        <p:txBody>
+          <a:bodyPr wrap="none" rtlCol="0">
+            <a:spAutoFit/>
+          </a:bodyPr>
+          <a:lstStyle/>
+          <a:p>
+            <a:r>
+              <a:rPr lang="en-US" dirty="0" err="1" smtClean="0"/>
+              <a:t>Hexabot</a:t>
+            </a:r>
+            <a:endParaRPr lang="en-US" dirty="0"/>
+          </a:p>
+        </p:txBody>
+      </p:sp>
+      <p:sp>
+        <p:nvSpPr>
+          <p:cNvPr id="10" name="TextBox 9"/>
+          <p:cNvSpPr txBox="1"/>
+          <p:nvPr/>
+        </p:nvSpPr>
+        <p:spPr>
+          <a:xfrm>
+            <a:off x="6699937" y="3912496"/>
+            <a:ext cx="754887" cy="369332"/>
+          </a:xfrm>
+          <a:prstGeom prst="rect">
+            <a:avLst/>
+          </a:prstGeom>
+          <a:noFill/>
+        </p:spPr>
+        <p:txBody>
+          <a:bodyPr wrap="none" rtlCol="0">
+            <a:spAutoFit/>
+          </a:bodyPr>
+          <a:lstStyle/>
+          <a:p>
+            <a:r>
+              <a:rPr lang="en-US" dirty="0" err="1" smtClean="0"/>
+              <a:t>Boxxy</a:t>
+            </a:r>
+            <a:endParaRPr lang="en-US" dirty="0"/>
+          </a:p>
+        </p:txBody>
+      </p:sp>
+      <p:sp>
+        <p:nvSpPr>
+          <p:cNvPr id="11" name="TextBox 10"/>
+          <p:cNvSpPr txBox="1"/>
+          <p:nvPr/>
+        </p:nvSpPr>
+        <p:spPr>
+          <a:xfrm>
+            <a:off x="9062682" y="3543164"/>
+            <a:ext cx="970330" cy="369332"/>
+          </a:xfrm>
+          <a:prstGeom prst="rect">
+            <a:avLst/>
+          </a:prstGeom>
+          <a:noFill/>
+        </p:spPr>
+        <p:txBody>
+          <a:bodyPr wrap="none" rtlCol="0">
+            <a:spAutoFit/>
+          </a:bodyPr>
+          <a:lstStyle/>
+          <a:p>
+            <a:r>
+              <a:rPr lang="en-US" dirty="0" err="1" smtClean="0"/>
+              <a:t>DogeBot</a:t>
+            </a:r>
+            <a:endParaRPr lang="en-US" dirty="0"/>
+          </a:p>
+        </p:txBody>
+      </p:sp>
+    </p:spTree>
+    <p:extLst>
+      <p:ext uri="{BB962C8B-B14F-4D97-AF65-F5344CB8AC3E}">
+        <p14:creationId xmlns:p14="http://schemas.microsoft.com/office/powerpoint/2010/main" val="2819439240"/>
+      </p:ext>
+    </p:extLst>
+  </p:cSld>
+  <p:clrMapOvr>
+    <a:masterClrMapping/>
+  </p:clrMapOvr>
+</p:sld>
+</file>
+
+<file path=ppt/slides/slide5.xml><?xml version="1.0" encoding="utf-8"?>
+<p:sld xmlns:a="http://schemas.openxmlformats.org/drawingml/2006/main" xmlns:r="http://schemas.openxmlformats.org/officeDocument/2006/relationships" xmlns:p="http://schemas.openxmlformats.org/presentationml/2006/main">
+  <p:cSld>
+    <p:spTree>
+      <p:nvGrpSpPr>
+        <p:cNvPr id="1" name=""/>
+        <p:cNvGrpSpPr/>
+        <p:nvPr/>
+      </p:nvGrpSpPr>
+      <p:grpSpPr>
+        <a:xfrm>
+          <a:off x="0" y="0"/>
+          <a:ext cx="0" cy="0"/>
+          <a:chOff x="0" y="0"/>
+          <a:chExt cx="0" cy="0"/>
+        </a:xfrm>
+      </p:grpSpPr>
+      <p:sp>
+        <p:nvSpPr>
+          <p:cNvPr id="2" name="Title 1"/>
+          <p:cNvSpPr>
+            <a:spLocks noGrp="1"/>
+          </p:cNvSpPr>
+          <p:nvPr>
+            <p:ph type="title"/>
+          </p:nvPr>
+        </p:nvSpPr>
+        <p:spPr/>
+        <p:txBody>
+          <a:bodyPr/>
+          <a:lstStyle/>
+          <a:p>
+            <a:r>
+              <a:rPr lang="en-US" dirty="0" smtClean="0"/>
+              <a:t>Mechanical Design Matrix</a:t>
+            </a:r>
+            <a:endParaRPr lang="en-US" dirty="0"/>
+          </a:p>
+        </p:txBody>
+      </p:sp>
+      <p:pic>
+        <p:nvPicPr>
+          <p:cNvPr id="4" name="Content Placeholder 3" descr="D:\MyDocs\Desktop\Design Matrix.png"/>
+          <p:cNvPicPr>
+            <a:picLocks noGrp="1"/>
+          </p:cNvPicPr>
+          <p:nvPr>
+            <p:ph idx="1"/>
+          </p:nvPr>
+        </p:nvPicPr>
+        <p:blipFill>
+          <a:blip r:embed="rId2">
+            <a:extLst>
+              <a:ext uri="{28A0092B-C50C-407E-A947-70E740481C1C}">
+                <a14:useLocalDpi xmlns:a14="http://schemas.microsoft.com/office/drawing/2010/main" val="0"/>
+              </a:ext>
+            </a:extLst>
+          </a:blip>
+          <a:srcRect/>
+          <a:stretch>
+            <a:fillRect/>
+          </a:stretch>
+        </p:blipFill>
+        <p:spPr bwMode="auto">
+          <a:xfrm>
+            <a:off x="1110953" y="1974079"/>
+            <a:ext cx="9990034" cy="3817121"/>
+          </a:xfrm>
+          <a:prstGeom prst="rect">
+            <a:avLst/>
+          </a:prstGeom>
+          <a:noFill/>
+          <a:ln>
+            <a:noFill/>
+          </a:ln>
+        </p:spPr>
+      </p:pic>
+    </p:spTree>
+    <p:extLst>
+      <p:ext uri="{BB962C8B-B14F-4D97-AF65-F5344CB8AC3E}">
+        <p14:creationId xmlns:p14="http://schemas.microsoft.com/office/powerpoint/2010/main" val="1473136927"/>
+      </p:ext>
+    </p:extLst>
+  </p:cSld>
+  <p:clrMapOvr>
+    <a:masterClrMapping/>
+  </p:clrMapOvr>
+</p:sld>
+</file>
+
+<file path=ppt/slides/slide6.xml><?xml version="1.0" encoding="utf-8"?>
+<p:sld xmlns:a="http://schemas.openxmlformats.org/drawingml/2006/main" xmlns:r="http://schemas.openxmlformats.org/officeDocument/2006/relationships" xmlns:p="http://schemas.openxmlformats.org/presentationml/2006/main">
+  <p:cSld>
+    <p:spTree>
+      <p:nvGrpSpPr>
+        <p:cNvPr id="1" name=""/>
+        <p:cNvGrpSpPr/>
+        <p:nvPr/>
+      </p:nvGrpSpPr>
+      <p:grpSpPr>
+        <a:xfrm>
+          <a:off x="0" y="0"/>
+          <a:ext cx="0" cy="0"/>
+          <a:chOff x="0" y="0"/>
+          <a:chExt cx="0" cy="0"/>
+        </a:xfrm>
+      </p:grpSpPr>
+      <p:sp>
+        <p:nvSpPr>
+          <p:cNvPr id="2" name="Title 1"/>
+          <p:cNvSpPr>
+            <a:spLocks noGrp="1"/>
+          </p:cNvSpPr>
+          <p:nvPr>
+            <p:ph type="title"/>
+          </p:nvPr>
+        </p:nvSpPr>
+        <p:spPr>
+          <a:xfrm>
+            <a:off x="1141413" y="618518"/>
+            <a:ext cx="9905998" cy="1210282"/>
+          </a:xfrm>
+        </p:spPr>
+        <p:txBody>
+          <a:bodyPr/>
+          <a:lstStyle/>
+          <a:p>
+            <a:r>
+              <a:rPr lang="en-US" dirty="0" err="1" smtClean="0"/>
+              <a:t>Dogebot</a:t>
+            </a:r>
+            <a:endParaRPr lang="en-US" dirty="0"/>
+          </a:p>
+        </p:txBody>
+      </p:sp>
+      <p:sp>
+        <p:nvSpPr>
+          <p:cNvPr id="5" name="Content Placeholder 4"/>
+          <p:cNvSpPr>
+            <a:spLocks noGrp="1"/>
+          </p:cNvSpPr>
+          <p:nvPr>
+            <p:ph sz="half" idx="2"/>
+          </p:nvPr>
+        </p:nvSpPr>
+        <p:spPr>
+          <a:xfrm>
+            <a:off x="6172200" y="1928553"/>
+            <a:ext cx="4875211" cy="3862647"/>
+          </a:xfrm>
+        </p:spPr>
+        <p:txBody>
+          <a:bodyPr>
+            <a:normAutofit/>
+          </a:bodyPr>
+          <a:lstStyle/>
+          <a:p>
+            <a:r>
+              <a:rPr lang="en-US" dirty="0" smtClean="0"/>
+              <a:t>Pros</a:t>
+            </a:r>
+          </a:p>
+          <a:p>
+            <a:pPr lvl="1"/>
+            <a:r>
+              <a:rPr lang="en-US" dirty="0" smtClean="0"/>
+              <a:t>Legs cannot interfere with each other</a:t>
+            </a:r>
+          </a:p>
+          <a:p>
+            <a:pPr lvl="1"/>
+            <a:r>
+              <a:rPr lang="en-US" dirty="0" smtClean="0"/>
+              <a:t>Adequate space for components</a:t>
+            </a:r>
+          </a:p>
+          <a:p>
+            <a:pPr lvl="1"/>
+            <a:r>
+              <a:rPr lang="en-US" dirty="0" smtClean="0"/>
+              <a:t>Open sides for easy accessibility</a:t>
+            </a:r>
+          </a:p>
+          <a:p>
+            <a:r>
+              <a:rPr lang="en-US" dirty="0" smtClean="0"/>
+              <a:t>Cons</a:t>
+            </a:r>
+          </a:p>
+          <a:p>
+            <a:pPr lvl="1"/>
+            <a:r>
+              <a:rPr lang="en-US" dirty="0" smtClean="0"/>
+              <a:t>Legs may be susceptible to bending</a:t>
+            </a:r>
+          </a:p>
+          <a:p>
+            <a:pPr lvl="1"/>
+            <a:r>
+              <a:rPr lang="en-US" dirty="0" smtClean="0"/>
+              <a:t>Near the limit on all dimensions and weight</a:t>
+            </a:r>
+          </a:p>
+        </p:txBody>
+      </p:sp>
+      <p:pic>
+        <p:nvPicPr>
+          <p:cNvPr id="6" name="Picture 2"/>
+          <p:cNvPicPr>
+            <a:picLocks noGrp="1" noChangeAspect="1" noChangeArrowheads="1"/>
+          </p:cNvPicPr>
+          <p:nvPr>
+            <p:ph sz="half" idx="1"/>
+          </p:nvPr>
+        </p:nvPicPr>
+        <p:blipFill>
+          <a:blip r:embed="rId2">
+            <a:extLst>
+              <a:ext uri="{28A0092B-C50C-407E-A947-70E740481C1C}">
+                <a14:useLocalDpi xmlns:a14="http://schemas.microsoft.com/office/drawing/2010/main" val="0"/>
+              </a:ext>
+            </a:extLst>
+          </a:blip>
+          <a:srcRect/>
+          <a:stretch>
+            <a:fillRect/>
+          </a:stretch>
+        </p:blipFill>
+        <p:spPr bwMode="auto">
+          <a:xfrm>
+            <a:off x="1141413" y="2161309"/>
+            <a:ext cx="4878387" cy="3502611"/>
+          </a:xfrm>
+          <a:prstGeom prst="rect">
+            <a:avLst/>
+          </a:prstGeom>
+          <a:noFill/>
+          <a:ln>
+            <a:noFill/>
+          </a:ln>
+          <a:extLst>
+            <a:ext uri="{909E8E84-426E-40DD-AFC4-6F175D3DCCD1}">
+              <a14:hiddenFill xmlns:a14="http://schemas.microsoft.com/office/drawing/2010/main">
+                <a:solidFill>
+                  <a:schemeClr val="accent1"/>
+                </a:solidFill>
+              </a14:hiddenFill>
+            </a:ext>
+            <a:ext uri="{91240B29-F687-4F45-9708-019B960494DF}">
+              <a14:hiddenLine xmlns:a14="http://schemas.microsoft.com/office/drawing/2010/main" w="9525">
+                <a:solidFill>
+                  <a:schemeClr val="tx1"/>
+                </a:solidFill>
+                <a:miter lim="800000"/>
+                <a:headEnd/>
+                <a:tailEnd/>
+              </a14:hiddenLine>
+            </a:ext>
+          </a:extLst>
+        </p:spPr>
+      </p:pic>
+    </p:spTree>
+    <p:extLst>
+      <p:ext uri="{BB962C8B-B14F-4D97-AF65-F5344CB8AC3E}">
+        <p14:creationId xmlns:p14="http://schemas.microsoft.com/office/powerpoint/2010/main" val="3657489620"/>
+      </p:ext>
+    </p:extLst>
+  </p:cSld>
+  <p:clrMapOvr>
+    <a:masterClrMapping/>
+  </p:clrMapOvr>
+</p:sld>
+</file>
+
+<file path=ppt/slides/slide7.xml><?xml version="1.0" encoding="utf-8"?>
+<p:sld xmlns:a="http://schemas.openxmlformats.org/drawingml/2006/main" xmlns:r="http://schemas.openxmlformats.org/officeDocument/2006/relationships" xmlns:p="http://schemas.openxmlformats.org/presentationml/2006/main">
+  <p:cSld>
+    <p:spTree>
+      <p:nvGrpSpPr>
+        <p:cNvPr id="1" name=""/>
+        <p:cNvGrpSpPr/>
+        <p:nvPr/>
+      </p:nvGrpSpPr>
+      <p:grpSpPr>
+        <a:xfrm>
+          <a:off x="0" y="0"/>
+          <a:ext cx="0" cy="0"/>
+          <a:chOff x="0" y="0"/>
+          <a:chExt cx="0" cy="0"/>
+        </a:xfrm>
+      </p:grpSpPr>
+      <p:sp>
+        <p:nvSpPr>
+          <p:cNvPr id="5" name="Title 4"/>
+          <p:cNvSpPr>
+            <a:spLocks noGrp="1"/>
+          </p:cNvSpPr>
+          <p:nvPr>
+            <p:ph type="title"/>
+          </p:nvPr>
+        </p:nvSpPr>
+        <p:spPr/>
+        <p:txBody>
+          <a:bodyPr/>
+          <a:lstStyle/>
+          <a:p>
+            <a:r>
+              <a:rPr lang="en-US" dirty="0" smtClean="0"/>
+              <a:t>Design Updates</a:t>
+            </a:r>
+            <a:endParaRPr lang="en-US" dirty="0"/>
+          </a:p>
+        </p:txBody>
+      </p:sp>
+      <p:sp>
+        <p:nvSpPr>
+          <p:cNvPr id="6" name="Content Placeholder 5"/>
           <p:cNvSpPr>
             <a:spLocks noGrp="1"/>
           </p:cNvSpPr>
@@ -13402,14 +14868,59 @@
           <a:bodyPr/>
           <a:lstStyle/>
           <a:p>
-            <a:endParaRPr lang="en-US"/>
+            <a:r>
+              <a:rPr lang="en-US" dirty="0" smtClean="0"/>
+              <a:t>Chassis</a:t>
+            </a:r>
+          </a:p>
+          <a:p>
+            <a:pPr lvl="1"/>
+            <a:r>
+              <a:rPr lang="en-US" dirty="0" smtClean="0"/>
+              <a:t>Extruded T-Slotted Aluminum Frame</a:t>
+            </a:r>
+          </a:p>
+          <a:p>
+            <a:pPr lvl="1"/>
+            <a:r>
+              <a:rPr lang="en-US" dirty="0" smtClean="0"/>
+              <a:t>Easy to assemble and attach components</a:t>
+            </a:r>
+          </a:p>
+          <a:p>
+            <a:pPr lvl="1"/>
+            <a:r>
+              <a:rPr lang="en-US" dirty="0" smtClean="0"/>
+              <a:t>Decreased dimensions to reduce weight</a:t>
+            </a:r>
+          </a:p>
+          <a:p>
+            <a:r>
+              <a:rPr lang="en-US" dirty="0" smtClean="0"/>
+              <a:t>Legs</a:t>
+            </a:r>
+          </a:p>
+          <a:p>
+            <a:pPr lvl="1"/>
+            <a:r>
+              <a:rPr lang="en-US" dirty="0" smtClean="0"/>
+              <a:t>Fixed piston attachment points</a:t>
+            </a:r>
+          </a:p>
+          <a:p>
+            <a:pPr lvl="1"/>
+            <a:r>
+              <a:rPr lang="en-US" dirty="0" smtClean="0"/>
+              <a:t>Attached to top of chassis to increase stability</a:t>
+            </a:r>
+            <a:endParaRPr lang="en-US" dirty="0"/>
           </a:p>
         </p:txBody>
       </p:sp>
     </p:spTree>
     <p:extLst>
       <p:ext uri="{BB962C8B-B14F-4D97-AF65-F5344CB8AC3E}">
-        <p14:creationId xmlns:p14="http://schemas.microsoft.com/office/powerpoint/2010/main" val="4056473331"/>
+        <p14:creationId xmlns:p14="http://schemas.microsoft.com/office/powerpoint/2010/main" val="2777328443"/>
       </p:ext>
     </p:extLst>
   </p:cSld>
@@ -13419,7 +14930,120 @@
 </p:sld>
 </file>
 
-<file path=ppt/slides/slide5.xml><?xml version="1.0" encoding="utf-8"?>
+<file path=ppt/slides/slide8.xml><?xml version="1.0" encoding="utf-8"?>
+<p:sld xmlns:a="http://schemas.openxmlformats.org/drawingml/2006/main" xmlns:r="http://schemas.openxmlformats.org/officeDocument/2006/relationships" xmlns:p="http://schemas.openxmlformats.org/presentationml/2006/main">
+  <p:cSld>
+    <p:spTree>
+      <p:nvGrpSpPr>
+        <p:cNvPr id="1" name=""/>
+        <p:cNvGrpSpPr/>
+        <p:nvPr/>
+      </p:nvGrpSpPr>
+      <p:grpSpPr>
+        <a:xfrm>
+          <a:off x="0" y="0"/>
+          <a:ext cx="0" cy="0"/>
+          <a:chOff x="0" y="0"/>
+          <a:chExt cx="0" cy="0"/>
+        </a:xfrm>
+      </p:grpSpPr>
+      <p:sp>
+        <p:nvSpPr>
+          <p:cNvPr id="2" name="Title 1"/>
+          <p:cNvSpPr>
+            <a:spLocks noGrp="1"/>
+          </p:cNvSpPr>
+          <p:nvPr>
+            <p:ph type="title"/>
+          </p:nvPr>
+        </p:nvSpPr>
+        <p:spPr/>
+        <p:txBody>
+          <a:bodyPr/>
+          <a:lstStyle/>
+          <a:p>
+            <a:r>
+              <a:rPr lang="en-US" dirty="0" err="1" smtClean="0"/>
+              <a:t>DogeBot</a:t>
+            </a:r>
+            <a:r>
+              <a:rPr lang="en-US" dirty="0" smtClean="0"/>
+              <a:t> 2.0</a:t>
+            </a:r>
+            <a:endParaRPr lang="en-US" dirty="0"/>
+          </a:p>
+        </p:txBody>
+      </p:sp>
+      <p:pic>
+        <p:nvPicPr>
+          <p:cNvPr id="1028" name="Picture 4"/>
+          <p:cNvPicPr>
+            <a:picLocks noGrp="1" noChangeAspect="1" noChangeArrowheads="1"/>
+          </p:cNvPicPr>
+          <p:nvPr>
+            <p:ph idx="1"/>
+          </p:nvPr>
+        </p:nvPicPr>
+        <p:blipFill>
+          <a:blip r:embed="rId2">
+            <a:extLst>
+              <a:ext uri="{28A0092B-C50C-407E-A947-70E740481C1C}">
+                <a14:useLocalDpi xmlns:a14="http://schemas.microsoft.com/office/drawing/2010/main" val="0"/>
+              </a:ext>
+            </a:extLst>
+          </a:blip>
+          <a:srcRect/>
+          <a:stretch>
+            <a:fillRect/>
+          </a:stretch>
+        </p:blipFill>
+        <p:spPr bwMode="auto">
+          <a:xfrm>
+            <a:off x="2706461" y="1808018"/>
+            <a:ext cx="6736641" cy="4615571"/>
+          </a:xfrm>
+          <a:prstGeom prst="rect">
+            <a:avLst/>
+          </a:prstGeom>
+          <a:noFill/>
+          <a:ln>
+            <a:noFill/>
+          </a:ln>
+          <a:extLst>
+            <a:ext uri="{909E8E84-426E-40DD-AFC4-6F175D3DCCD1}">
+              <a14:hiddenFill xmlns:a14="http://schemas.microsoft.com/office/drawing/2010/main">
+                <a:solidFill>
+                  <a:schemeClr val="accent1"/>
+                </a:solidFill>
+              </a14:hiddenFill>
+            </a:ext>
+            <a:ext uri="{91240B29-F687-4F45-9708-019B960494DF}">
+              <a14:hiddenLine xmlns:a14="http://schemas.microsoft.com/office/drawing/2010/main" w="9525">
+                <a:solidFill>
+                  <a:schemeClr val="tx1"/>
+                </a:solidFill>
+                <a:miter lim="800000"/>
+                <a:headEnd/>
+                <a:tailEnd/>
+              </a14:hiddenLine>
+            </a:ext>
+          </a:extLst>
+        </p:spPr>
+      </p:pic>
+    </p:spTree>
+    <p:extLst>
+      <p:ext uri="{BB962C8B-B14F-4D97-AF65-F5344CB8AC3E}">
+        <p14:creationId xmlns:p14="http://schemas.microsoft.com/office/powerpoint/2010/main" val="82505813"/>
+      </p:ext>
+    </p:extLst>
+  </p:cSld>
+  <p:clrMapOvr>
+    <a:masterClrMapping/>
+  </p:clrMapOvr>
+</p:sld>
+</file>
+
+<file path=ppt/slides/slide9.xml><?xml version="1.0" encoding="utf-8"?>
 <p:sld xmlns:a="http://schemas.openxmlformats.org/drawingml/2006/main" xmlns:r="http://schemas.openxmlformats.org/officeDocument/2006/relationships" xmlns:p="http://schemas.openxmlformats.org/presentationml/2006/main">
   <p:cSld>
     <p:spTree>
@@ -14446,868 +16070,6 @@
 </p:sld>
 </file>
 
-<file path=ppt/slides/slide6.xml><?xml version="1.0" encoding="utf-8"?>
-<p:sld xmlns:a="http://schemas.openxmlformats.org/drawingml/2006/main" xmlns:r="http://schemas.openxmlformats.org/officeDocument/2006/relationships" xmlns:p="http://schemas.openxmlformats.org/presentationml/2006/main">
-  <p:cSld>
-    <p:spTree>
-      <p:nvGrpSpPr>
-        <p:cNvPr id="1" name=""/>
-        <p:cNvGrpSpPr/>
-        <p:nvPr/>
-      </p:nvGrpSpPr>
-      <p:grpSpPr>
-        <a:xfrm>
-          <a:off x="0" y="0"/>
-          <a:ext cx="0" cy="0"/>
-          <a:chOff x="0" y="0"/>
-          <a:chExt cx="0" cy="0"/>
-        </a:xfrm>
-      </p:grpSpPr>
-      <p:sp>
-        <p:nvSpPr>
-          <p:cNvPr id="2" name="Title 1"/>
-          <p:cNvSpPr>
-            <a:spLocks noGrp="1"/>
-          </p:cNvSpPr>
-          <p:nvPr>
-            <p:ph type="title"/>
-          </p:nvPr>
-        </p:nvSpPr>
-        <p:spPr>
-          <a:xfrm>
-            <a:off x="1219200" y="0"/>
-            <a:ext cx="10972800" cy="1143000"/>
-          </a:xfrm>
-        </p:spPr>
-        <p:txBody>
-          <a:bodyPr/>
-          <a:lstStyle/>
-          <a:p>
-            <a:r>
-              <a:rPr lang="en-US" dirty="0" smtClean="0"/>
-              <a:t>Components</a:t>
-            </a:r>
-            <a:endParaRPr lang="en-US" dirty="0"/>
-          </a:p>
-        </p:txBody>
-      </p:sp>
-      <p:sp>
-        <p:nvSpPr>
-          <p:cNvPr id="3" name="Content Placeholder 2"/>
-          <p:cNvSpPr>
-            <a:spLocks noGrp="1"/>
-          </p:cNvSpPr>
-          <p:nvPr>
-            <p:ph idx="1"/>
-          </p:nvPr>
-        </p:nvSpPr>
-        <p:spPr>
-          <a:xfrm>
-            <a:off x="1016000" y="1102056"/>
-            <a:ext cx="7704919" cy="5029200"/>
-          </a:xfrm>
-        </p:spPr>
-        <p:txBody>
-          <a:bodyPr>
-            <a:normAutofit lnSpcReduction="10000"/>
-          </a:bodyPr>
-          <a:lstStyle/>
-          <a:p>
-            <a:pPr marL="0" indent="0">
-              <a:buNone/>
-            </a:pPr>
-            <a:r>
-              <a:rPr lang="en-US" dirty="0" smtClean="0"/>
-              <a:t>Pneumatic </a:t>
-            </a:r>
-            <a:r>
-              <a:rPr lang="en-US" dirty="0"/>
-              <a:t>components </a:t>
-            </a:r>
-            <a:r>
-              <a:rPr lang="en-US" dirty="0" smtClean="0"/>
-              <a:t>include:</a:t>
-            </a:r>
-          </a:p>
-          <a:p>
-            <a:r>
-              <a:rPr lang="en-US" sz="3000" dirty="0" smtClean="0"/>
-              <a:t>Receiver Tank</a:t>
-            </a:r>
-          </a:p>
-          <a:p>
-            <a:r>
-              <a:rPr lang="en-US" sz="3000" dirty="0" smtClean="0"/>
-              <a:t>Air </a:t>
-            </a:r>
-            <a:r>
-              <a:rPr lang="en-US" sz="3000" dirty="0"/>
-              <a:t>C</a:t>
-            </a:r>
-            <a:r>
-              <a:rPr lang="en-US" sz="3000" dirty="0" smtClean="0"/>
-              <a:t>ompressor</a:t>
-            </a:r>
-          </a:p>
-          <a:p>
-            <a:r>
-              <a:rPr lang="en-US" sz="3000" dirty="0"/>
-              <a:t>D</a:t>
-            </a:r>
-            <a:r>
-              <a:rPr lang="en-US" sz="3000" dirty="0" smtClean="0"/>
-              <a:t>ouble </a:t>
-            </a:r>
-            <a:r>
-              <a:rPr lang="en-US" sz="3000" dirty="0"/>
-              <a:t>A</a:t>
-            </a:r>
-            <a:r>
-              <a:rPr lang="en-US" sz="3000" dirty="0" smtClean="0"/>
-              <a:t>cting </a:t>
-            </a:r>
-            <a:r>
-              <a:rPr lang="en-US" sz="3000" dirty="0"/>
-              <a:t>A</a:t>
-            </a:r>
-            <a:r>
-              <a:rPr lang="en-US" sz="3000" dirty="0" smtClean="0"/>
-              <a:t>ir </a:t>
-            </a:r>
-            <a:r>
-              <a:rPr lang="en-US" sz="3000" dirty="0"/>
-              <a:t>C</a:t>
-            </a:r>
-            <a:r>
-              <a:rPr lang="en-US" sz="3000" dirty="0" smtClean="0"/>
-              <a:t>ylinders (w/ feedback)</a:t>
-            </a:r>
-          </a:p>
-          <a:p>
-            <a:r>
-              <a:rPr lang="en-US" sz="3000" dirty="0" smtClean="0"/>
-              <a:t>Solenoid </a:t>
-            </a:r>
-            <a:r>
-              <a:rPr lang="en-US" sz="3000" dirty="0"/>
-              <a:t>V</a:t>
-            </a:r>
-            <a:r>
-              <a:rPr lang="en-US" sz="3000" dirty="0" smtClean="0"/>
-              <a:t>alve </a:t>
-            </a:r>
-          </a:p>
-          <a:p>
-            <a:r>
-              <a:rPr lang="en-US" sz="3000" dirty="0"/>
-              <a:t>D</a:t>
-            </a:r>
-            <a:r>
-              <a:rPr lang="en-US" sz="3000" dirty="0" smtClean="0"/>
-              <a:t>irectional </a:t>
-            </a:r>
-            <a:r>
-              <a:rPr lang="en-US" sz="3000" dirty="0"/>
-              <a:t>C</a:t>
-            </a:r>
-            <a:r>
-              <a:rPr lang="en-US" sz="3000" dirty="0" smtClean="0"/>
-              <a:t>ontrol </a:t>
-            </a:r>
-            <a:r>
-              <a:rPr lang="en-US" sz="3000" dirty="0"/>
-              <a:t>V</a:t>
-            </a:r>
-            <a:r>
-              <a:rPr lang="en-US" sz="3000" dirty="0" smtClean="0"/>
-              <a:t>alves (4/2)</a:t>
-            </a:r>
-          </a:p>
-          <a:p>
-            <a:r>
-              <a:rPr lang="en-US" sz="3000" dirty="0"/>
-              <a:t>P</a:t>
-            </a:r>
-            <a:r>
-              <a:rPr lang="en-US" sz="3000" dirty="0" smtClean="0"/>
-              <a:t>ressure </a:t>
-            </a:r>
-            <a:r>
-              <a:rPr lang="en-US" sz="3000" dirty="0"/>
-              <a:t>R</a:t>
-            </a:r>
-            <a:r>
-              <a:rPr lang="en-US" sz="3000" dirty="0" smtClean="0"/>
-              <a:t>elief </a:t>
-            </a:r>
-            <a:r>
-              <a:rPr lang="en-US" sz="3000" dirty="0"/>
-              <a:t>V</a:t>
-            </a:r>
-            <a:r>
-              <a:rPr lang="en-US" sz="3000" dirty="0" smtClean="0"/>
-              <a:t>alve</a:t>
-            </a:r>
-          </a:p>
-          <a:p>
-            <a:r>
-              <a:rPr lang="en-US" sz="3000" dirty="0"/>
-              <a:t>T</a:t>
-            </a:r>
-            <a:r>
-              <a:rPr lang="en-US" sz="3000" dirty="0" smtClean="0"/>
-              <a:t>ubing</a:t>
-            </a:r>
-          </a:p>
-        </p:txBody>
-      </p:sp>
-      <p:pic>
-        <p:nvPicPr>
-          <p:cNvPr id="1026" name="Picture 2" descr="http://www.daerospace.com/HydraulicSystems/DVHFigure%203.png"/>
-          <p:cNvPicPr>
-            <a:picLocks noChangeAspect="1" noChangeArrowheads="1"/>
-          </p:cNvPicPr>
-          <p:nvPr/>
-        </p:nvPicPr>
-        <p:blipFill>
-          <a:blip r:embed="rId2">
-            <a:extLst>
-              <a:ext uri="{28A0092B-C50C-407E-A947-70E740481C1C}">
-                <a14:useLocalDpi xmlns:a14="http://schemas.microsoft.com/office/drawing/2010/main" val="0"/>
-              </a:ext>
-            </a:extLst>
-          </a:blip>
-          <a:srcRect/>
-          <a:stretch>
-            <a:fillRect/>
-          </a:stretch>
-        </p:blipFill>
-        <p:spPr bwMode="auto">
-          <a:xfrm>
-            <a:off x="5821438" y="4821011"/>
-            <a:ext cx="3912223" cy="1673100"/>
-          </a:xfrm>
-          <a:prstGeom prst="rect">
-            <a:avLst/>
-          </a:prstGeom>
-          <a:noFill/>
-          <a:extLst>
-            <a:ext uri="{909E8E84-426E-40DD-AFC4-6F175D3DCCD1}">
-              <a14:hiddenFill xmlns:a14="http://schemas.microsoft.com/office/drawing/2010/main">
-                <a:solidFill>
-                  <a:srgbClr val="FFFFFF"/>
-                </a:solidFill>
-              </a14:hiddenFill>
-            </a:ext>
-          </a:extLst>
-        </p:spPr>
-      </p:pic>
-      <p:pic>
-        <p:nvPicPr>
-          <p:cNvPr id="1028" name="Picture 4" descr="http://i00.i.aliimg.com/img/pb/412/325/108/108325412_235.JPG"/>
-          <p:cNvPicPr>
-            <a:picLocks noChangeAspect="1" noChangeArrowheads="1"/>
-          </p:cNvPicPr>
-          <p:nvPr/>
-        </p:nvPicPr>
-        <p:blipFill rotWithShape="1">
-          <a:blip r:embed="rId3">
-            <a:extLst>
-              <a:ext uri="{28A0092B-C50C-407E-A947-70E740481C1C}">
-                <a14:useLocalDpi xmlns:a14="http://schemas.microsoft.com/office/drawing/2010/main" val="0"/>
-              </a:ext>
-            </a:extLst>
-          </a:blip>
-          <a:srcRect l="12334" t="8761" r="51151" b="11467"/>
-          <a:stretch/>
-        </p:blipFill>
-        <p:spPr bwMode="auto">
-          <a:xfrm>
-            <a:off x="9254957" y="1728387"/>
-            <a:ext cx="2264636" cy="2766702"/>
-          </a:xfrm>
-          <a:prstGeom prst="rect">
-            <a:avLst/>
-          </a:prstGeom>
-          <a:noFill/>
-          <a:extLst>
-            <a:ext uri="{909E8E84-426E-40DD-AFC4-6F175D3DCCD1}">
-              <a14:hiddenFill xmlns:a14="http://schemas.microsoft.com/office/drawing/2010/main">
-                <a:solidFill>
-                  <a:srgbClr val="FFFFFF"/>
-                </a:solidFill>
-              </a14:hiddenFill>
-            </a:ext>
-          </a:extLst>
-        </p:spPr>
-      </p:pic>
-      <p:pic>
-        <p:nvPicPr>
-          <p:cNvPr id="6" name="Picture 5"/>
-          <p:cNvPicPr/>
-          <p:nvPr/>
-        </p:nvPicPr>
-        <p:blipFill>
-          <a:blip r:embed="rId4">
-            <a:extLst>
-              <a:ext uri="{28A0092B-C50C-407E-A947-70E740481C1C}">
-                <a14:useLocalDpi xmlns:a14="http://schemas.microsoft.com/office/drawing/2010/main" val="0"/>
-              </a:ext>
-            </a:extLst>
-          </a:blip>
-          <a:stretch>
-            <a:fillRect/>
-          </a:stretch>
-        </p:blipFill>
-        <p:spPr>
-          <a:xfrm>
-            <a:off x="5696127" y="1238801"/>
-            <a:ext cx="2933700" cy="979170"/>
-          </a:xfrm>
-          <a:prstGeom prst="rect">
-            <a:avLst/>
-          </a:prstGeom>
-        </p:spPr>
-      </p:pic>
-      <mc:AlternateContent xmlns:mc="http://schemas.openxmlformats.org/markup-compatibility/2006" xmlns:a14="http://schemas.microsoft.com/office/drawing/2010/main">
-        <mc:Choice Requires="a14">
-          <p:sp>
-            <p:nvSpPr>
-              <p:cNvPr id="4" name="TextBox 3"/>
-              <p:cNvSpPr txBox="1"/>
-              <p:nvPr/>
-            </p:nvSpPr>
-            <p:spPr>
-              <a:xfrm>
-                <a:off x="5254240" y="2252001"/>
-                <a:ext cx="3512320" cy="394147"/>
-              </a:xfrm>
-              <a:prstGeom prst="rect">
-                <a:avLst/>
-              </a:prstGeom>
-              <a:noFill/>
-            </p:spPr>
-            <p:txBody>
-              <a:bodyPr wrap="square" rtlCol="0">
-                <a:spAutoFit/>
-              </a:bodyPr>
-              <a:lstStyle/>
-              <a:p>
-                <a:pPr/>
-                <a14:m>
-                  <m:oMathPara xmlns:m="http://schemas.openxmlformats.org/officeDocument/2006/math">
-                    <m:oMathParaPr>
-                      <m:jc m:val="centerGroup"/>
-                    </m:oMathParaPr>
-                    <m:oMath xmlns:m="http://schemas.openxmlformats.org/officeDocument/2006/math">
-                      <m:r>
-                        <a:rPr lang="en-US" i="1">
-                          <a:latin typeface="Cambria Math"/>
-                        </a:rPr>
-                        <m:t>𝐹</m:t>
-                      </m:r>
-                      <m:r>
-                        <a:rPr lang="en-US" i="1">
-                          <a:latin typeface="Cambria Math"/>
-                        </a:rPr>
-                        <m:t> =</m:t>
-                      </m:r>
-                      <m:sSub>
-                        <m:sSubPr>
-                          <m:ctrlPr>
-                            <a:rPr lang="en-US" i="1">
-                              <a:latin typeface="Cambria Math"/>
-                            </a:rPr>
-                          </m:ctrlPr>
-                        </m:sSubPr>
-                        <m:e>
-                          <m:r>
-                            <a:rPr lang="en-US" i="1">
-                              <a:latin typeface="Cambria Math"/>
-                            </a:rPr>
-                            <m:t>𝑃</m:t>
-                          </m:r>
-                        </m:e>
-                        <m:sub>
-                          <m:r>
-                            <a:rPr lang="en-US" i="1">
-                              <a:latin typeface="Cambria Math"/>
-                            </a:rPr>
-                            <m:t>𝑐𝑎𝑝</m:t>
-                          </m:r>
-                        </m:sub>
-                      </m:sSub>
-                      <m:sSub>
-                        <m:sSubPr>
-                          <m:ctrlPr>
-                            <a:rPr lang="en-US" i="1">
-                              <a:latin typeface="Cambria Math"/>
-                            </a:rPr>
-                          </m:ctrlPr>
-                        </m:sSubPr>
-                        <m:e>
-                          <m:r>
-                            <a:rPr lang="en-US" i="1">
-                              <a:latin typeface="Cambria Math"/>
-                            </a:rPr>
-                            <m:t>𝐴</m:t>
-                          </m:r>
-                        </m:e>
-                        <m:sub>
-                          <m:r>
-                            <a:rPr lang="en-US" i="1">
-                              <a:latin typeface="Cambria Math"/>
-                            </a:rPr>
-                            <m:t>𝑐𝑎𝑝</m:t>
-                          </m:r>
-                        </m:sub>
-                      </m:sSub>
-                      <m:r>
-                        <a:rPr lang="en-US" i="1">
-                          <a:latin typeface="Cambria Math"/>
-                        </a:rPr>
-                        <m:t> −</m:t>
-                      </m:r>
-                      <m:sSub>
-                        <m:sSubPr>
-                          <m:ctrlPr>
-                            <a:rPr lang="en-US" i="1">
-                              <a:latin typeface="Cambria Math"/>
-                            </a:rPr>
-                          </m:ctrlPr>
-                        </m:sSubPr>
-                        <m:e>
-                          <m:r>
-                            <a:rPr lang="en-US" i="1">
-                              <a:latin typeface="Cambria Math"/>
-                            </a:rPr>
-                            <m:t>𝑃</m:t>
-                          </m:r>
-                        </m:e>
-                        <m:sub>
-                          <m:r>
-                            <a:rPr lang="en-US" i="1">
-                              <a:latin typeface="Cambria Math"/>
-                            </a:rPr>
-                            <m:t>𝑟𝑜𝑑</m:t>
-                          </m:r>
-                        </m:sub>
-                      </m:sSub>
-                      <m:sSub>
-                        <m:sSubPr>
-                          <m:ctrlPr>
-                            <a:rPr lang="en-US" i="1">
-                              <a:latin typeface="Cambria Math"/>
-                            </a:rPr>
-                          </m:ctrlPr>
-                        </m:sSubPr>
-                        <m:e>
-                          <m:r>
-                            <a:rPr lang="en-US" i="1">
-                              <a:latin typeface="Cambria Math"/>
-                            </a:rPr>
-                            <m:t>𝐴</m:t>
-                          </m:r>
-                        </m:e>
-                        <m:sub>
-                          <m:r>
-                            <a:rPr lang="en-US" i="1">
-                              <a:latin typeface="Cambria Math"/>
-                            </a:rPr>
-                            <m:t>𝑟𝑜𝑑</m:t>
-                          </m:r>
-                        </m:sub>
-                      </m:sSub>
-                    </m:oMath>
-                  </m:oMathPara>
-                </a14:m>
-                <a:endParaRPr lang="en-US" dirty="0"/>
-              </a:p>
-            </p:txBody>
-          </p:sp>
-        </mc:Choice>
-        <mc:Fallback xmlns="">
-          <p:sp>
-            <p:nvSpPr>
-              <p:cNvPr id="4" name="TextBox 3"/>
-              <p:cNvSpPr txBox="1">
-                <a:spLocks noRot="1" noChangeAspect="1" noMove="1" noResize="1" noEditPoints="1" noAdjustHandles="1" noChangeArrowheads="1" noChangeShapeType="1" noTextEdit="1"/>
-              </p:cNvSpPr>
-              <p:nvPr/>
-            </p:nvSpPr>
-            <p:spPr>
-              <a:xfrm>
-                <a:off x="5254240" y="2252001"/>
-                <a:ext cx="3512320" cy="394147"/>
-              </a:xfrm>
-              <a:prstGeom prst="rect">
-                <a:avLst/>
-              </a:prstGeom>
-              <a:blipFill rotWithShape="1">
-                <a:blip r:embed="rId5"/>
-                <a:stretch>
-                  <a:fillRect b="-3077"/>
-                </a:stretch>
-              </a:blipFill>
-            </p:spPr>
-            <p:txBody>
-              <a:bodyPr/>
-              <a:lstStyle/>
-              <a:p>
-                <a:r>
-                  <a:rPr lang="en-US">
-                    <a:noFill/>
-                  </a:rPr>
-                  <a:t> </a:t>
-                </a:r>
-              </a:p>
-            </p:txBody>
-          </p:sp>
-        </mc:Fallback>
-      </mc:AlternateContent>
-    </p:spTree>
-    <p:extLst>
-      <p:ext uri="{BB962C8B-B14F-4D97-AF65-F5344CB8AC3E}">
-        <p14:creationId xmlns:p14="http://schemas.microsoft.com/office/powerpoint/2010/main" val="2435262260"/>
-      </p:ext>
-    </p:extLst>
-  </p:cSld>
-  <p:clrMapOvr>
-    <a:masterClrMapping/>
-  </p:clrMapOvr>
-</p:sld>
-</file>
-
-<file path=ppt/slides/slide7.xml><?xml version="1.0" encoding="utf-8"?>
-<p:sld xmlns:a="http://schemas.openxmlformats.org/drawingml/2006/main" xmlns:r="http://schemas.openxmlformats.org/officeDocument/2006/relationships" xmlns:p="http://schemas.openxmlformats.org/presentationml/2006/main">
-  <p:cSld>
-    <p:spTree>
-      <p:nvGrpSpPr>
-        <p:cNvPr id="1" name=""/>
-        <p:cNvGrpSpPr/>
-        <p:nvPr/>
-      </p:nvGrpSpPr>
-      <p:grpSpPr>
-        <a:xfrm>
-          <a:off x="0" y="0"/>
-          <a:ext cx="0" cy="0"/>
-          <a:chOff x="0" y="0"/>
-          <a:chExt cx="0" cy="0"/>
-        </a:xfrm>
-      </p:grpSpPr>
-      <p:sp>
-        <p:nvSpPr>
-          <p:cNvPr id="2" name="Title 1"/>
-          <p:cNvSpPr>
-            <a:spLocks noGrp="1"/>
-          </p:cNvSpPr>
-          <p:nvPr>
-            <p:ph type="title"/>
-          </p:nvPr>
-        </p:nvSpPr>
-        <p:spPr>
-          <a:xfrm>
-            <a:off x="1100470" y="250029"/>
-            <a:ext cx="9905998" cy="1478570"/>
-          </a:xfrm>
-        </p:spPr>
-        <p:txBody>
-          <a:bodyPr/>
-          <a:lstStyle/>
-          <a:p>
-            <a:r>
-              <a:rPr lang="en-US" dirty="0" smtClean="0"/>
-              <a:t>Pneumatic Circuit</a:t>
-            </a:r>
-            <a:endParaRPr lang="en-US" dirty="0"/>
-          </a:p>
-        </p:txBody>
-      </p:sp>
-      <p:pic>
-        <p:nvPicPr>
-          <p:cNvPr id="4" name="Content Placeholder 3" descr="D:\MyDocs\Documents\Classes\AgileRoboticControls\Research\Pneumatic Circuits\Sample Circuit.png"/>
-          <p:cNvPicPr>
-            <a:picLocks noGrp="1"/>
-          </p:cNvPicPr>
-          <p:nvPr>
-            <p:ph idx="1"/>
-          </p:nvPr>
-        </p:nvPicPr>
-        <p:blipFill>
-          <a:blip r:embed="rId2">
-            <a:extLst>
-              <a:ext uri="{28A0092B-C50C-407E-A947-70E740481C1C}">
-                <a14:useLocalDpi xmlns:a14="http://schemas.microsoft.com/office/drawing/2010/main" val="0"/>
-              </a:ext>
-            </a:extLst>
-          </a:blip>
-          <a:srcRect/>
-          <a:stretch>
-            <a:fillRect/>
-          </a:stretch>
-        </p:blipFill>
-        <p:spPr bwMode="auto">
-          <a:xfrm>
-            <a:off x="1023581" y="1583139"/>
-            <a:ext cx="10072049" cy="4219433"/>
-          </a:xfrm>
-          <a:prstGeom prst="rect">
-            <a:avLst/>
-          </a:prstGeom>
-          <a:noFill/>
-          <a:ln>
-            <a:noFill/>
-          </a:ln>
-        </p:spPr>
-      </p:pic>
-      <p:pic>
-        <p:nvPicPr>
-          <p:cNvPr id="5" name="Content Placeholder 3" descr="D:\MyDocs\Documents\Classes\AgileRoboticControls\Research\Pneumatic Circuits\Sample Circuit.png"/>
-          <p:cNvPicPr>
-            <a:picLocks/>
-          </p:cNvPicPr>
-          <p:nvPr/>
-        </p:nvPicPr>
-        <p:blipFill rotWithShape="1">
-          <a:blip r:embed="rId2">
-            <a:extLst>
-              <a:ext uri="{28A0092B-C50C-407E-A947-70E740481C1C}">
-                <a14:useLocalDpi xmlns:a14="http://schemas.microsoft.com/office/drawing/2010/main" val="0"/>
-              </a:ext>
-            </a:extLst>
-          </a:blip>
-          <a:srcRect l="65704" t="40286" r="21823" b="47157"/>
-          <a:stretch/>
-        </p:blipFill>
-        <p:spPr bwMode="auto">
-          <a:xfrm flipV="1">
-            <a:off x="7649669" y="3264494"/>
-            <a:ext cx="1256232" cy="529840"/>
-          </a:xfrm>
-          <a:prstGeom prst="rect">
-            <a:avLst/>
-          </a:prstGeom>
-          <a:noFill/>
-          <a:ln>
-            <a:noFill/>
-          </a:ln>
-        </p:spPr>
-      </p:pic>
-    </p:spTree>
-    <p:extLst>
-      <p:ext uri="{BB962C8B-B14F-4D97-AF65-F5344CB8AC3E}">
-        <p14:creationId xmlns:p14="http://schemas.microsoft.com/office/powerpoint/2010/main" val="939920761"/>
-      </p:ext>
-    </p:extLst>
-  </p:cSld>
-  <p:clrMapOvr>
-    <a:masterClrMapping/>
-  </p:clrMapOvr>
-</p:sld>
-</file>
-
-<file path=ppt/slides/slide8.xml><?xml version="1.0" encoding="utf-8"?>
-<p:sld xmlns:a="http://schemas.openxmlformats.org/drawingml/2006/main" xmlns:r="http://schemas.openxmlformats.org/officeDocument/2006/relationships" xmlns:p="http://schemas.openxmlformats.org/presentationml/2006/main">
-  <p:cSld>
-    <p:spTree>
-      <p:nvGrpSpPr>
-        <p:cNvPr id="1" name=""/>
-        <p:cNvGrpSpPr/>
-        <p:nvPr/>
-      </p:nvGrpSpPr>
-      <p:grpSpPr>
-        <a:xfrm>
-          <a:off x="0" y="0"/>
-          <a:ext cx="0" cy="0"/>
-          <a:chOff x="0" y="0"/>
-          <a:chExt cx="0" cy="0"/>
-        </a:xfrm>
-      </p:grpSpPr>
-      <p:sp>
-        <p:nvSpPr>
-          <p:cNvPr id="2" name="Title 1"/>
-          <p:cNvSpPr>
-            <a:spLocks noGrp="1"/>
-          </p:cNvSpPr>
-          <p:nvPr>
-            <p:ph type="title"/>
-          </p:nvPr>
-        </p:nvSpPr>
-        <p:spPr/>
-        <p:txBody>
-          <a:bodyPr/>
-          <a:lstStyle/>
-          <a:p>
-            <a:r>
-              <a:rPr lang="en-US" dirty="0" smtClean="0"/>
-              <a:t>Kinematic Modelling</a:t>
-            </a:r>
-            <a:endParaRPr lang="en-US" dirty="0"/>
-          </a:p>
-        </p:txBody>
-      </p:sp>
-      <p:sp>
-        <p:nvSpPr>
-          <p:cNvPr id="3" name="Content Placeholder 2"/>
-          <p:cNvSpPr>
-            <a:spLocks noGrp="1"/>
-          </p:cNvSpPr>
-          <p:nvPr>
-            <p:ph idx="1"/>
-          </p:nvPr>
-        </p:nvSpPr>
-        <p:spPr/>
-        <p:txBody>
-          <a:bodyPr/>
-          <a:lstStyle/>
-          <a:p>
-            <a:r>
-              <a:rPr lang="en-US" dirty="0"/>
-              <a:t>Homogenous Transformations</a:t>
-            </a:r>
-          </a:p>
-          <a:p>
-            <a:r>
-              <a:rPr lang="en-US" dirty="0"/>
-              <a:t>Determines cylinder stroke</a:t>
-            </a:r>
-          </a:p>
-          <a:p>
-            <a:pPr marL="0" indent="0">
-              <a:buNone/>
-            </a:pPr>
-            <a:endParaRPr lang="en-US" dirty="0"/>
-          </a:p>
-        </p:txBody>
-      </p:sp>
-    </p:spTree>
-    <p:extLst>
-      <p:ext uri="{BB962C8B-B14F-4D97-AF65-F5344CB8AC3E}">
-        <p14:creationId xmlns:p14="http://schemas.microsoft.com/office/powerpoint/2010/main" val="156962544"/>
-      </p:ext>
-    </p:extLst>
-  </p:cSld>
-  <p:clrMapOvr>
-    <a:masterClrMapping/>
-  </p:clrMapOvr>
-</p:sld>
-</file>
-
-<file path=ppt/slides/slide9.xml><?xml version="1.0" encoding="utf-8"?>
-<p:sld xmlns:a="http://schemas.openxmlformats.org/drawingml/2006/main" xmlns:r="http://schemas.openxmlformats.org/officeDocument/2006/relationships" xmlns:p="http://schemas.openxmlformats.org/presentationml/2006/main">
-  <p:cSld>
-    <p:spTree>
-      <p:nvGrpSpPr>
-        <p:cNvPr id="1" name=""/>
-        <p:cNvGrpSpPr/>
-        <p:nvPr/>
-      </p:nvGrpSpPr>
-      <p:grpSpPr>
-        <a:xfrm>
-          <a:off x="0" y="0"/>
-          <a:ext cx="0" cy="0"/>
-          <a:chOff x="0" y="0"/>
-          <a:chExt cx="0" cy="0"/>
-        </a:xfrm>
-      </p:grpSpPr>
-      <p:sp>
-        <p:nvSpPr>
-          <p:cNvPr id="2" name="Title 1"/>
-          <p:cNvSpPr>
-            <a:spLocks noGrp="1"/>
-          </p:cNvSpPr>
-          <p:nvPr>
-            <p:ph type="title"/>
-          </p:nvPr>
-        </p:nvSpPr>
-        <p:spPr/>
-        <p:txBody>
-          <a:bodyPr/>
-          <a:lstStyle/>
-          <a:p>
-            <a:r>
-              <a:rPr lang="en-US" dirty="0"/>
-              <a:t>Dynamic Model</a:t>
-            </a:r>
-          </a:p>
-        </p:txBody>
-      </p:sp>
-      <p:sp>
-        <p:nvSpPr>
-          <p:cNvPr id="3" name="Content Placeholder 2"/>
-          <p:cNvSpPr>
-            <a:spLocks noGrp="1"/>
-          </p:cNvSpPr>
-          <p:nvPr>
-            <p:ph idx="1"/>
-          </p:nvPr>
-        </p:nvSpPr>
-        <p:spPr/>
-        <p:txBody>
-          <a:bodyPr/>
-          <a:lstStyle/>
-          <a:p>
-            <a:r>
-              <a:rPr lang="en-US" dirty="0" err="1"/>
-              <a:t>Lagrangian</a:t>
-            </a:r>
-            <a:r>
-              <a:rPr lang="en-US" dirty="0"/>
-              <a:t> Mechanics</a:t>
-            </a:r>
-          </a:p>
-          <a:p>
-            <a:r>
-              <a:rPr lang="en-US" dirty="0"/>
-              <a:t>Non-inertial reference frames</a:t>
-            </a:r>
-          </a:p>
-          <a:p>
-            <a:r>
-              <a:rPr lang="en-US" dirty="0"/>
-              <a:t>Arbitrary </a:t>
-            </a:r>
-            <a:r>
-              <a:rPr lang="en-US" dirty="0" smtClean="0"/>
-              <a:t>global reference </a:t>
-            </a:r>
-            <a:r>
-              <a:rPr lang="en-US" dirty="0"/>
-              <a:t>frame</a:t>
-            </a:r>
-          </a:p>
-          <a:p>
-            <a:r>
-              <a:rPr lang="en-US" dirty="0"/>
-              <a:t>Determines mechanical properties of </a:t>
-            </a:r>
-            <a:r>
-              <a:rPr lang="en-US" dirty="0" smtClean="0"/>
-              <a:t>components</a:t>
-            </a:r>
-          </a:p>
-          <a:p>
-            <a:r>
-              <a:rPr lang="en-US" dirty="0" smtClean="0"/>
-              <a:t>27 Equations</a:t>
-            </a:r>
-            <a:endParaRPr lang="en-US" dirty="0"/>
-          </a:p>
-        </p:txBody>
-      </p:sp>
-    </p:spTree>
-    <p:extLst>
-      <p:ext uri="{BB962C8B-B14F-4D97-AF65-F5344CB8AC3E}">
-        <p14:creationId xmlns:p14="http://schemas.microsoft.com/office/powerpoint/2010/main" val="18980793"/>
-      </p:ext>
-    </p:extLst>
-  </p:cSld>
-  <p:clrMapOvr>
-    <a:masterClrMapping/>
-  </p:clrMapOvr>
-</p:sld>
-</file>
-
 <file path=ppt/theme/theme1.xml><?xml version="1.0" encoding="utf-8"?>
 <a:theme xmlns:a="http://schemas.openxmlformats.org/drawingml/2006/main" name="Circuit">
   <a:themeElements>
@@ -15553,7 +16315,7 @@
   <a:extraClrSchemeLst/>
   <a:extLst>
     <a:ext uri="{05A4C25C-085E-4340-85A3-A5531E510DB2}">
-      <thm15:themeFamily xmlns:thm15="http://schemas.microsoft.com/office/thememl/2012/main" xmlns="" name="Circuit" id="{0AC2F7E7-15F5-431C-B2A2-456FE929F56C}" vid="{142578CA-DEC9-49C3-80AF-C113973CC9A9}"/>
+      <thm15:themeFamily xmlns="" xmlns:thm15="http://schemas.microsoft.com/office/thememl/2012/main" name="Circuit" id="{0AC2F7E7-15F5-431C-B2A2-456FE929F56C}" vid="{142578CA-DEC9-49C3-80AF-C113973CC9A9}"/>
     </a:ext>
   </a:extLst>
 </a:theme>

--- a/Documentation/Presentation/Design Powerpoint.pptx
+++ b/Documentation/Presentation/Design Powerpoint.pptx
@@ -120,7 +120,7 @@
   </p:defaultTextStyle>
   <p:extLst>
     <p:ext uri="{EFAFB233-063F-42B5-8137-9DF3F51BA10A}">
-      <p15:sldGuideLst xmlns:p15="http://schemas.microsoft.com/office/powerpoint/2012/main" xmlns="">
+      <p15:sldGuideLst xmlns:p15="http://schemas.microsoft.com/office/powerpoint/2012/main">
         <p15:guide id="1" orient="horz" pos="2160">
           <p15:clr>
             <a:srgbClr val="A4A3A4"/>
@@ -12447,6 +12447,13 @@
   <p:clrMapOvr>
     <a:masterClrMapping/>
   </p:clrMapOvr>
+  <p:timing>
+    <p:tnLst>
+      <p:par>
+        <p:cTn id="1" dur="indefinite" restart="never" nodeType="tmRoot"/>
+      </p:par>
+    </p:tnLst>
+  </p:timing>
 </p:sld>
 </file>
 
@@ -13223,6 +13230,13 @@
   <p:clrMapOvr>
     <a:masterClrMapping/>
   </p:clrMapOvr>
+  <p:timing>
+    <p:tnLst>
+      <p:par>
+        <p:cTn id="1" dur="indefinite" restart="never" nodeType="tmRoot"/>
+      </p:par>
+    </p:tnLst>
+  </p:timing>
 </p:sld>
 </file>
 
@@ -13344,6 +13358,13 @@
   <p:clrMapOvr>
     <a:masterClrMapping/>
   </p:clrMapOvr>
+  <p:timing>
+    <p:tnLst>
+      <p:par>
+        <p:cTn id="1" dur="indefinite" restart="never" nodeType="tmRoot"/>
+      </p:par>
+    </p:tnLst>
+  </p:timing>
 </p:sld>
 </file>
 
@@ -13416,6 +13437,13 @@
   <p:clrMapOvr>
     <a:masterClrMapping/>
   </p:clrMapOvr>
+  <p:timing>
+    <p:tnLst>
+      <p:par>
+        <p:cTn id="1" dur="indefinite" restart="never" nodeType="tmRoot"/>
+      </p:par>
+    </p:tnLst>
+  </p:timing>
 </p:sld>
 </file>
 
@@ -14443,6 +14471,13 @@
   <p:clrMapOvr>
     <a:masterClrMapping/>
   </p:clrMapOvr>
+  <p:timing>
+    <p:tnLst>
+      <p:par>
+        <p:cTn id="1" dur="indefinite" restart="never" nodeType="tmRoot"/>
+      </p:par>
+    </p:tnLst>
+  </p:timing>
 </p:sld>
 </file>
 
@@ -14816,7 +14851,7 @@
                         <m:sSubPr>
                           <m:ctrlPr>
                             <a:rPr lang="en-US" i="1">
-                              <a:latin typeface="Cambria Math"/>
+                              <a:latin typeface="Cambria Math" panose="02040503050406030204" pitchFamily="18" charset="0"/>
                             </a:rPr>
                           </m:ctrlPr>
                         </m:sSubPr>
@@ -14841,7 +14876,7 @@
                         <m:sSubPr>
                           <m:ctrlPr>
                             <a:rPr lang="en-US" i="1">
-                              <a:latin typeface="Cambria Math"/>
+                              <a:latin typeface="Cambria Math" panose="02040503050406030204" pitchFamily="18" charset="0"/>
                             </a:rPr>
                           </m:ctrlPr>
                         </m:sSubPr>
@@ -14872,7 +14907,7 @@
                         <m:sSubPr>
                           <m:ctrlPr>
                             <a:rPr lang="en-US" i="1">
-                              <a:latin typeface="Cambria Math"/>
+                              <a:latin typeface="Cambria Math" panose="02040503050406030204" pitchFamily="18" charset="0"/>
                             </a:rPr>
                           </m:ctrlPr>
                         </m:sSubPr>
@@ -14897,7 +14932,7 @@
                         <m:sSubPr>
                           <m:ctrlPr>
                             <a:rPr lang="en-US" i="1">
-                              <a:latin typeface="Cambria Math"/>
+                              <a:latin typeface="Cambria Math" panose="02040503050406030204" pitchFamily="18" charset="0"/>
                             </a:rPr>
                           </m:ctrlPr>
                         </m:sSubPr>
@@ -14975,6 +15010,13 @@
   <p:clrMapOvr>
     <a:masterClrMapping/>
   </p:clrMapOvr>
+  <p:timing>
+    <p:tnLst>
+      <p:par>
+        <p:cTn id="1" dur="indefinite" restart="never" nodeType="tmRoot"/>
+      </p:par>
+    </p:tnLst>
+  </p:timing>
 </p:sld>
 </file>
 
@@ -15103,6 +15145,13 @@
   <p:clrMapOvr>
     <a:masterClrMapping/>
   </p:clrMapOvr>
+  <p:timing>
+    <p:tnLst>
+      <p:par>
+        <p:cTn id="1" dur="indefinite" restart="never" nodeType="tmRoot"/>
+      </p:par>
+    </p:tnLst>
+  </p:timing>
 </p:sld>
 </file>
 
@@ -15146,40 +15195,583 @@
           </a:p>
         </p:txBody>
       </p:sp>
-      <p:sp>
-        <p:nvSpPr>
-          <p:cNvPr id="3" name="Content Placeholder 2"/>
-          <p:cNvSpPr>
-            <a:spLocks noGrp="1"/>
-          </p:cNvSpPr>
-          <p:nvPr>
-            <p:ph idx="1"/>
-          </p:nvPr>
-        </p:nvSpPr>
-        <p:spPr/>
-        <p:txBody>
-          <a:bodyPr/>
-          <a:lstStyle/>
-          <a:p>
-            <a:r>
-              <a:rPr lang="en-US" dirty="0"/>
-              <a:t>Homogenous Transformations</a:t>
-            </a:r>
-          </a:p>
-          <a:p>
-            <a:r>
-              <a:rPr lang="en-US" dirty="0"/>
-              <a:t>Determines cylinder stroke</a:t>
-            </a:r>
-          </a:p>
-          <a:p>
-            <a:pPr marL="0" indent="0">
-              <a:buNone/>
-            </a:pPr>
-            <a:endParaRPr lang="en-US" dirty="0"/>
-          </a:p>
-        </p:txBody>
-      </p:sp>
+      <mc:AlternateContent xmlns:mc="http://schemas.openxmlformats.org/markup-compatibility/2006">
+        <mc:Choice xmlns:a14="http://schemas.microsoft.com/office/drawing/2010/main" Requires="a14">
+          <p:sp>
+            <p:nvSpPr>
+              <p:cNvPr id="3" name="Content Placeholder 2"/>
+              <p:cNvSpPr>
+                <a:spLocks noGrp="1"/>
+              </p:cNvSpPr>
+              <p:nvPr>
+                <p:ph idx="1"/>
+              </p:nvPr>
+            </p:nvSpPr>
+            <p:spPr>
+              <a:xfrm>
+                <a:off x="1141413" y="2249486"/>
+                <a:ext cx="4274650" cy="4212859"/>
+              </a:xfrm>
+            </p:spPr>
+            <p:txBody>
+              <a:bodyPr>
+                <a:normAutofit/>
+              </a:bodyPr>
+              <a:lstStyle/>
+              <a:p>
+                <a:r>
+                  <a:rPr lang="en-US" dirty="0" smtClean="0"/>
+                  <a:t>Homogenous Transformations</a:t>
+                </a:r>
+              </a:p>
+              <a:p>
+                <a:r>
+                  <a:rPr lang="en-US" dirty="0"/>
+                  <a:t>Determines cylinder </a:t>
+                </a:r>
+                <a:r>
+                  <a:rPr lang="en-US" dirty="0" smtClean="0"/>
+                  <a:t>stroke</a:t>
+                </a:r>
+              </a:p>
+              <a:p>
+                <a:pPr marL="0" indent="0">
+                  <a:buNone/>
+                </a:pPr>
+                <a:r>
+                  <a:rPr lang="en-US" dirty="0" smtClean="0"/>
+                  <a:t>Shank X Acceleration:</a:t>
+                </a:r>
+              </a:p>
+              <a:p>
+                <a:pPr marL="0" indent="0">
+                  <a:buNone/>
+                </a:pPr>
+                <a14:m>
+                  <m:oMathPara xmlns:m="http://schemas.openxmlformats.org/officeDocument/2006/math">
+                    <m:oMathParaPr>
+                      <m:jc m:val="centerGroup"/>
+                    </m:oMathParaPr>
+                    <m:oMath xmlns:m="http://schemas.openxmlformats.org/officeDocument/2006/math">
+                      <m:r>
+                        <m:rPr>
+                          <m:nor/>
+                        </m:rPr>
+                        <a:rPr lang="en-US" dirty="0"/>
+                        <m:t>LH</m:t>
+                      </m:r>
+                      <m:r>
+                        <m:rPr>
+                          <m:nor/>
+                        </m:rPr>
+                        <a:rPr lang="en-US" dirty="0"/>
+                        <m:t>4*</m:t>
+                      </m:r>
+                      <m:r>
+                        <m:rPr>
+                          <m:nor/>
+                        </m:rPr>
+                        <a:rPr lang="en-US" dirty="0"/>
+                        <m:t>cos</m:t>
+                      </m:r>
+                      <m:r>
+                        <m:rPr>
+                          <m:nor/>
+                        </m:rPr>
+                        <a:rPr lang="en-US" dirty="0"/>
+                        <m:t>(</m:t>
+                      </m:r>
+                      <m:r>
+                        <m:rPr>
+                          <m:nor/>
+                        </m:rPr>
+                        <a:rPr lang="en-US" dirty="0"/>
+                        <m:t>tb</m:t>
+                      </m:r>
+                      <m:r>
+                        <m:rPr>
+                          <m:nor/>
+                        </m:rPr>
+                        <a:rPr lang="en-US" dirty="0"/>
+                        <m:t>)*</m:t>
+                      </m:r>
+                      <m:r>
+                        <m:rPr>
+                          <m:nor/>
+                        </m:rPr>
+                        <a:rPr lang="en-US" dirty="0"/>
+                        <m:t>tbdot</m:t>
+                      </m:r>
+                      <m:r>
+                        <m:rPr>
+                          <m:nor/>
+                        </m:rPr>
+                        <a:rPr lang="en-US" dirty="0"/>
+                        <m:t>^2 - </m:t>
+                      </m:r>
+                      <m:r>
+                        <m:rPr>
+                          <m:nor/>
+                        </m:rPr>
+                        <a:rPr lang="en-US" dirty="0"/>
+                        <m:t>LK</m:t>
+                      </m:r>
+                      <m:r>
+                        <m:rPr>
+                          <m:nor/>
+                        </m:rPr>
+                        <a:rPr lang="en-US" dirty="0"/>
+                        <m:t>4*</m:t>
+                      </m:r>
+                      <m:r>
+                        <m:rPr>
+                          <m:nor/>
+                        </m:rPr>
+                        <a:rPr lang="en-US" dirty="0"/>
+                        <m:t>cos</m:t>
+                      </m:r>
+                      <m:r>
+                        <m:rPr>
+                          <m:nor/>
+                        </m:rPr>
+                        <a:rPr lang="en-US" dirty="0"/>
+                        <m:t>(</m:t>
+                      </m:r>
+                      <m:r>
+                        <m:rPr>
+                          <m:nor/>
+                        </m:rPr>
+                        <a:rPr lang="en-US" dirty="0"/>
+                        <m:t>th</m:t>
+                      </m:r>
+                      <m:r>
+                        <m:rPr>
+                          <m:nor/>
+                        </m:rPr>
+                        <a:rPr lang="en-US" dirty="0"/>
+                        <m:t>4)*</m:t>
+                      </m:r>
+                      <m:r>
+                        <m:rPr>
+                          <m:nor/>
+                        </m:rPr>
+                        <a:rPr lang="en-US" dirty="0"/>
+                        <m:t>th</m:t>
+                      </m:r>
+                      <m:r>
+                        <m:rPr>
+                          <m:nor/>
+                        </m:rPr>
+                        <a:rPr lang="en-US" dirty="0"/>
+                        <m:t>4</m:t>
+                      </m:r>
+                      <m:r>
+                        <m:rPr>
+                          <m:nor/>
+                        </m:rPr>
+                        <a:rPr lang="en-US" dirty="0"/>
+                        <m:t>dot</m:t>
+                      </m:r>
+                      <m:r>
+                        <m:rPr>
+                          <m:nor/>
+                        </m:rPr>
+                        <a:rPr lang="en-US" dirty="0"/>
+                        <m:t>^2 + </m:t>
+                      </m:r>
+                      <m:r>
+                        <m:rPr>
+                          <m:nor/>
+                        </m:rPr>
+                        <a:rPr lang="en-US" dirty="0"/>
+                        <m:t>xddot</m:t>
+                      </m:r>
+                      <m:r>
+                        <m:rPr>
+                          <m:nor/>
+                        </m:rPr>
+                        <a:rPr lang="en-US" dirty="0"/>
+                        <m:t> + </m:t>
+                      </m:r>
+                      <m:r>
+                        <m:rPr>
+                          <m:nor/>
+                        </m:rPr>
+                        <a:rPr lang="en-US" dirty="0"/>
+                        <m:t>LH</m:t>
+                      </m:r>
+                      <m:r>
+                        <m:rPr>
+                          <m:nor/>
+                        </m:rPr>
+                        <a:rPr lang="en-US" dirty="0"/>
+                        <m:t>4*</m:t>
+                      </m:r>
+                      <m:r>
+                        <m:rPr>
+                          <m:nor/>
+                        </m:rPr>
+                        <a:rPr lang="en-US" dirty="0"/>
+                        <m:t>tbddot</m:t>
+                      </m:r>
+                      <m:r>
+                        <m:rPr>
+                          <m:nor/>
+                        </m:rPr>
+                        <a:rPr lang="en-US" dirty="0"/>
+                        <m:t>*</m:t>
+                      </m:r>
+                      <m:r>
+                        <m:rPr>
+                          <m:nor/>
+                        </m:rPr>
+                        <a:rPr lang="en-US" dirty="0"/>
+                        <m:t>sin</m:t>
+                      </m:r>
+                      <m:r>
+                        <m:rPr>
+                          <m:nor/>
+                        </m:rPr>
+                        <a:rPr lang="en-US" dirty="0"/>
+                        <m:t>(</m:t>
+                      </m:r>
+                      <m:r>
+                        <m:rPr>
+                          <m:nor/>
+                        </m:rPr>
+                        <a:rPr lang="en-US" dirty="0"/>
+                        <m:t>tb</m:t>
+                      </m:r>
+                      <m:r>
+                        <m:rPr>
+                          <m:nor/>
+                        </m:rPr>
+                        <a:rPr lang="en-US" dirty="0"/>
+                        <m:t>) - </m:t>
+                      </m:r>
+                      <m:r>
+                        <m:rPr>
+                          <m:nor/>
+                        </m:rPr>
+                        <a:rPr lang="en-US" dirty="0"/>
+                        <m:t>LK</m:t>
+                      </m:r>
+                      <m:r>
+                        <m:rPr>
+                          <m:nor/>
+                        </m:rPr>
+                        <a:rPr lang="en-US" dirty="0"/>
+                        <m:t>4*</m:t>
+                      </m:r>
+                      <m:r>
+                        <m:rPr>
+                          <m:nor/>
+                        </m:rPr>
+                        <a:rPr lang="en-US" dirty="0"/>
+                        <m:t>th</m:t>
+                      </m:r>
+                      <m:r>
+                        <m:rPr>
+                          <m:nor/>
+                        </m:rPr>
+                        <a:rPr lang="en-US" dirty="0"/>
+                        <m:t>4</m:t>
+                      </m:r>
+                      <m:r>
+                        <m:rPr>
+                          <m:nor/>
+                        </m:rPr>
+                        <a:rPr lang="en-US" dirty="0"/>
+                        <m:t>ddot</m:t>
+                      </m:r>
+                      <m:r>
+                        <m:rPr>
+                          <m:nor/>
+                        </m:rPr>
+                        <a:rPr lang="en-US" dirty="0"/>
+                        <m:t>*</m:t>
+                      </m:r>
+                      <m:r>
+                        <m:rPr>
+                          <m:nor/>
+                        </m:rPr>
+                        <a:rPr lang="en-US" dirty="0"/>
+                        <m:t>sin</m:t>
+                      </m:r>
+                      <m:r>
+                        <m:rPr>
+                          <m:nor/>
+                        </m:rPr>
+                        <a:rPr lang="en-US" dirty="0"/>
+                        <m:t>(</m:t>
+                      </m:r>
+                      <m:r>
+                        <m:rPr>
+                          <m:nor/>
+                        </m:rPr>
+                        <a:rPr lang="en-US" dirty="0"/>
+                        <m:t>th</m:t>
+                      </m:r>
+                      <m:r>
+                        <m:rPr>
+                          <m:nor/>
+                        </m:rPr>
+                        <a:rPr lang="en-US" dirty="0"/>
+                        <m:t>4) - </m:t>
+                      </m:r>
+                      <m:r>
+                        <m:rPr>
+                          <m:nor/>
+                        </m:rPr>
+                        <a:rPr lang="en-US" dirty="0"/>
+                        <m:t>S</m:t>
+                      </m:r>
+                      <m:r>
+                        <m:rPr>
+                          <m:nor/>
+                        </m:rPr>
+                        <a:rPr lang="en-US" dirty="0"/>
+                        <m:t>4*</m:t>
+                      </m:r>
+                      <m:r>
+                        <m:rPr>
+                          <m:nor/>
+                        </m:rPr>
+                        <a:rPr lang="en-US" dirty="0"/>
+                        <m:t>tk</m:t>
+                      </m:r>
+                      <m:r>
+                        <m:rPr>
+                          <m:nor/>
+                        </m:rPr>
+                        <a:rPr lang="en-US" dirty="0"/>
+                        <m:t>4</m:t>
+                      </m:r>
+                      <m:r>
+                        <m:rPr>
+                          <m:nor/>
+                        </m:rPr>
+                        <a:rPr lang="en-US" dirty="0"/>
+                        <m:t>ddot</m:t>
+                      </m:r>
+                      <m:r>
+                        <m:rPr>
+                          <m:nor/>
+                        </m:rPr>
+                        <a:rPr lang="en-US" dirty="0"/>
+                        <m:t>*</m:t>
+                      </m:r>
+                      <m:r>
+                        <m:rPr>
+                          <m:nor/>
+                        </m:rPr>
+                        <a:rPr lang="en-US" dirty="0"/>
+                        <m:t>sin</m:t>
+                      </m:r>
+                      <m:r>
+                        <m:rPr>
+                          <m:nor/>
+                        </m:rPr>
+                        <a:rPr lang="en-US" dirty="0"/>
+                        <m:t>(</m:t>
+                      </m:r>
+                      <m:r>
+                        <m:rPr>
+                          <m:nor/>
+                        </m:rPr>
+                        <a:rPr lang="en-US" dirty="0"/>
+                        <m:t>tk</m:t>
+                      </m:r>
+                      <m:r>
+                        <m:rPr>
+                          <m:nor/>
+                        </m:rPr>
+                        <a:rPr lang="en-US" dirty="0"/>
+                        <m:t>4)</m:t>
+                      </m:r>
+                    </m:oMath>
+                  </m:oMathPara>
+                </a14:m>
+                <a:endParaRPr lang="en-US" dirty="0"/>
+              </a:p>
+            </p:txBody>
+          </p:sp>
+        </mc:Choice>
+        <mc:Fallback>
+          <p:sp>
+            <p:nvSpPr>
+              <p:cNvPr id="3" name="Content Placeholder 2"/>
+              <p:cNvSpPr>
+                <a:spLocks noGrp="1" noRot="1" noChangeAspect="1" noMove="1" noResize="1" noEditPoints="1" noAdjustHandles="1" noChangeArrowheads="1" noChangeShapeType="1" noTextEdit="1"/>
+              </p:cNvSpPr>
+              <p:nvPr>
+                <p:ph idx="1"/>
+              </p:nvPr>
+            </p:nvSpPr>
+            <p:spPr>
+              <a:xfrm>
+                <a:off x="1141413" y="2249486"/>
+                <a:ext cx="4274650" cy="4212859"/>
+              </a:xfrm>
+              <a:blipFill rotWithShape="0">
+                <a:blip r:embed="rId2"/>
+                <a:stretch>
+                  <a:fillRect l="-2853" t="-1881"/>
+                </a:stretch>
+              </a:blipFill>
+            </p:spPr>
+            <p:txBody>
+              <a:bodyPr/>
+              <a:lstStyle/>
+              <a:p>
+                <a:r>
+                  <a:rPr lang="en-US">
+                    <a:noFill/>
+                  </a:rPr>
+                  <a:t> </a:t>
+                </a:r>
+              </a:p>
+            </p:txBody>
+          </p:sp>
+        </mc:Fallback>
+      </mc:AlternateContent>
+      <p:grpSp>
+        <p:nvGrpSpPr>
+          <p:cNvPr id="7" name="Group 6"/>
+          <p:cNvGrpSpPr/>
+          <p:nvPr/>
+        </p:nvGrpSpPr>
+        <p:grpSpPr>
+          <a:xfrm>
+            <a:off x="5516010" y="2083422"/>
+            <a:ext cx="5672076" cy="4254057"/>
+            <a:chOff x="5375335" y="1775693"/>
+            <a:chExt cx="5672076" cy="4254057"/>
+          </a:xfrm>
+        </p:grpSpPr>
+        <p:pic>
+          <p:nvPicPr>
+            <p:cNvPr id="4" name="Picture 3"/>
+            <p:cNvPicPr>
+              <a:picLocks noChangeAspect="1"/>
+            </p:cNvPicPr>
+            <p:nvPr/>
+          </p:nvPicPr>
+          <p:blipFill>
+            <a:blip r:embed="rId3">
+              <a:extLst>
+                <a:ext uri="{28A0092B-C50C-407E-A947-70E740481C1C}">
+                  <a14:useLocalDpi xmlns:a14="http://schemas.microsoft.com/office/drawing/2010/main" val="0"/>
+                </a:ext>
+              </a:extLst>
+            </a:blip>
+            <a:stretch>
+              <a:fillRect/>
+            </a:stretch>
+          </p:blipFill>
+          <p:spPr>
+            <a:xfrm>
+              <a:off x="5375335" y="1775693"/>
+              <a:ext cx="5672076" cy="4254057"/>
+            </a:xfrm>
+            <a:prstGeom prst="rect">
+              <a:avLst/>
+            </a:prstGeom>
+          </p:spPr>
+        </p:pic>
+        <p:sp>
+          <p:nvSpPr>
+            <p:cNvPr id="5" name="Rectangle 4"/>
+            <p:cNvSpPr/>
+            <p:nvPr/>
+          </p:nvSpPr>
+          <p:spPr>
+            <a:xfrm>
+              <a:off x="7076999" y="1785671"/>
+              <a:ext cx="2268748" cy="302791"/>
+            </a:xfrm>
+            <a:prstGeom prst="rect">
+              <a:avLst/>
+            </a:prstGeom>
+            <a:solidFill>
+              <a:srgbClr val="C9CCC9"/>
+            </a:solidFill>
+            <a:ln>
+              <a:noFill/>
+            </a:ln>
+          </p:spPr>
+          <p:style>
+            <a:lnRef idx="2">
+              <a:schemeClr val="accent1">
+                <a:shade val="50000"/>
+              </a:schemeClr>
+            </a:lnRef>
+            <a:fillRef idx="1">
+              <a:schemeClr val="accent1"/>
+            </a:fillRef>
+            <a:effectRef idx="0">
+              <a:schemeClr val="accent1"/>
+            </a:effectRef>
+            <a:fontRef idx="minor">
+              <a:schemeClr val="lt1"/>
+            </a:fontRef>
+          </p:style>
+          <p:txBody>
+            <a:bodyPr rtlCol="0" anchor="ctr"/>
+            <a:lstStyle/>
+            <a:p>
+              <a:pPr algn="ctr"/>
+              <a:endParaRPr lang="en-US"/>
+            </a:p>
+          </p:txBody>
+        </p:sp>
+        <p:sp>
+          <p:nvSpPr>
+            <p:cNvPr id="6" name="Rectangle 5"/>
+            <p:cNvSpPr/>
+            <p:nvPr/>
+          </p:nvSpPr>
+          <p:spPr>
+            <a:xfrm>
+              <a:off x="5375335" y="5693435"/>
+              <a:ext cx="1241125" cy="334386"/>
+            </a:xfrm>
+            <a:prstGeom prst="rect">
+              <a:avLst/>
+            </a:prstGeom>
+            <a:solidFill>
+              <a:srgbClr val="C9CCC9"/>
+            </a:solidFill>
+            <a:ln>
+              <a:noFill/>
+            </a:ln>
+          </p:spPr>
+          <p:style>
+            <a:lnRef idx="2">
+              <a:schemeClr val="accent1">
+                <a:shade val="50000"/>
+              </a:schemeClr>
+            </a:lnRef>
+            <a:fillRef idx="1">
+              <a:schemeClr val="accent1"/>
+            </a:fillRef>
+            <a:effectRef idx="0">
+              <a:schemeClr val="accent1"/>
+            </a:effectRef>
+            <a:fontRef idx="minor">
+              <a:schemeClr val="lt1"/>
+            </a:fontRef>
+          </p:style>
+          <p:txBody>
+            <a:bodyPr rtlCol="0" anchor="ctr"/>
+            <a:lstStyle/>
+            <a:p>
+              <a:pPr algn="ctr"/>
+              <a:endParaRPr lang="en-US"/>
+            </a:p>
+          </p:txBody>
+        </p:sp>
+      </p:grpSp>
     </p:spTree>
     <p:extLst>
       <p:ext uri="{BB962C8B-B14F-4D97-AF65-F5344CB8AC3E}">
@@ -15190,6 +15782,13 @@
   <p:clrMapOvr>
     <a:masterClrMapping/>
   </p:clrMapOvr>
+  <p:timing>
+    <p:tnLst>
+      <p:par>
+        <p:cTn id="1" dur="indefinite" restart="never" nodeType="tmRoot"/>
+      </p:par>
+    </p:tnLst>
+  </p:timing>
 </p:sld>
 </file>
 
@@ -15289,12 +15888,488 @@
           <a:p>
             <a:r>
               <a:rPr lang="en-US" dirty="0" smtClean="0"/>
-              <a:t>27 Equations</a:t>
+              <a:t>27 </a:t>
+            </a:r>
+            <a:r>
+              <a:rPr lang="en-US" dirty="0" smtClean="0"/>
+              <a:t>Equations with state vector </a:t>
+            </a:r>
+            <a:r>
+              <a:rPr lang="en-US" i="1" dirty="0" smtClean="0"/>
+              <a:t>q</a:t>
             </a:r>
             <a:endParaRPr lang="en-US" dirty="0"/>
           </a:p>
         </p:txBody>
       </p:sp>
+      <mc:AlternateContent xmlns:mc="http://schemas.openxmlformats.org/markup-compatibility/2006">
+        <mc:Choice xmlns:a14="http://schemas.microsoft.com/office/drawing/2010/main" Requires="a14">
+          <p:sp>
+            <p:nvSpPr>
+              <p:cNvPr id="4" name="TextBox 3"/>
+              <p:cNvSpPr txBox="1"/>
+              <p:nvPr/>
+            </p:nvSpPr>
+            <p:spPr>
+              <a:xfrm>
+                <a:off x="7904284" y="1859696"/>
+                <a:ext cx="1857313" cy="3252493"/>
+              </a:xfrm>
+              <a:prstGeom prst="rect">
+                <a:avLst/>
+              </a:prstGeom>
+              <a:noFill/>
+            </p:spPr>
+            <p:txBody>
+              <a:bodyPr wrap="square" rtlCol="0">
+                <a:spAutoFit/>
+              </a:bodyPr>
+              <a:lstStyle/>
+              <a:p>
+                <a:pPr algn="ctr"/>
+                <a:r>
+                  <a:rPr lang="en-US" dirty="0" smtClean="0"/>
+                  <a:t> </a:t>
+                </a:r>
+                <a14:m>
+                  <m:oMath xmlns:m="http://schemas.openxmlformats.org/officeDocument/2006/math">
+                    <m:r>
+                      <m:rPr>
+                        <m:sty m:val="p"/>
+                      </m:rPr>
+                      <a:rPr lang="en-US" b="0" i="0" smtClean="0">
+                        <a:latin typeface="Cambria Math" panose="02040503050406030204" pitchFamily="18" charset="0"/>
+                      </a:rPr>
+                      <m:t>q</m:t>
+                    </m:r>
+                    <m:r>
+                      <a:rPr lang="en-US" b="0" i="0" smtClean="0">
+                        <a:latin typeface="Cambria Math" panose="02040503050406030204" pitchFamily="18" charset="0"/>
+                      </a:rPr>
+                      <m:t>=</m:t>
+                    </m:r>
+                    <m:d>
+                      <m:dPr>
+                        <m:begChr m:val="["/>
+                        <m:endChr m:val="]"/>
+                        <m:ctrlPr>
+                          <a:rPr lang="en-US" i="1" smtClean="0">
+                            <a:latin typeface="Cambria Math" panose="02040503050406030204" pitchFamily="18" charset="0"/>
+                          </a:rPr>
+                        </m:ctrlPr>
+                      </m:dPr>
+                      <m:e>
+                        <m:eqArr>
+                          <m:eqArrPr>
+                            <m:ctrlPr>
+                              <a:rPr lang="en-US" dirty="0">
+                                <a:latin typeface="Cambria Math" panose="02040503050406030204" pitchFamily="18" charset="0"/>
+                              </a:rPr>
+                            </m:ctrlPr>
+                          </m:eqArrPr>
+                          <m:e>
+                            <m:r>
+                              <m:rPr>
+                                <m:nor/>
+                              </m:rPr>
+                              <a:rPr lang="en-US" dirty="0"/>
+                              <m:t>X</m:t>
+                            </m:r>
+                          </m:e>
+                          <m:e>
+                            <m:r>
+                              <m:rPr>
+                                <m:nor/>
+                              </m:rPr>
+                              <a:rPr lang="en-US" dirty="0"/>
+                              <m:t> </m:t>
+                            </m:r>
+                            <m:r>
+                              <m:rPr>
+                                <m:nor/>
+                              </m:rPr>
+                              <a:rPr lang="en-US" dirty="0"/>
+                              <m:t>Y</m:t>
+                            </m:r>
+                          </m:e>
+                          <m:e>
+                            <m:sSub>
+                              <m:sSubPr>
+                                <m:ctrlPr>
+                                  <a:rPr lang="en-US" i="1">
+                                    <a:latin typeface="Cambria Math" panose="02040503050406030204" pitchFamily="18" charset="0"/>
+                                  </a:rPr>
+                                </m:ctrlPr>
+                              </m:sSubPr>
+                              <m:e>
+                                <m:r>
+                                  <m:rPr>
+                                    <m:nor/>
+                                  </m:rPr>
+                                  <a:rPr lang="el-GR" dirty="0">
+                                    <a:latin typeface="Calibri" panose="020F0502020204030204" pitchFamily="34" charset="0"/>
+                                  </a:rPr>
+                                  <m:t>θ</m:t>
+                                </m:r>
+                              </m:e>
+                              <m:sub>
+                                <m:r>
+                                  <a:rPr lang="en-US" i="1">
+                                    <a:latin typeface="Cambria Math" panose="02040503050406030204" pitchFamily="18" charset="0"/>
+                                  </a:rPr>
+                                  <m:t>𝐵𝑜𝑑𝑦</m:t>
+                                </m:r>
+                              </m:sub>
+                            </m:sSub>
+                          </m:e>
+                          <m:e>
+                            <m:sSub>
+                              <m:sSubPr>
+                                <m:ctrlPr>
+                                  <a:rPr lang="en-US" i="1">
+                                    <a:latin typeface="Cambria Math" panose="02040503050406030204" pitchFamily="18" charset="0"/>
+                                  </a:rPr>
+                                </m:ctrlPr>
+                              </m:sSubPr>
+                              <m:e>
+                                <m:r>
+                                  <m:rPr>
+                                    <m:nor/>
+                                  </m:rPr>
+                                  <a:rPr lang="el-GR" dirty="0">
+                                    <a:latin typeface="Calibri" panose="020F0502020204030204" pitchFamily="34" charset="0"/>
+                                  </a:rPr>
+                                  <m:t>θ</m:t>
+                                </m:r>
+                              </m:e>
+                              <m:sub>
+                                <m:r>
+                                  <a:rPr lang="en-US" i="1" dirty="0">
+                                    <a:latin typeface="Cambria Math" panose="02040503050406030204" pitchFamily="18" charset="0"/>
+                                  </a:rPr>
+                                  <m:t>𝐻𝑖𝑝</m:t>
+                                </m:r>
+                                <m:r>
+                                  <a:rPr lang="en-US" i="1" dirty="0">
+                                    <a:latin typeface="Cambria Math" panose="02040503050406030204" pitchFamily="18" charset="0"/>
+                                  </a:rPr>
+                                  <m:t> 1</m:t>
+                                </m:r>
+                              </m:sub>
+                            </m:sSub>
+                          </m:e>
+                          <m:e>
+                            <m:sSub>
+                              <m:sSubPr>
+                                <m:ctrlPr>
+                                  <a:rPr lang="en-US" i="1">
+                                    <a:latin typeface="Cambria Math" panose="02040503050406030204" pitchFamily="18" charset="0"/>
+                                  </a:rPr>
+                                </m:ctrlPr>
+                              </m:sSubPr>
+                              <m:e>
+                                <m:r>
+                                  <m:rPr>
+                                    <m:nor/>
+                                  </m:rPr>
+                                  <a:rPr lang="el-GR" dirty="0">
+                                    <a:latin typeface="Calibri" panose="020F0502020204030204" pitchFamily="34" charset="0"/>
+                                  </a:rPr>
+                                  <m:t>θ</m:t>
+                                </m:r>
+                              </m:e>
+                              <m:sub>
+                                <m:r>
+                                  <a:rPr lang="en-US" i="1" dirty="0">
+                                    <a:latin typeface="Cambria Math" panose="02040503050406030204" pitchFamily="18" charset="0"/>
+                                  </a:rPr>
+                                  <m:t>𝐾𝑛𝑒𝑒</m:t>
+                                </m:r>
+                                <m:r>
+                                  <a:rPr lang="en-US" i="1" dirty="0">
+                                    <a:latin typeface="Cambria Math" panose="02040503050406030204" pitchFamily="18" charset="0"/>
+                                  </a:rPr>
+                                  <m:t> 1</m:t>
+                                </m:r>
+                              </m:sub>
+                            </m:sSub>
+                          </m:e>
+                          <m:e>
+                            <m:sSub>
+                              <m:sSubPr>
+                                <m:ctrlPr>
+                                  <a:rPr lang="en-US" i="1">
+                                    <a:latin typeface="Cambria Math" panose="02040503050406030204" pitchFamily="18" charset="0"/>
+                                  </a:rPr>
+                                </m:ctrlPr>
+                              </m:sSubPr>
+                              <m:e>
+                                <m:r>
+                                  <m:rPr>
+                                    <m:nor/>
+                                  </m:rPr>
+                                  <a:rPr lang="el-GR" dirty="0">
+                                    <a:latin typeface="Calibri" panose="020F0502020204030204" pitchFamily="34" charset="0"/>
+                                  </a:rPr>
+                                  <m:t>θ</m:t>
+                                </m:r>
+                              </m:e>
+                              <m:sub>
+                                <m:r>
+                                  <a:rPr lang="en-US" i="1" dirty="0">
+                                    <a:latin typeface="Cambria Math" panose="02040503050406030204" pitchFamily="18" charset="0"/>
+                                  </a:rPr>
+                                  <m:t>𝐻𝑖𝑝</m:t>
+                                </m:r>
+                                <m:r>
+                                  <a:rPr lang="en-US" i="1" dirty="0">
+                                    <a:latin typeface="Cambria Math" panose="02040503050406030204" pitchFamily="18" charset="0"/>
+                                  </a:rPr>
+                                  <m:t> 2</m:t>
+                                </m:r>
+                              </m:sub>
+                            </m:sSub>
+                          </m:e>
+                          <m:e>
+                            <m:sSub>
+                              <m:sSubPr>
+                                <m:ctrlPr>
+                                  <a:rPr lang="en-US" i="1">
+                                    <a:latin typeface="Cambria Math" panose="02040503050406030204" pitchFamily="18" charset="0"/>
+                                  </a:rPr>
+                                </m:ctrlPr>
+                              </m:sSubPr>
+                              <m:e>
+                                <m:r>
+                                  <m:rPr>
+                                    <m:nor/>
+                                  </m:rPr>
+                                  <a:rPr lang="el-GR" dirty="0">
+                                    <a:latin typeface="Calibri" panose="020F0502020204030204" pitchFamily="34" charset="0"/>
+                                  </a:rPr>
+                                  <m:t>θ</m:t>
+                                </m:r>
+                              </m:e>
+                              <m:sub>
+                                <m:r>
+                                  <a:rPr lang="en-US" i="1" dirty="0">
+                                    <a:latin typeface="Cambria Math" panose="02040503050406030204" pitchFamily="18" charset="0"/>
+                                  </a:rPr>
+                                  <m:t>𝐾𝑛𝑒𝑒</m:t>
+                                </m:r>
+                                <m:r>
+                                  <a:rPr lang="en-US" i="1" dirty="0">
+                                    <a:latin typeface="Cambria Math" panose="02040503050406030204" pitchFamily="18" charset="0"/>
+                                  </a:rPr>
+                                  <m:t> 2</m:t>
+                                </m:r>
+                              </m:sub>
+                            </m:sSub>
+                          </m:e>
+                          <m:e>
+                            <m:sSub>
+                              <m:sSubPr>
+                                <m:ctrlPr>
+                                  <a:rPr lang="en-US" i="1">
+                                    <a:latin typeface="Cambria Math" panose="02040503050406030204" pitchFamily="18" charset="0"/>
+                                  </a:rPr>
+                                </m:ctrlPr>
+                              </m:sSubPr>
+                              <m:e>
+                                <m:r>
+                                  <m:rPr>
+                                    <m:nor/>
+                                  </m:rPr>
+                                  <a:rPr lang="el-GR" dirty="0">
+                                    <a:latin typeface="Calibri" panose="020F0502020204030204" pitchFamily="34" charset="0"/>
+                                  </a:rPr>
+                                  <m:t>θ</m:t>
+                                </m:r>
+                              </m:e>
+                              <m:sub>
+                                <m:r>
+                                  <a:rPr lang="en-US" i="1" dirty="0">
+                                    <a:latin typeface="Cambria Math" panose="02040503050406030204" pitchFamily="18" charset="0"/>
+                                  </a:rPr>
+                                  <m:t>𝐻𝑖𝑝</m:t>
+                                </m:r>
+                                <m:r>
+                                  <a:rPr lang="en-US" i="1" dirty="0">
+                                    <a:latin typeface="Cambria Math" panose="02040503050406030204" pitchFamily="18" charset="0"/>
+                                  </a:rPr>
+                                  <m:t> 3</m:t>
+                                </m:r>
+                              </m:sub>
+                            </m:sSub>
+                          </m:e>
+                          <m:e>
+                            <m:sSub>
+                              <m:sSubPr>
+                                <m:ctrlPr>
+                                  <a:rPr lang="en-US" i="1">
+                                    <a:latin typeface="Cambria Math" panose="02040503050406030204" pitchFamily="18" charset="0"/>
+                                  </a:rPr>
+                                </m:ctrlPr>
+                              </m:sSubPr>
+                              <m:e>
+                                <m:r>
+                                  <m:rPr>
+                                    <m:nor/>
+                                  </m:rPr>
+                                  <a:rPr lang="el-GR" dirty="0">
+                                    <a:latin typeface="Calibri" panose="020F0502020204030204" pitchFamily="34" charset="0"/>
+                                  </a:rPr>
+                                  <m:t>θ</m:t>
+                                </m:r>
+                              </m:e>
+                              <m:sub>
+                                <m:r>
+                                  <a:rPr lang="en-US" i="1" dirty="0">
+                                    <a:latin typeface="Cambria Math" panose="02040503050406030204" pitchFamily="18" charset="0"/>
+                                  </a:rPr>
+                                  <m:t>𝐾𝑛𝑒𝑒</m:t>
+                                </m:r>
+                                <m:r>
+                                  <a:rPr lang="en-US" i="1" dirty="0">
+                                    <a:latin typeface="Cambria Math" panose="02040503050406030204" pitchFamily="18" charset="0"/>
+                                  </a:rPr>
+                                  <m:t> 3</m:t>
+                                </m:r>
+                              </m:sub>
+                            </m:sSub>
+                          </m:e>
+                          <m:e>
+                            <m:eqArr>
+                              <m:eqArrPr>
+                                <m:ctrlPr>
+                                  <a:rPr lang="en-US" i="1">
+                                    <a:latin typeface="Cambria Math" panose="02040503050406030204" pitchFamily="18" charset="0"/>
+                                  </a:rPr>
+                                </m:ctrlPr>
+                              </m:eqArrPr>
+                              <m:e>
+                                <m:sSub>
+                                  <m:sSubPr>
+                                    <m:ctrlPr>
+                                      <a:rPr lang="en-US" i="1">
+                                        <a:latin typeface="Cambria Math" panose="02040503050406030204" pitchFamily="18" charset="0"/>
+                                      </a:rPr>
+                                    </m:ctrlPr>
+                                  </m:sSubPr>
+                                  <m:e>
+                                    <m:r>
+                                      <m:rPr>
+                                        <m:nor/>
+                                      </m:rPr>
+                                      <a:rPr lang="el-GR" dirty="0">
+                                        <a:latin typeface="Calibri" panose="020F0502020204030204" pitchFamily="34" charset="0"/>
+                                      </a:rPr>
+                                      <m:t>θ</m:t>
+                                    </m:r>
+                                  </m:e>
+                                  <m:sub>
+                                    <m:r>
+                                      <a:rPr lang="en-US" i="1" dirty="0">
+                                        <a:latin typeface="Cambria Math" panose="02040503050406030204" pitchFamily="18" charset="0"/>
+                                      </a:rPr>
+                                      <m:t>𝐻𝑖𝑝</m:t>
+                                    </m:r>
+                                    <m:r>
+                                      <a:rPr lang="en-US" i="1" dirty="0">
+                                        <a:latin typeface="Cambria Math" panose="02040503050406030204" pitchFamily="18" charset="0"/>
+                                      </a:rPr>
+                                      <m:t> 4</m:t>
+                                    </m:r>
+                                  </m:sub>
+                                </m:sSub>
+                              </m:e>
+                              <m:e>
+                                <m:sSub>
+                                  <m:sSubPr>
+                                    <m:ctrlPr>
+                                      <a:rPr lang="en-US" i="1">
+                                        <a:latin typeface="Cambria Math" panose="02040503050406030204" pitchFamily="18" charset="0"/>
+                                      </a:rPr>
+                                    </m:ctrlPr>
+                                  </m:sSubPr>
+                                  <m:e>
+                                    <m:r>
+                                      <m:rPr>
+                                        <m:nor/>
+                                      </m:rPr>
+                                      <a:rPr lang="el-GR" dirty="0">
+                                        <a:latin typeface="Calibri" panose="020F0502020204030204" pitchFamily="34" charset="0"/>
+                                      </a:rPr>
+                                      <m:t>θ</m:t>
+                                    </m:r>
+                                  </m:e>
+                                  <m:sub>
+                                    <m:r>
+                                      <a:rPr lang="en-US" i="1" dirty="0">
+                                        <a:latin typeface="Cambria Math" panose="02040503050406030204" pitchFamily="18" charset="0"/>
+                                      </a:rPr>
+                                      <m:t>𝐾𝑛𝑒𝑒</m:t>
+                                    </m:r>
+                                    <m:r>
+                                      <a:rPr lang="en-US" i="1" dirty="0">
+                                        <a:latin typeface="Cambria Math" panose="02040503050406030204" pitchFamily="18" charset="0"/>
+                                      </a:rPr>
+                                      <m:t> 4</m:t>
+                                    </m:r>
+                                  </m:sub>
+                                </m:sSub>
+                              </m:e>
+                            </m:eqArr>
+                          </m:e>
+                        </m:eqArr>
+                      </m:e>
+                    </m:d>
+                  </m:oMath>
+                </a14:m>
+                <a:endParaRPr lang="en-US" dirty="0" smtClean="0"/>
+              </a:p>
+            </p:txBody>
+          </p:sp>
+        </mc:Choice>
+        <mc:Fallback>
+          <p:sp>
+            <p:nvSpPr>
+              <p:cNvPr id="4" name="TextBox 3"/>
+              <p:cNvSpPr txBox="1">
+                <a:spLocks noRot="1" noChangeAspect="1" noMove="1" noResize="1" noEditPoints="1" noAdjustHandles="1" noChangeArrowheads="1" noChangeShapeType="1" noTextEdit="1"/>
+              </p:cNvSpPr>
+              <p:nvPr/>
+            </p:nvSpPr>
+            <p:spPr>
+              <a:xfrm>
+                <a:off x="7904284" y="1859696"/>
+                <a:ext cx="1857313" cy="3252493"/>
+              </a:xfrm>
+              <a:prstGeom prst="rect">
+                <a:avLst/>
+              </a:prstGeom>
+              <a:blipFill rotWithShape="0">
+                <a:blip r:embed="rId2"/>
+                <a:stretch>
+                  <a:fillRect/>
+                </a:stretch>
+              </a:blipFill>
+            </p:spPr>
+            <p:txBody>
+              <a:bodyPr/>
+              <a:lstStyle/>
+              <a:p>
+                <a:r>
+                  <a:rPr lang="en-US">
+                    <a:noFill/>
+                  </a:rPr>
+                  <a:t> </a:t>
+                </a:r>
+              </a:p>
+            </p:txBody>
+          </p:sp>
+        </mc:Fallback>
+      </mc:AlternateContent>
     </p:spTree>
     <p:extLst>
       <p:ext uri="{BB962C8B-B14F-4D97-AF65-F5344CB8AC3E}">
@@ -15305,6 +16380,13 @@
   <p:clrMapOvr>
     <a:masterClrMapping/>
   </p:clrMapOvr>
+  <p:timing>
+    <p:tnLst>
+      <p:par>
+        <p:cTn id="1" dur="indefinite" restart="never" nodeType="tmRoot"/>
+      </p:par>
+    </p:tnLst>
+  </p:timing>
 </p:sld>
 </file>
 
@@ -15553,7 +16635,7 @@
   <a:extraClrSchemeLst/>
   <a:extLst>
     <a:ext uri="{05A4C25C-085E-4340-85A3-A5531E510DB2}">
-      <thm15:themeFamily xmlns:thm15="http://schemas.microsoft.com/office/thememl/2012/main" xmlns="" name="Circuit" id="{0AC2F7E7-15F5-431C-B2A2-456FE929F56C}" vid="{142578CA-DEC9-49C3-80AF-C113973CC9A9}"/>
+      <thm15:themeFamily xmlns:thm15="http://schemas.microsoft.com/office/thememl/2012/main" name="Circuit" id="{0AC2F7E7-15F5-431C-B2A2-456FE929F56C}" vid="{142578CA-DEC9-49C3-80AF-C113973CC9A9}"/>
     </a:ext>
   </a:extLst>
 </a:theme>

--- a/Documentation/Presentation/Design Powerpoint.pptx
+++ b/Documentation/Presentation/Design Powerpoint.pptx
@@ -124,7 +124,7 @@
   </p:defaultTextStyle>
   <p:extLst>
     <p:ext uri="{EFAFB233-063F-42B5-8137-9DF3F51BA10A}">
-      <p15:sldGuideLst xmlns="" xmlns:p15="http://schemas.microsoft.com/office/powerpoint/2012/main">
+      <p15:sldGuideLst xmlns:p15="http://schemas.microsoft.com/office/powerpoint/2012/main" xmlns="">
         <p15:guide id="1" orient="horz" pos="2160">
           <p15:clr>
             <a:srgbClr val="A4A3A4"/>
@@ -13861,7 +13861,11 @@
           <a:p>
             <a:r>
               <a:rPr lang="en-US" dirty="0" smtClean="0"/>
-              <a:t>Test circuit with control system</a:t>
+              <a:t>Test circuit with control </a:t>
+            </a:r>
+            <a:r>
+              <a:rPr lang="en-US" dirty="0" smtClean="0"/>
+              <a:t>system</a:t>
             </a:r>
             <a:endParaRPr lang="en-US" dirty="0"/>
           </a:p>
@@ -16315,7 +16319,7 @@
   <a:extraClrSchemeLst/>
   <a:extLst>
     <a:ext uri="{05A4C25C-085E-4340-85A3-A5531E510DB2}">
-      <thm15:themeFamily xmlns="" xmlns:thm15="http://schemas.microsoft.com/office/thememl/2012/main" name="Circuit" id="{0AC2F7E7-15F5-431C-B2A2-456FE929F56C}" vid="{142578CA-DEC9-49C3-80AF-C113973CC9A9}"/>
+      <thm15:themeFamily xmlns:thm15="http://schemas.microsoft.com/office/thememl/2012/main" xmlns="" name="Circuit" id="{0AC2F7E7-15F5-431C-B2A2-456FE929F56C}" vid="{142578CA-DEC9-49C3-80AF-C113973CC9A9}"/>
     </a:ext>
   </a:extLst>
 </a:theme>

--- a/Documentation/Presentation/Design Powerpoint.pptx
+++ b/Documentation/Presentation/Design Powerpoint.pptx
@@ -124,7 +124,7 @@
   </p:defaultTextStyle>
   <p:extLst>
     <p:ext uri="{EFAFB233-063F-42B5-8137-9DF3F51BA10A}">
-      <p15:sldGuideLst xmlns:p15="http://schemas.microsoft.com/office/powerpoint/2012/main" xmlns="">
+      <p15:sldGuideLst xmlns:p15="http://schemas.microsoft.com/office/powerpoint/2012/main">
         <p15:guide id="1" orient="horz" pos="2160">
           <p15:clr>
             <a:srgbClr val="A4A3A4"/>
@@ -12441,6 +12441,96 @@
           </a:p>
         </p:txBody>
       </p:sp>
+      <p:pic>
+        <p:nvPicPr>
+          <p:cNvPr id="4" name="Picture 3"/>
+          <p:cNvPicPr>
+            <a:picLocks noChangeAspect="1"/>
+          </p:cNvPicPr>
+          <p:nvPr/>
+        </p:nvPicPr>
+        <p:blipFill>
+          <a:blip r:embed="rId2">
+            <a:extLst>
+              <a:ext uri="{28A0092B-C50C-407E-A947-70E740481C1C}">
+                <a14:useLocalDpi xmlns:a14="http://schemas.microsoft.com/office/drawing/2010/main" val="0"/>
+              </a:ext>
+            </a:extLst>
+          </a:blip>
+          <a:stretch>
+            <a:fillRect/>
+          </a:stretch>
+        </p:blipFill>
+        <p:spPr>
+          <a:xfrm>
+            <a:off x="6575125" y="189707"/>
+            <a:ext cx="2419350" cy="247650"/>
+          </a:xfrm>
+          <a:prstGeom prst="rect">
+            <a:avLst/>
+          </a:prstGeom>
+        </p:spPr>
+      </p:pic>
+      <p:pic>
+        <p:nvPicPr>
+          <p:cNvPr id="5" name="Picture 4"/>
+          <p:cNvPicPr>
+            <a:picLocks noChangeAspect="1"/>
+          </p:cNvPicPr>
+          <p:nvPr/>
+        </p:nvPicPr>
+        <p:blipFill>
+          <a:blip r:embed="rId3">
+            <a:extLst>
+              <a:ext uri="{28A0092B-C50C-407E-A947-70E740481C1C}">
+                <a14:useLocalDpi xmlns:a14="http://schemas.microsoft.com/office/drawing/2010/main" val="0"/>
+              </a:ext>
+            </a:extLst>
+          </a:blip>
+          <a:stretch>
+            <a:fillRect/>
+          </a:stretch>
+        </p:blipFill>
+        <p:spPr>
+          <a:xfrm>
+            <a:off x="10667999" y="0"/>
+            <a:ext cx="1524000" cy="1524000"/>
+          </a:xfrm>
+          <a:prstGeom prst="rect">
+            <a:avLst/>
+          </a:prstGeom>
+        </p:spPr>
+      </p:pic>
+      <p:pic>
+        <p:nvPicPr>
+          <p:cNvPr id="7" name="Picture 6"/>
+          <p:cNvPicPr>
+            <a:picLocks noChangeAspect="1"/>
+          </p:cNvPicPr>
+          <p:nvPr/>
+        </p:nvPicPr>
+        <p:blipFill>
+          <a:blip r:embed="rId4">
+            <a:extLst>
+              <a:ext uri="{28A0092B-C50C-407E-A947-70E740481C1C}">
+                <a14:useLocalDpi xmlns:a14="http://schemas.microsoft.com/office/drawing/2010/main" val="0"/>
+              </a:ext>
+            </a:extLst>
+          </a:blip>
+          <a:stretch>
+            <a:fillRect/>
+          </a:stretch>
+        </p:blipFill>
+        <p:spPr>
+          <a:xfrm>
+            <a:off x="9143999" y="1"/>
+            <a:ext cx="1524000" cy="1524000"/>
+          </a:xfrm>
+          <a:prstGeom prst="rect">
+            <a:avLst/>
+          </a:prstGeom>
+        </p:spPr>
+      </p:pic>
     </p:spTree>
     <p:extLst>
       <p:ext uri="{BB962C8B-B14F-4D97-AF65-F5344CB8AC3E}">
@@ -12824,7 +12914,7 @@
                         <m:sSubPr>
                           <m:ctrlPr>
                             <a:rPr lang="en-US" i="1">
-                              <a:latin typeface="Cambria Math"/>
+                              <a:latin typeface="Cambria Math" panose="02040503050406030204" pitchFamily="18" charset="0"/>
                             </a:rPr>
                           </m:ctrlPr>
                         </m:sSubPr>
@@ -12849,7 +12939,7 @@
                         <m:sSubPr>
                           <m:ctrlPr>
                             <a:rPr lang="en-US" i="1">
-                              <a:latin typeface="Cambria Math"/>
+                              <a:latin typeface="Cambria Math" panose="02040503050406030204" pitchFamily="18" charset="0"/>
                             </a:rPr>
                           </m:ctrlPr>
                         </m:sSubPr>
@@ -12880,7 +12970,7 @@
                         <m:sSubPr>
                           <m:ctrlPr>
                             <a:rPr lang="en-US" i="1">
-                              <a:latin typeface="Cambria Math"/>
+                              <a:latin typeface="Cambria Math" panose="02040503050406030204" pitchFamily="18" charset="0"/>
                             </a:rPr>
                           </m:ctrlPr>
                         </m:sSubPr>
@@ -12905,7 +12995,7 @@
                         <m:sSubPr>
                           <m:ctrlPr>
                             <a:rPr lang="en-US" i="1">
-                              <a:latin typeface="Cambria Math"/>
+                              <a:latin typeface="Cambria Math" panose="02040503050406030204" pitchFamily="18" charset="0"/>
                             </a:rPr>
                           </m:ctrlPr>
                         </m:sSubPr>
@@ -13133,7 +13223,7 @@
       </p:grpSpPr>
       <p:sp>
         <p:nvSpPr>
-          <p:cNvPr id="2" name="Title 1"/>
+          <p:cNvPr id="7" name="Title 6"/>
           <p:cNvSpPr>
             <a:spLocks noGrp="1"/>
           </p:cNvSpPr>
@@ -13148,7 +13238,7 @@
           <a:p>
             <a:r>
               <a:rPr lang="en-US" dirty="0" smtClean="0"/>
-              <a:t>Kinematic Modelling</a:t>
+              <a:t> </a:t>
             </a:r>
             <a:endParaRPr lang="en-US" dirty="0"/>
           </a:p>
@@ -13156,7 +13246,7 @@
       </p:sp>
       <p:sp>
         <p:nvSpPr>
-          <p:cNvPr id="3" name="Content Placeholder 2"/>
+          <p:cNvPr id="8" name="Content Placeholder 7"/>
           <p:cNvSpPr>
             <a:spLocks noGrp="1"/>
           </p:cNvSpPr>
@@ -13169,25 +13259,818 @@
           <a:bodyPr/>
           <a:lstStyle/>
           <a:p>
-            <a:r>
-              <a:rPr lang="en-US" dirty="0"/>
-              <a:t>Homogenous Transformations</a:t>
-            </a:r>
-          </a:p>
-          <a:p>
-            <a:r>
-              <a:rPr lang="en-US" dirty="0"/>
-              <a:t>Determines cylinder stroke</a:t>
-            </a:r>
-          </a:p>
-          <a:p>
             <a:pPr marL="0" indent="0">
               <a:buNone/>
             </a:pPr>
+            <a:r>
+              <a:rPr lang="en-US" dirty="0" smtClean="0"/>
+              <a:t> </a:t>
+            </a:r>
             <a:endParaRPr lang="en-US" dirty="0"/>
           </a:p>
         </p:txBody>
       </p:sp>
+      <p:sp>
+        <p:nvSpPr>
+          <p:cNvPr id="9" name="Title 1"/>
+          <p:cNvSpPr txBox="1">
+            <a:spLocks/>
+          </p:cNvSpPr>
+          <p:nvPr/>
+        </p:nvSpPr>
+        <p:spPr>
+          <a:xfrm>
+            <a:off x="1141413" y="618518"/>
+            <a:ext cx="9905998" cy="1478570"/>
+          </a:xfrm>
+          <a:prstGeom prst="rect">
+            <a:avLst/>
+          </a:prstGeom>
+        </p:spPr>
+        <p:txBody>
+          <a:bodyPr vert="horz" lIns="91440" tIns="45720" rIns="91440" bIns="45720" rtlCol="0" anchor="ctr">
+            <a:normAutofit/>
+          </a:bodyPr>
+          <a:lstStyle>
+            <a:lvl1pPr algn="l" defTabSz="914400" rtl="0" eaLnBrk="1" latinLnBrk="0" hangingPunct="1">
+              <a:lnSpc>
+                <a:spcPct val="90000"/>
+              </a:lnSpc>
+              <a:spcBef>
+                <a:spcPct val="0"/>
+              </a:spcBef>
+              <a:buNone/>
+              <a:defRPr sz="3600" kern="1200" cap="all" baseline="0">
+                <a:solidFill>
+                  <a:schemeClr val="tx1"/>
+                </a:solidFill>
+                <a:latin typeface="+mj-lt"/>
+                <a:ea typeface="+mj-ea"/>
+                <a:cs typeface="+mj-cs"/>
+              </a:defRPr>
+            </a:lvl1pPr>
+          </a:lstStyle>
+          <a:p>
+            <a:r>
+              <a:rPr lang="en-US" dirty="0" smtClean="0"/>
+              <a:t>Kinematic Model</a:t>
+            </a:r>
+            <a:endParaRPr lang="en-US" dirty="0"/>
+          </a:p>
+        </p:txBody>
+      </p:sp>
+      <mc:AlternateContent xmlns:mc="http://schemas.openxmlformats.org/markup-compatibility/2006" xmlns:a14="http://schemas.microsoft.com/office/drawing/2010/main">
+        <mc:Choice Requires="a14">
+          <p:sp>
+            <p:nvSpPr>
+              <p:cNvPr id="10" name="Content Placeholder 2"/>
+              <p:cNvSpPr txBox="1">
+                <a:spLocks/>
+              </p:cNvSpPr>
+              <p:nvPr/>
+            </p:nvSpPr>
+            <p:spPr>
+              <a:xfrm>
+                <a:off x="1141413" y="2249486"/>
+                <a:ext cx="4274650" cy="4212859"/>
+              </a:xfrm>
+              <a:prstGeom prst="rect">
+                <a:avLst/>
+              </a:prstGeom>
+            </p:spPr>
+            <p:txBody>
+              <a:bodyPr vert="horz" lIns="91440" tIns="45720" rIns="91440" bIns="45720" rtlCol="0">
+                <a:normAutofit/>
+              </a:bodyPr>
+              <a:lstStyle>
+                <a:lvl1pPr marL="228600" indent="-228600" algn="l" defTabSz="914400" rtl="0" eaLnBrk="1" latinLnBrk="0" hangingPunct="1">
+                  <a:lnSpc>
+                    <a:spcPct val="120000"/>
+                  </a:lnSpc>
+                  <a:spcBef>
+                    <a:spcPts val="1000"/>
+                  </a:spcBef>
+                  <a:buSzPct val="125000"/>
+                  <a:buFont typeface="Arial" panose="020B0604020202020204" pitchFamily="34" charset="0"/>
+                  <a:buChar char="•"/>
+                  <a:defRPr sz="2400" kern="1200">
+                    <a:solidFill>
+                      <a:schemeClr val="tx1"/>
+                    </a:solidFill>
+                    <a:latin typeface="+mn-lt"/>
+                    <a:ea typeface="+mn-ea"/>
+                    <a:cs typeface="+mn-cs"/>
+                  </a:defRPr>
+                </a:lvl1pPr>
+                <a:lvl2pPr marL="685800" indent="-228600" algn="l" defTabSz="914400" rtl="0" eaLnBrk="1" latinLnBrk="0" hangingPunct="1">
+                  <a:lnSpc>
+                    <a:spcPct val="120000"/>
+                  </a:lnSpc>
+                  <a:spcBef>
+                    <a:spcPts val="500"/>
+                  </a:spcBef>
+                  <a:buSzPct val="125000"/>
+                  <a:buFont typeface="Arial" panose="020B0604020202020204" pitchFamily="34" charset="0"/>
+                  <a:buChar char="•"/>
+                  <a:defRPr sz="2000" kern="1200">
+                    <a:solidFill>
+                      <a:schemeClr val="tx1"/>
+                    </a:solidFill>
+                    <a:latin typeface="+mn-lt"/>
+                    <a:ea typeface="+mn-ea"/>
+                    <a:cs typeface="+mn-cs"/>
+                  </a:defRPr>
+                </a:lvl2pPr>
+                <a:lvl3pPr marL="1143000" indent="-228600" algn="l" defTabSz="914400" rtl="0" eaLnBrk="1" latinLnBrk="0" hangingPunct="1">
+                  <a:lnSpc>
+                    <a:spcPct val="120000"/>
+                  </a:lnSpc>
+                  <a:spcBef>
+                    <a:spcPts val="500"/>
+                  </a:spcBef>
+                  <a:buSzPct val="125000"/>
+                  <a:buFont typeface="Arial" panose="020B0604020202020204" pitchFamily="34" charset="0"/>
+                  <a:buChar char="•"/>
+                  <a:defRPr sz="1800" kern="1200">
+                    <a:solidFill>
+                      <a:schemeClr val="tx1"/>
+                    </a:solidFill>
+                    <a:latin typeface="+mn-lt"/>
+                    <a:ea typeface="+mn-ea"/>
+                    <a:cs typeface="+mn-cs"/>
+                  </a:defRPr>
+                </a:lvl3pPr>
+                <a:lvl4pPr marL="1600200" indent="-228600" algn="l" defTabSz="914400" rtl="0" eaLnBrk="1" latinLnBrk="0" hangingPunct="1">
+                  <a:lnSpc>
+                    <a:spcPct val="120000"/>
+                  </a:lnSpc>
+                  <a:spcBef>
+                    <a:spcPts val="500"/>
+                  </a:spcBef>
+                  <a:buSzPct val="125000"/>
+                  <a:buFont typeface="Arial" panose="020B0604020202020204" pitchFamily="34" charset="0"/>
+                  <a:buChar char="•"/>
+                  <a:defRPr sz="1600" kern="1200">
+                    <a:solidFill>
+                      <a:schemeClr val="tx1"/>
+                    </a:solidFill>
+                    <a:latin typeface="+mn-lt"/>
+                    <a:ea typeface="+mn-ea"/>
+                    <a:cs typeface="+mn-cs"/>
+                  </a:defRPr>
+                </a:lvl4pPr>
+                <a:lvl5pPr marL="2057400" indent="-228600" algn="l" defTabSz="914400" rtl="0" eaLnBrk="1" latinLnBrk="0" hangingPunct="1">
+                  <a:lnSpc>
+                    <a:spcPct val="120000"/>
+                  </a:lnSpc>
+                  <a:spcBef>
+                    <a:spcPts val="500"/>
+                  </a:spcBef>
+                  <a:buSzPct val="125000"/>
+                  <a:buFont typeface="Arial" panose="020B0604020202020204" pitchFamily="34" charset="0"/>
+                  <a:buChar char="•"/>
+                  <a:defRPr sz="1600" kern="1200">
+                    <a:solidFill>
+                      <a:schemeClr val="tx1"/>
+                    </a:solidFill>
+                    <a:latin typeface="+mn-lt"/>
+                    <a:ea typeface="+mn-ea"/>
+                    <a:cs typeface="+mn-cs"/>
+                  </a:defRPr>
+                </a:lvl5pPr>
+                <a:lvl6pPr marL="2514600" indent="-228600" algn="l" defTabSz="914400" rtl="0" eaLnBrk="1" latinLnBrk="0" hangingPunct="1">
+                  <a:lnSpc>
+                    <a:spcPct val="120000"/>
+                  </a:lnSpc>
+                  <a:spcBef>
+                    <a:spcPts val="500"/>
+                  </a:spcBef>
+                  <a:buSzPct val="125000"/>
+                  <a:buFont typeface="Arial" panose="020B0604020202020204" pitchFamily="34" charset="0"/>
+                  <a:buChar char="•"/>
+                  <a:defRPr sz="1400" kern="1200">
+                    <a:solidFill>
+                      <a:schemeClr val="tx1"/>
+                    </a:solidFill>
+                    <a:latin typeface="+mn-lt"/>
+                    <a:ea typeface="+mn-ea"/>
+                    <a:cs typeface="+mn-cs"/>
+                  </a:defRPr>
+                </a:lvl6pPr>
+                <a:lvl7pPr marL="2971800" indent="-228600" algn="l" defTabSz="914400" rtl="0" eaLnBrk="1" latinLnBrk="0" hangingPunct="1">
+                  <a:lnSpc>
+                    <a:spcPct val="120000"/>
+                  </a:lnSpc>
+                  <a:spcBef>
+                    <a:spcPts val="500"/>
+                  </a:spcBef>
+                  <a:buSzPct val="125000"/>
+                  <a:buFont typeface="Arial" panose="020B0604020202020204" pitchFamily="34" charset="0"/>
+                  <a:buChar char="•"/>
+                  <a:defRPr sz="1400" kern="1200">
+                    <a:solidFill>
+                      <a:schemeClr val="tx1"/>
+                    </a:solidFill>
+                    <a:latin typeface="+mn-lt"/>
+                    <a:ea typeface="+mn-ea"/>
+                    <a:cs typeface="+mn-cs"/>
+                  </a:defRPr>
+                </a:lvl7pPr>
+                <a:lvl8pPr marL="3429000" indent="-228600" algn="l" defTabSz="914400" rtl="0" eaLnBrk="1" latinLnBrk="0" hangingPunct="1">
+                  <a:lnSpc>
+                    <a:spcPct val="120000"/>
+                  </a:lnSpc>
+                  <a:spcBef>
+                    <a:spcPts val="500"/>
+                  </a:spcBef>
+                  <a:buSzPct val="125000"/>
+                  <a:buFont typeface="Arial" panose="020B0604020202020204" pitchFamily="34" charset="0"/>
+                  <a:buChar char="•"/>
+                  <a:defRPr sz="1400" kern="1200">
+                    <a:solidFill>
+                      <a:schemeClr val="tx1"/>
+                    </a:solidFill>
+                    <a:latin typeface="+mn-lt"/>
+                    <a:ea typeface="+mn-ea"/>
+                    <a:cs typeface="+mn-cs"/>
+                  </a:defRPr>
+                </a:lvl8pPr>
+                <a:lvl9pPr marL="3886200" indent="-228600" algn="l" defTabSz="914400" rtl="0" eaLnBrk="1" latinLnBrk="0" hangingPunct="1">
+                  <a:lnSpc>
+                    <a:spcPct val="120000"/>
+                  </a:lnSpc>
+                  <a:spcBef>
+                    <a:spcPts val="500"/>
+                  </a:spcBef>
+                  <a:buSzPct val="125000"/>
+                  <a:buFont typeface="Arial" panose="020B0604020202020204" pitchFamily="34" charset="0"/>
+                  <a:buChar char="•"/>
+                  <a:defRPr sz="1400" kern="1200">
+                    <a:solidFill>
+                      <a:schemeClr val="tx1"/>
+                    </a:solidFill>
+                    <a:latin typeface="+mn-lt"/>
+                    <a:ea typeface="+mn-ea"/>
+                    <a:cs typeface="+mn-cs"/>
+                  </a:defRPr>
+                </a:lvl9pPr>
+              </a:lstStyle>
+              <a:p>
+                <a:r>
+                  <a:rPr lang="en-US" dirty="0" smtClean="0"/>
+                  <a:t>Homogenous Transformations</a:t>
+                </a:r>
+              </a:p>
+              <a:p>
+                <a:r>
+                  <a:rPr lang="en-US" dirty="0"/>
+                  <a:t>Determines cylinder </a:t>
+                </a:r>
+                <a:r>
+                  <a:rPr lang="en-US" dirty="0" smtClean="0"/>
+                  <a:t>stroke</a:t>
+                </a:r>
+              </a:p>
+              <a:p>
+                <a:pPr marL="0" indent="0">
+                  <a:buFont typeface="Arial" panose="020B0604020202020204" pitchFamily="34" charset="0"/>
+                  <a:buNone/>
+                </a:pPr>
+                <a:r>
+                  <a:rPr lang="en-US" dirty="0" smtClean="0"/>
+                  <a:t>Shank X Acceleration:</a:t>
+                </a:r>
+              </a:p>
+              <a:p>
+                <a:pPr marL="0" indent="0">
+                  <a:buFont typeface="Arial" panose="020B0604020202020204" pitchFamily="34" charset="0"/>
+                  <a:buNone/>
+                </a:pPr>
+                <a14:m>
+                  <m:oMathPara xmlns:m="http://schemas.openxmlformats.org/officeDocument/2006/math">
+                    <m:oMathParaPr>
+                      <m:jc m:val="centerGroup"/>
+                    </m:oMathParaPr>
+                    <m:oMath xmlns:m="http://schemas.openxmlformats.org/officeDocument/2006/math">
+                      <m:r>
+                        <m:rPr>
+                          <m:nor/>
+                        </m:rPr>
+                        <a:rPr lang="en-US" dirty="0"/>
+                        <m:t>LH</m:t>
+                      </m:r>
+                      <m:r>
+                        <m:rPr>
+                          <m:nor/>
+                        </m:rPr>
+                        <a:rPr lang="en-US" dirty="0"/>
+                        <m:t>4∗</m:t>
+                      </m:r>
+                      <m:r>
+                        <m:rPr>
+                          <m:nor/>
+                        </m:rPr>
+                        <a:rPr lang="en-US" dirty="0"/>
+                        <m:t>cos</m:t>
+                      </m:r>
+                      <m:r>
+                        <m:rPr>
+                          <m:nor/>
+                        </m:rPr>
+                        <a:rPr lang="en-US" dirty="0"/>
+                        <m:t>(</m:t>
+                      </m:r>
+                      <m:r>
+                        <m:rPr>
+                          <m:nor/>
+                        </m:rPr>
+                        <a:rPr lang="en-US" dirty="0"/>
+                        <m:t>tb</m:t>
+                      </m:r>
+                      <m:r>
+                        <m:rPr>
+                          <m:nor/>
+                        </m:rPr>
+                        <a:rPr lang="en-US" dirty="0"/>
+                        <m:t>)∗</m:t>
+                      </m:r>
+                      <m:r>
+                        <m:rPr>
+                          <m:nor/>
+                        </m:rPr>
+                        <a:rPr lang="en-US" dirty="0"/>
+                        <m:t>tbdot</m:t>
+                      </m:r>
+                      <m:r>
+                        <m:rPr>
+                          <m:nor/>
+                        </m:rPr>
+                        <a:rPr lang="en-US" dirty="0"/>
+                        <m:t>^2 − </m:t>
+                      </m:r>
+                      <m:r>
+                        <m:rPr>
+                          <m:nor/>
+                        </m:rPr>
+                        <a:rPr lang="en-US" dirty="0"/>
+                        <m:t>LK</m:t>
+                      </m:r>
+                      <m:r>
+                        <m:rPr>
+                          <m:nor/>
+                        </m:rPr>
+                        <a:rPr lang="en-US" dirty="0"/>
+                        <m:t>4∗</m:t>
+                      </m:r>
+                      <m:r>
+                        <m:rPr>
+                          <m:nor/>
+                        </m:rPr>
+                        <a:rPr lang="en-US" dirty="0"/>
+                        <m:t>cos</m:t>
+                      </m:r>
+                      <m:r>
+                        <m:rPr>
+                          <m:nor/>
+                        </m:rPr>
+                        <a:rPr lang="en-US" dirty="0"/>
+                        <m:t>(</m:t>
+                      </m:r>
+                      <m:r>
+                        <m:rPr>
+                          <m:nor/>
+                        </m:rPr>
+                        <a:rPr lang="en-US" dirty="0"/>
+                        <m:t>th</m:t>
+                      </m:r>
+                      <m:r>
+                        <m:rPr>
+                          <m:nor/>
+                        </m:rPr>
+                        <a:rPr lang="en-US" dirty="0"/>
+                        <m:t>4)∗</m:t>
+                      </m:r>
+                      <m:r>
+                        <m:rPr>
+                          <m:nor/>
+                        </m:rPr>
+                        <a:rPr lang="en-US" dirty="0"/>
+                        <m:t>th</m:t>
+                      </m:r>
+                      <m:r>
+                        <m:rPr>
+                          <m:nor/>
+                        </m:rPr>
+                        <a:rPr lang="en-US" dirty="0"/>
+                        <m:t>4</m:t>
+                      </m:r>
+                      <m:r>
+                        <m:rPr>
+                          <m:nor/>
+                        </m:rPr>
+                        <a:rPr lang="en-US" dirty="0"/>
+                        <m:t>dot</m:t>
+                      </m:r>
+                      <m:r>
+                        <m:rPr>
+                          <m:nor/>
+                        </m:rPr>
+                        <a:rPr lang="en-US" dirty="0"/>
+                        <m:t>^2 + </m:t>
+                      </m:r>
+                      <m:r>
+                        <m:rPr>
+                          <m:nor/>
+                        </m:rPr>
+                        <a:rPr lang="en-US" dirty="0"/>
+                        <m:t>xddot</m:t>
+                      </m:r>
+                      <m:r>
+                        <m:rPr>
+                          <m:nor/>
+                        </m:rPr>
+                        <a:rPr lang="en-US" dirty="0"/>
+                        <m:t> + </m:t>
+                      </m:r>
+                      <m:r>
+                        <m:rPr>
+                          <m:nor/>
+                        </m:rPr>
+                        <a:rPr lang="en-US" dirty="0"/>
+                        <m:t>LH</m:t>
+                      </m:r>
+                      <m:r>
+                        <m:rPr>
+                          <m:nor/>
+                        </m:rPr>
+                        <a:rPr lang="en-US" dirty="0"/>
+                        <m:t>4∗</m:t>
+                      </m:r>
+                      <m:r>
+                        <m:rPr>
+                          <m:nor/>
+                        </m:rPr>
+                        <a:rPr lang="en-US" dirty="0"/>
+                        <m:t>tbddot</m:t>
+                      </m:r>
+                      <m:r>
+                        <m:rPr>
+                          <m:nor/>
+                        </m:rPr>
+                        <a:rPr lang="en-US" dirty="0"/>
+                        <m:t>∗</m:t>
+                      </m:r>
+                      <m:r>
+                        <m:rPr>
+                          <m:nor/>
+                        </m:rPr>
+                        <a:rPr lang="en-US" dirty="0"/>
+                        <m:t>sin</m:t>
+                      </m:r>
+                      <m:r>
+                        <m:rPr>
+                          <m:nor/>
+                        </m:rPr>
+                        <a:rPr lang="en-US" dirty="0"/>
+                        <m:t>(</m:t>
+                      </m:r>
+                      <m:r>
+                        <m:rPr>
+                          <m:nor/>
+                        </m:rPr>
+                        <a:rPr lang="en-US" dirty="0"/>
+                        <m:t>tb</m:t>
+                      </m:r>
+                      <m:r>
+                        <m:rPr>
+                          <m:nor/>
+                        </m:rPr>
+                        <a:rPr lang="en-US" dirty="0"/>
+                        <m:t>) − </m:t>
+                      </m:r>
+                      <m:r>
+                        <m:rPr>
+                          <m:nor/>
+                        </m:rPr>
+                        <a:rPr lang="en-US" dirty="0"/>
+                        <m:t>LK</m:t>
+                      </m:r>
+                      <m:r>
+                        <m:rPr>
+                          <m:nor/>
+                        </m:rPr>
+                        <a:rPr lang="en-US" dirty="0"/>
+                        <m:t>4∗</m:t>
+                      </m:r>
+                      <m:r>
+                        <m:rPr>
+                          <m:nor/>
+                        </m:rPr>
+                        <a:rPr lang="en-US" dirty="0"/>
+                        <m:t>th</m:t>
+                      </m:r>
+                      <m:r>
+                        <m:rPr>
+                          <m:nor/>
+                        </m:rPr>
+                        <a:rPr lang="en-US" dirty="0"/>
+                        <m:t>4</m:t>
+                      </m:r>
+                      <m:r>
+                        <m:rPr>
+                          <m:nor/>
+                        </m:rPr>
+                        <a:rPr lang="en-US" dirty="0"/>
+                        <m:t>ddot</m:t>
+                      </m:r>
+                      <m:r>
+                        <m:rPr>
+                          <m:nor/>
+                        </m:rPr>
+                        <a:rPr lang="en-US" dirty="0"/>
+                        <m:t>∗</m:t>
+                      </m:r>
+                      <m:r>
+                        <m:rPr>
+                          <m:nor/>
+                        </m:rPr>
+                        <a:rPr lang="en-US" dirty="0"/>
+                        <m:t>sin</m:t>
+                      </m:r>
+                      <m:r>
+                        <m:rPr>
+                          <m:nor/>
+                        </m:rPr>
+                        <a:rPr lang="en-US" dirty="0"/>
+                        <m:t>(</m:t>
+                      </m:r>
+                      <m:r>
+                        <m:rPr>
+                          <m:nor/>
+                        </m:rPr>
+                        <a:rPr lang="en-US" dirty="0"/>
+                        <m:t>th</m:t>
+                      </m:r>
+                      <m:r>
+                        <m:rPr>
+                          <m:nor/>
+                        </m:rPr>
+                        <a:rPr lang="en-US" dirty="0"/>
+                        <m:t>4) − </m:t>
+                      </m:r>
+                      <m:r>
+                        <m:rPr>
+                          <m:nor/>
+                        </m:rPr>
+                        <a:rPr lang="en-US" dirty="0"/>
+                        <m:t>S</m:t>
+                      </m:r>
+                      <m:r>
+                        <m:rPr>
+                          <m:nor/>
+                        </m:rPr>
+                        <a:rPr lang="en-US" dirty="0"/>
+                        <m:t>4∗</m:t>
+                      </m:r>
+                      <m:r>
+                        <m:rPr>
+                          <m:nor/>
+                        </m:rPr>
+                        <a:rPr lang="en-US" dirty="0"/>
+                        <m:t>tk</m:t>
+                      </m:r>
+                      <m:r>
+                        <m:rPr>
+                          <m:nor/>
+                        </m:rPr>
+                        <a:rPr lang="en-US" dirty="0"/>
+                        <m:t>4</m:t>
+                      </m:r>
+                      <m:r>
+                        <m:rPr>
+                          <m:nor/>
+                        </m:rPr>
+                        <a:rPr lang="en-US" dirty="0"/>
+                        <m:t>ddot</m:t>
+                      </m:r>
+                      <m:r>
+                        <m:rPr>
+                          <m:nor/>
+                        </m:rPr>
+                        <a:rPr lang="en-US" dirty="0"/>
+                        <m:t>∗</m:t>
+                      </m:r>
+                      <m:r>
+                        <m:rPr>
+                          <m:nor/>
+                        </m:rPr>
+                        <a:rPr lang="en-US" dirty="0"/>
+                        <m:t>sin</m:t>
+                      </m:r>
+                      <m:r>
+                        <m:rPr>
+                          <m:nor/>
+                        </m:rPr>
+                        <a:rPr lang="en-US" dirty="0"/>
+                        <m:t>(</m:t>
+                      </m:r>
+                      <m:r>
+                        <m:rPr>
+                          <m:nor/>
+                        </m:rPr>
+                        <a:rPr lang="en-US" dirty="0"/>
+                        <m:t>tk</m:t>
+                      </m:r>
+                      <m:r>
+                        <m:rPr>
+                          <m:nor/>
+                        </m:rPr>
+                        <a:rPr lang="en-US" dirty="0"/>
+                        <m:t>4)</m:t>
+                      </m:r>
+                    </m:oMath>
+                  </m:oMathPara>
+                </a14:m>
+                <a:endParaRPr lang="en-US" dirty="0"/>
+              </a:p>
+            </p:txBody>
+          </p:sp>
+        </mc:Choice>
+        <mc:Fallback xmlns="">
+          <p:sp>
+            <p:nvSpPr>
+              <p:cNvPr id="3" name="Content Placeholder 2"/>
+              <p:cNvSpPr>
+                <a:spLocks noGrp="1" noRot="1" noChangeAspect="1" noMove="1" noResize="1" noEditPoints="1" noAdjustHandles="1" noChangeArrowheads="1" noChangeShapeType="1" noTextEdit="1"/>
+              </p:cNvSpPr>
+              <p:nvPr>
+                <p:ph idx="1"/>
+              </p:nvPr>
+            </p:nvSpPr>
+            <p:spPr>
+              <a:xfrm>
+                <a:off x="1141413" y="2249486"/>
+                <a:ext cx="4274650" cy="4212859"/>
+              </a:xfrm>
+              <a:blipFill rotWithShape="0">
+                <a:blip r:embed="rId2"/>
+                <a:stretch>
+                  <a:fillRect l="-2853" t="-1881"/>
+                </a:stretch>
+              </a:blipFill>
+            </p:spPr>
+            <p:txBody>
+              <a:bodyPr/>
+              <a:lstStyle/>
+              <a:p>
+                <a:r>
+                  <a:rPr lang="en-US">
+                    <a:noFill/>
+                  </a:rPr>
+                  <a:t> </a:t>
+                </a:r>
+              </a:p>
+            </p:txBody>
+          </p:sp>
+        </mc:Fallback>
+      </mc:AlternateContent>
+      <p:grpSp>
+        <p:nvGrpSpPr>
+          <p:cNvPr id="11" name="Group 10"/>
+          <p:cNvGrpSpPr/>
+          <p:nvPr/>
+        </p:nvGrpSpPr>
+        <p:grpSpPr>
+          <a:xfrm>
+            <a:off x="5516010" y="2083422"/>
+            <a:ext cx="5672076" cy="4254057"/>
+            <a:chOff x="5375335" y="1775693"/>
+            <a:chExt cx="5672076" cy="4254057"/>
+          </a:xfrm>
+        </p:grpSpPr>
+        <p:pic>
+          <p:nvPicPr>
+            <p:cNvPr id="12" name="Picture 11"/>
+            <p:cNvPicPr>
+              <a:picLocks noChangeAspect="1"/>
+            </p:cNvPicPr>
+            <p:nvPr/>
+          </p:nvPicPr>
+          <p:blipFill>
+            <a:blip r:embed="rId3">
+              <a:extLst>
+                <a:ext uri="{28A0092B-C50C-407E-A947-70E740481C1C}">
+                  <a14:useLocalDpi xmlns:a14="http://schemas.microsoft.com/office/drawing/2010/main" val="0"/>
+                </a:ext>
+              </a:extLst>
+            </a:blip>
+            <a:stretch>
+              <a:fillRect/>
+            </a:stretch>
+          </p:blipFill>
+          <p:spPr>
+            <a:xfrm>
+              <a:off x="5375335" y="1775693"/>
+              <a:ext cx="5672076" cy="4254057"/>
+            </a:xfrm>
+            <a:prstGeom prst="rect">
+              <a:avLst/>
+            </a:prstGeom>
+          </p:spPr>
+        </p:pic>
+        <p:sp>
+          <p:nvSpPr>
+            <p:cNvPr id="13" name="Rectangle 12"/>
+            <p:cNvSpPr/>
+            <p:nvPr/>
+          </p:nvSpPr>
+          <p:spPr>
+            <a:xfrm>
+              <a:off x="7076999" y="1785671"/>
+              <a:ext cx="2268748" cy="302791"/>
+            </a:xfrm>
+            <a:prstGeom prst="rect">
+              <a:avLst/>
+            </a:prstGeom>
+            <a:solidFill>
+              <a:srgbClr val="C9CCC9"/>
+            </a:solidFill>
+            <a:ln>
+              <a:noFill/>
+            </a:ln>
+          </p:spPr>
+          <p:style>
+            <a:lnRef idx="2">
+              <a:schemeClr val="accent1">
+                <a:shade val="50000"/>
+              </a:schemeClr>
+            </a:lnRef>
+            <a:fillRef idx="1">
+              <a:schemeClr val="accent1"/>
+            </a:fillRef>
+            <a:effectRef idx="0">
+              <a:schemeClr val="accent1"/>
+            </a:effectRef>
+            <a:fontRef idx="minor">
+              <a:schemeClr val="lt1"/>
+            </a:fontRef>
+          </p:style>
+          <p:txBody>
+            <a:bodyPr rtlCol="0" anchor="ctr"/>
+            <a:lstStyle/>
+            <a:p>
+              <a:pPr algn="ctr"/>
+              <a:endParaRPr lang="en-US"/>
+            </a:p>
+          </p:txBody>
+        </p:sp>
+        <p:sp>
+          <p:nvSpPr>
+            <p:cNvPr id="14" name="Rectangle 13"/>
+            <p:cNvSpPr/>
+            <p:nvPr/>
+          </p:nvSpPr>
+          <p:spPr>
+            <a:xfrm>
+              <a:off x="5375335" y="5693435"/>
+              <a:ext cx="1241125" cy="334386"/>
+            </a:xfrm>
+            <a:prstGeom prst="rect">
+              <a:avLst/>
+            </a:prstGeom>
+            <a:solidFill>
+              <a:srgbClr val="C9CCC9"/>
+            </a:solidFill>
+            <a:ln>
+              <a:noFill/>
+            </a:ln>
+          </p:spPr>
+          <p:style>
+            <a:lnRef idx="2">
+              <a:schemeClr val="accent1">
+                <a:shade val="50000"/>
+              </a:schemeClr>
+            </a:lnRef>
+            <a:fillRef idx="1">
+              <a:schemeClr val="accent1"/>
+            </a:fillRef>
+            <a:effectRef idx="0">
+              <a:schemeClr val="accent1"/>
+            </a:effectRef>
+            <a:fontRef idx="minor">
+              <a:schemeClr val="lt1"/>
+            </a:fontRef>
+          </p:style>
+          <p:txBody>
+            <a:bodyPr rtlCol="0" anchor="ctr"/>
+            <a:lstStyle/>
+            <a:p>
+              <a:pPr algn="ctr"/>
+              <a:endParaRPr lang="en-US"/>
+            </a:p>
+          </p:txBody>
+        </p:sp>
+      </p:grpSp>
     </p:spTree>
     <p:extLst>
       <p:ext uri="{BB962C8B-B14F-4D97-AF65-F5344CB8AC3E}">
@@ -13234,9 +14117,10 @@
           <a:lstStyle/>
           <a:p>
             <a:r>
-              <a:rPr lang="en-US" dirty="0"/>
-              <a:t>Dynamic Model</a:t>
-            </a:r>
+              <a:rPr lang="en-US" dirty="0" smtClean="0"/>
+              <a:t> </a:t>
+            </a:r>
+            <a:endParaRPr lang="en-US" dirty="0"/>
           </a:p>
         </p:txBody>
       </p:sp>
@@ -13255,54 +14139,765 @@
           <a:bodyPr/>
           <a:lstStyle/>
           <a:p>
-            <a:r>
-              <a:rPr lang="en-US" dirty="0" err="1"/>
-              <a:t>Lagrangian</a:t>
-            </a:r>
+            <a:pPr marL="0" indent="0">
+              <a:buNone/>
+            </a:pPr>
             <a:r>
               <a:rPr lang="en-US" dirty="0"/>
-              <a:t> Mechanics</a:t>
-            </a:r>
-          </a:p>
-          <a:p>
-            <a:r>
-              <a:rPr lang="en-US" dirty="0"/>
-              <a:t>Non-inertial reference frames</a:t>
-            </a:r>
-          </a:p>
-          <a:p>
-            <a:r>
-              <a:rPr lang="en-US" dirty="0"/>
-              <a:t>Arbitrary </a:t>
-            </a:r>
-            <a:r>
-              <a:rPr lang="en-US" dirty="0" smtClean="0"/>
-              <a:t>global reference </a:t>
-            </a:r>
-            <a:r>
-              <a:rPr lang="en-US" dirty="0"/>
-              <a:t>frame</a:t>
-            </a:r>
-          </a:p>
-          <a:p>
-            <a:r>
-              <a:rPr lang="en-US" dirty="0"/>
-              <a:t>Determines mechanical properties of </a:t>
-            </a:r>
-            <a:r>
-              <a:rPr lang="en-US" dirty="0" smtClean="0"/>
-              <a:t>components</a:t>
-            </a:r>
-          </a:p>
-          <a:p>
-            <a:r>
-              <a:rPr lang="en-US" dirty="0" smtClean="0"/>
-              <a:t>27 Equations</a:t>
+              <a:t> </a:t>
             </a:r>
             <a:endParaRPr lang="en-US" dirty="0"/>
           </a:p>
         </p:txBody>
       </p:sp>
+      <p:sp>
+        <p:nvSpPr>
+          <p:cNvPr id="4" name="Title 1"/>
+          <p:cNvSpPr txBox="1">
+            <a:spLocks/>
+          </p:cNvSpPr>
+          <p:nvPr/>
+        </p:nvSpPr>
+        <p:spPr>
+          <a:xfrm>
+            <a:off x="1141413" y="618518"/>
+            <a:ext cx="9905998" cy="1478570"/>
+          </a:xfrm>
+          <a:prstGeom prst="rect">
+            <a:avLst/>
+          </a:prstGeom>
+        </p:spPr>
+        <p:txBody>
+          <a:bodyPr vert="horz" lIns="91440" tIns="45720" rIns="91440" bIns="45720" rtlCol="0" anchor="ctr">
+            <a:normAutofit/>
+          </a:bodyPr>
+          <a:lstStyle>
+            <a:lvl1pPr algn="l" defTabSz="914400" rtl="0" eaLnBrk="1" latinLnBrk="0" hangingPunct="1">
+              <a:lnSpc>
+                <a:spcPct val="90000"/>
+              </a:lnSpc>
+              <a:spcBef>
+                <a:spcPct val="0"/>
+              </a:spcBef>
+              <a:buNone/>
+              <a:defRPr sz="3600" kern="1200" cap="all" baseline="0">
+                <a:solidFill>
+                  <a:schemeClr val="tx1"/>
+                </a:solidFill>
+                <a:latin typeface="+mj-lt"/>
+                <a:ea typeface="+mj-ea"/>
+                <a:cs typeface="+mj-cs"/>
+              </a:defRPr>
+            </a:lvl1pPr>
+          </a:lstStyle>
+          <a:p>
+            <a:r>
+              <a:rPr lang="en-US" smtClean="0"/>
+              <a:t>Dynamic Model</a:t>
+            </a:r>
+            <a:endParaRPr lang="en-US" dirty="0"/>
+          </a:p>
+        </p:txBody>
+      </p:sp>
+      <p:sp>
+        <p:nvSpPr>
+          <p:cNvPr id="5" name="Content Placeholder 2"/>
+          <p:cNvSpPr txBox="1">
+            <a:spLocks/>
+          </p:cNvSpPr>
+          <p:nvPr/>
+        </p:nvSpPr>
+        <p:spPr>
+          <a:xfrm>
+            <a:off x="1141412" y="2249487"/>
+            <a:ext cx="9905999" cy="3541714"/>
+          </a:xfrm>
+          <a:prstGeom prst="rect">
+            <a:avLst/>
+          </a:prstGeom>
+        </p:spPr>
+        <p:txBody>
+          <a:bodyPr vert="horz" lIns="91440" tIns="45720" rIns="91440" bIns="45720" rtlCol="0">
+            <a:normAutofit/>
+          </a:bodyPr>
+          <a:lstStyle>
+            <a:lvl1pPr marL="228600" indent="-228600" algn="l" defTabSz="914400" rtl="0" eaLnBrk="1" latinLnBrk="0" hangingPunct="1">
+              <a:lnSpc>
+                <a:spcPct val="120000"/>
+              </a:lnSpc>
+              <a:spcBef>
+                <a:spcPts val="1000"/>
+              </a:spcBef>
+              <a:buSzPct val="125000"/>
+              <a:buFont typeface="Arial" panose="020B0604020202020204" pitchFamily="34" charset="0"/>
+              <a:buChar char="•"/>
+              <a:defRPr sz="2400" kern="1200">
+                <a:solidFill>
+                  <a:schemeClr val="tx1"/>
+                </a:solidFill>
+                <a:latin typeface="+mn-lt"/>
+                <a:ea typeface="+mn-ea"/>
+                <a:cs typeface="+mn-cs"/>
+              </a:defRPr>
+            </a:lvl1pPr>
+            <a:lvl2pPr marL="685800" indent="-228600" algn="l" defTabSz="914400" rtl="0" eaLnBrk="1" latinLnBrk="0" hangingPunct="1">
+              <a:lnSpc>
+                <a:spcPct val="120000"/>
+              </a:lnSpc>
+              <a:spcBef>
+                <a:spcPts val="500"/>
+              </a:spcBef>
+              <a:buSzPct val="125000"/>
+              <a:buFont typeface="Arial" panose="020B0604020202020204" pitchFamily="34" charset="0"/>
+              <a:buChar char="•"/>
+              <a:defRPr sz="2000" kern="1200">
+                <a:solidFill>
+                  <a:schemeClr val="tx1"/>
+                </a:solidFill>
+                <a:latin typeface="+mn-lt"/>
+                <a:ea typeface="+mn-ea"/>
+                <a:cs typeface="+mn-cs"/>
+              </a:defRPr>
+            </a:lvl2pPr>
+            <a:lvl3pPr marL="1143000" indent="-228600" algn="l" defTabSz="914400" rtl="0" eaLnBrk="1" latinLnBrk="0" hangingPunct="1">
+              <a:lnSpc>
+                <a:spcPct val="120000"/>
+              </a:lnSpc>
+              <a:spcBef>
+                <a:spcPts val="500"/>
+              </a:spcBef>
+              <a:buSzPct val="125000"/>
+              <a:buFont typeface="Arial" panose="020B0604020202020204" pitchFamily="34" charset="0"/>
+              <a:buChar char="•"/>
+              <a:defRPr sz="1800" kern="1200">
+                <a:solidFill>
+                  <a:schemeClr val="tx1"/>
+                </a:solidFill>
+                <a:latin typeface="+mn-lt"/>
+                <a:ea typeface="+mn-ea"/>
+                <a:cs typeface="+mn-cs"/>
+              </a:defRPr>
+            </a:lvl3pPr>
+            <a:lvl4pPr marL="1600200" indent="-228600" algn="l" defTabSz="914400" rtl="0" eaLnBrk="1" latinLnBrk="0" hangingPunct="1">
+              <a:lnSpc>
+                <a:spcPct val="120000"/>
+              </a:lnSpc>
+              <a:spcBef>
+                <a:spcPts val="500"/>
+              </a:spcBef>
+              <a:buSzPct val="125000"/>
+              <a:buFont typeface="Arial" panose="020B0604020202020204" pitchFamily="34" charset="0"/>
+              <a:buChar char="•"/>
+              <a:defRPr sz="1600" kern="1200">
+                <a:solidFill>
+                  <a:schemeClr val="tx1"/>
+                </a:solidFill>
+                <a:latin typeface="+mn-lt"/>
+                <a:ea typeface="+mn-ea"/>
+                <a:cs typeface="+mn-cs"/>
+              </a:defRPr>
+            </a:lvl4pPr>
+            <a:lvl5pPr marL="2057400" indent="-228600" algn="l" defTabSz="914400" rtl="0" eaLnBrk="1" latinLnBrk="0" hangingPunct="1">
+              <a:lnSpc>
+                <a:spcPct val="120000"/>
+              </a:lnSpc>
+              <a:spcBef>
+                <a:spcPts val="500"/>
+              </a:spcBef>
+              <a:buSzPct val="125000"/>
+              <a:buFont typeface="Arial" panose="020B0604020202020204" pitchFamily="34" charset="0"/>
+              <a:buChar char="•"/>
+              <a:defRPr sz="1600" kern="1200">
+                <a:solidFill>
+                  <a:schemeClr val="tx1"/>
+                </a:solidFill>
+                <a:latin typeface="+mn-lt"/>
+                <a:ea typeface="+mn-ea"/>
+                <a:cs typeface="+mn-cs"/>
+              </a:defRPr>
+            </a:lvl5pPr>
+            <a:lvl6pPr marL="2514600" indent="-228600" algn="l" defTabSz="914400" rtl="0" eaLnBrk="1" latinLnBrk="0" hangingPunct="1">
+              <a:lnSpc>
+                <a:spcPct val="120000"/>
+              </a:lnSpc>
+              <a:spcBef>
+                <a:spcPts val="500"/>
+              </a:spcBef>
+              <a:buSzPct val="125000"/>
+              <a:buFont typeface="Arial" panose="020B0604020202020204" pitchFamily="34" charset="0"/>
+              <a:buChar char="•"/>
+              <a:defRPr sz="1400" kern="1200">
+                <a:solidFill>
+                  <a:schemeClr val="tx1"/>
+                </a:solidFill>
+                <a:latin typeface="+mn-lt"/>
+                <a:ea typeface="+mn-ea"/>
+                <a:cs typeface="+mn-cs"/>
+              </a:defRPr>
+            </a:lvl6pPr>
+            <a:lvl7pPr marL="2971800" indent="-228600" algn="l" defTabSz="914400" rtl="0" eaLnBrk="1" latinLnBrk="0" hangingPunct="1">
+              <a:lnSpc>
+                <a:spcPct val="120000"/>
+              </a:lnSpc>
+              <a:spcBef>
+                <a:spcPts val="500"/>
+              </a:spcBef>
+              <a:buSzPct val="125000"/>
+              <a:buFont typeface="Arial" panose="020B0604020202020204" pitchFamily="34" charset="0"/>
+              <a:buChar char="•"/>
+              <a:defRPr sz="1400" kern="1200">
+                <a:solidFill>
+                  <a:schemeClr val="tx1"/>
+                </a:solidFill>
+                <a:latin typeface="+mn-lt"/>
+                <a:ea typeface="+mn-ea"/>
+                <a:cs typeface="+mn-cs"/>
+              </a:defRPr>
+            </a:lvl7pPr>
+            <a:lvl8pPr marL="3429000" indent="-228600" algn="l" defTabSz="914400" rtl="0" eaLnBrk="1" latinLnBrk="0" hangingPunct="1">
+              <a:lnSpc>
+                <a:spcPct val="120000"/>
+              </a:lnSpc>
+              <a:spcBef>
+                <a:spcPts val="500"/>
+              </a:spcBef>
+              <a:buSzPct val="125000"/>
+              <a:buFont typeface="Arial" panose="020B0604020202020204" pitchFamily="34" charset="0"/>
+              <a:buChar char="•"/>
+              <a:defRPr sz="1400" kern="1200">
+                <a:solidFill>
+                  <a:schemeClr val="tx1"/>
+                </a:solidFill>
+                <a:latin typeface="+mn-lt"/>
+                <a:ea typeface="+mn-ea"/>
+                <a:cs typeface="+mn-cs"/>
+              </a:defRPr>
+            </a:lvl8pPr>
+            <a:lvl9pPr marL="3886200" indent="-228600" algn="l" defTabSz="914400" rtl="0" eaLnBrk="1" latinLnBrk="0" hangingPunct="1">
+              <a:lnSpc>
+                <a:spcPct val="120000"/>
+              </a:lnSpc>
+              <a:spcBef>
+                <a:spcPts val="500"/>
+              </a:spcBef>
+              <a:buSzPct val="125000"/>
+              <a:buFont typeface="Arial" panose="020B0604020202020204" pitchFamily="34" charset="0"/>
+              <a:buChar char="•"/>
+              <a:defRPr sz="1400" kern="1200">
+                <a:solidFill>
+                  <a:schemeClr val="tx1"/>
+                </a:solidFill>
+                <a:latin typeface="+mn-lt"/>
+                <a:ea typeface="+mn-ea"/>
+                <a:cs typeface="+mn-cs"/>
+              </a:defRPr>
+            </a:lvl9pPr>
+          </a:lstStyle>
+          <a:p>
+            <a:r>
+              <a:rPr lang="en-US" smtClean="0"/>
+              <a:t>Lagrangian Mechanics</a:t>
+            </a:r>
+          </a:p>
+          <a:p>
+            <a:r>
+              <a:rPr lang="en-US" smtClean="0"/>
+              <a:t>Non-inertial reference frames</a:t>
+            </a:r>
+          </a:p>
+          <a:p>
+            <a:r>
+              <a:rPr lang="en-US" smtClean="0"/>
+              <a:t>Arbitrary global reference frame</a:t>
+            </a:r>
+          </a:p>
+          <a:p>
+            <a:r>
+              <a:rPr lang="en-US" smtClean="0"/>
+              <a:t>Determines mechanical properties of components</a:t>
+            </a:r>
+          </a:p>
+          <a:p>
+            <a:r>
+              <a:rPr lang="en-US" smtClean="0"/>
+              <a:t>27 Equations with state vector </a:t>
+            </a:r>
+            <a:r>
+              <a:rPr lang="en-US" i="1" smtClean="0"/>
+              <a:t>q</a:t>
+            </a:r>
+            <a:endParaRPr lang="en-US" dirty="0"/>
+          </a:p>
+        </p:txBody>
+      </p:sp>
+      <mc:AlternateContent xmlns:mc="http://schemas.openxmlformats.org/markup-compatibility/2006" xmlns:a14="http://schemas.microsoft.com/office/drawing/2010/main">
+        <mc:Choice Requires="a14">
+          <p:sp>
+            <p:nvSpPr>
+              <p:cNvPr id="6" name="TextBox 5"/>
+              <p:cNvSpPr txBox="1"/>
+              <p:nvPr/>
+            </p:nvSpPr>
+            <p:spPr>
+              <a:xfrm>
+                <a:off x="7904284" y="1859696"/>
+                <a:ext cx="1857313" cy="3252493"/>
+              </a:xfrm>
+              <a:prstGeom prst="rect">
+                <a:avLst/>
+              </a:prstGeom>
+              <a:noFill/>
+            </p:spPr>
+            <p:txBody>
+              <a:bodyPr wrap="square" rtlCol="0">
+                <a:spAutoFit/>
+              </a:bodyPr>
+              <a:lstStyle/>
+              <a:p>
+                <a:pPr algn="ctr"/>
+                <a:r>
+                  <a:rPr lang="en-US" dirty="0" smtClean="0"/>
+                  <a:t> </a:t>
+                </a:r>
+                <a14:m>
+                  <m:oMath xmlns:m="http://schemas.openxmlformats.org/officeDocument/2006/math">
+                    <m:r>
+                      <m:rPr>
+                        <m:sty m:val="p"/>
+                      </m:rPr>
+                      <a:rPr lang="en-US" b="0" i="0" smtClean="0">
+                        <a:latin typeface="Cambria Math" panose="02040503050406030204" pitchFamily="18" charset="0"/>
+                      </a:rPr>
+                      <m:t>q</m:t>
+                    </m:r>
+                    <m:r>
+                      <a:rPr lang="en-US" b="0" i="0" smtClean="0">
+                        <a:latin typeface="Cambria Math" panose="02040503050406030204" pitchFamily="18" charset="0"/>
+                      </a:rPr>
+                      <m:t>=</m:t>
+                    </m:r>
+                    <m:d>
+                      <m:dPr>
+                        <m:begChr m:val="["/>
+                        <m:endChr m:val="]"/>
+                        <m:ctrlPr>
+                          <a:rPr lang="en-US" i="1" smtClean="0">
+                            <a:latin typeface="Cambria Math" panose="02040503050406030204" pitchFamily="18" charset="0"/>
+                          </a:rPr>
+                        </m:ctrlPr>
+                      </m:dPr>
+                      <m:e>
+                        <m:eqArr>
+                          <m:eqArrPr>
+                            <m:ctrlPr>
+                              <a:rPr lang="en-US" i="1" dirty="0">
+                                <a:latin typeface="Cambria Math" panose="02040503050406030204" pitchFamily="18" charset="0"/>
+                              </a:rPr>
+                            </m:ctrlPr>
+                          </m:eqArrPr>
+                          <m:e>
+                            <m:r>
+                              <m:rPr>
+                                <m:nor/>
+                              </m:rPr>
+                              <a:rPr lang="en-US" dirty="0"/>
+                              <m:t>X</m:t>
+                            </m:r>
+                          </m:e>
+                          <m:e>
+                            <m:r>
+                              <m:rPr>
+                                <m:nor/>
+                              </m:rPr>
+                              <a:rPr lang="en-US" dirty="0"/>
+                              <m:t> </m:t>
+                            </m:r>
+                            <m:r>
+                              <m:rPr>
+                                <m:nor/>
+                              </m:rPr>
+                              <a:rPr lang="en-US" dirty="0"/>
+                              <m:t>Y</m:t>
+                            </m:r>
+                          </m:e>
+                          <m:e>
+                            <m:sSub>
+                              <m:sSubPr>
+                                <m:ctrlPr>
+                                  <a:rPr lang="en-US" i="1">
+                                    <a:latin typeface="Cambria Math" panose="02040503050406030204" pitchFamily="18" charset="0"/>
+                                  </a:rPr>
+                                </m:ctrlPr>
+                              </m:sSubPr>
+                              <m:e>
+                                <m:r>
+                                  <m:rPr>
+                                    <m:nor/>
+                                  </m:rPr>
+                                  <a:rPr lang="el-GR" dirty="0">
+                                    <a:latin typeface="Calibri" panose="020F0502020204030204" pitchFamily="34" charset="0"/>
+                                  </a:rPr>
+                                  <m:t>θ</m:t>
+                                </m:r>
+                              </m:e>
+                              <m:sub>
+                                <m:r>
+                                  <a:rPr lang="en-US" i="1">
+                                    <a:latin typeface="Cambria Math" panose="02040503050406030204" pitchFamily="18" charset="0"/>
+                                  </a:rPr>
+                                  <m:t>𝐵𝑜𝑑𝑦</m:t>
+                                </m:r>
+                              </m:sub>
+                            </m:sSub>
+                          </m:e>
+                          <m:e>
+                            <m:sSub>
+                              <m:sSubPr>
+                                <m:ctrlPr>
+                                  <a:rPr lang="en-US" i="1">
+                                    <a:latin typeface="Cambria Math" panose="02040503050406030204" pitchFamily="18" charset="0"/>
+                                  </a:rPr>
+                                </m:ctrlPr>
+                              </m:sSubPr>
+                              <m:e>
+                                <m:r>
+                                  <m:rPr>
+                                    <m:nor/>
+                                  </m:rPr>
+                                  <a:rPr lang="el-GR" dirty="0">
+                                    <a:latin typeface="Calibri" panose="020F0502020204030204" pitchFamily="34" charset="0"/>
+                                  </a:rPr>
+                                  <m:t>θ</m:t>
+                                </m:r>
+                              </m:e>
+                              <m:sub>
+                                <m:r>
+                                  <a:rPr lang="en-US" i="1" dirty="0">
+                                    <a:latin typeface="Cambria Math" panose="02040503050406030204" pitchFamily="18" charset="0"/>
+                                  </a:rPr>
+                                  <m:t>𝐻𝑖𝑝</m:t>
+                                </m:r>
+                                <m:r>
+                                  <a:rPr lang="en-US" i="1" dirty="0">
+                                    <a:latin typeface="Cambria Math" panose="02040503050406030204" pitchFamily="18" charset="0"/>
+                                  </a:rPr>
+                                  <m:t> 1</m:t>
+                                </m:r>
+                              </m:sub>
+                            </m:sSub>
+                          </m:e>
+                          <m:e>
+                            <m:sSub>
+                              <m:sSubPr>
+                                <m:ctrlPr>
+                                  <a:rPr lang="en-US" i="1">
+                                    <a:latin typeface="Cambria Math" panose="02040503050406030204" pitchFamily="18" charset="0"/>
+                                  </a:rPr>
+                                </m:ctrlPr>
+                              </m:sSubPr>
+                              <m:e>
+                                <m:r>
+                                  <m:rPr>
+                                    <m:nor/>
+                                  </m:rPr>
+                                  <a:rPr lang="el-GR" dirty="0">
+                                    <a:latin typeface="Calibri" panose="020F0502020204030204" pitchFamily="34" charset="0"/>
+                                  </a:rPr>
+                                  <m:t>θ</m:t>
+                                </m:r>
+                              </m:e>
+                              <m:sub>
+                                <m:r>
+                                  <a:rPr lang="en-US" i="1" dirty="0">
+                                    <a:latin typeface="Cambria Math" panose="02040503050406030204" pitchFamily="18" charset="0"/>
+                                  </a:rPr>
+                                  <m:t>𝐾𝑛𝑒𝑒</m:t>
+                                </m:r>
+                                <m:r>
+                                  <a:rPr lang="en-US" i="1" dirty="0">
+                                    <a:latin typeface="Cambria Math" panose="02040503050406030204" pitchFamily="18" charset="0"/>
+                                  </a:rPr>
+                                  <m:t> 1</m:t>
+                                </m:r>
+                              </m:sub>
+                            </m:sSub>
+                          </m:e>
+                          <m:e>
+                            <m:sSub>
+                              <m:sSubPr>
+                                <m:ctrlPr>
+                                  <a:rPr lang="en-US" i="1">
+                                    <a:latin typeface="Cambria Math" panose="02040503050406030204" pitchFamily="18" charset="0"/>
+                                  </a:rPr>
+                                </m:ctrlPr>
+                              </m:sSubPr>
+                              <m:e>
+                                <m:r>
+                                  <m:rPr>
+                                    <m:nor/>
+                                  </m:rPr>
+                                  <a:rPr lang="el-GR" dirty="0">
+                                    <a:latin typeface="Calibri" panose="020F0502020204030204" pitchFamily="34" charset="0"/>
+                                  </a:rPr>
+                                  <m:t>θ</m:t>
+                                </m:r>
+                              </m:e>
+                              <m:sub>
+                                <m:r>
+                                  <a:rPr lang="en-US" i="1" dirty="0">
+                                    <a:latin typeface="Cambria Math" panose="02040503050406030204" pitchFamily="18" charset="0"/>
+                                  </a:rPr>
+                                  <m:t>𝐻𝑖𝑝</m:t>
+                                </m:r>
+                                <m:r>
+                                  <a:rPr lang="en-US" i="1" dirty="0">
+                                    <a:latin typeface="Cambria Math" panose="02040503050406030204" pitchFamily="18" charset="0"/>
+                                  </a:rPr>
+                                  <m:t> 2</m:t>
+                                </m:r>
+                              </m:sub>
+                            </m:sSub>
+                          </m:e>
+                          <m:e>
+                            <m:sSub>
+                              <m:sSubPr>
+                                <m:ctrlPr>
+                                  <a:rPr lang="en-US" i="1">
+                                    <a:latin typeface="Cambria Math" panose="02040503050406030204" pitchFamily="18" charset="0"/>
+                                  </a:rPr>
+                                </m:ctrlPr>
+                              </m:sSubPr>
+                              <m:e>
+                                <m:r>
+                                  <m:rPr>
+                                    <m:nor/>
+                                  </m:rPr>
+                                  <a:rPr lang="el-GR" dirty="0">
+                                    <a:latin typeface="Calibri" panose="020F0502020204030204" pitchFamily="34" charset="0"/>
+                                  </a:rPr>
+                                  <m:t>θ</m:t>
+                                </m:r>
+                              </m:e>
+                              <m:sub>
+                                <m:r>
+                                  <a:rPr lang="en-US" i="1" dirty="0">
+                                    <a:latin typeface="Cambria Math" panose="02040503050406030204" pitchFamily="18" charset="0"/>
+                                  </a:rPr>
+                                  <m:t>𝐾𝑛𝑒𝑒</m:t>
+                                </m:r>
+                                <m:r>
+                                  <a:rPr lang="en-US" i="1" dirty="0">
+                                    <a:latin typeface="Cambria Math" panose="02040503050406030204" pitchFamily="18" charset="0"/>
+                                  </a:rPr>
+                                  <m:t> 2</m:t>
+                                </m:r>
+                              </m:sub>
+                            </m:sSub>
+                          </m:e>
+                          <m:e>
+                            <m:sSub>
+                              <m:sSubPr>
+                                <m:ctrlPr>
+                                  <a:rPr lang="en-US" i="1">
+                                    <a:latin typeface="Cambria Math" panose="02040503050406030204" pitchFamily="18" charset="0"/>
+                                  </a:rPr>
+                                </m:ctrlPr>
+                              </m:sSubPr>
+                              <m:e>
+                                <m:r>
+                                  <m:rPr>
+                                    <m:nor/>
+                                  </m:rPr>
+                                  <a:rPr lang="el-GR" dirty="0">
+                                    <a:latin typeface="Calibri" panose="020F0502020204030204" pitchFamily="34" charset="0"/>
+                                  </a:rPr>
+                                  <m:t>θ</m:t>
+                                </m:r>
+                              </m:e>
+                              <m:sub>
+                                <m:r>
+                                  <a:rPr lang="en-US" i="1" dirty="0">
+                                    <a:latin typeface="Cambria Math" panose="02040503050406030204" pitchFamily="18" charset="0"/>
+                                  </a:rPr>
+                                  <m:t>𝐻𝑖𝑝</m:t>
+                                </m:r>
+                                <m:r>
+                                  <a:rPr lang="en-US" i="1" dirty="0">
+                                    <a:latin typeface="Cambria Math" panose="02040503050406030204" pitchFamily="18" charset="0"/>
+                                  </a:rPr>
+                                  <m:t> 3</m:t>
+                                </m:r>
+                              </m:sub>
+                            </m:sSub>
+                          </m:e>
+                          <m:e>
+                            <m:sSub>
+                              <m:sSubPr>
+                                <m:ctrlPr>
+                                  <a:rPr lang="en-US" i="1">
+                                    <a:latin typeface="Cambria Math" panose="02040503050406030204" pitchFamily="18" charset="0"/>
+                                  </a:rPr>
+                                </m:ctrlPr>
+                              </m:sSubPr>
+                              <m:e>
+                                <m:r>
+                                  <m:rPr>
+                                    <m:nor/>
+                                  </m:rPr>
+                                  <a:rPr lang="el-GR" dirty="0">
+                                    <a:latin typeface="Calibri" panose="020F0502020204030204" pitchFamily="34" charset="0"/>
+                                  </a:rPr>
+                                  <m:t>θ</m:t>
+                                </m:r>
+                              </m:e>
+                              <m:sub>
+                                <m:r>
+                                  <a:rPr lang="en-US" i="1" dirty="0">
+                                    <a:latin typeface="Cambria Math" panose="02040503050406030204" pitchFamily="18" charset="0"/>
+                                  </a:rPr>
+                                  <m:t>𝐾𝑛𝑒𝑒</m:t>
+                                </m:r>
+                                <m:r>
+                                  <a:rPr lang="en-US" i="1" dirty="0">
+                                    <a:latin typeface="Cambria Math" panose="02040503050406030204" pitchFamily="18" charset="0"/>
+                                  </a:rPr>
+                                  <m:t> 3</m:t>
+                                </m:r>
+                              </m:sub>
+                            </m:sSub>
+                          </m:e>
+                          <m:e>
+                            <m:eqArr>
+                              <m:eqArrPr>
+                                <m:ctrlPr>
+                                  <a:rPr lang="en-US" i="1">
+                                    <a:latin typeface="Cambria Math" panose="02040503050406030204" pitchFamily="18" charset="0"/>
+                                  </a:rPr>
+                                </m:ctrlPr>
+                              </m:eqArrPr>
+                              <m:e>
+                                <m:sSub>
+                                  <m:sSubPr>
+                                    <m:ctrlPr>
+                                      <a:rPr lang="en-US" i="1">
+                                        <a:latin typeface="Cambria Math" panose="02040503050406030204" pitchFamily="18" charset="0"/>
+                                      </a:rPr>
+                                    </m:ctrlPr>
+                                  </m:sSubPr>
+                                  <m:e>
+                                    <m:r>
+                                      <m:rPr>
+                                        <m:nor/>
+                                      </m:rPr>
+                                      <a:rPr lang="el-GR" dirty="0">
+                                        <a:latin typeface="Calibri" panose="020F0502020204030204" pitchFamily="34" charset="0"/>
+                                      </a:rPr>
+                                      <m:t>θ</m:t>
+                                    </m:r>
+                                  </m:e>
+                                  <m:sub>
+                                    <m:r>
+                                      <a:rPr lang="en-US" i="1" dirty="0">
+                                        <a:latin typeface="Cambria Math" panose="02040503050406030204" pitchFamily="18" charset="0"/>
+                                      </a:rPr>
+                                      <m:t>𝐻𝑖𝑝</m:t>
+                                    </m:r>
+                                    <m:r>
+                                      <a:rPr lang="en-US" i="1" dirty="0">
+                                        <a:latin typeface="Cambria Math" panose="02040503050406030204" pitchFamily="18" charset="0"/>
+                                      </a:rPr>
+                                      <m:t> 4</m:t>
+                                    </m:r>
+                                  </m:sub>
+                                </m:sSub>
+                              </m:e>
+                              <m:e>
+                                <m:sSub>
+                                  <m:sSubPr>
+                                    <m:ctrlPr>
+                                      <a:rPr lang="en-US" i="1">
+                                        <a:latin typeface="Cambria Math" panose="02040503050406030204" pitchFamily="18" charset="0"/>
+                                      </a:rPr>
+                                    </m:ctrlPr>
+                                  </m:sSubPr>
+                                  <m:e>
+                                    <m:r>
+                                      <m:rPr>
+                                        <m:nor/>
+                                      </m:rPr>
+                                      <a:rPr lang="el-GR" dirty="0">
+                                        <a:latin typeface="Calibri" panose="020F0502020204030204" pitchFamily="34" charset="0"/>
+                                      </a:rPr>
+                                      <m:t>θ</m:t>
+                                    </m:r>
+                                  </m:e>
+                                  <m:sub>
+                                    <m:r>
+                                      <a:rPr lang="en-US" i="1" dirty="0">
+                                        <a:latin typeface="Cambria Math" panose="02040503050406030204" pitchFamily="18" charset="0"/>
+                                      </a:rPr>
+                                      <m:t>𝐾𝑛𝑒𝑒</m:t>
+                                    </m:r>
+                                    <m:r>
+                                      <a:rPr lang="en-US" i="1" dirty="0">
+                                        <a:latin typeface="Cambria Math" panose="02040503050406030204" pitchFamily="18" charset="0"/>
+                                      </a:rPr>
+                                      <m:t> 4</m:t>
+                                    </m:r>
+                                  </m:sub>
+                                </m:sSub>
+                              </m:e>
+                            </m:eqArr>
+                          </m:e>
+                        </m:eqArr>
+                      </m:e>
+                    </m:d>
+                  </m:oMath>
+                </a14:m>
+                <a:endParaRPr lang="en-US" dirty="0" smtClean="0"/>
+              </a:p>
+            </p:txBody>
+          </p:sp>
+        </mc:Choice>
+        <mc:Fallback xmlns="">
+          <p:sp>
+            <p:nvSpPr>
+              <p:cNvPr id="4" name="TextBox 3"/>
+              <p:cNvSpPr txBox="1">
+                <a:spLocks noRot="1" noChangeAspect="1" noMove="1" noResize="1" noEditPoints="1" noAdjustHandles="1" noChangeArrowheads="1" noChangeShapeType="1" noTextEdit="1"/>
+              </p:cNvSpPr>
+              <p:nvPr/>
+            </p:nvSpPr>
+            <p:spPr>
+              <a:xfrm>
+                <a:off x="7904284" y="1859696"/>
+                <a:ext cx="1857313" cy="3252493"/>
+              </a:xfrm>
+              <a:prstGeom prst="rect">
+                <a:avLst/>
+              </a:prstGeom>
+              <a:blipFill rotWithShape="0">
+                <a:blip r:embed="rId2"/>
+                <a:stretch>
+                  <a:fillRect/>
+                </a:stretch>
+              </a:blipFill>
+            </p:spPr>
+            <p:txBody>
+              <a:bodyPr/>
+              <a:lstStyle/>
+              <a:p>
+                <a:r>
+                  <a:rPr lang="en-US">
+                    <a:noFill/>
+                  </a:rPr>
+                  <a:t> </a:t>
+                </a:r>
+              </a:p>
+            </p:txBody>
+          </p:sp>
+        </mc:Fallback>
+      </mc:AlternateContent>
     </p:spTree>
     <p:extLst>
       <p:ext uri="{BB962C8B-B14F-4D97-AF65-F5344CB8AC3E}">
@@ -13861,11 +15456,7 @@
           <a:p>
             <a:r>
               <a:rPr lang="en-US" dirty="0" smtClean="0"/>
-              <a:t>Test circuit with control </a:t>
-            </a:r>
-            <a:r>
-              <a:rPr lang="en-US" dirty="0" smtClean="0"/>
-              <a:t>system</a:t>
+              <a:t>Test circuit with control system</a:t>
             </a:r>
             <a:endParaRPr lang="en-US" dirty="0"/>
           </a:p>
@@ -16319,7 +17910,7 @@
   <a:extraClrSchemeLst/>
   <a:extLst>
     <a:ext uri="{05A4C25C-085E-4340-85A3-A5531E510DB2}">
-      <thm15:themeFamily xmlns:thm15="http://schemas.microsoft.com/office/thememl/2012/main" xmlns="" name="Circuit" id="{0AC2F7E7-15F5-431C-B2A2-456FE929F56C}" vid="{142578CA-DEC9-49C3-80AF-C113973CC9A9}"/>
+      <thm15:themeFamily xmlns:thm15="http://schemas.microsoft.com/office/thememl/2012/main" name="Circuit" id="{0AC2F7E7-15F5-431C-B2A2-456FE929F56C}" vid="{142578CA-DEC9-49C3-80AF-C113973CC9A9}"/>
     </a:ext>
   </a:extLst>
 </a:theme>

--- a/Documentation/Presentation/Design Powerpoint.pptx
+++ b/Documentation/Presentation/Design Powerpoint.pptx
@@ -8,22 +8,23 @@
     <p:sldId id="256" r:id="rId2"/>
     <p:sldId id="258" r:id="rId3"/>
     <p:sldId id="264" r:id="rId4"/>
-    <p:sldId id="279" r:id="rId5"/>
-    <p:sldId id="280" r:id="rId6"/>
-    <p:sldId id="281" r:id="rId7"/>
-    <p:sldId id="282" r:id="rId8"/>
-    <p:sldId id="283" r:id="rId9"/>
-    <p:sldId id="276" r:id="rId10"/>
-    <p:sldId id="277" r:id="rId11"/>
-    <p:sldId id="278" r:id="rId12"/>
-    <p:sldId id="265" r:id="rId13"/>
-    <p:sldId id="266" r:id="rId14"/>
-    <p:sldId id="271" r:id="rId15"/>
-    <p:sldId id="272" r:id="rId16"/>
-    <p:sldId id="273" r:id="rId17"/>
-    <p:sldId id="274" r:id="rId18"/>
-    <p:sldId id="275" r:id="rId19"/>
-    <p:sldId id="263" r:id="rId20"/>
+    <p:sldId id="284" r:id="rId5"/>
+    <p:sldId id="276" r:id="rId6"/>
+    <p:sldId id="277" r:id="rId7"/>
+    <p:sldId id="278" r:id="rId8"/>
+    <p:sldId id="286" r:id="rId9"/>
+    <p:sldId id="287" r:id="rId10"/>
+    <p:sldId id="288" r:id="rId11"/>
+    <p:sldId id="289" r:id="rId12"/>
+    <p:sldId id="290" r:id="rId13"/>
+    <p:sldId id="265" r:id="rId14"/>
+    <p:sldId id="266" r:id="rId15"/>
+    <p:sldId id="271" r:id="rId16"/>
+    <p:sldId id="272" r:id="rId17"/>
+    <p:sldId id="273" r:id="rId18"/>
+    <p:sldId id="274" r:id="rId19"/>
+    <p:sldId id="275" r:id="rId20"/>
+    <p:sldId id="263" r:id="rId21"/>
   </p:sldIdLst>
   <p:sldSz cx="12192000" cy="6858000"/>
   <p:notesSz cx="6858000" cy="9144000"/>
@@ -12417,25 +12418,44 @@
           <a:p>
             <a:r>
               <a:rPr lang="en-US" dirty="0" smtClean="0"/>
-              <a:t>Logan Beaver</a:t>
-            </a:r>
-          </a:p>
-          <a:p>
+              <a:t>Logan </a:t>
+            </a:r>
             <a:r>
               <a:rPr lang="en-US" dirty="0" smtClean="0"/>
-              <a:t>Justin Campbell</a:t>
-            </a:r>
+              <a:t>Beaver - ME</a:t>
+            </a:r>
+            <a:endParaRPr lang="en-US" dirty="0" smtClean="0"/>
           </a:p>
           <a:p>
             <a:r>
               <a:rPr lang="en-US" dirty="0" smtClean="0"/>
-              <a:t>Tyler Paddock</a:t>
-            </a:r>
-          </a:p>
-          <a:p>
+              <a:t>Justin </a:t>
+            </a:r>
             <a:r>
               <a:rPr lang="en-US" dirty="0" smtClean="0"/>
-              <a:t>Ronald Shipman</a:t>
+              <a:t>Campbell - ME</a:t>
+            </a:r>
+            <a:endParaRPr lang="en-US" dirty="0" smtClean="0"/>
+          </a:p>
+          <a:p>
+            <a:r>
+              <a:rPr lang="en-US" dirty="0" smtClean="0"/>
+              <a:t>Tyler </a:t>
+            </a:r>
+            <a:r>
+              <a:rPr lang="en-US" dirty="0" smtClean="0"/>
+              <a:t>Paddock - CE</a:t>
+            </a:r>
+            <a:endParaRPr lang="en-US" dirty="0" smtClean="0"/>
+          </a:p>
+          <a:p>
+            <a:r>
+              <a:rPr lang="en-US" dirty="0" smtClean="0"/>
+              <a:t>Ronald </a:t>
+            </a:r>
+            <a:r>
+              <a:rPr lang="en-US" dirty="0" smtClean="0"/>
+              <a:t>Shipman - ME</a:t>
             </a:r>
             <a:endParaRPr lang="en-US" dirty="0"/>
           </a:p>
@@ -12541,6 +12561,13 @@
   <p:clrMapOvr>
     <a:masterClrMapping/>
   </p:clrMapOvr>
+  <p:timing>
+    <p:tnLst>
+      <p:par>
+        <p:cTn id="1" dur="indefinite" restart="never" nodeType="tmRoot"/>
+      </p:par>
+    </p:tnLst>
+  </p:timing>
 </p:sld>
 </file>
 
@@ -12573,8 +12600,8 @@
         </p:nvSpPr>
         <p:spPr>
           <a:xfrm>
-            <a:off x="1219200" y="0"/>
-            <a:ext cx="10972800" cy="1143000"/>
+            <a:off x="1141413" y="618518"/>
+            <a:ext cx="9905998" cy="1210282"/>
           </a:xfrm>
         </p:spPr>
         <p:txBody>
@@ -12582,8 +12609,8 @@
           <a:lstStyle/>
           <a:p>
             <a:r>
-              <a:rPr lang="en-US" dirty="0" smtClean="0"/>
-              <a:t>Components</a:t>
+              <a:rPr lang="en-US" dirty="0" err="1" smtClean="0"/>
+              <a:t>Dogebot</a:t>
             </a:r>
             <a:endParaRPr lang="en-US" dirty="0"/>
           </a:p>
@@ -12591,181 +12618,83 @@
       </p:sp>
       <p:sp>
         <p:nvSpPr>
-          <p:cNvPr id="3" name="Content Placeholder 2"/>
+          <p:cNvPr id="5" name="Content Placeholder 4"/>
           <p:cNvSpPr>
             <a:spLocks noGrp="1"/>
           </p:cNvSpPr>
           <p:nvPr>
-            <p:ph idx="1"/>
+            <p:ph sz="half" idx="2"/>
           </p:nvPr>
         </p:nvSpPr>
         <p:spPr>
           <a:xfrm>
-            <a:off x="1016000" y="1102056"/>
-            <a:ext cx="7704919" cy="5029200"/>
+            <a:off x="6172200" y="1928553"/>
+            <a:ext cx="4875211" cy="3862647"/>
           </a:xfrm>
         </p:spPr>
         <p:txBody>
           <a:bodyPr>
-            <a:normAutofit lnSpcReduction="10000"/>
+            <a:normAutofit/>
           </a:bodyPr>
           <a:lstStyle/>
           <a:p>
-            <a:pPr marL="0" indent="0">
-              <a:buNone/>
-            </a:pPr>
             <a:r>
               <a:rPr lang="en-US" dirty="0" smtClean="0"/>
-              <a:t>Pneumatic </a:t>
-            </a:r>
-            <a:r>
-              <a:rPr lang="en-US" dirty="0"/>
-              <a:t>components </a:t>
-            </a:r>
+              <a:t>Pros</a:t>
+            </a:r>
+          </a:p>
+          <a:p>
+            <a:pPr lvl="1"/>
             <a:r>
               <a:rPr lang="en-US" dirty="0" smtClean="0"/>
-              <a:t>include:</a:t>
-            </a:r>
-          </a:p>
-          <a:p>
-            <a:r>
-              <a:rPr lang="en-US" sz="3000" dirty="0" smtClean="0"/>
-              <a:t>Receiver Tank</a:t>
-            </a:r>
-          </a:p>
-          <a:p>
-            <a:r>
-              <a:rPr lang="en-US" sz="3000" dirty="0" smtClean="0"/>
-              <a:t>Air </a:t>
-            </a:r>
-            <a:r>
-              <a:rPr lang="en-US" sz="3000" dirty="0"/>
-              <a:t>C</a:t>
-            </a:r>
-            <a:r>
-              <a:rPr lang="en-US" sz="3000" dirty="0" smtClean="0"/>
-              <a:t>ompressor</a:t>
-            </a:r>
-          </a:p>
-          <a:p>
-            <a:r>
-              <a:rPr lang="en-US" sz="3000" dirty="0"/>
-              <a:t>D</a:t>
-            </a:r>
-            <a:r>
-              <a:rPr lang="en-US" sz="3000" dirty="0" smtClean="0"/>
-              <a:t>ouble </a:t>
-            </a:r>
-            <a:r>
-              <a:rPr lang="en-US" sz="3000" dirty="0"/>
-              <a:t>A</a:t>
-            </a:r>
-            <a:r>
-              <a:rPr lang="en-US" sz="3000" dirty="0" smtClean="0"/>
-              <a:t>cting </a:t>
-            </a:r>
-            <a:r>
-              <a:rPr lang="en-US" sz="3000" dirty="0"/>
-              <a:t>A</a:t>
-            </a:r>
-            <a:r>
-              <a:rPr lang="en-US" sz="3000" dirty="0" smtClean="0"/>
-              <a:t>ir </a:t>
-            </a:r>
-            <a:r>
-              <a:rPr lang="en-US" sz="3000" dirty="0"/>
-              <a:t>C</a:t>
-            </a:r>
-            <a:r>
-              <a:rPr lang="en-US" sz="3000" dirty="0" smtClean="0"/>
-              <a:t>ylinders (w/ feedback)</a:t>
-            </a:r>
-          </a:p>
-          <a:p>
-            <a:r>
-              <a:rPr lang="en-US" sz="3000" dirty="0" smtClean="0"/>
-              <a:t>Solenoid </a:t>
-            </a:r>
-            <a:r>
-              <a:rPr lang="en-US" sz="3000" dirty="0"/>
-              <a:t>V</a:t>
-            </a:r>
-            <a:r>
-              <a:rPr lang="en-US" sz="3000" dirty="0" smtClean="0"/>
-              <a:t>alve </a:t>
-            </a:r>
-          </a:p>
-          <a:p>
-            <a:r>
-              <a:rPr lang="en-US" sz="3000" dirty="0"/>
-              <a:t>D</a:t>
-            </a:r>
-            <a:r>
-              <a:rPr lang="en-US" sz="3000" dirty="0" smtClean="0"/>
-              <a:t>irectional </a:t>
-            </a:r>
-            <a:r>
-              <a:rPr lang="en-US" sz="3000" dirty="0"/>
-              <a:t>C</a:t>
-            </a:r>
-            <a:r>
-              <a:rPr lang="en-US" sz="3000" dirty="0" smtClean="0"/>
-              <a:t>ontrol </a:t>
-            </a:r>
-            <a:r>
-              <a:rPr lang="en-US" sz="3000" dirty="0"/>
-              <a:t>V</a:t>
-            </a:r>
-            <a:r>
-              <a:rPr lang="en-US" sz="3000" dirty="0" smtClean="0"/>
-              <a:t>alves (4/2)</a:t>
-            </a:r>
-          </a:p>
-          <a:p>
-            <a:r>
-              <a:rPr lang="en-US" sz="3000" dirty="0"/>
-              <a:t>P</a:t>
-            </a:r>
-            <a:r>
-              <a:rPr lang="en-US" sz="3000" dirty="0" smtClean="0"/>
-              <a:t>ressure </a:t>
-            </a:r>
-            <a:r>
-              <a:rPr lang="en-US" sz="3000" dirty="0"/>
-              <a:t>R</a:t>
-            </a:r>
-            <a:r>
-              <a:rPr lang="en-US" sz="3000" dirty="0" smtClean="0"/>
-              <a:t>elief </a:t>
-            </a:r>
-            <a:r>
-              <a:rPr lang="en-US" sz="3000" dirty="0"/>
-              <a:t>V</a:t>
-            </a:r>
-            <a:r>
-              <a:rPr lang="en-US" sz="3000" dirty="0" smtClean="0"/>
-              <a:t>alve</a:t>
-            </a:r>
-          </a:p>
-          <a:p>
-            <a:r>
-              <a:rPr lang="en-US" sz="3000" dirty="0"/>
-              <a:t>T</a:t>
-            </a:r>
-            <a:r>
-              <a:rPr lang="en-US" sz="3000" dirty="0" smtClean="0"/>
-              <a:t>ubing</a:t>
+              <a:t>Legs cannot interfere with each other</a:t>
+            </a:r>
+          </a:p>
+          <a:p>
+            <a:pPr lvl="1"/>
+            <a:r>
+              <a:rPr lang="en-US" dirty="0" smtClean="0"/>
+              <a:t>Adequate space for components</a:t>
+            </a:r>
+          </a:p>
+          <a:p>
+            <a:pPr lvl="1"/>
+            <a:r>
+              <a:rPr lang="en-US" dirty="0" smtClean="0"/>
+              <a:t>Open sides for easy accessibility</a:t>
+            </a:r>
+          </a:p>
+          <a:p>
+            <a:r>
+              <a:rPr lang="en-US" dirty="0" smtClean="0"/>
+              <a:t>Cons</a:t>
+            </a:r>
+          </a:p>
+          <a:p>
+            <a:pPr lvl="1"/>
+            <a:r>
+              <a:rPr lang="en-US" dirty="0" smtClean="0"/>
+              <a:t>Legs may be susceptible to bending</a:t>
+            </a:r>
+          </a:p>
+          <a:p>
+            <a:pPr lvl="1"/>
+            <a:r>
+              <a:rPr lang="en-US" dirty="0" smtClean="0"/>
+              <a:t>Near the limit on all dimensions and weight</a:t>
             </a:r>
           </a:p>
         </p:txBody>
       </p:sp>
       <p:pic>
         <p:nvPicPr>
-          <p:cNvPr id="1026" name="Picture 2" descr="http://www.daerospace.com/HydraulicSystems/DVHFigure%203.png"/>
+          <p:cNvPr id="6" name="Picture 2"/>
           <p:cNvPicPr>
-            <a:picLocks noChangeAspect="1" noChangeArrowheads="1"/>
+            <a:picLocks noGrp="1" noChangeAspect="1" noChangeArrowheads="1"/>
           </p:cNvPicPr>
-          <p:nvPr/>
+          <p:nvPr>
+            <p:ph sz="half" idx="1"/>
+          </p:nvPr>
         </p:nvPicPr>
         <p:blipFill>
           <a:blip r:embed="rId2">
@@ -12782,301 +12711,182 @@
         </p:blipFill>
         <p:spPr bwMode="auto">
           <a:xfrm>
-            <a:off x="5821438" y="4821011"/>
-            <a:ext cx="3912223" cy="1673100"/>
+            <a:off x="1141413" y="2161309"/>
+            <a:ext cx="4878387" cy="3502611"/>
           </a:xfrm>
           <a:prstGeom prst="rect">
             <a:avLst/>
           </a:prstGeom>
           <a:noFill/>
+          <a:ln>
+            <a:noFill/>
+          </a:ln>
           <a:extLst>
             <a:ext uri="{909E8E84-426E-40DD-AFC4-6F175D3DCCD1}">
               <a14:hiddenFill xmlns:a14="http://schemas.microsoft.com/office/drawing/2010/main">
                 <a:solidFill>
-                  <a:srgbClr val="FFFFFF"/>
+                  <a:schemeClr val="accent1"/>
                 </a:solidFill>
               </a14:hiddenFill>
+            </a:ext>
+            <a:ext uri="{91240B29-F687-4F45-9708-019B960494DF}">
+              <a14:hiddenLine xmlns:a14="http://schemas.microsoft.com/office/drawing/2010/main" w="9525">
+                <a:solidFill>
+                  <a:schemeClr val="tx1"/>
+                </a:solidFill>
+                <a:miter lim="800000"/>
+                <a:headEnd/>
+                <a:tailEnd/>
+              </a14:hiddenLine>
             </a:ext>
           </a:extLst>
         </p:spPr>
       </p:pic>
-      <p:pic>
-        <p:nvPicPr>
-          <p:cNvPr id="1028" name="Picture 4" descr="http://i00.i.aliimg.com/img/pb/412/325/108/108325412_235.JPG"/>
-          <p:cNvPicPr>
-            <a:picLocks noChangeAspect="1" noChangeArrowheads="1"/>
-          </p:cNvPicPr>
-          <p:nvPr/>
-        </p:nvPicPr>
-        <p:blipFill rotWithShape="1">
-          <a:blip r:embed="rId3">
-            <a:extLst>
-              <a:ext uri="{28A0092B-C50C-407E-A947-70E740481C1C}">
-                <a14:useLocalDpi xmlns:a14="http://schemas.microsoft.com/office/drawing/2010/main" val="0"/>
-              </a:ext>
-            </a:extLst>
-          </a:blip>
-          <a:srcRect l="12334" t="8761" r="51151" b="11467"/>
-          <a:stretch/>
-        </p:blipFill>
-        <p:spPr bwMode="auto">
-          <a:xfrm>
-            <a:off x="9254957" y="1728387"/>
-            <a:ext cx="2264636" cy="2766702"/>
-          </a:xfrm>
-          <a:prstGeom prst="rect">
-            <a:avLst/>
-          </a:prstGeom>
-          <a:noFill/>
-          <a:extLst>
-            <a:ext uri="{909E8E84-426E-40DD-AFC4-6F175D3DCCD1}">
-              <a14:hiddenFill xmlns:a14="http://schemas.microsoft.com/office/drawing/2010/main">
-                <a:solidFill>
-                  <a:srgbClr val="FFFFFF"/>
-                </a:solidFill>
-              </a14:hiddenFill>
-            </a:ext>
-          </a:extLst>
-        </p:spPr>
-      </p:pic>
-      <p:pic>
-        <p:nvPicPr>
-          <p:cNvPr id="6" name="Picture 5"/>
-          <p:cNvPicPr/>
-          <p:nvPr/>
-        </p:nvPicPr>
-        <p:blipFill>
-          <a:blip r:embed="rId4">
-            <a:extLst>
-              <a:ext uri="{28A0092B-C50C-407E-A947-70E740481C1C}">
-                <a14:useLocalDpi xmlns:a14="http://schemas.microsoft.com/office/drawing/2010/main" val="0"/>
-              </a:ext>
-            </a:extLst>
-          </a:blip>
-          <a:stretch>
-            <a:fillRect/>
-          </a:stretch>
-        </p:blipFill>
-        <p:spPr>
-          <a:xfrm>
-            <a:off x="5696127" y="1238801"/>
-            <a:ext cx="2933700" cy="979170"/>
-          </a:xfrm>
-          <a:prstGeom prst="rect">
-            <a:avLst/>
-          </a:prstGeom>
-        </p:spPr>
-      </p:pic>
-      <mc:AlternateContent xmlns:mc="http://schemas.openxmlformats.org/markup-compatibility/2006" xmlns:a14="http://schemas.microsoft.com/office/drawing/2010/main">
-        <mc:Choice Requires="a14">
-          <p:sp>
-            <p:nvSpPr>
-              <p:cNvPr id="4" name="TextBox 3"/>
-              <p:cNvSpPr txBox="1"/>
-              <p:nvPr/>
-            </p:nvSpPr>
-            <p:spPr>
-              <a:xfrm>
-                <a:off x="5254240" y="2252001"/>
-                <a:ext cx="3512320" cy="394147"/>
-              </a:xfrm>
-              <a:prstGeom prst="rect">
-                <a:avLst/>
-              </a:prstGeom>
-              <a:noFill/>
-            </p:spPr>
-            <p:txBody>
-              <a:bodyPr wrap="square" rtlCol="0">
-                <a:spAutoFit/>
-              </a:bodyPr>
-              <a:lstStyle/>
-              <a:p>
-                <a:pPr/>
-                <a14:m>
-                  <m:oMathPara xmlns:m="http://schemas.openxmlformats.org/officeDocument/2006/math">
-                    <m:oMathParaPr>
-                      <m:jc m:val="centerGroup"/>
-                    </m:oMathParaPr>
-                    <m:oMath xmlns:m="http://schemas.openxmlformats.org/officeDocument/2006/math">
-                      <m:r>
-                        <a:rPr lang="en-US" i="1">
-                          <a:latin typeface="Cambria Math"/>
-                        </a:rPr>
-                        <m:t>𝐹</m:t>
-                      </m:r>
-                      <m:r>
-                        <a:rPr lang="en-US" i="1">
-                          <a:latin typeface="Cambria Math"/>
-                        </a:rPr>
-                        <m:t> =</m:t>
-                      </m:r>
-                      <m:sSub>
-                        <m:sSubPr>
-                          <m:ctrlPr>
-                            <a:rPr lang="en-US" i="1">
-                              <a:latin typeface="Cambria Math" panose="02040503050406030204" pitchFamily="18" charset="0"/>
-                            </a:rPr>
-                          </m:ctrlPr>
-                        </m:sSubPr>
-                        <m:e>
-                          <m:r>
-                            <a:rPr lang="en-US" i="1">
-                              <a:latin typeface="Cambria Math"/>
-                            </a:rPr>
-                            <m:t>𝑃</m:t>
-                          </m:r>
-                        </m:e>
-                        <m:sub>
-                          <m:r>
-                            <a:rPr lang="en-US" i="1">
-                              <a:latin typeface="Cambria Math"/>
-                            </a:rPr>
-                            <m:t>𝑐𝑎𝑝</m:t>
-                          </m:r>
-                        </m:sub>
-                      </m:sSub>
-                      <m:sSub>
-                        <m:sSubPr>
-                          <m:ctrlPr>
-                            <a:rPr lang="en-US" i="1">
-                              <a:latin typeface="Cambria Math" panose="02040503050406030204" pitchFamily="18" charset="0"/>
-                            </a:rPr>
-                          </m:ctrlPr>
-                        </m:sSubPr>
-                        <m:e>
-                          <m:r>
-                            <a:rPr lang="en-US" i="1">
-                              <a:latin typeface="Cambria Math"/>
-                            </a:rPr>
-                            <m:t>𝐴</m:t>
-                          </m:r>
-                        </m:e>
-                        <m:sub>
-                          <m:r>
-                            <a:rPr lang="en-US" i="1">
-                              <a:latin typeface="Cambria Math"/>
-                            </a:rPr>
-                            <m:t>𝑐𝑎𝑝</m:t>
-                          </m:r>
-                        </m:sub>
-                      </m:sSub>
-                      <m:r>
-                        <a:rPr lang="en-US" i="1">
-                          <a:latin typeface="Cambria Math"/>
-                        </a:rPr>
-                        <m:t> −</m:t>
-                      </m:r>
-                      <m:sSub>
-                        <m:sSubPr>
-                          <m:ctrlPr>
-                            <a:rPr lang="en-US" i="1">
-                              <a:latin typeface="Cambria Math" panose="02040503050406030204" pitchFamily="18" charset="0"/>
-                            </a:rPr>
-                          </m:ctrlPr>
-                        </m:sSubPr>
-                        <m:e>
-                          <m:r>
-                            <a:rPr lang="en-US" i="1">
-                              <a:latin typeface="Cambria Math"/>
-                            </a:rPr>
-                            <m:t>𝑃</m:t>
-                          </m:r>
-                        </m:e>
-                        <m:sub>
-                          <m:r>
-                            <a:rPr lang="en-US" i="1">
-                              <a:latin typeface="Cambria Math"/>
-                            </a:rPr>
-                            <m:t>𝑟𝑜𝑑</m:t>
-                          </m:r>
-                        </m:sub>
-                      </m:sSub>
-                      <m:sSub>
-                        <m:sSubPr>
-                          <m:ctrlPr>
-                            <a:rPr lang="en-US" i="1">
-                              <a:latin typeface="Cambria Math" panose="02040503050406030204" pitchFamily="18" charset="0"/>
-                            </a:rPr>
-                          </m:ctrlPr>
-                        </m:sSubPr>
-                        <m:e>
-                          <m:r>
-                            <a:rPr lang="en-US" i="1">
-                              <a:latin typeface="Cambria Math"/>
-                            </a:rPr>
-                            <m:t>𝐴</m:t>
-                          </m:r>
-                        </m:e>
-                        <m:sub>
-                          <m:r>
-                            <a:rPr lang="en-US" i="1">
-                              <a:latin typeface="Cambria Math"/>
-                            </a:rPr>
-                            <m:t>𝑟𝑜𝑑</m:t>
-                          </m:r>
-                        </m:sub>
-                      </m:sSub>
-                    </m:oMath>
-                  </m:oMathPara>
-                </a14:m>
-                <a:endParaRPr lang="en-US" dirty="0"/>
-              </a:p>
-            </p:txBody>
-          </p:sp>
-        </mc:Choice>
-        <mc:Fallback xmlns="">
-          <p:sp>
-            <p:nvSpPr>
-              <p:cNvPr id="4" name="TextBox 3"/>
-              <p:cNvSpPr txBox="1">
-                <a:spLocks noRot="1" noChangeAspect="1" noMove="1" noResize="1" noEditPoints="1" noAdjustHandles="1" noChangeArrowheads="1" noChangeShapeType="1" noTextEdit="1"/>
-              </p:cNvSpPr>
-              <p:nvPr/>
-            </p:nvSpPr>
-            <p:spPr>
-              <a:xfrm>
-                <a:off x="5254240" y="2252001"/>
-                <a:ext cx="3512320" cy="394147"/>
-              </a:xfrm>
-              <a:prstGeom prst="rect">
-                <a:avLst/>
-              </a:prstGeom>
-              <a:blipFill rotWithShape="1">
-                <a:blip r:embed="rId5"/>
-                <a:stretch>
-                  <a:fillRect b="-3077"/>
-                </a:stretch>
-              </a:blipFill>
-            </p:spPr>
-            <p:txBody>
-              <a:bodyPr/>
-              <a:lstStyle/>
-              <a:p>
-                <a:r>
-                  <a:rPr lang="en-US">
-                    <a:noFill/>
-                  </a:rPr>
-                  <a:t> </a:t>
-                </a:r>
-              </a:p>
-            </p:txBody>
-          </p:sp>
-        </mc:Fallback>
-      </mc:AlternateContent>
     </p:spTree>
     <p:extLst>
       <p:ext uri="{BB962C8B-B14F-4D97-AF65-F5344CB8AC3E}">
-        <p14:creationId xmlns:p14="http://schemas.microsoft.com/office/powerpoint/2010/main" val="2435262260"/>
+        <p14:creationId xmlns:p14="http://schemas.microsoft.com/office/powerpoint/2010/main" val="1315266436"/>
       </p:ext>
     </p:extLst>
   </p:cSld>
   <p:clrMapOvr>
     <a:masterClrMapping/>
   </p:clrMapOvr>
+  <p:timing>
+    <p:tnLst>
+      <p:par>
+        <p:cTn id="1" dur="indefinite" restart="never" nodeType="tmRoot"/>
+      </p:par>
+    </p:tnLst>
+  </p:timing>
 </p:sld>
 </file>
 
 <file path=ppt/slides/slide11.xml><?xml version="1.0" encoding="utf-8"?>
+<p:sld xmlns:a="http://schemas.openxmlformats.org/drawingml/2006/main" xmlns:r="http://schemas.openxmlformats.org/officeDocument/2006/relationships" xmlns:p="http://schemas.openxmlformats.org/presentationml/2006/main">
+  <p:cSld>
+    <p:spTree>
+      <p:nvGrpSpPr>
+        <p:cNvPr id="1" name=""/>
+        <p:cNvGrpSpPr/>
+        <p:nvPr/>
+      </p:nvGrpSpPr>
+      <p:grpSpPr>
+        <a:xfrm>
+          <a:off x="0" y="0"/>
+          <a:ext cx="0" cy="0"/>
+          <a:chOff x="0" y="0"/>
+          <a:chExt cx="0" cy="0"/>
+        </a:xfrm>
+      </p:grpSpPr>
+      <p:sp>
+        <p:nvSpPr>
+          <p:cNvPr id="5" name="Title 4"/>
+          <p:cNvSpPr>
+            <a:spLocks noGrp="1"/>
+          </p:cNvSpPr>
+          <p:nvPr>
+            <p:ph type="title"/>
+          </p:nvPr>
+        </p:nvSpPr>
+        <p:spPr/>
+        <p:txBody>
+          <a:bodyPr/>
+          <a:lstStyle/>
+          <a:p>
+            <a:r>
+              <a:rPr lang="en-US" dirty="0" smtClean="0"/>
+              <a:t>Design Updates</a:t>
+            </a:r>
+            <a:endParaRPr lang="en-US" dirty="0"/>
+          </a:p>
+        </p:txBody>
+      </p:sp>
+      <p:sp>
+        <p:nvSpPr>
+          <p:cNvPr id="6" name="Content Placeholder 5"/>
+          <p:cNvSpPr>
+            <a:spLocks noGrp="1"/>
+          </p:cNvSpPr>
+          <p:nvPr>
+            <p:ph idx="1"/>
+          </p:nvPr>
+        </p:nvSpPr>
+        <p:spPr/>
+        <p:txBody>
+          <a:bodyPr/>
+          <a:lstStyle/>
+          <a:p>
+            <a:r>
+              <a:rPr lang="en-US" dirty="0" smtClean="0"/>
+              <a:t>Chassis</a:t>
+            </a:r>
+          </a:p>
+          <a:p>
+            <a:pPr lvl="1"/>
+            <a:r>
+              <a:rPr lang="en-US" dirty="0" smtClean="0"/>
+              <a:t>Extruded T-Slotted Aluminum Frame</a:t>
+            </a:r>
+          </a:p>
+          <a:p>
+            <a:pPr lvl="1"/>
+            <a:r>
+              <a:rPr lang="en-US" dirty="0" smtClean="0"/>
+              <a:t>Easy to assemble and attach components</a:t>
+            </a:r>
+          </a:p>
+          <a:p>
+            <a:pPr lvl="1"/>
+            <a:r>
+              <a:rPr lang="en-US" dirty="0" smtClean="0"/>
+              <a:t>Decreased dimensions to reduce weight</a:t>
+            </a:r>
+          </a:p>
+          <a:p>
+            <a:r>
+              <a:rPr lang="en-US" dirty="0" smtClean="0"/>
+              <a:t>Legs</a:t>
+            </a:r>
+          </a:p>
+          <a:p>
+            <a:pPr lvl="1"/>
+            <a:r>
+              <a:rPr lang="en-US" dirty="0" smtClean="0"/>
+              <a:t>Fixed piston attachment points</a:t>
+            </a:r>
+          </a:p>
+          <a:p>
+            <a:pPr lvl="1"/>
+            <a:r>
+              <a:rPr lang="en-US" dirty="0" smtClean="0"/>
+              <a:t>Attached to top of chassis to increase stability</a:t>
+            </a:r>
+            <a:endParaRPr lang="en-US" dirty="0"/>
+          </a:p>
+        </p:txBody>
+      </p:sp>
+    </p:spTree>
+    <p:extLst>
+      <p:ext uri="{BB962C8B-B14F-4D97-AF65-F5344CB8AC3E}">
+        <p14:creationId xmlns:p14="http://schemas.microsoft.com/office/powerpoint/2010/main" val="3909819517"/>
+      </p:ext>
+    </p:extLst>
+  </p:cSld>
+  <p:clrMapOvr>
+    <a:masterClrMapping/>
+  </p:clrMapOvr>
+  <p:timing>
+    <p:tnLst>
+      <p:par>
+        <p:cTn id="1" dur="indefinite" restart="never" nodeType="tmRoot"/>
+      </p:par>
+    </p:tnLst>
+  </p:timing>
+</p:sld>
+</file>
+
+<file path=ppt/slides/slide12.xml><?xml version="1.0" encoding="utf-8"?>
 <p:sld xmlns:a="http://schemas.openxmlformats.org/drawingml/2006/main" xmlns:r="http://schemas.openxmlformats.org/officeDocument/2006/relationships" xmlns:p="http://schemas.openxmlformats.org/presentationml/2006/main">
   <p:cSld>
     <p:spTree>
@@ -13103,19 +12913,18 @@
             <p:ph type="title"/>
           </p:nvPr>
         </p:nvSpPr>
-        <p:spPr>
-          <a:xfrm>
-            <a:off x="1100470" y="250029"/>
-            <a:ext cx="9905998" cy="1478570"/>
-          </a:xfrm>
-        </p:spPr>
+        <p:spPr/>
         <p:txBody>
           <a:bodyPr/>
           <a:lstStyle/>
           <a:p>
             <a:r>
+              <a:rPr lang="en-US" dirty="0" err="1" smtClean="0"/>
+              <a:t>DogeBot</a:t>
+            </a:r>
+            <a:r>
               <a:rPr lang="en-US" dirty="0" smtClean="0"/>
-              <a:t>Pneumatic Circuit</a:t>
+              <a:t> 2.0</a:t>
             </a:r>
             <a:endParaRPr lang="en-US" dirty="0"/>
           </a:p>
@@ -13123,9 +12932,9 @@
       </p:sp>
       <p:pic>
         <p:nvPicPr>
-          <p:cNvPr id="4" name="Content Placeholder 3" descr="D:\MyDocs\Documents\Classes\AgileRoboticControls\Research\Pneumatic Circuits\Sample Circuit.png"/>
+          <p:cNvPr id="1028" name="Picture 4"/>
           <p:cNvPicPr>
-            <a:picLocks noGrp="1"/>
+            <a:picLocks noGrp="1" noChangeAspect="1" noChangeArrowheads="1"/>
           </p:cNvPicPr>
           <p:nvPr>
             <p:ph idx="1"/>
@@ -13146,8 +12955,8 @@
         </p:blipFill>
         <p:spPr bwMode="auto">
           <a:xfrm>
-            <a:off x="1023581" y="1583139"/>
-            <a:ext cx="10072049" cy="4219433"/>
+            <a:off x="2706461" y="1808018"/>
+            <a:ext cx="6736641" cy="4615571"/>
           </a:xfrm>
           <a:prstGeom prst="rect">
             <a:avLst/>
@@ -13156,55 +12965,48 @@
           <a:ln>
             <a:noFill/>
           </a:ln>
-        </p:spPr>
-      </p:pic>
-      <p:pic>
-        <p:nvPicPr>
-          <p:cNvPr id="5" name="Content Placeholder 3" descr="D:\MyDocs\Documents\Classes\AgileRoboticControls\Research\Pneumatic Circuits\Sample Circuit.png"/>
-          <p:cNvPicPr>
-            <a:picLocks/>
-          </p:cNvPicPr>
-          <p:nvPr/>
-        </p:nvPicPr>
-        <p:blipFill rotWithShape="1">
-          <a:blip r:embed="rId2">
-            <a:extLst>
-              <a:ext uri="{28A0092B-C50C-407E-A947-70E740481C1C}">
-                <a14:useLocalDpi xmlns:a14="http://schemas.microsoft.com/office/drawing/2010/main" val="0"/>
-              </a:ext>
-            </a:extLst>
-          </a:blip>
-          <a:srcRect l="65704" t="40286" r="21823" b="47157"/>
-          <a:stretch/>
-        </p:blipFill>
-        <p:spPr bwMode="auto">
-          <a:xfrm flipV="1">
-            <a:off x="7649669" y="3264494"/>
-            <a:ext cx="1256232" cy="529840"/>
-          </a:xfrm>
-          <a:prstGeom prst="rect">
-            <a:avLst/>
-          </a:prstGeom>
-          <a:noFill/>
-          <a:ln>
-            <a:noFill/>
-          </a:ln>
+          <a:extLst>
+            <a:ext uri="{909E8E84-426E-40DD-AFC4-6F175D3DCCD1}">
+              <a14:hiddenFill xmlns:a14="http://schemas.microsoft.com/office/drawing/2010/main">
+                <a:solidFill>
+                  <a:schemeClr val="accent1"/>
+                </a:solidFill>
+              </a14:hiddenFill>
+            </a:ext>
+            <a:ext uri="{91240B29-F687-4F45-9708-019B960494DF}">
+              <a14:hiddenLine xmlns:a14="http://schemas.microsoft.com/office/drawing/2010/main" w="9525">
+                <a:solidFill>
+                  <a:schemeClr val="tx1"/>
+                </a:solidFill>
+                <a:miter lim="800000"/>
+                <a:headEnd/>
+                <a:tailEnd/>
+              </a14:hiddenLine>
+            </a:ext>
+          </a:extLst>
         </p:spPr>
       </p:pic>
     </p:spTree>
     <p:extLst>
       <p:ext uri="{BB962C8B-B14F-4D97-AF65-F5344CB8AC3E}">
-        <p14:creationId xmlns:p14="http://schemas.microsoft.com/office/powerpoint/2010/main" val="939920761"/>
+        <p14:creationId xmlns:p14="http://schemas.microsoft.com/office/powerpoint/2010/main" val="3867776305"/>
       </p:ext>
     </p:extLst>
   </p:cSld>
   <p:clrMapOvr>
     <a:masterClrMapping/>
   </p:clrMapOvr>
+  <p:timing>
+    <p:tnLst>
+      <p:par>
+        <p:cTn id="1" dur="indefinite" restart="never" nodeType="tmRoot"/>
+      </p:par>
+    </p:tnLst>
+  </p:timing>
 </p:sld>
 </file>
 
-<file path=ppt/slides/slide12.xml><?xml version="1.0" encoding="utf-8"?>
+<file path=ppt/slides/slide13.xml><?xml version="1.0" encoding="utf-8"?>
 <p:sld xmlns:a="http://schemas.openxmlformats.org/drawingml/2006/main" xmlns:r="http://schemas.openxmlformats.org/officeDocument/2006/relationships" xmlns:p="http://schemas.openxmlformats.org/presentationml/2006/main">
   <p:cSld>
     <p:spTree>
@@ -14081,10 +13883,17 @@
   <p:clrMapOvr>
     <a:masterClrMapping/>
   </p:clrMapOvr>
+  <p:timing>
+    <p:tnLst>
+      <p:par>
+        <p:cTn id="1" dur="indefinite" restart="never" nodeType="tmRoot"/>
+      </p:par>
+    </p:tnLst>
+  </p:timing>
 </p:sld>
 </file>
 
-<file path=ppt/slides/slide13.xml><?xml version="1.0" encoding="utf-8"?>
+<file path=ppt/slides/slide14.xml><?xml version="1.0" encoding="utf-8"?>
 <p:sld xmlns:a="http://schemas.openxmlformats.org/drawingml/2006/main" xmlns:r="http://schemas.openxmlformats.org/officeDocument/2006/relationships" xmlns:p="http://schemas.openxmlformats.org/presentationml/2006/main">
   <p:cSld>
     <p:spTree>
@@ -14146,7 +13955,6 @@
               <a:rPr lang="en-US" dirty="0"/>
               <a:t> </a:t>
             </a:r>
-            <a:endParaRPr lang="en-US" dirty="0"/>
           </a:p>
         </p:txBody>
       </p:sp>
@@ -14395,35 +14203,52 @@
           </a:lstStyle>
           <a:p>
             <a:r>
-              <a:rPr lang="en-US" smtClean="0"/>
-              <a:t>Lagrangian Mechanics</a:t>
-            </a:r>
-          </a:p>
-          <a:p>
-            <a:r>
-              <a:rPr lang="en-US" smtClean="0"/>
-              <a:t>Non-inertial reference frames</a:t>
-            </a:r>
-          </a:p>
-          <a:p>
-            <a:r>
-              <a:rPr lang="en-US" smtClean="0"/>
-              <a:t>Arbitrary global reference frame</a:t>
-            </a:r>
-          </a:p>
-          <a:p>
-            <a:r>
-              <a:rPr lang="en-US" smtClean="0"/>
+              <a:rPr lang="en-US" dirty="0"/>
+              <a:t>Non-inertial reference </a:t>
+            </a:r>
+            <a:r>
+              <a:rPr lang="en-US" dirty="0" smtClean="0"/>
+              <a:t>frame</a:t>
+            </a:r>
+            <a:endParaRPr lang="en-US" dirty="0" smtClean="0"/>
+          </a:p>
+          <a:p>
+            <a:r>
+              <a:rPr lang="en-US" dirty="0" err="1" smtClean="0"/>
+              <a:t>Lagrangian</a:t>
+            </a:r>
+            <a:r>
+              <a:rPr lang="en-US" dirty="0" smtClean="0"/>
+              <a:t> </a:t>
+            </a:r>
+            <a:r>
+              <a:rPr lang="en-US" dirty="0" smtClean="0"/>
+              <a:t>Mechanics</a:t>
+            </a:r>
+          </a:p>
+          <a:p>
+            <a:r>
+              <a:rPr lang="en-US" dirty="0" smtClean="0"/>
+              <a:t>Arbitrary </a:t>
+            </a:r>
+            <a:r>
+              <a:rPr lang="en-US" dirty="0" smtClean="0"/>
+              <a:t>global reference frame</a:t>
+            </a:r>
+          </a:p>
+          <a:p>
+            <a:r>
+              <a:rPr lang="en-US" dirty="0" smtClean="0"/>
               <a:t>Determines mechanical properties of components</a:t>
             </a:r>
           </a:p>
           <a:p>
             <a:r>
-              <a:rPr lang="en-US" smtClean="0"/>
+              <a:rPr lang="en-US" dirty="0" smtClean="0"/>
               <a:t>27 Equations with state vector </a:t>
             </a:r>
             <a:r>
-              <a:rPr lang="en-US" i="1" smtClean="0"/>
+              <a:rPr lang="en-US" i="1" dirty="0" smtClean="0"/>
               <a:t>q</a:t>
             </a:r>
             <a:endParaRPr lang="en-US" dirty="0"/>
@@ -14908,10 +14733,17 @@
   <p:clrMapOvr>
     <a:masterClrMapping/>
   </p:clrMapOvr>
+  <p:timing>
+    <p:tnLst>
+      <p:par>
+        <p:cTn id="1" dur="indefinite" restart="never" nodeType="tmRoot"/>
+      </p:par>
+    </p:tnLst>
+  </p:timing>
 </p:sld>
 </file>
 
-<file path=ppt/slides/slide14.xml><?xml version="1.0" encoding="utf-8"?>
+<file path=ppt/slides/slide15.xml><?xml version="1.0" encoding="utf-8"?>
 <p:sld xmlns:a="http://schemas.openxmlformats.org/drawingml/2006/main" xmlns:r="http://schemas.openxmlformats.org/officeDocument/2006/relationships" xmlns:p="http://schemas.openxmlformats.org/presentationml/2006/main">
   <p:cSld>
     <p:spTree>
@@ -15019,78 +14851,13 @@
   <p:clrMapOvr>
     <a:masterClrMapping/>
   </p:clrMapOvr>
-</p:sld>
-</file>
-
-<file path=ppt/slides/slide15.xml><?xml version="1.0" encoding="utf-8"?>
-<p:sld xmlns:a="http://schemas.openxmlformats.org/drawingml/2006/main" xmlns:r="http://schemas.openxmlformats.org/officeDocument/2006/relationships" xmlns:p="http://schemas.openxmlformats.org/presentationml/2006/main">
-  <p:cSld>
-    <p:spTree>
-      <p:nvGrpSpPr>
-        <p:cNvPr id="1" name=""/>
-        <p:cNvGrpSpPr/>
-        <p:nvPr/>
-      </p:nvGrpSpPr>
-      <p:grpSpPr>
-        <a:xfrm>
-          <a:off x="0" y="0"/>
-          <a:ext cx="0" cy="0"/>
-          <a:chOff x="0" y="0"/>
-          <a:chExt cx="0" cy="0"/>
-        </a:xfrm>
-      </p:grpSpPr>
-      <p:sp>
-        <p:nvSpPr>
-          <p:cNvPr id="2" name="Title 1"/>
-          <p:cNvSpPr>
-            <a:spLocks noGrp="1"/>
-          </p:cNvSpPr>
-          <p:nvPr>
-            <p:ph type="title"/>
-          </p:nvPr>
-        </p:nvSpPr>
-        <p:spPr/>
-        <p:txBody>
-          <a:bodyPr/>
-          <a:lstStyle/>
-          <a:p>
-            <a:endParaRPr lang="en-US"/>
-          </a:p>
-        </p:txBody>
-      </p:sp>
-      <p:sp>
-        <p:nvSpPr>
-          <p:cNvPr id="3" name="Content Placeholder 2"/>
-          <p:cNvSpPr>
-            <a:spLocks noGrp="1"/>
-          </p:cNvSpPr>
-          <p:nvPr>
-            <p:ph idx="1"/>
-          </p:nvPr>
-        </p:nvSpPr>
-        <p:spPr/>
-        <p:txBody>
-          <a:bodyPr/>
-          <a:lstStyle/>
-          <a:p>
-            <a:r>
-              <a:rPr lang="en-US" dirty="0" smtClean="0"/>
-              <a:t>&lt;Picture of Simulink model with PIDs&gt;</a:t>
-            </a:r>
-            <a:endParaRPr lang="en-US" dirty="0"/>
-          </a:p>
-        </p:txBody>
-      </p:sp>
-    </p:spTree>
-    <p:extLst>
-      <p:ext uri="{BB962C8B-B14F-4D97-AF65-F5344CB8AC3E}">
-        <p14:creationId xmlns:p14="http://schemas.microsoft.com/office/powerpoint/2010/main" val="3175501738"/>
-      </p:ext>
-    </p:extLst>
-  </p:cSld>
-  <p:clrMapOvr>
-    <a:masterClrMapping/>
-  </p:clrMapOvr>
+  <p:timing>
+    <p:tnLst>
+      <p:par>
+        <p:cTn id="1" dur="indefinite" restart="never" nodeType="tmRoot"/>
+      </p:par>
+    </p:tnLst>
+  </p:timing>
 </p:sld>
 </file>
 
@@ -15126,6 +14893,85 @@
           <a:bodyPr/>
           <a:lstStyle/>
           <a:p>
+            <a:endParaRPr lang="en-US"/>
+          </a:p>
+        </p:txBody>
+      </p:sp>
+      <p:sp>
+        <p:nvSpPr>
+          <p:cNvPr id="3" name="Content Placeholder 2"/>
+          <p:cNvSpPr>
+            <a:spLocks noGrp="1"/>
+          </p:cNvSpPr>
+          <p:nvPr>
+            <p:ph idx="1"/>
+          </p:nvPr>
+        </p:nvSpPr>
+        <p:spPr/>
+        <p:txBody>
+          <a:bodyPr/>
+          <a:lstStyle/>
+          <a:p>
+            <a:r>
+              <a:rPr lang="en-US" dirty="0" smtClean="0"/>
+              <a:t>&lt;Picture of Simulink model with PIDs&gt;</a:t>
+            </a:r>
+            <a:endParaRPr lang="en-US" dirty="0"/>
+          </a:p>
+        </p:txBody>
+      </p:sp>
+    </p:spTree>
+    <p:extLst>
+      <p:ext uri="{BB962C8B-B14F-4D97-AF65-F5344CB8AC3E}">
+        <p14:creationId xmlns:p14="http://schemas.microsoft.com/office/powerpoint/2010/main" val="3175501738"/>
+      </p:ext>
+    </p:extLst>
+  </p:cSld>
+  <p:clrMapOvr>
+    <a:masterClrMapping/>
+  </p:clrMapOvr>
+  <p:timing>
+    <p:tnLst>
+      <p:par>
+        <p:cTn id="1" dur="indefinite" restart="never" nodeType="tmRoot"/>
+      </p:par>
+    </p:tnLst>
+  </p:timing>
+</p:sld>
+</file>
+
+<file path=ppt/slides/slide17.xml><?xml version="1.0" encoding="utf-8"?>
+<p:sld xmlns:a="http://schemas.openxmlformats.org/drawingml/2006/main" xmlns:r="http://schemas.openxmlformats.org/officeDocument/2006/relationships" xmlns:p="http://schemas.openxmlformats.org/presentationml/2006/main">
+  <p:cSld>
+    <p:spTree>
+      <p:nvGrpSpPr>
+        <p:cNvPr id="1" name=""/>
+        <p:cNvGrpSpPr/>
+        <p:nvPr/>
+      </p:nvGrpSpPr>
+      <p:grpSpPr>
+        <a:xfrm>
+          <a:off x="0" y="0"/>
+          <a:ext cx="0" cy="0"/>
+          <a:chOff x="0" y="0"/>
+          <a:chExt cx="0" cy="0"/>
+        </a:xfrm>
+      </p:grpSpPr>
+      <p:sp>
+        <p:nvSpPr>
+          <p:cNvPr id="2" name="Title 1"/>
+          <p:cNvSpPr>
+            <a:spLocks noGrp="1"/>
+          </p:cNvSpPr>
+          <p:nvPr>
+            <p:ph type="title"/>
+          </p:nvPr>
+        </p:nvSpPr>
+        <p:spPr/>
+        <p:txBody>
+          <a:bodyPr/>
+          <a:lstStyle/>
+          <a:p>
             <a:r>
               <a:rPr lang="en-US" dirty="0" smtClean="0"/>
               <a:t>Signal Conditioning</a:t>
@@ -15192,10 +15038,17 @@
   <p:clrMapOvr>
     <a:masterClrMapping/>
   </p:clrMapOvr>
+  <p:timing>
+    <p:tnLst>
+      <p:par>
+        <p:cTn id="1" dur="indefinite" restart="never" nodeType="tmRoot"/>
+      </p:par>
+    </p:tnLst>
+  </p:timing>
 </p:sld>
 </file>
 
-<file path=ppt/slides/slide17.xml><?xml version="1.0" encoding="utf-8"?>
+<file path=ppt/slides/slide18.xml><?xml version="1.0" encoding="utf-8"?>
 <p:sld xmlns:a="http://schemas.openxmlformats.org/drawingml/2006/main" xmlns:r="http://schemas.openxmlformats.org/officeDocument/2006/relationships" xmlns:p="http://schemas.openxmlformats.org/presentationml/2006/main">
   <p:cSld>
     <p:spTree>
@@ -15363,115 +15216,13 @@
   <p:clrMapOvr>
     <a:masterClrMapping/>
   </p:clrMapOvr>
-</p:sld>
-</file>
-
-<file path=ppt/slides/slide18.xml><?xml version="1.0" encoding="utf-8"?>
-<p:sld xmlns:a="http://schemas.openxmlformats.org/drawingml/2006/main" xmlns:r="http://schemas.openxmlformats.org/officeDocument/2006/relationships" xmlns:p="http://schemas.openxmlformats.org/presentationml/2006/main">
-  <p:cSld>
-    <p:spTree>
-      <p:nvGrpSpPr>
-        <p:cNvPr id="1" name=""/>
-        <p:cNvGrpSpPr/>
-        <p:nvPr/>
-      </p:nvGrpSpPr>
-      <p:grpSpPr>
-        <a:xfrm>
-          <a:off x="0" y="0"/>
-          <a:ext cx="0" cy="0"/>
-          <a:chOff x="0" y="0"/>
-          <a:chExt cx="0" cy="0"/>
-        </a:xfrm>
-      </p:grpSpPr>
-      <p:sp>
-        <p:nvSpPr>
-          <p:cNvPr id="2" name="Title 1"/>
-          <p:cNvSpPr>
-            <a:spLocks noGrp="1"/>
-          </p:cNvSpPr>
-          <p:nvPr>
-            <p:ph type="title"/>
-          </p:nvPr>
-        </p:nvSpPr>
-        <p:spPr/>
-        <p:txBody>
-          <a:bodyPr/>
-          <a:lstStyle/>
-          <a:p>
-            <a:r>
-              <a:rPr lang="en-US" dirty="0" smtClean="0"/>
-              <a:t>What’s Next?</a:t>
-            </a:r>
-            <a:endParaRPr lang="en-US" dirty="0"/>
-          </a:p>
-        </p:txBody>
-      </p:sp>
-      <p:sp>
-        <p:nvSpPr>
-          <p:cNvPr id="3" name="Content Placeholder 2"/>
-          <p:cNvSpPr>
-            <a:spLocks noGrp="1"/>
-          </p:cNvSpPr>
-          <p:nvPr>
-            <p:ph idx="1"/>
-          </p:nvPr>
-        </p:nvSpPr>
-        <p:spPr>
-          <a:xfrm>
-            <a:off x="1155060" y="1880997"/>
-            <a:ext cx="9905999" cy="3541714"/>
-          </a:xfrm>
-        </p:spPr>
-        <p:txBody>
-          <a:bodyPr/>
-          <a:lstStyle/>
-          <a:p>
-            <a:r>
-              <a:rPr lang="en-US" dirty="0" smtClean="0"/>
-              <a:t>Determine necessary output forces of cylinders based on kinematic equations</a:t>
-            </a:r>
-          </a:p>
-          <a:p>
-            <a:r>
-              <a:rPr lang="en-US" dirty="0" smtClean="0"/>
-              <a:t>Select appropriate pneumatic components based on needed specifications</a:t>
-            </a:r>
-          </a:p>
-          <a:p>
-            <a:r>
-              <a:rPr lang="en-US" dirty="0" smtClean="0"/>
-              <a:t>Test air cylinders</a:t>
-            </a:r>
-          </a:p>
-          <a:p>
-            <a:r>
-              <a:rPr lang="en-US" dirty="0"/>
-              <a:t>P</a:t>
-            </a:r>
-            <a:r>
-              <a:rPr lang="en-US" dirty="0" smtClean="0"/>
-              <a:t>neumatic circuit construction</a:t>
-            </a:r>
-          </a:p>
-          <a:p>
-            <a:r>
-              <a:rPr lang="en-US" dirty="0" smtClean="0"/>
-              <a:t>Test circuit with control system</a:t>
-            </a:r>
-            <a:endParaRPr lang="en-US" dirty="0"/>
-          </a:p>
-        </p:txBody>
-      </p:sp>
-    </p:spTree>
-    <p:extLst>
-      <p:ext uri="{BB962C8B-B14F-4D97-AF65-F5344CB8AC3E}">
-        <p14:creationId xmlns:p14="http://schemas.microsoft.com/office/powerpoint/2010/main" val="3609837094"/>
-      </p:ext>
-    </p:extLst>
-  </p:cSld>
-  <p:clrMapOvr>
-    <a:masterClrMapping/>
-  </p:clrMapOvr>
+  <p:timing>
+    <p:tnLst>
+      <p:par>
+        <p:cTn id="1" dur="indefinite" restart="never" nodeType="tmRoot"/>
+      </p:par>
+    </p:tnLst>
+  </p:timing>
 </p:sld>
 </file>
 
@@ -15509,7 +15260,11 @@
           <a:p>
             <a:r>
               <a:rPr lang="en-US" dirty="0" smtClean="0"/>
-              <a:t>Questions?</a:t>
+              <a:t>What’s Next</a:t>
+            </a:r>
+            <a:r>
+              <a:rPr lang="en-US" dirty="0" smtClean="0"/>
+              <a:t>?</a:t>
             </a:r>
             <a:endParaRPr lang="en-US" dirty="0"/>
           </a:p>
@@ -15525,25 +15280,79 @@
             <p:ph idx="1"/>
           </p:nvPr>
         </p:nvSpPr>
-        <p:spPr/>
+        <p:spPr>
+          <a:xfrm>
+            <a:off x="1155060" y="1880997"/>
+            <a:ext cx="9905999" cy="4372846"/>
+          </a:xfrm>
+        </p:spPr>
         <p:txBody>
-          <a:bodyPr/>
+          <a:bodyPr>
+            <a:normAutofit/>
+          </a:bodyPr>
           <a:lstStyle/>
           <a:p>
-            <a:endParaRPr lang="en-US"/>
+            <a:r>
+              <a:rPr lang="en-US" dirty="0" smtClean="0"/>
+              <a:t>Decide on final pneumatic cylinder based on simulations</a:t>
+            </a:r>
+          </a:p>
+          <a:p>
+            <a:r>
+              <a:rPr lang="en-US" dirty="0" smtClean="0"/>
+              <a:t>Operational Motherboard Assembled</a:t>
+            </a:r>
+          </a:p>
+          <a:p>
+            <a:r>
+              <a:rPr lang="en-US" dirty="0" smtClean="0"/>
+              <a:t>Gather air cylinder response data</a:t>
+            </a:r>
+          </a:p>
+          <a:p>
+            <a:r>
+              <a:rPr lang="en-US" dirty="0" smtClean="0"/>
+              <a:t>Experiment with single pneumatic leg control</a:t>
+            </a:r>
+          </a:p>
+          <a:p>
+            <a:r>
+              <a:rPr lang="en-US" dirty="0" smtClean="0"/>
+              <a:t>Build and assemble robot subsystems</a:t>
+            </a:r>
+          </a:p>
+          <a:p>
+            <a:r>
+              <a:rPr lang="en-US" dirty="0" smtClean="0"/>
+              <a:t>Observe final system behavior</a:t>
+            </a:r>
+          </a:p>
+          <a:p>
+            <a:r>
+              <a:rPr lang="en-US" dirty="0" smtClean="0"/>
+              <a:t>Test gait implementations</a:t>
+            </a:r>
+            <a:endParaRPr lang="en-US" dirty="0"/>
           </a:p>
         </p:txBody>
       </p:sp>
     </p:spTree>
     <p:extLst>
       <p:ext uri="{BB962C8B-B14F-4D97-AF65-F5344CB8AC3E}">
-        <p14:creationId xmlns:p14="http://schemas.microsoft.com/office/powerpoint/2010/main" val="1223679356"/>
+        <p14:creationId xmlns:p14="http://schemas.microsoft.com/office/powerpoint/2010/main" val="3609837094"/>
       </p:ext>
     </p:extLst>
   </p:cSld>
   <p:clrMapOvr>
     <a:masterClrMapping/>
   </p:clrMapOvr>
+  <p:timing>
+    <p:tnLst>
+      <p:par>
+        <p:cTn id="1" dur="indefinite" restart="never" nodeType="tmRoot"/>
+      </p:par>
+    </p:tnLst>
+  </p:timing>
 </p:sld>
 </file>
 
@@ -15684,6 +15493,92 @@
   <p:clrMapOvr>
     <a:masterClrMapping/>
   </p:clrMapOvr>
+  <p:timing>
+    <p:tnLst>
+      <p:par>
+        <p:cTn id="1" dur="indefinite" restart="never" nodeType="tmRoot"/>
+      </p:par>
+    </p:tnLst>
+  </p:timing>
+</p:sld>
+</file>
+
+<file path=ppt/slides/slide20.xml><?xml version="1.0" encoding="utf-8"?>
+<p:sld xmlns:a="http://schemas.openxmlformats.org/drawingml/2006/main" xmlns:r="http://schemas.openxmlformats.org/officeDocument/2006/relationships" xmlns:p="http://schemas.openxmlformats.org/presentationml/2006/main">
+  <p:cSld>
+    <p:spTree>
+      <p:nvGrpSpPr>
+        <p:cNvPr id="1" name=""/>
+        <p:cNvGrpSpPr/>
+        <p:nvPr/>
+      </p:nvGrpSpPr>
+      <p:grpSpPr>
+        <a:xfrm>
+          <a:off x="0" y="0"/>
+          <a:ext cx="0" cy="0"/>
+          <a:chOff x="0" y="0"/>
+          <a:chExt cx="0" cy="0"/>
+        </a:xfrm>
+      </p:grpSpPr>
+      <p:sp>
+        <p:nvSpPr>
+          <p:cNvPr id="2" name="Title 1"/>
+          <p:cNvSpPr>
+            <a:spLocks noGrp="1"/>
+          </p:cNvSpPr>
+          <p:nvPr>
+            <p:ph type="title"/>
+          </p:nvPr>
+        </p:nvSpPr>
+        <p:spPr/>
+        <p:txBody>
+          <a:bodyPr/>
+          <a:lstStyle/>
+          <a:p>
+            <a:r>
+              <a:rPr lang="en-US" dirty="0" smtClean="0"/>
+              <a:t>Questions?</a:t>
+            </a:r>
+            <a:endParaRPr lang="en-US" dirty="0"/>
+          </a:p>
+        </p:txBody>
+      </p:sp>
+      <p:sp>
+        <p:nvSpPr>
+          <p:cNvPr id="3" name="Content Placeholder 2"/>
+          <p:cNvSpPr>
+            <a:spLocks noGrp="1"/>
+          </p:cNvSpPr>
+          <p:nvPr>
+            <p:ph idx="1"/>
+          </p:nvPr>
+        </p:nvSpPr>
+        <p:spPr/>
+        <p:txBody>
+          <a:bodyPr/>
+          <a:lstStyle/>
+          <a:p>
+            <a:endParaRPr lang="en-US"/>
+          </a:p>
+        </p:txBody>
+      </p:sp>
+    </p:spTree>
+    <p:extLst>
+      <p:ext uri="{BB962C8B-B14F-4D97-AF65-F5344CB8AC3E}">
+        <p14:creationId xmlns:p14="http://schemas.microsoft.com/office/powerpoint/2010/main" val="1223679356"/>
+      </p:ext>
+    </p:extLst>
+  </p:cSld>
+  <p:clrMapOvr>
+    <a:masterClrMapping/>
+  </p:clrMapOvr>
+  <p:timing>
+    <p:tnLst>
+      <p:par>
+        <p:cTn id="1" dur="indefinite" restart="never" nodeType="tmRoot"/>
+      </p:par>
+    </p:tnLst>
+  </p:timing>
 </p:sld>
 </file>
 
@@ -15737,9 +15632,16 @@
             <p:ph idx="1"/>
           </p:nvPr>
         </p:nvSpPr>
-        <p:spPr/>
+        <p:spPr>
+          <a:xfrm>
+            <a:off x="1141412" y="2249487"/>
+            <a:ext cx="9905999" cy="4063390"/>
+          </a:xfrm>
+        </p:spPr>
         <p:txBody>
-          <a:bodyPr/>
+          <a:bodyPr>
+            <a:normAutofit/>
+          </a:bodyPr>
           <a:lstStyle/>
           <a:p>
             <a:r>
@@ -15765,8 +15667,20 @@
             <a:pPr lvl="1"/>
             <a:r>
               <a:rPr lang="en-US" dirty="0"/>
-              <a:t>Rugged Terrain</a:t>
-            </a:r>
+              <a:t>Rugged </a:t>
+            </a:r>
+            <a:r>
+              <a:rPr lang="en-US" dirty="0" smtClean="0"/>
+              <a:t>Terrain</a:t>
+            </a:r>
+          </a:p>
+          <a:p>
+            <a:pPr lvl="1"/>
+            <a:r>
+              <a:rPr lang="en-US" dirty="0" smtClean="0"/>
+              <a:t>Two Links per Leg</a:t>
+            </a:r>
+            <a:endParaRPr lang="en-US" dirty="0"/>
           </a:p>
           <a:p>
             <a:r>
@@ -15805,6 +15719,13 @@
   <p:clrMapOvr>
     <a:masterClrMapping/>
   </p:clrMapOvr>
+  <p:timing>
+    <p:tnLst>
+      <p:par>
+        <p:cTn id="1" dur="indefinite" restart="never" nodeType="tmRoot"/>
+      </p:par>
+    </p:tnLst>
+  </p:timing>
 </p:sld>
 </file>
 
@@ -15842,190 +15763,7 @@
           <a:p>
             <a:r>
               <a:rPr lang="en-US" dirty="0" smtClean="0"/>
-              <a:t>Design Ideas</a:t>
-            </a:r>
-            <a:endParaRPr lang="en-US" dirty="0"/>
-          </a:p>
-        </p:txBody>
-      </p:sp>
-      <p:pic>
-        <p:nvPicPr>
-          <p:cNvPr id="4" name="Picture 3" descr="D:\MyDocs\Documents\Classes\Senior Design\SolidWorks Models\Arachnea.png"/>
-          <p:cNvPicPr/>
-          <p:nvPr/>
-        </p:nvPicPr>
-        <p:blipFill>
-          <a:blip r:embed="rId2">
-            <a:extLst>
-              <a:ext uri="{28A0092B-C50C-407E-A947-70E740481C1C}">
-                <a14:useLocalDpi xmlns:a14="http://schemas.microsoft.com/office/drawing/2010/main" val="0"/>
-              </a:ext>
-            </a:extLst>
-          </a:blip>
-          <a:srcRect/>
-          <a:stretch>
-            <a:fillRect/>
-          </a:stretch>
-        </p:blipFill>
-        <p:spPr bwMode="auto">
-          <a:xfrm>
-            <a:off x="939306" y="1777526"/>
-            <a:ext cx="2470466" cy="2136448"/>
-          </a:xfrm>
-          <a:prstGeom prst="rect">
-            <a:avLst/>
-          </a:prstGeom>
-          <a:noFill/>
-          <a:ln>
-            <a:noFill/>
-          </a:ln>
-        </p:spPr>
-      </p:pic>
-      <p:pic>
-        <p:nvPicPr>
-          <p:cNvPr id="5" name="Picture 4" descr="D:\MyDocs\Desktop\hexbot.png"/>
-          <p:cNvPicPr/>
-          <p:nvPr/>
-        </p:nvPicPr>
-        <p:blipFill>
-          <a:blip r:embed="rId3">
-            <a:extLst>
-              <a:ext uri="{28A0092B-C50C-407E-A947-70E740481C1C}">
-                <a14:useLocalDpi xmlns:a14="http://schemas.microsoft.com/office/drawing/2010/main" val="0"/>
-              </a:ext>
-            </a:extLst>
-          </a:blip>
-          <a:srcRect/>
-          <a:stretch>
-            <a:fillRect/>
-          </a:stretch>
-        </p:blipFill>
-        <p:spPr bwMode="auto">
-          <a:xfrm>
-            <a:off x="3371682" y="3913974"/>
-            <a:ext cx="2470466" cy="2136448"/>
-          </a:xfrm>
-          <a:prstGeom prst="rect">
-            <a:avLst/>
-          </a:prstGeom>
-          <a:noFill/>
-          <a:ln>
-            <a:noFill/>
-          </a:ln>
-        </p:spPr>
-      </p:pic>
-      <p:pic>
-        <p:nvPicPr>
-          <p:cNvPr id="6" name="Picture 5" descr="D:\MyDocs\Documents\Classes\Senior Design\SolidWorks Models\Boxxy.png"/>
-          <p:cNvPicPr/>
-          <p:nvPr/>
-        </p:nvPicPr>
-        <p:blipFill>
-          <a:blip r:embed="rId4">
-            <a:extLst>
-              <a:ext uri="{28A0092B-C50C-407E-A947-70E740481C1C}">
-                <a14:useLocalDpi xmlns:a14="http://schemas.microsoft.com/office/drawing/2010/main" val="0"/>
-              </a:ext>
-            </a:extLst>
-          </a:blip>
-          <a:srcRect/>
-          <a:stretch>
-            <a:fillRect/>
-          </a:stretch>
-        </p:blipFill>
-        <p:spPr bwMode="auto">
-          <a:xfrm>
-            <a:off x="5842148" y="1777526"/>
-            <a:ext cx="2470466" cy="2136448"/>
-          </a:xfrm>
-          <a:prstGeom prst="rect">
-            <a:avLst/>
-          </a:prstGeom>
-          <a:noFill/>
-          <a:ln>
-            <a:noFill/>
-          </a:ln>
-        </p:spPr>
-      </p:pic>
-      <p:pic>
-        <p:nvPicPr>
-          <p:cNvPr id="1026" name="Picture 2"/>
-          <p:cNvPicPr>
-            <a:picLocks noChangeAspect="1" noChangeArrowheads="1"/>
-          </p:cNvPicPr>
-          <p:nvPr/>
-        </p:nvPicPr>
-        <p:blipFill>
-          <a:blip r:embed="rId5">
-            <a:extLst>
-              <a:ext uri="{28A0092B-C50C-407E-A947-70E740481C1C}">
-                <a14:useLocalDpi xmlns:a14="http://schemas.microsoft.com/office/drawing/2010/main" val="0"/>
-              </a:ext>
-            </a:extLst>
-          </a:blip>
-          <a:srcRect/>
-          <a:stretch>
-            <a:fillRect/>
-          </a:stretch>
-        </p:blipFill>
-        <p:spPr bwMode="auto">
-          <a:xfrm>
-            <a:off x="8312614" y="3913974"/>
-            <a:ext cx="2470466" cy="2136448"/>
-          </a:xfrm>
-          <a:prstGeom prst="rect">
-            <a:avLst/>
-          </a:prstGeom>
-          <a:noFill/>
-          <a:ln>
-            <a:noFill/>
-          </a:ln>
-          <a:extLst>
-            <a:ext uri="{909E8E84-426E-40DD-AFC4-6F175D3DCCD1}">
-              <a14:hiddenFill xmlns:a14="http://schemas.microsoft.com/office/drawing/2010/main">
-                <a:solidFill>
-                  <a:schemeClr val="accent1"/>
-                </a:solidFill>
-              </a14:hiddenFill>
-            </a:ext>
-            <a:ext uri="{91240B29-F687-4F45-9708-019B960494DF}">
-              <a14:hiddenLine xmlns:a14="http://schemas.microsoft.com/office/drawing/2010/main" w="9525">
-                <a:solidFill>
-                  <a:schemeClr val="tx1"/>
-                </a:solidFill>
-                <a:miter lim="800000"/>
-                <a:headEnd/>
-                <a:tailEnd/>
-              </a14:hiddenLine>
-            </a:ext>
-          </a:extLst>
-        </p:spPr>
-      </p:pic>
-      <p:sp>
-        <p:nvSpPr>
-          <p:cNvPr id="8" name="TextBox 7"/>
-          <p:cNvSpPr txBox="1"/>
-          <p:nvPr/>
-        </p:nvSpPr>
-        <p:spPr>
-          <a:xfrm>
-            <a:off x="1641091" y="3913974"/>
-            <a:ext cx="1066895" cy="369332"/>
-          </a:xfrm>
-          <a:prstGeom prst="rect">
-            <a:avLst/>
-          </a:prstGeom>
-          <a:noFill/>
-        </p:spPr>
-        <p:txBody>
-          <a:bodyPr wrap="none" rtlCol="0">
-            <a:spAutoFit/>
-          </a:bodyPr>
-          <a:lstStyle/>
-          <a:p>
-            <a:r>
-              <a:rPr lang="en-US" dirty="0" err="1" smtClean="0"/>
-              <a:t>Arachnea</a:t>
+              <a:t>Major Constraints and Objectives</a:t>
             </a:r>
             <a:endParaRPr lang="en-US" dirty="0"/>
           </a:p>
@@ -16033,256 +15771,18 @@
       </p:sp>
       <p:sp>
         <p:nvSpPr>
-          <p:cNvPr id="9" name="TextBox 8"/>
-          <p:cNvSpPr txBox="1"/>
-          <p:nvPr/>
-        </p:nvSpPr>
-        <p:spPr>
-          <a:xfrm>
-            <a:off x="4117261" y="3544642"/>
-            <a:ext cx="979307" cy="369332"/>
-          </a:xfrm>
-          <a:prstGeom prst="rect">
-            <a:avLst/>
-          </a:prstGeom>
-          <a:noFill/>
-        </p:spPr>
-        <p:txBody>
-          <a:bodyPr wrap="none" rtlCol="0">
-            <a:spAutoFit/>
-          </a:bodyPr>
-          <a:lstStyle/>
-          <a:p>
-            <a:r>
-              <a:rPr lang="en-US" dirty="0" err="1" smtClean="0"/>
-              <a:t>Hexabot</a:t>
-            </a:r>
-            <a:endParaRPr lang="en-US" dirty="0"/>
-          </a:p>
-        </p:txBody>
-      </p:sp>
-      <p:sp>
-        <p:nvSpPr>
-          <p:cNvPr id="10" name="TextBox 9"/>
-          <p:cNvSpPr txBox="1"/>
-          <p:nvPr/>
-        </p:nvSpPr>
-        <p:spPr>
-          <a:xfrm>
-            <a:off x="6699937" y="3912496"/>
-            <a:ext cx="754887" cy="369332"/>
-          </a:xfrm>
-          <a:prstGeom prst="rect">
-            <a:avLst/>
-          </a:prstGeom>
-          <a:noFill/>
-        </p:spPr>
-        <p:txBody>
-          <a:bodyPr wrap="none" rtlCol="0">
-            <a:spAutoFit/>
-          </a:bodyPr>
-          <a:lstStyle/>
-          <a:p>
-            <a:r>
-              <a:rPr lang="en-US" dirty="0" err="1" smtClean="0"/>
-              <a:t>Boxxy</a:t>
-            </a:r>
-            <a:endParaRPr lang="en-US" dirty="0"/>
-          </a:p>
-        </p:txBody>
-      </p:sp>
-      <p:sp>
-        <p:nvSpPr>
-          <p:cNvPr id="11" name="TextBox 10"/>
-          <p:cNvSpPr txBox="1"/>
-          <p:nvPr/>
-        </p:nvSpPr>
-        <p:spPr>
-          <a:xfrm>
-            <a:off x="9062682" y="3543164"/>
-            <a:ext cx="970330" cy="369332"/>
-          </a:xfrm>
-          <a:prstGeom prst="rect">
-            <a:avLst/>
-          </a:prstGeom>
-          <a:noFill/>
-        </p:spPr>
-        <p:txBody>
-          <a:bodyPr wrap="none" rtlCol="0">
-            <a:spAutoFit/>
-          </a:bodyPr>
-          <a:lstStyle/>
-          <a:p>
-            <a:r>
-              <a:rPr lang="en-US" dirty="0" err="1" smtClean="0"/>
-              <a:t>DogeBot</a:t>
-            </a:r>
-            <a:endParaRPr lang="en-US" dirty="0"/>
-          </a:p>
-        </p:txBody>
-      </p:sp>
-    </p:spTree>
-    <p:extLst>
-      <p:ext uri="{BB962C8B-B14F-4D97-AF65-F5344CB8AC3E}">
-        <p14:creationId xmlns:p14="http://schemas.microsoft.com/office/powerpoint/2010/main" val="2819439240"/>
-      </p:ext>
-    </p:extLst>
-  </p:cSld>
-  <p:clrMapOvr>
-    <a:masterClrMapping/>
-  </p:clrMapOvr>
-</p:sld>
-</file>
-
-<file path=ppt/slides/slide5.xml><?xml version="1.0" encoding="utf-8"?>
-<p:sld xmlns:a="http://schemas.openxmlformats.org/drawingml/2006/main" xmlns:r="http://schemas.openxmlformats.org/officeDocument/2006/relationships" xmlns:p="http://schemas.openxmlformats.org/presentationml/2006/main">
-  <p:cSld>
-    <p:spTree>
-      <p:nvGrpSpPr>
-        <p:cNvPr id="1" name=""/>
-        <p:cNvGrpSpPr/>
-        <p:nvPr/>
-      </p:nvGrpSpPr>
-      <p:grpSpPr>
-        <a:xfrm>
-          <a:off x="0" y="0"/>
-          <a:ext cx="0" cy="0"/>
-          <a:chOff x="0" y="0"/>
-          <a:chExt cx="0" cy="0"/>
-        </a:xfrm>
-      </p:grpSpPr>
-      <p:sp>
-        <p:nvSpPr>
-          <p:cNvPr id="2" name="Title 1"/>
+          <p:cNvPr id="3" name="Content Placeholder 2"/>
           <p:cNvSpPr>
             <a:spLocks noGrp="1"/>
           </p:cNvSpPr>
           <p:nvPr>
-            <p:ph type="title"/>
-          </p:nvPr>
-        </p:nvSpPr>
-        <p:spPr/>
-        <p:txBody>
-          <a:bodyPr/>
-          <a:lstStyle/>
-          <a:p>
-            <a:r>
-              <a:rPr lang="en-US" dirty="0" smtClean="0"/>
-              <a:t>Mechanical Design Matrix</a:t>
-            </a:r>
-            <a:endParaRPr lang="en-US" dirty="0"/>
-          </a:p>
-        </p:txBody>
-      </p:sp>
-      <p:pic>
-        <p:nvPicPr>
-          <p:cNvPr id="4" name="Content Placeholder 3" descr="D:\MyDocs\Desktop\Design Matrix.png"/>
-          <p:cNvPicPr>
-            <a:picLocks noGrp="1"/>
-          </p:cNvPicPr>
-          <p:nvPr>
             <p:ph idx="1"/>
-          </p:nvPr>
-        </p:nvPicPr>
-        <p:blipFill>
-          <a:blip r:embed="rId2">
-            <a:extLst>
-              <a:ext uri="{28A0092B-C50C-407E-A947-70E740481C1C}">
-                <a14:useLocalDpi xmlns:a14="http://schemas.microsoft.com/office/drawing/2010/main" val="0"/>
-              </a:ext>
-            </a:extLst>
-          </a:blip>
-          <a:srcRect/>
-          <a:stretch>
-            <a:fillRect/>
-          </a:stretch>
-        </p:blipFill>
-        <p:spPr bwMode="auto">
-          <a:xfrm>
-            <a:off x="1110953" y="1974079"/>
-            <a:ext cx="9990034" cy="3817121"/>
-          </a:xfrm>
-          <a:prstGeom prst="rect">
-            <a:avLst/>
-          </a:prstGeom>
-          <a:noFill/>
-          <a:ln>
-            <a:noFill/>
-          </a:ln>
-        </p:spPr>
-      </p:pic>
-    </p:spTree>
-    <p:extLst>
-      <p:ext uri="{BB962C8B-B14F-4D97-AF65-F5344CB8AC3E}">
-        <p14:creationId xmlns:p14="http://schemas.microsoft.com/office/powerpoint/2010/main" val="1473136927"/>
-      </p:ext>
-    </p:extLst>
-  </p:cSld>
-  <p:clrMapOvr>
-    <a:masterClrMapping/>
-  </p:clrMapOvr>
-</p:sld>
-</file>
-
-<file path=ppt/slides/slide6.xml><?xml version="1.0" encoding="utf-8"?>
-<p:sld xmlns:a="http://schemas.openxmlformats.org/drawingml/2006/main" xmlns:r="http://schemas.openxmlformats.org/officeDocument/2006/relationships" xmlns:p="http://schemas.openxmlformats.org/presentationml/2006/main">
-  <p:cSld>
-    <p:spTree>
-      <p:nvGrpSpPr>
-        <p:cNvPr id="1" name=""/>
-        <p:cNvGrpSpPr/>
-        <p:nvPr/>
-      </p:nvGrpSpPr>
-      <p:grpSpPr>
-        <a:xfrm>
-          <a:off x="0" y="0"/>
-          <a:ext cx="0" cy="0"/>
-          <a:chOff x="0" y="0"/>
-          <a:chExt cx="0" cy="0"/>
-        </a:xfrm>
-      </p:grpSpPr>
-      <p:sp>
-        <p:nvSpPr>
-          <p:cNvPr id="2" name="Title 1"/>
-          <p:cNvSpPr>
-            <a:spLocks noGrp="1"/>
-          </p:cNvSpPr>
-          <p:nvPr>
-            <p:ph type="title"/>
           </p:nvPr>
         </p:nvSpPr>
         <p:spPr>
           <a:xfrm>
-            <a:off x="1141413" y="618518"/>
-            <a:ext cx="9905998" cy="1210282"/>
-          </a:xfrm>
-        </p:spPr>
-        <p:txBody>
-          <a:bodyPr/>
-          <a:lstStyle/>
-          <a:p>
-            <a:r>
-              <a:rPr lang="en-US" dirty="0" err="1" smtClean="0"/>
-              <a:t>Dogebot</a:t>
-            </a:r>
-            <a:endParaRPr lang="en-US" dirty="0"/>
-          </a:p>
-        </p:txBody>
-      </p:sp>
-      <p:sp>
-        <p:nvSpPr>
-          <p:cNvPr id="5" name="Content Placeholder 4"/>
-          <p:cNvSpPr>
-            <a:spLocks noGrp="1"/>
-          </p:cNvSpPr>
-          <p:nvPr>
-            <p:ph sz="half" idx="2"/>
-          </p:nvPr>
-        </p:nvSpPr>
-        <p:spPr>
-          <a:xfrm>
-            <a:off x="6172200" y="1928553"/>
-            <a:ext cx="4875211" cy="3862647"/>
+            <a:off x="1141412" y="2249486"/>
+            <a:ext cx="9905999" cy="4143149"/>
           </a:xfrm>
         </p:spPr>
         <p:txBody>
@@ -16293,352 +15793,69 @@
           <a:p>
             <a:r>
               <a:rPr lang="en-US" dirty="0" smtClean="0"/>
-              <a:t>Pros</a:t>
-            </a:r>
-          </a:p>
-          <a:p>
-            <a:pPr lvl="1"/>
+              <a:t>Does not weight over 35 Kg</a:t>
+            </a:r>
+          </a:p>
+          <a:p>
             <a:r>
               <a:rPr lang="en-US" dirty="0" smtClean="0"/>
-              <a:t>Legs cannot interfere with each other</a:t>
-            </a:r>
-          </a:p>
-          <a:p>
-            <a:pPr lvl="1"/>
+              <a:t>Operational speed up to 0.5 m/s</a:t>
+            </a:r>
+          </a:p>
+          <a:p>
             <a:r>
               <a:rPr lang="en-US" dirty="0" smtClean="0"/>
-              <a:t>Adequate space for components</a:t>
-            </a:r>
-          </a:p>
-          <a:p>
-            <a:pPr lvl="1"/>
+              <a:t>Gait implementations for creep and walk</a:t>
+            </a:r>
+          </a:p>
+          <a:p>
             <a:r>
               <a:rPr lang="en-US" dirty="0" smtClean="0"/>
-              <a:t>Open sides for easy accessibility</a:t>
+              <a:t>Emergency stops easily accessible</a:t>
             </a:r>
           </a:p>
           <a:p>
             <a:r>
               <a:rPr lang="en-US" dirty="0" smtClean="0"/>
-              <a:t>Cons</a:t>
-            </a:r>
-          </a:p>
-          <a:p>
-            <a:pPr lvl="1"/>
+              <a:t>Battery life of at least 3 hours for pneumatic components</a:t>
+            </a:r>
+          </a:p>
+          <a:p>
             <a:r>
               <a:rPr lang="en-US" dirty="0" smtClean="0"/>
-              <a:t>Legs may be susceptible to bending</a:t>
-            </a:r>
-          </a:p>
-          <a:p>
-            <a:pPr lvl="1"/>
+              <a:t>Onboard batteries and control system</a:t>
+            </a:r>
+          </a:p>
+          <a:p>
             <a:r>
               <a:rPr lang="en-US" dirty="0" smtClean="0"/>
-              <a:t>Near the limit on all dimensions and weight</a:t>
-            </a:r>
+              <a:t>Tethered air supply</a:t>
+            </a:r>
+            <a:endParaRPr lang="en-US" dirty="0"/>
           </a:p>
         </p:txBody>
       </p:sp>
-      <p:pic>
-        <p:nvPicPr>
-          <p:cNvPr id="6" name="Picture 2"/>
-          <p:cNvPicPr>
-            <a:picLocks noGrp="1" noChangeAspect="1" noChangeArrowheads="1"/>
-          </p:cNvPicPr>
-          <p:nvPr>
-            <p:ph sz="half" idx="1"/>
-          </p:nvPr>
-        </p:nvPicPr>
-        <p:blipFill>
-          <a:blip r:embed="rId2">
-            <a:extLst>
-              <a:ext uri="{28A0092B-C50C-407E-A947-70E740481C1C}">
-                <a14:useLocalDpi xmlns:a14="http://schemas.microsoft.com/office/drawing/2010/main" val="0"/>
-              </a:ext>
-            </a:extLst>
-          </a:blip>
-          <a:srcRect/>
-          <a:stretch>
-            <a:fillRect/>
-          </a:stretch>
-        </p:blipFill>
-        <p:spPr bwMode="auto">
-          <a:xfrm>
-            <a:off x="1141413" y="2161309"/>
-            <a:ext cx="4878387" cy="3502611"/>
-          </a:xfrm>
-          <a:prstGeom prst="rect">
-            <a:avLst/>
-          </a:prstGeom>
-          <a:noFill/>
-          <a:ln>
-            <a:noFill/>
-          </a:ln>
-          <a:extLst>
-            <a:ext uri="{909E8E84-426E-40DD-AFC4-6F175D3DCCD1}">
-              <a14:hiddenFill xmlns:a14="http://schemas.microsoft.com/office/drawing/2010/main">
-                <a:solidFill>
-                  <a:schemeClr val="accent1"/>
-                </a:solidFill>
-              </a14:hiddenFill>
-            </a:ext>
-            <a:ext uri="{91240B29-F687-4F45-9708-019B960494DF}">
-              <a14:hiddenLine xmlns:a14="http://schemas.microsoft.com/office/drawing/2010/main" w="9525">
-                <a:solidFill>
-                  <a:schemeClr val="tx1"/>
-                </a:solidFill>
-                <a:miter lim="800000"/>
-                <a:headEnd/>
-                <a:tailEnd/>
-              </a14:hiddenLine>
-            </a:ext>
-          </a:extLst>
-        </p:spPr>
-      </p:pic>
     </p:spTree>
     <p:extLst>
       <p:ext uri="{BB962C8B-B14F-4D97-AF65-F5344CB8AC3E}">
-        <p14:creationId xmlns:p14="http://schemas.microsoft.com/office/powerpoint/2010/main" val="3657489620"/>
+        <p14:creationId xmlns:p14="http://schemas.microsoft.com/office/powerpoint/2010/main" val="1481599050"/>
       </p:ext>
     </p:extLst>
   </p:cSld>
   <p:clrMapOvr>
     <a:masterClrMapping/>
   </p:clrMapOvr>
+  <p:timing>
+    <p:tnLst>
+      <p:par>
+        <p:cTn id="1" dur="indefinite" restart="never" nodeType="tmRoot"/>
+      </p:par>
+    </p:tnLst>
+  </p:timing>
 </p:sld>
 </file>
 
-<file path=ppt/slides/slide7.xml><?xml version="1.0" encoding="utf-8"?>
-<p:sld xmlns:a="http://schemas.openxmlformats.org/drawingml/2006/main" xmlns:r="http://schemas.openxmlformats.org/officeDocument/2006/relationships" xmlns:p="http://schemas.openxmlformats.org/presentationml/2006/main">
-  <p:cSld>
-    <p:spTree>
-      <p:nvGrpSpPr>
-        <p:cNvPr id="1" name=""/>
-        <p:cNvGrpSpPr/>
-        <p:nvPr/>
-      </p:nvGrpSpPr>
-      <p:grpSpPr>
-        <a:xfrm>
-          <a:off x="0" y="0"/>
-          <a:ext cx="0" cy="0"/>
-          <a:chOff x="0" y="0"/>
-          <a:chExt cx="0" cy="0"/>
-        </a:xfrm>
-      </p:grpSpPr>
-      <p:sp>
-        <p:nvSpPr>
-          <p:cNvPr id="5" name="Title 4"/>
-          <p:cNvSpPr>
-            <a:spLocks noGrp="1"/>
-          </p:cNvSpPr>
-          <p:nvPr>
-            <p:ph type="title"/>
-          </p:nvPr>
-        </p:nvSpPr>
-        <p:spPr/>
-        <p:txBody>
-          <a:bodyPr/>
-          <a:lstStyle/>
-          <a:p>
-            <a:r>
-              <a:rPr lang="en-US" dirty="0" smtClean="0"/>
-              <a:t>Design Updates</a:t>
-            </a:r>
-            <a:endParaRPr lang="en-US" dirty="0"/>
-          </a:p>
-        </p:txBody>
-      </p:sp>
-      <p:sp>
-        <p:nvSpPr>
-          <p:cNvPr id="6" name="Content Placeholder 5"/>
-          <p:cNvSpPr>
-            <a:spLocks noGrp="1"/>
-          </p:cNvSpPr>
-          <p:nvPr>
-            <p:ph idx="1"/>
-          </p:nvPr>
-        </p:nvSpPr>
-        <p:spPr/>
-        <p:txBody>
-          <a:bodyPr/>
-          <a:lstStyle/>
-          <a:p>
-            <a:r>
-              <a:rPr lang="en-US" dirty="0" smtClean="0"/>
-              <a:t>Chassis</a:t>
-            </a:r>
-          </a:p>
-          <a:p>
-            <a:pPr lvl="1"/>
-            <a:r>
-              <a:rPr lang="en-US" dirty="0" smtClean="0"/>
-              <a:t>Extruded T-Slotted Aluminum Frame</a:t>
-            </a:r>
-          </a:p>
-          <a:p>
-            <a:pPr lvl="1"/>
-            <a:r>
-              <a:rPr lang="en-US" dirty="0" smtClean="0"/>
-              <a:t>Easy to assemble and attach components</a:t>
-            </a:r>
-          </a:p>
-          <a:p>
-            <a:pPr lvl="1"/>
-            <a:r>
-              <a:rPr lang="en-US" dirty="0" smtClean="0"/>
-              <a:t>Decreased dimensions to reduce weight</a:t>
-            </a:r>
-          </a:p>
-          <a:p>
-            <a:r>
-              <a:rPr lang="en-US" dirty="0" smtClean="0"/>
-              <a:t>Legs</a:t>
-            </a:r>
-          </a:p>
-          <a:p>
-            <a:pPr lvl="1"/>
-            <a:r>
-              <a:rPr lang="en-US" dirty="0" smtClean="0"/>
-              <a:t>Fixed piston attachment points</a:t>
-            </a:r>
-          </a:p>
-          <a:p>
-            <a:pPr lvl="1"/>
-            <a:r>
-              <a:rPr lang="en-US" dirty="0" smtClean="0"/>
-              <a:t>Attached to top of chassis to increase stability</a:t>
-            </a:r>
-            <a:endParaRPr lang="en-US" dirty="0"/>
-          </a:p>
-        </p:txBody>
-      </p:sp>
-    </p:spTree>
-    <p:extLst>
-      <p:ext uri="{BB962C8B-B14F-4D97-AF65-F5344CB8AC3E}">
-        <p14:creationId xmlns:p14="http://schemas.microsoft.com/office/powerpoint/2010/main" val="2777328443"/>
-      </p:ext>
-    </p:extLst>
-  </p:cSld>
-  <p:clrMapOvr>
-    <a:masterClrMapping/>
-  </p:clrMapOvr>
-</p:sld>
-</file>
-
-<file path=ppt/slides/slide8.xml><?xml version="1.0" encoding="utf-8"?>
-<p:sld xmlns:a="http://schemas.openxmlformats.org/drawingml/2006/main" xmlns:r="http://schemas.openxmlformats.org/officeDocument/2006/relationships" xmlns:p="http://schemas.openxmlformats.org/presentationml/2006/main">
-  <p:cSld>
-    <p:spTree>
-      <p:nvGrpSpPr>
-        <p:cNvPr id="1" name=""/>
-        <p:cNvGrpSpPr/>
-        <p:nvPr/>
-      </p:nvGrpSpPr>
-      <p:grpSpPr>
-        <a:xfrm>
-          <a:off x="0" y="0"/>
-          <a:ext cx="0" cy="0"/>
-          <a:chOff x="0" y="0"/>
-          <a:chExt cx="0" cy="0"/>
-        </a:xfrm>
-      </p:grpSpPr>
-      <p:sp>
-        <p:nvSpPr>
-          <p:cNvPr id="2" name="Title 1"/>
-          <p:cNvSpPr>
-            <a:spLocks noGrp="1"/>
-          </p:cNvSpPr>
-          <p:nvPr>
-            <p:ph type="title"/>
-          </p:nvPr>
-        </p:nvSpPr>
-        <p:spPr/>
-        <p:txBody>
-          <a:bodyPr/>
-          <a:lstStyle/>
-          <a:p>
-            <a:r>
-              <a:rPr lang="en-US" dirty="0" err="1" smtClean="0"/>
-              <a:t>DogeBot</a:t>
-            </a:r>
-            <a:r>
-              <a:rPr lang="en-US" dirty="0" smtClean="0"/>
-              <a:t> 2.0</a:t>
-            </a:r>
-            <a:endParaRPr lang="en-US" dirty="0"/>
-          </a:p>
-        </p:txBody>
-      </p:sp>
-      <p:pic>
-        <p:nvPicPr>
-          <p:cNvPr id="1028" name="Picture 4"/>
-          <p:cNvPicPr>
-            <a:picLocks noGrp="1" noChangeAspect="1" noChangeArrowheads="1"/>
-          </p:cNvPicPr>
-          <p:nvPr>
-            <p:ph idx="1"/>
-          </p:nvPr>
-        </p:nvPicPr>
-        <p:blipFill>
-          <a:blip r:embed="rId2">
-            <a:extLst>
-              <a:ext uri="{28A0092B-C50C-407E-A947-70E740481C1C}">
-                <a14:useLocalDpi xmlns:a14="http://schemas.microsoft.com/office/drawing/2010/main" val="0"/>
-              </a:ext>
-            </a:extLst>
-          </a:blip>
-          <a:srcRect/>
-          <a:stretch>
-            <a:fillRect/>
-          </a:stretch>
-        </p:blipFill>
-        <p:spPr bwMode="auto">
-          <a:xfrm>
-            <a:off x="2706461" y="1808018"/>
-            <a:ext cx="6736641" cy="4615571"/>
-          </a:xfrm>
-          <a:prstGeom prst="rect">
-            <a:avLst/>
-          </a:prstGeom>
-          <a:noFill/>
-          <a:ln>
-            <a:noFill/>
-          </a:ln>
-          <a:extLst>
-            <a:ext uri="{909E8E84-426E-40DD-AFC4-6F175D3DCCD1}">
-              <a14:hiddenFill xmlns:a14="http://schemas.microsoft.com/office/drawing/2010/main">
-                <a:solidFill>
-                  <a:schemeClr val="accent1"/>
-                </a:solidFill>
-              </a14:hiddenFill>
-            </a:ext>
-            <a:ext uri="{91240B29-F687-4F45-9708-019B960494DF}">
-              <a14:hiddenLine xmlns:a14="http://schemas.microsoft.com/office/drawing/2010/main" w="9525">
-                <a:solidFill>
-                  <a:schemeClr val="tx1"/>
-                </a:solidFill>
-                <a:miter lim="800000"/>
-                <a:headEnd/>
-                <a:tailEnd/>
-              </a14:hiddenLine>
-            </a:ext>
-          </a:extLst>
-        </p:spPr>
-      </p:pic>
-    </p:spTree>
-    <p:extLst>
-      <p:ext uri="{BB962C8B-B14F-4D97-AF65-F5344CB8AC3E}">
-        <p14:creationId xmlns:p14="http://schemas.microsoft.com/office/powerpoint/2010/main" val="82505813"/>
-      </p:ext>
-    </p:extLst>
-  </p:cSld>
-  <p:clrMapOvr>
-    <a:masterClrMapping/>
-  </p:clrMapOvr>
-</p:sld>
-</file>
-
-<file path=ppt/slides/slide9.xml><?xml version="1.0" encoding="utf-8"?>
+<file path=ppt/slides/slide5.xml><?xml version="1.0" encoding="utf-8"?>
 <p:sld xmlns:a="http://schemas.openxmlformats.org/drawingml/2006/main" xmlns:r="http://schemas.openxmlformats.org/officeDocument/2006/relationships" xmlns:p="http://schemas.openxmlformats.org/presentationml/2006/main">
   <p:cSld>
     <p:spTree>
@@ -17662,6 +16879,1121 @@
   <p:clrMapOvr>
     <a:masterClrMapping/>
   </p:clrMapOvr>
+  <p:timing>
+    <p:tnLst>
+      <p:par>
+        <p:cTn id="1" dur="indefinite" restart="never" nodeType="tmRoot"/>
+      </p:par>
+    </p:tnLst>
+  </p:timing>
+</p:sld>
+</file>
+
+<file path=ppt/slides/slide6.xml><?xml version="1.0" encoding="utf-8"?>
+<p:sld xmlns:a="http://schemas.openxmlformats.org/drawingml/2006/main" xmlns:r="http://schemas.openxmlformats.org/officeDocument/2006/relationships" xmlns:p="http://schemas.openxmlformats.org/presentationml/2006/main">
+  <p:cSld>
+    <p:spTree>
+      <p:nvGrpSpPr>
+        <p:cNvPr id="1" name=""/>
+        <p:cNvGrpSpPr/>
+        <p:nvPr/>
+      </p:nvGrpSpPr>
+      <p:grpSpPr>
+        <a:xfrm>
+          <a:off x="0" y="0"/>
+          <a:ext cx="0" cy="0"/>
+          <a:chOff x="0" y="0"/>
+          <a:chExt cx="0" cy="0"/>
+        </a:xfrm>
+      </p:grpSpPr>
+      <p:sp>
+        <p:nvSpPr>
+          <p:cNvPr id="2" name="Title 1"/>
+          <p:cNvSpPr>
+            <a:spLocks noGrp="1"/>
+          </p:cNvSpPr>
+          <p:nvPr>
+            <p:ph type="title"/>
+          </p:nvPr>
+        </p:nvSpPr>
+        <p:spPr>
+          <a:xfrm>
+            <a:off x="1219200" y="0"/>
+            <a:ext cx="10972800" cy="1143000"/>
+          </a:xfrm>
+        </p:spPr>
+        <p:txBody>
+          <a:bodyPr/>
+          <a:lstStyle/>
+          <a:p>
+            <a:r>
+              <a:rPr lang="en-US" dirty="0" smtClean="0"/>
+              <a:t>Components</a:t>
+            </a:r>
+            <a:endParaRPr lang="en-US" dirty="0"/>
+          </a:p>
+        </p:txBody>
+      </p:sp>
+      <p:sp>
+        <p:nvSpPr>
+          <p:cNvPr id="3" name="Content Placeholder 2"/>
+          <p:cNvSpPr>
+            <a:spLocks noGrp="1"/>
+          </p:cNvSpPr>
+          <p:nvPr>
+            <p:ph idx="1"/>
+          </p:nvPr>
+        </p:nvSpPr>
+        <p:spPr>
+          <a:xfrm>
+            <a:off x="1016000" y="1102056"/>
+            <a:ext cx="7704919" cy="5029200"/>
+          </a:xfrm>
+        </p:spPr>
+        <p:txBody>
+          <a:bodyPr>
+            <a:normAutofit lnSpcReduction="10000"/>
+          </a:bodyPr>
+          <a:lstStyle/>
+          <a:p>
+            <a:pPr marL="0" indent="0">
+              <a:buNone/>
+            </a:pPr>
+            <a:r>
+              <a:rPr lang="en-US" dirty="0" smtClean="0"/>
+              <a:t>Pneumatic </a:t>
+            </a:r>
+            <a:r>
+              <a:rPr lang="en-US" dirty="0"/>
+              <a:t>components </a:t>
+            </a:r>
+            <a:r>
+              <a:rPr lang="en-US" dirty="0" smtClean="0"/>
+              <a:t>include:</a:t>
+            </a:r>
+          </a:p>
+          <a:p>
+            <a:r>
+              <a:rPr lang="en-US" sz="3000" dirty="0" smtClean="0"/>
+              <a:t>Receiver Tank</a:t>
+            </a:r>
+          </a:p>
+          <a:p>
+            <a:r>
+              <a:rPr lang="en-US" sz="3000" dirty="0" smtClean="0"/>
+              <a:t>Air </a:t>
+            </a:r>
+            <a:r>
+              <a:rPr lang="en-US" sz="3000" dirty="0"/>
+              <a:t>C</a:t>
+            </a:r>
+            <a:r>
+              <a:rPr lang="en-US" sz="3000" dirty="0" smtClean="0"/>
+              <a:t>ompressor</a:t>
+            </a:r>
+          </a:p>
+          <a:p>
+            <a:r>
+              <a:rPr lang="en-US" sz="3000" dirty="0"/>
+              <a:t>D</a:t>
+            </a:r>
+            <a:r>
+              <a:rPr lang="en-US" sz="3000" dirty="0" smtClean="0"/>
+              <a:t>ouble </a:t>
+            </a:r>
+            <a:r>
+              <a:rPr lang="en-US" sz="3000" dirty="0"/>
+              <a:t>A</a:t>
+            </a:r>
+            <a:r>
+              <a:rPr lang="en-US" sz="3000" dirty="0" smtClean="0"/>
+              <a:t>cting </a:t>
+            </a:r>
+            <a:r>
+              <a:rPr lang="en-US" sz="3000" dirty="0"/>
+              <a:t>A</a:t>
+            </a:r>
+            <a:r>
+              <a:rPr lang="en-US" sz="3000" dirty="0" smtClean="0"/>
+              <a:t>ir </a:t>
+            </a:r>
+            <a:r>
+              <a:rPr lang="en-US" sz="3000" dirty="0"/>
+              <a:t>C</a:t>
+            </a:r>
+            <a:r>
+              <a:rPr lang="en-US" sz="3000" dirty="0" smtClean="0"/>
+              <a:t>ylinders (w/ feedback)</a:t>
+            </a:r>
+          </a:p>
+          <a:p>
+            <a:r>
+              <a:rPr lang="en-US" sz="3000" dirty="0" smtClean="0"/>
+              <a:t>Solenoid </a:t>
+            </a:r>
+            <a:r>
+              <a:rPr lang="en-US" sz="3000" dirty="0"/>
+              <a:t>V</a:t>
+            </a:r>
+            <a:r>
+              <a:rPr lang="en-US" sz="3000" dirty="0" smtClean="0"/>
+              <a:t>alve </a:t>
+            </a:r>
+          </a:p>
+          <a:p>
+            <a:r>
+              <a:rPr lang="en-US" sz="3000" dirty="0"/>
+              <a:t>D</a:t>
+            </a:r>
+            <a:r>
+              <a:rPr lang="en-US" sz="3000" dirty="0" smtClean="0"/>
+              <a:t>irectional </a:t>
+            </a:r>
+            <a:r>
+              <a:rPr lang="en-US" sz="3000" dirty="0"/>
+              <a:t>C</a:t>
+            </a:r>
+            <a:r>
+              <a:rPr lang="en-US" sz="3000" dirty="0" smtClean="0"/>
+              <a:t>ontrol </a:t>
+            </a:r>
+            <a:r>
+              <a:rPr lang="en-US" sz="3000" dirty="0"/>
+              <a:t>V</a:t>
+            </a:r>
+            <a:r>
+              <a:rPr lang="en-US" sz="3000" dirty="0" smtClean="0"/>
+              <a:t>alves (4/2)</a:t>
+            </a:r>
+          </a:p>
+          <a:p>
+            <a:r>
+              <a:rPr lang="en-US" sz="3000" dirty="0"/>
+              <a:t>P</a:t>
+            </a:r>
+            <a:r>
+              <a:rPr lang="en-US" sz="3000" dirty="0" smtClean="0"/>
+              <a:t>ressure </a:t>
+            </a:r>
+            <a:r>
+              <a:rPr lang="en-US" sz="3000" dirty="0"/>
+              <a:t>R</a:t>
+            </a:r>
+            <a:r>
+              <a:rPr lang="en-US" sz="3000" dirty="0" smtClean="0"/>
+              <a:t>elief </a:t>
+            </a:r>
+            <a:r>
+              <a:rPr lang="en-US" sz="3000" dirty="0"/>
+              <a:t>V</a:t>
+            </a:r>
+            <a:r>
+              <a:rPr lang="en-US" sz="3000" dirty="0" smtClean="0"/>
+              <a:t>alve</a:t>
+            </a:r>
+          </a:p>
+          <a:p>
+            <a:r>
+              <a:rPr lang="en-US" sz="3000" dirty="0"/>
+              <a:t>T</a:t>
+            </a:r>
+            <a:r>
+              <a:rPr lang="en-US" sz="3000" dirty="0" smtClean="0"/>
+              <a:t>ubing</a:t>
+            </a:r>
+          </a:p>
+        </p:txBody>
+      </p:sp>
+      <p:pic>
+        <p:nvPicPr>
+          <p:cNvPr id="1026" name="Picture 2" descr="http://www.daerospace.com/HydraulicSystems/DVHFigure%203.png"/>
+          <p:cNvPicPr>
+            <a:picLocks noChangeAspect="1" noChangeArrowheads="1"/>
+          </p:cNvPicPr>
+          <p:nvPr/>
+        </p:nvPicPr>
+        <p:blipFill>
+          <a:blip r:embed="rId2">
+            <a:extLst>
+              <a:ext uri="{28A0092B-C50C-407E-A947-70E740481C1C}">
+                <a14:useLocalDpi xmlns:a14="http://schemas.microsoft.com/office/drawing/2010/main" val="0"/>
+              </a:ext>
+            </a:extLst>
+          </a:blip>
+          <a:srcRect/>
+          <a:stretch>
+            <a:fillRect/>
+          </a:stretch>
+        </p:blipFill>
+        <p:spPr bwMode="auto">
+          <a:xfrm>
+            <a:off x="5821438" y="4821011"/>
+            <a:ext cx="3912223" cy="1673100"/>
+          </a:xfrm>
+          <a:prstGeom prst="rect">
+            <a:avLst/>
+          </a:prstGeom>
+          <a:noFill/>
+          <a:extLst>
+            <a:ext uri="{909E8E84-426E-40DD-AFC4-6F175D3DCCD1}">
+              <a14:hiddenFill xmlns:a14="http://schemas.microsoft.com/office/drawing/2010/main">
+                <a:solidFill>
+                  <a:srgbClr val="FFFFFF"/>
+                </a:solidFill>
+              </a14:hiddenFill>
+            </a:ext>
+          </a:extLst>
+        </p:spPr>
+      </p:pic>
+      <p:pic>
+        <p:nvPicPr>
+          <p:cNvPr id="1028" name="Picture 4" descr="http://i00.i.aliimg.com/img/pb/412/325/108/108325412_235.JPG"/>
+          <p:cNvPicPr>
+            <a:picLocks noChangeAspect="1" noChangeArrowheads="1"/>
+          </p:cNvPicPr>
+          <p:nvPr/>
+        </p:nvPicPr>
+        <p:blipFill rotWithShape="1">
+          <a:blip r:embed="rId3">
+            <a:extLst>
+              <a:ext uri="{28A0092B-C50C-407E-A947-70E740481C1C}">
+                <a14:useLocalDpi xmlns:a14="http://schemas.microsoft.com/office/drawing/2010/main" val="0"/>
+              </a:ext>
+            </a:extLst>
+          </a:blip>
+          <a:srcRect l="12334" t="8761" r="51151" b="11467"/>
+          <a:stretch/>
+        </p:blipFill>
+        <p:spPr bwMode="auto">
+          <a:xfrm>
+            <a:off x="9254957" y="1728387"/>
+            <a:ext cx="2264636" cy="2766702"/>
+          </a:xfrm>
+          <a:prstGeom prst="rect">
+            <a:avLst/>
+          </a:prstGeom>
+          <a:noFill/>
+          <a:extLst>
+            <a:ext uri="{909E8E84-426E-40DD-AFC4-6F175D3DCCD1}">
+              <a14:hiddenFill xmlns:a14="http://schemas.microsoft.com/office/drawing/2010/main">
+                <a:solidFill>
+                  <a:srgbClr val="FFFFFF"/>
+                </a:solidFill>
+              </a14:hiddenFill>
+            </a:ext>
+          </a:extLst>
+        </p:spPr>
+      </p:pic>
+      <p:pic>
+        <p:nvPicPr>
+          <p:cNvPr id="6" name="Picture 5"/>
+          <p:cNvPicPr/>
+          <p:nvPr/>
+        </p:nvPicPr>
+        <p:blipFill>
+          <a:blip r:embed="rId4">
+            <a:extLst>
+              <a:ext uri="{28A0092B-C50C-407E-A947-70E740481C1C}">
+                <a14:useLocalDpi xmlns:a14="http://schemas.microsoft.com/office/drawing/2010/main" val="0"/>
+              </a:ext>
+            </a:extLst>
+          </a:blip>
+          <a:stretch>
+            <a:fillRect/>
+          </a:stretch>
+        </p:blipFill>
+        <p:spPr>
+          <a:xfrm>
+            <a:off x="5696127" y="1238801"/>
+            <a:ext cx="2933700" cy="979170"/>
+          </a:xfrm>
+          <a:prstGeom prst="rect">
+            <a:avLst/>
+          </a:prstGeom>
+        </p:spPr>
+      </p:pic>
+      <mc:AlternateContent xmlns:mc="http://schemas.openxmlformats.org/markup-compatibility/2006" xmlns:a14="http://schemas.microsoft.com/office/drawing/2010/main">
+        <mc:Choice Requires="a14">
+          <p:sp>
+            <p:nvSpPr>
+              <p:cNvPr id="4" name="TextBox 3"/>
+              <p:cNvSpPr txBox="1"/>
+              <p:nvPr/>
+            </p:nvSpPr>
+            <p:spPr>
+              <a:xfrm>
+                <a:off x="5254240" y="2252001"/>
+                <a:ext cx="3512320" cy="394147"/>
+              </a:xfrm>
+              <a:prstGeom prst="rect">
+                <a:avLst/>
+              </a:prstGeom>
+              <a:noFill/>
+            </p:spPr>
+            <p:txBody>
+              <a:bodyPr wrap="square" rtlCol="0">
+                <a:spAutoFit/>
+              </a:bodyPr>
+              <a:lstStyle/>
+              <a:p>
+                <a:pPr/>
+                <a14:m>
+                  <m:oMathPara xmlns:m="http://schemas.openxmlformats.org/officeDocument/2006/math">
+                    <m:oMathParaPr>
+                      <m:jc m:val="centerGroup"/>
+                    </m:oMathParaPr>
+                    <m:oMath xmlns:m="http://schemas.openxmlformats.org/officeDocument/2006/math">
+                      <m:r>
+                        <a:rPr lang="en-US" i="1">
+                          <a:latin typeface="Cambria Math"/>
+                        </a:rPr>
+                        <m:t>𝐹</m:t>
+                      </m:r>
+                      <m:r>
+                        <a:rPr lang="en-US" i="1">
+                          <a:latin typeface="Cambria Math"/>
+                        </a:rPr>
+                        <m:t> =</m:t>
+                      </m:r>
+                      <m:sSub>
+                        <m:sSubPr>
+                          <m:ctrlPr>
+                            <a:rPr lang="en-US" i="1">
+                              <a:latin typeface="Cambria Math" panose="02040503050406030204" pitchFamily="18" charset="0"/>
+                            </a:rPr>
+                          </m:ctrlPr>
+                        </m:sSubPr>
+                        <m:e>
+                          <m:r>
+                            <a:rPr lang="en-US" i="1">
+                              <a:latin typeface="Cambria Math"/>
+                            </a:rPr>
+                            <m:t>𝑃</m:t>
+                          </m:r>
+                        </m:e>
+                        <m:sub>
+                          <m:r>
+                            <a:rPr lang="en-US" i="1">
+                              <a:latin typeface="Cambria Math"/>
+                            </a:rPr>
+                            <m:t>𝑐𝑎𝑝</m:t>
+                          </m:r>
+                        </m:sub>
+                      </m:sSub>
+                      <m:sSub>
+                        <m:sSubPr>
+                          <m:ctrlPr>
+                            <a:rPr lang="en-US" i="1">
+                              <a:latin typeface="Cambria Math" panose="02040503050406030204" pitchFamily="18" charset="0"/>
+                            </a:rPr>
+                          </m:ctrlPr>
+                        </m:sSubPr>
+                        <m:e>
+                          <m:r>
+                            <a:rPr lang="en-US" i="1">
+                              <a:latin typeface="Cambria Math"/>
+                            </a:rPr>
+                            <m:t>𝐴</m:t>
+                          </m:r>
+                        </m:e>
+                        <m:sub>
+                          <m:r>
+                            <a:rPr lang="en-US" i="1">
+                              <a:latin typeface="Cambria Math"/>
+                            </a:rPr>
+                            <m:t>𝑐𝑎𝑝</m:t>
+                          </m:r>
+                        </m:sub>
+                      </m:sSub>
+                      <m:r>
+                        <a:rPr lang="en-US" i="1">
+                          <a:latin typeface="Cambria Math"/>
+                        </a:rPr>
+                        <m:t> −</m:t>
+                      </m:r>
+                      <m:sSub>
+                        <m:sSubPr>
+                          <m:ctrlPr>
+                            <a:rPr lang="en-US" i="1">
+                              <a:latin typeface="Cambria Math" panose="02040503050406030204" pitchFamily="18" charset="0"/>
+                            </a:rPr>
+                          </m:ctrlPr>
+                        </m:sSubPr>
+                        <m:e>
+                          <m:r>
+                            <a:rPr lang="en-US" i="1">
+                              <a:latin typeface="Cambria Math"/>
+                            </a:rPr>
+                            <m:t>𝑃</m:t>
+                          </m:r>
+                        </m:e>
+                        <m:sub>
+                          <m:r>
+                            <a:rPr lang="en-US" i="1">
+                              <a:latin typeface="Cambria Math"/>
+                            </a:rPr>
+                            <m:t>𝑟𝑜𝑑</m:t>
+                          </m:r>
+                        </m:sub>
+                      </m:sSub>
+                      <m:sSub>
+                        <m:sSubPr>
+                          <m:ctrlPr>
+                            <a:rPr lang="en-US" i="1">
+                              <a:latin typeface="Cambria Math" panose="02040503050406030204" pitchFamily="18" charset="0"/>
+                            </a:rPr>
+                          </m:ctrlPr>
+                        </m:sSubPr>
+                        <m:e>
+                          <m:r>
+                            <a:rPr lang="en-US" i="1">
+                              <a:latin typeface="Cambria Math"/>
+                            </a:rPr>
+                            <m:t>𝐴</m:t>
+                          </m:r>
+                        </m:e>
+                        <m:sub>
+                          <m:r>
+                            <a:rPr lang="en-US" i="1">
+                              <a:latin typeface="Cambria Math"/>
+                            </a:rPr>
+                            <m:t>𝑟𝑜𝑑</m:t>
+                          </m:r>
+                        </m:sub>
+                      </m:sSub>
+                    </m:oMath>
+                  </m:oMathPara>
+                </a14:m>
+                <a:endParaRPr lang="en-US" dirty="0"/>
+              </a:p>
+            </p:txBody>
+          </p:sp>
+        </mc:Choice>
+        <mc:Fallback xmlns="">
+          <p:sp>
+            <p:nvSpPr>
+              <p:cNvPr id="4" name="TextBox 3"/>
+              <p:cNvSpPr txBox="1">
+                <a:spLocks noRot="1" noChangeAspect="1" noMove="1" noResize="1" noEditPoints="1" noAdjustHandles="1" noChangeArrowheads="1" noChangeShapeType="1" noTextEdit="1"/>
+              </p:cNvSpPr>
+              <p:nvPr/>
+            </p:nvSpPr>
+            <p:spPr>
+              <a:xfrm>
+                <a:off x="5254240" y="2252001"/>
+                <a:ext cx="3512320" cy="394147"/>
+              </a:xfrm>
+              <a:prstGeom prst="rect">
+                <a:avLst/>
+              </a:prstGeom>
+              <a:blipFill rotWithShape="1">
+                <a:blip r:embed="rId5"/>
+                <a:stretch>
+                  <a:fillRect b="-3077"/>
+                </a:stretch>
+              </a:blipFill>
+            </p:spPr>
+            <p:txBody>
+              <a:bodyPr/>
+              <a:lstStyle/>
+              <a:p>
+                <a:r>
+                  <a:rPr lang="en-US">
+                    <a:noFill/>
+                  </a:rPr>
+                  <a:t> </a:t>
+                </a:r>
+              </a:p>
+            </p:txBody>
+          </p:sp>
+        </mc:Fallback>
+      </mc:AlternateContent>
+    </p:spTree>
+    <p:extLst>
+      <p:ext uri="{BB962C8B-B14F-4D97-AF65-F5344CB8AC3E}">
+        <p14:creationId xmlns:p14="http://schemas.microsoft.com/office/powerpoint/2010/main" val="2435262260"/>
+      </p:ext>
+    </p:extLst>
+  </p:cSld>
+  <p:clrMapOvr>
+    <a:masterClrMapping/>
+  </p:clrMapOvr>
+  <p:timing>
+    <p:tnLst>
+      <p:par>
+        <p:cTn id="1" dur="indefinite" restart="never" nodeType="tmRoot"/>
+      </p:par>
+    </p:tnLst>
+  </p:timing>
+</p:sld>
+</file>
+
+<file path=ppt/slides/slide7.xml><?xml version="1.0" encoding="utf-8"?>
+<p:sld xmlns:a="http://schemas.openxmlformats.org/drawingml/2006/main" xmlns:r="http://schemas.openxmlformats.org/officeDocument/2006/relationships" xmlns:p="http://schemas.openxmlformats.org/presentationml/2006/main">
+  <p:cSld>
+    <p:spTree>
+      <p:nvGrpSpPr>
+        <p:cNvPr id="1" name=""/>
+        <p:cNvGrpSpPr/>
+        <p:nvPr/>
+      </p:nvGrpSpPr>
+      <p:grpSpPr>
+        <a:xfrm>
+          <a:off x="0" y="0"/>
+          <a:ext cx="0" cy="0"/>
+          <a:chOff x="0" y="0"/>
+          <a:chExt cx="0" cy="0"/>
+        </a:xfrm>
+      </p:grpSpPr>
+      <p:sp>
+        <p:nvSpPr>
+          <p:cNvPr id="2" name="Title 1"/>
+          <p:cNvSpPr>
+            <a:spLocks noGrp="1"/>
+          </p:cNvSpPr>
+          <p:nvPr>
+            <p:ph type="title"/>
+          </p:nvPr>
+        </p:nvSpPr>
+        <p:spPr>
+          <a:xfrm>
+            <a:off x="1100470" y="250029"/>
+            <a:ext cx="9905998" cy="1478570"/>
+          </a:xfrm>
+        </p:spPr>
+        <p:txBody>
+          <a:bodyPr/>
+          <a:lstStyle/>
+          <a:p>
+            <a:r>
+              <a:rPr lang="en-US" dirty="0" smtClean="0"/>
+              <a:t>Pneumatic </a:t>
+            </a:r>
+            <a:r>
+              <a:rPr lang="en-US" dirty="0" smtClean="0"/>
+              <a:t>Circuit for single cylinder</a:t>
+            </a:r>
+            <a:endParaRPr lang="en-US" dirty="0"/>
+          </a:p>
+        </p:txBody>
+      </p:sp>
+      <p:pic>
+        <p:nvPicPr>
+          <p:cNvPr id="4" name="Content Placeholder 3" descr="D:\MyDocs\Documents\Classes\AgileRoboticControls\Research\Pneumatic Circuits\Sample Circuit.png"/>
+          <p:cNvPicPr>
+            <a:picLocks noGrp="1"/>
+          </p:cNvPicPr>
+          <p:nvPr>
+            <p:ph idx="1"/>
+          </p:nvPr>
+        </p:nvPicPr>
+        <p:blipFill>
+          <a:blip r:embed="rId2">
+            <a:extLst>
+              <a:ext uri="{28A0092B-C50C-407E-A947-70E740481C1C}">
+                <a14:useLocalDpi xmlns:a14="http://schemas.microsoft.com/office/drawing/2010/main" val="0"/>
+              </a:ext>
+            </a:extLst>
+          </a:blip>
+          <a:srcRect/>
+          <a:stretch>
+            <a:fillRect/>
+          </a:stretch>
+        </p:blipFill>
+        <p:spPr bwMode="auto">
+          <a:xfrm>
+            <a:off x="1023581" y="1583139"/>
+            <a:ext cx="10072049" cy="4219433"/>
+          </a:xfrm>
+          <a:prstGeom prst="rect">
+            <a:avLst/>
+          </a:prstGeom>
+          <a:noFill/>
+          <a:ln>
+            <a:noFill/>
+          </a:ln>
+        </p:spPr>
+      </p:pic>
+      <p:pic>
+        <p:nvPicPr>
+          <p:cNvPr id="5" name="Content Placeholder 3" descr="D:\MyDocs\Documents\Classes\AgileRoboticControls\Research\Pneumatic Circuits\Sample Circuit.png"/>
+          <p:cNvPicPr>
+            <a:picLocks/>
+          </p:cNvPicPr>
+          <p:nvPr/>
+        </p:nvPicPr>
+        <p:blipFill rotWithShape="1">
+          <a:blip r:embed="rId2">
+            <a:extLst>
+              <a:ext uri="{28A0092B-C50C-407E-A947-70E740481C1C}">
+                <a14:useLocalDpi xmlns:a14="http://schemas.microsoft.com/office/drawing/2010/main" val="0"/>
+              </a:ext>
+            </a:extLst>
+          </a:blip>
+          <a:srcRect l="65704" t="40286" r="21823" b="47157"/>
+          <a:stretch/>
+        </p:blipFill>
+        <p:spPr bwMode="auto">
+          <a:xfrm flipV="1">
+            <a:off x="7649669" y="3264494"/>
+            <a:ext cx="1256232" cy="529840"/>
+          </a:xfrm>
+          <a:prstGeom prst="rect">
+            <a:avLst/>
+          </a:prstGeom>
+          <a:noFill/>
+          <a:ln>
+            <a:noFill/>
+          </a:ln>
+        </p:spPr>
+      </p:pic>
+    </p:spTree>
+    <p:extLst>
+      <p:ext uri="{BB962C8B-B14F-4D97-AF65-F5344CB8AC3E}">
+        <p14:creationId xmlns:p14="http://schemas.microsoft.com/office/powerpoint/2010/main" val="939920761"/>
+      </p:ext>
+    </p:extLst>
+  </p:cSld>
+  <p:clrMapOvr>
+    <a:masterClrMapping/>
+  </p:clrMapOvr>
+  <p:timing>
+    <p:tnLst>
+      <p:par>
+        <p:cTn id="1" dur="indefinite" restart="never" nodeType="tmRoot"/>
+      </p:par>
+    </p:tnLst>
+  </p:timing>
+</p:sld>
+</file>
+
+<file path=ppt/slides/slide8.xml><?xml version="1.0" encoding="utf-8"?>
+<p:sld xmlns:a="http://schemas.openxmlformats.org/drawingml/2006/main" xmlns:r="http://schemas.openxmlformats.org/officeDocument/2006/relationships" xmlns:p="http://schemas.openxmlformats.org/presentationml/2006/main">
+  <p:cSld>
+    <p:spTree>
+      <p:nvGrpSpPr>
+        <p:cNvPr id="1" name=""/>
+        <p:cNvGrpSpPr/>
+        <p:nvPr/>
+      </p:nvGrpSpPr>
+      <p:grpSpPr>
+        <a:xfrm>
+          <a:off x="0" y="0"/>
+          <a:ext cx="0" cy="0"/>
+          <a:chOff x="0" y="0"/>
+          <a:chExt cx="0" cy="0"/>
+        </a:xfrm>
+      </p:grpSpPr>
+      <p:sp>
+        <p:nvSpPr>
+          <p:cNvPr id="2" name="Title 1"/>
+          <p:cNvSpPr>
+            <a:spLocks noGrp="1"/>
+          </p:cNvSpPr>
+          <p:nvPr>
+            <p:ph type="title"/>
+          </p:nvPr>
+        </p:nvSpPr>
+        <p:spPr/>
+        <p:txBody>
+          <a:bodyPr/>
+          <a:lstStyle/>
+          <a:p>
+            <a:r>
+              <a:rPr lang="en-US" dirty="0" smtClean="0"/>
+              <a:t>Design Ideas</a:t>
+            </a:r>
+            <a:endParaRPr lang="en-US" dirty="0"/>
+          </a:p>
+        </p:txBody>
+      </p:sp>
+      <p:pic>
+        <p:nvPicPr>
+          <p:cNvPr id="4" name="Picture 3" descr="D:\MyDocs\Documents\Classes\Senior Design\SolidWorks Models\Arachnea.png"/>
+          <p:cNvPicPr/>
+          <p:nvPr/>
+        </p:nvPicPr>
+        <p:blipFill>
+          <a:blip r:embed="rId2">
+            <a:extLst>
+              <a:ext uri="{28A0092B-C50C-407E-A947-70E740481C1C}">
+                <a14:useLocalDpi xmlns:a14="http://schemas.microsoft.com/office/drawing/2010/main" val="0"/>
+              </a:ext>
+            </a:extLst>
+          </a:blip>
+          <a:srcRect/>
+          <a:stretch>
+            <a:fillRect/>
+          </a:stretch>
+        </p:blipFill>
+        <p:spPr bwMode="auto">
+          <a:xfrm>
+            <a:off x="939306" y="1777526"/>
+            <a:ext cx="2470466" cy="2136448"/>
+          </a:xfrm>
+          <a:prstGeom prst="rect">
+            <a:avLst/>
+          </a:prstGeom>
+          <a:noFill/>
+          <a:ln>
+            <a:noFill/>
+          </a:ln>
+        </p:spPr>
+      </p:pic>
+      <p:pic>
+        <p:nvPicPr>
+          <p:cNvPr id="5" name="Picture 4" descr="D:\MyDocs\Desktop\hexbot.png"/>
+          <p:cNvPicPr/>
+          <p:nvPr/>
+        </p:nvPicPr>
+        <p:blipFill>
+          <a:blip r:embed="rId3">
+            <a:extLst>
+              <a:ext uri="{28A0092B-C50C-407E-A947-70E740481C1C}">
+                <a14:useLocalDpi xmlns:a14="http://schemas.microsoft.com/office/drawing/2010/main" val="0"/>
+              </a:ext>
+            </a:extLst>
+          </a:blip>
+          <a:srcRect/>
+          <a:stretch>
+            <a:fillRect/>
+          </a:stretch>
+        </p:blipFill>
+        <p:spPr bwMode="auto">
+          <a:xfrm>
+            <a:off x="3371682" y="3913974"/>
+            <a:ext cx="2470466" cy="2136448"/>
+          </a:xfrm>
+          <a:prstGeom prst="rect">
+            <a:avLst/>
+          </a:prstGeom>
+          <a:noFill/>
+          <a:ln>
+            <a:noFill/>
+          </a:ln>
+        </p:spPr>
+      </p:pic>
+      <p:pic>
+        <p:nvPicPr>
+          <p:cNvPr id="6" name="Picture 5" descr="D:\MyDocs\Documents\Classes\Senior Design\SolidWorks Models\Boxxy.png"/>
+          <p:cNvPicPr/>
+          <p:nvPr/>
+        </p:nvPicPr>
+        <p:blipFill>
+          <a:blip r:embed="rId4">
+            <a:extLst>
+              <a:ext uri="{28A0092B-C50C-407E-A947-70E740481C1C}">
+                <a14:useLocalDpi xmlns:a14="http://schemas.microsoft.com/office/drawing/2010/main" val="0"/>
+              </a:ext>
+            </a:extLst>
+          </a:blip>
+          <a:srcRect/>
+          <a:stretch>
+            <a:fillRect/>
+          </a:stretch>
+        </p:blipFill>
+        <p:spPr bwMode="auto">
+          <a:xfrm>
+            <a:off x="5842148" y="1777526"/>
+            <a:ext cx="2470466" cy="2136448"/>
+          </a:xfrm>
+          <a:prstGeom prst="rect">
+            <a:avLst/>
+          </a:prstGeom>
+          <a:noFill/>
+          <a:ln>
+            <a:noFill/>
+          </a:ln>
+        </p:spPr>
+      </p:pic>
+      <p:pic>
+        <p:nvPicPr>
+          <p:cNvPr id="1026" name="Picture 2"/>
+          <p:cNvPicPr>
+            <a:picLocks noChangeAspect="1" noChangeArrowheads="1"/>
+          </p:cNvPicPr>
+          <p:nvPr/>
+        </p:nvPicPr>
+        <p:blipFill>
+          <a:blip r:embed="rId5">
+            <a:extLst>
+              <a:ext uri="{28A0092B-C50C-407E-A947-70E740481C1C}">
+                <a14:useLocalDpi xmlns:a14="http://schemas.microsoft.com/office/drawing/2010/main" val="0"/>
+              </a:ext>
+            </a:extLst>
+          </a:blip>
+          <a:srcRect/>
+          <a:stretch>
+            <a:fillRect/>
+          </a:stretch>
+        </p:blipFill>
+        <p:spPr bwMode="auto">
+          <a:xfrm>
+            <a:off x="8312614" y="3913974"/>
+            <a:ext cx="2470466" cy="2136448"/>
+          </a:xfrm>
+          <a:prstGeom prst="rect">
+            <a:avLst/>
+          </a:prstGeom>
+          <a:noFill/>
+          <a:ln>
+            <a:noFill/>
+          </a:ln>
+          <a:extLst>
+            <a:ext uri="{909E8E84-426E-40DD-AFC4-6F175D3DCCD1}">
+              <a14:hiddenFill xmlns:a14="http://schemas.microsoft.com/office/drawing/2010/main">
+                <a:solidFill>
+                  <a:schemeClr val="accent1"/>
+                </a:solidFill>
+              </a14:hiddenFill>
+            </a:ext>
+            <a:ext uri="{91240B29-F687-4F45-9708-019B960494DF}">
+              <a14:hiddenLine xmlns:a14="http://schemas.microsoft.com/office/drawing/2010/main" w="9525">
+                <a:solidFill>
+                  <a:schemeClr val="tx1"/>
+                </a:solidFill>
+                <a:miter lim="800000"/>
+                <a:headEnd/>
+                <a:tailEnd/>
+              </a14:hiddenLine>
+            </a:ext>
+          </a:extLst>
+        </p:spPr>
+      </p:pic>
+      <p:sp>
+        <p:nvSpPr>
+          <p:cNvPr id="8" name="TextBox 7"/>
+          <p:cNvSpPr txBox="1"/>
+          <p:nvPr/>
+        </p:nvSpPr>
+        <p:spPr>
+          <a:xfrm>
+            <a:off x="1641091" y="3913974"/>
+            <a:ext cx="1066895" cy="369332"/>
+          </a:xfrm>
+          <a:prstGeom prst="rect">
+            <a:avLst/>
+          </a:prstGeom>
+          <a:noFill/>
+        </p:spPr>
+        <p:txBody>
+          <a:bodyPr wrap="none" rtlCol="0">
+            <a:spAutoFit/>
+          </a:bodyPr>
+          <a:lstStyle/>
+          <a:p>
+            <a:r>
+              <a:rPr lang="en-US" dirty="0" err="1" smtClean="0"/>
+              <a:t>Arachnea</a:t>
+            </a:r>
+            <a:endParaRPr lang="en-US" dirty="0"/>
+          </a:p>
+        </p:txBody>
+      </p:sp>
+      <p:sp>
+        <p:nvSpPr>
+          <p:cNvPr id="9" name="TextBox 8"/>
+          <p:cNvSpPr txBox="1"/>
+          <p:nvPr/>
+        </p:nvSpPr>
+        <p:spPr>
+          <a:xfrm>
+            <a:off x="4117261" y="3544642"/>
+            <a:ext cx="979307" cy="369332"/>
+          </a:xfrm>
+          <a:prstGeom prst="rect">
+            <a:avLst/>
+          </a:prstGeom>
+          <a:noFill/>
+        </p:spPr>
+        <p:txBody>
+          <a:bodyPr wrap="none" rtlCol="0">
+            <a:spAutoFit/>
+          </a:bodyPr>
+          <a:lstStyle/>
+          <a:p>
+            <a:r>
+              <a:rPr lang="en-US" dirty="0" err="1" smtClean="0"/>
+              <a:t>Hexabot</a:t>
+            </a:r>
+            <a:endParaRPr lang="en-US" dirty="0"/>
+          </a:p>
+        </p:txBody>
+      </p:sp>
+      <p:sp>
+        <p:nvSpPr>
+          <p:cNvPr id="10" name="TextBox 9"/>
+          <p:cNvSpPr txBox="1"/>
+          <p:nvPr/>
+        </p:nvSpPr>
+        <p:spPr>
+          <a:xfrm>
+            <a:off x="6699937" y="3912496"/>
+            <a:ext cx="754887" cy="369332"/>
+          </a:xfrm>
+          <a:prstGeom prst="rect">
+            <a:avLst/>
+          </a:prstGeom>
+          <a:noFill/>
+        </p:spPr>
+        <p:txBody>
+          <a:bodyPr wrap="none" rtlCol="0">
+            <a:spAutoFit/>
+          </a:bodyPr>
+          <a:lstStyle/>
+          <a:p>
+            <a:r>
+              <a:rPr lang="en-US" dirty="0" err="1" smtClean="0"/>
+              <a:t>Boxxy</a:t>
+            </a:r>
+            <a:endParaRPr lang="en-US" dirty="0"/>
+          </a:p>
+        </p:txBody>
+      </p:sp>
+      <p:sp>
+        <p:nvSpPr>
+          <p:cNvPr id="11" name="TextBox 10"/>
+          <p:cNvSpPr txBox="1"/>
+          <p:nvPr/>
+        </p:nvSpPr>
+        <p:spPr>
+          <a:xfrm>
+            <a:off x="9062682" y="3543164"/>
+            <a:ext cx="970330" cy="369332"/>
+          </a:xfrm>
+          <a:prstGeom prst="rect">
+            <a:avLst/>
+          </a:prstGeom>
+          <a:noFill/>
+        </p:spPr>
+        <p:txBody>
+          <a:bodyPr wrap="none" rtlCol="0">
+            <a:spAutoFit/>
+          </a:bodyPr>
+          <a:lstStyle/>
+          <a:p>
+            <a:r>
+              <a:rPr lang="en-US" dirty="0" err="1" smtClean="0"/>
+              <a:t>DogeBot</a:t>
+            </a:r>
+            <a:endParaRPr lang="en-US" dirty="0"/>
+          </a:p>
+        </p:txBody>
+      </p:sp>
+    </p:spTree>
+    <p:extLst>
+      <p:ext uri="{BB962C8B-B14F-4D97-AF65-F5344CB8AC3E}">
+        <p14:creationId xmlns:p14="http://schemas.microsoft.com/office/powerpoint/2010/main" val="509074220"/>
+      </p:ext>
+    </p:extLst>
+  </p:cSld>
+  <p:clrMapOvr>
+    <a:masterClrMapping/>
+  </p:clrMapOvr>
+  <p:timing>
+    <p:tnLst>
+      <p:par>
+        <p:cTn id="1" dur="indefinite" restart="never" nodeType="tmRoot"/>
+      </p:par>
+    </p:tnLst>
+  </p:timing>
+</p:sld>
+</file>
+
+<file path=ppt/slides/slide9.xml><?xml version="1.0" encoding="utf-8"?>
+<p:sld xmlns:a="http://schemas.openxmlformats.org/drawingml/2006/main" xmlns:r="http://schemas.openxmlformats.org/officeDocument/2006/relationships" xmlns:p="http://schemas.openxmlformats.org/presentationml/2006/main">
+  <p:cSld>
+    <p:spTree>
+      <p:nvGrpSpPr>
+        <p:cNvPr id="1" name=""/>
+        <p:cNvGrpSpPr/>
+        <p:nvPr/>
+      </p:nvGrpSpPr>
+      <p:grpSpPr>
+        <a:xfrm>
+          <a:off x="0" y="0"/>
+          <a:ext cx="0" cy="0"/>
+          <a:chOff x="0" y="0"/>
+          <a:chExt cx="0" cy="0"/>
+        </a:xfrm>
+      </p:grpSpPr>
+      <p:sp>
+        <p:nvSpPr>
+          <p:cNvPr id="2" name="Title 1"/>
+          <p:cNvSpPr>
+            <a:spLocks noGrp="1"/>
+          </p:cNvSpPr>
+          <p:nvPr>
+            <p:ph type="title"/>
+          </p:nvPr>
+        </p:nvSpPr>
+        <p:spPr/>
+        <p:txBody>
+          <a:bodyPr/>
+          <a:lstStyle/>
+          <a:p>
+            <a:r>
+              <a:rPr lang="en-US" dirty="0" smtClean="0"/>
+              <a:t>Mechanical Design Matrix</a:t>
+            </a:r>
+            <a:endParaRPr lang="en-US" dirty="0"/>
+          </a:p>
+        </p:txBody>
+      </p:sp>
+      <p:pic>
+        <p:nvPicPr>
+          <p:cNvPr id="4" name="Content Placeholder 3" descr="D:\MyDocs\Desktop\Design Matrix.png"/>
+          <p:cNvPicPr>
+            <a:picLocks noGrp="1"/>
+          </p:cNvPicPr>
+          <p:nvPr>
+            <p:ph idx="1"/>
+          </p:nvPr>
+        </p:nvPicPr>
+        <p:blipFill>
+          <a:blip r:embed="rId2">
+            <a:extLst>
+              <a:ext uri="{28A0092B-C50C-407E-A947-70E740481C1C}">
+                <a14:useLocalDpi xmlns:a14="http://schemas.microsoft.com/office/drawing/2010/main" val="0"/>
+              </a:ext>
+            </a:extLst>
+          </a:blip>
+          <a:srcRect/>
+          <a:stretch>
+            <a:fillRect/>
+          </a:stretch>
+        </p:blipFill>
+        <p:spPr bwMode="auto">
+          <a:xfrm>
+            <a:off x="1110953" y="1974079"/>
+            <a:ext cx="9990034" cy="3817121"/>
+          </a:xfrm>
+          <a:prstGeom prst="rect">
+            <a:avLst/>
+          </a:prstGeom>
+          <a:noFill/>
+          <a:ln>
+            <a:noFill/>
+          </a:ln>
+        </p:spPr>
+      </p:pic>
+    </p:spTree>
+    <p:extLst>
+      <p:ext uri="{BB962C8B-B14F-4D97-AF65-F5344CB8AC3E}">
+        <p14:creationId xmlns:p14="http://schemas.microsoft.com/office/powerpoint/2010/main" val="3566725513"/>
+      </p:ext>
+    </p:extLst>
+  </p:cSld>
+  <p:clrMapOvr>
+    <a:masterClrMapping/>
+  </p:clrMapOvr>
+  <p:timing>
+    <p:tnLst>
+      <p:par>
+        <p:cTn id="1" dur="indefinite" restart="never" nodeType="tmRoot"/>
+      </p:par>
+    </p:tnLst>
+  </p:timing>
 </p:sld>
 </file>
 

--- a/Documentation/Presentation/Design Powerpoint.pptx
+++ b/Documentation/Presentation/Design Powerpoint.pptx
@@ -19,11 +19,11 @@
     <p:sldId id="290" r:id="rId13"/>
     <p:sldId id="265" r:id="rId14"/>
     <p:sldId id="266" r:id="rId15"/>
-    <p:sldId id="271" r:id="rId16"/>
-    <p:sldId id="272" r:id="rId17"/>
-    <p:sldId id="273" r:id="rId18"/>
-    <p:sldId id="274" r:id="rId19"/>
-    <p:sldId id="275" r:id="rId20"/>
+    <p:sldId id="291" r:id="rId16"/>
+    <p:sldId id="292" r:id="rId17"/>
+    <p:sldId id="293" r:id="rId18"/>
+    <p:sldId id="294" r:id="rId19"/>
+    <p:sldId id="295" r:id="rId20"/>
     <p:sldId id="263" r:id="rId21"/>
   </p:sldIdLst>
   <p:sldSz cx="12192000" cy="6858000"/>
@@ -12418,44 +12418,30 @@
           <a:p>
             <a:r>
               <a:rPr lang="en-US" dirty="0" smtClean="0"/>
-              <a:t>Logan </a:t>
-            </a:r>
+              <a:t>Logan Beaver - ME</a:t>
+            </a:r>
+          </a:p>
+          <a:p>
             <a:r>
               <a:rPr lang="en-US" dirty="0" smtClean="0"/>
-              <a:t>Beaver - ME</a:t>
+              <a:t>Justin Campbell - ME</a:t>
+            </a:r>
+          </a:p>
+          <a:p>
+            <a:r>
+              <a:rPr lang="en-US" dirty="0" smtClean="0"/>
+              <a:t>Tyler Paddock </a:t>
+            </a:r>
+            <a:r>
+              <a:rPr lang="en-US" dirty="0" smtClean="0"/>
+              <a:t>– CE/EE</a:t>
             </a:r>
             <a:endParaRPr lang="en-US" dirty="0" smtClean="0"/>
           </a:p>
           <a:p>
             <a:r>
               <a:rPr lang="en-US" dirty="0" smtClean="0"/>
-              <a:t>Justin </a:t>
-            </a:r>
-            <a:r>
-              <a:rPr lang="en-US" dirty="0" smtClean="0"/>
-              <a:t>Campbell - ME</a:t>
-            </a:r>
-            <a:endParaRPr lang="en-US" dirty="0" smtClean="0"/>
-          </a:p>
-          <a:p>
-            <a:r>
-              <a:rPr lang="en-US" dirty="0" smtClean="0"/>
-              <a:t>Tyler </a:t>
-            </a:r>
-            <a:r>
-              <a:rPr lang="en-US" dirty="0" smtClean="0"/>
-              <a:t>Paddock - CE</a:t>
-            </a:r>
-            <a:endParaRPr lang="en-US" dirty="0" smtClean="0"/>
-          </a:p>
-          <a:p>
-            <a:r>
-              <a:rPr lang="en-US" dirty="0" smtClean="0"/>
-              <a:t>Ronald </a:t>
-            </a:r>
-            <a:r>
-              <a:rPr lang="en-US" dirty="0" smtClean="0"/>
-              <a:t>Shipman - ME</a:t>
+              <a:t>Ronald Shipman - ME</a:t>
             </a:r>
             <a:endParaRPr lang="en-US" dirty="0"/>
           </a:p>
@@ -14210,7 +14196,6 @@
               <a:rPr lang="en-US" dirty="0" smtClean="0"/>
               <a:t>frame</a:t>
             </a:r>
-            <a:endParaRPr lang="en-US" dirty="0" smtClean="0"/>
           </a:p>
           <a:p>
             <a:r>
@@ -14219,21 +14204,13 @@
             </a:r>
             <a:r>
               <a:rPr lang="en-US" dirty="0" smtClean="0"/>
-              <a:t> </a:t>
-            </a:r>
+              <a:t> Mechanics</a:t>
+            </a:r>
+          </a:p>
+          <a:p>
             <a:r>
               <a:rPr lang="en-US" dirty="0" smtClean="0"/>
-              <a:t>Mechanics</a:t>
-            </a:r>
-          </a:p>
-          <a:p>
-            <a:r>
-              <a:rPr lang="en-US" dirty="0" smtClean="0"/>
-              <a:t>Arbitrary </a:t>
-            </a:r>
-            <a:r>
-              <a:rPr lang="en-US" dirty="0" smtClean="0"/>
-              <a:t>global reference frame</a:t>
+              <a:t>Arbitrary global reference frame</a:t>
             </a:r>
           </a:p>
           <a:p>
@@ -14770,7 +14747,12 @@
             <p:ph type="title"/>
           </p:nvPr>
         </p:nvSpPr>
-        <p:spPr/>
+        <p:spPr>
+          <a:xfrm>
+            <a:off x="1141413" y="365426"/>
+            <a:ext cx="9905998" cy="1478570"/>
+          </a:xfrm>
+        </p:spPr>
         <p:txBody>
           <a:bodyPr>
             <a:normAutofit/>
@@ -14797,7 +14779,7 @@
         </p:nvSpPr>
         <p:spPr>
           <a:xfrm>
-            <a:off x="1141412" y="2249486"/>
+            <a:off x="1141412" y="1843996"/>
             <a:ext cx="9905999" cy="4265613"/>
           </a:xfrm>
         </p:spPr>
@@ -14815,26 +14797,26 @@
           <a:p>
             <a:r>
               <a:rPr lang="en-US" sz="2800" dirty="0" smtClean="0"/>
-              <a:t>Software: MATLAB/Simulink and associated CODER software</a:t>
-            </a:r>
+              <a:t>Software: MATLAB/Simulink </a:t>
+            </a:r>
+            <a:r>
+              <a:rPr lang="en-US" sz="2800" dirty="0"/>
+              <a:t>model of the control is developed and </a:t>
+            </a:r>
+            <a:endParaRPr lang="en-US" sz="2800" dirty="0" smtClean="0"/>
           </a:p>
           <a:p>
             <a:r>
               <a:rPr lang="en-US" sz="2800" dirty="0" smtClean="0"/>
-              <a:t>Simulink model of the control is developed and then C code is generated for the target hardware</a:t>
+              <a:t>Hardware: Arduino Mega 2560</a:t>
             </a:r>
           </a:p>
           <a:p>
             <a:r>
               <a:rPr lang="en-US" sz="2800" dirty="0" smtClean="0"/>
-              <a:t>Current hardware is an Arduino Mega 2560</a:t>
-            </a:r>
-          </a:p>
-          <a:p>
-            <a:r>
-              <a:rPr lang="en-US" sz="2800" dirty="0"/>
-              <a:t>The feedback in the control loop will be a position feedback from the cylinder</a:t>
-            </a:r>
+              <a:t>Control Feedback: Position feedback from the pneumatic cylinders</a:t>
+            </a:r>
+            <a:endParaRPr lang="en-US" sz="2800" dirty="0"/>
           </a:p>
           <a:p>
             <a:endParaRPr lang="en-US" sz="2800" dirty="0"/>
@@ -14844,20 +14826,13 @@
     </p:spTree>
     <p:extLst>
       <p:ext uri="{BB962C8B-B14F-4D97-AF65-F5344CB8AC3E}">
-        <p14:creationId xmlns:p14="http://schemas.microsoft.com/office/powerpoint/2010/main" val="3213992839"/>
+        <p14:creationId xmlns:p14="http://schemas.microsoft.com/office/powerpoint/2010/main" val="352693227"/>
       </p:ext>
     </p:extLst>
   </p:cSld>
   <p:clrMapOvr>
     <a:masterClrMapping/>
   </p:clrMapOvr>
-  <p:timing>
-    <p:tnLst>
-      <p:par>
-        <p:cTn id="1" dur="indefinite" restart="never" nodeType="tmRoot"/>
-      </p:par>
-    </p:tnLst>
-  </p:timing>
 </p:sld>
 </file>
 
@@ -14878,9 +14853,39 @@
           <a:chExt cx="0" cy="0"/>
         </a:xfrm>
       </p:grpSpPr>
+      <p:pic>
+        <p:nvPicPr>
+          <p:cNvPr id="4" name="Picture 3"/>
+          <p:cNvPicPr>
+            <a:picLocks noChangeAspect="1"/>
+          </p:cNvPicPr>
+          <p:nvPr/>
+        </p:nvPicPr>
+        <p:blipFill>
+          <a:blip r:embed="rId2">
+            <a:extLst>
+              <a:ext uri="{28A0092B-C50C-407E-A947-70E740481C1C}">
+                <a14:useLocalDpi xmlns:a14="http://schemas.microsoft.com/office/drawing/2010/main" val="0"/>
+              </a:ext>
+            </a:extLst>
+          </a:blip>
+          <a:stretch>
+            <a:fillRect/>
+          </a:stretch>
+        </p:blipFill>
+        <p:spPr>
+          <a:xfrm>
+            <a:off x="411074" y="2110577"/>
+            <a:ext cx="11441882" cy="2551230"/>
+          </a:xfrm>
+          <a:prstGeom prst="rect">
+            <a:avLst/>
+          </a:prstGeom>
+        </p:spPr>
+      </p:pic>
       <p:sp>
         <p:nvSpPr>
-          <p:cNvPr id="2" name="Title 1"/>
+          <p:cNvPr id="5" name="Title 1"/>
           <p:cNvSpPr>
             <a:spLocks noGrp="1"/>
           </p:cNvSpPr>
@@ -14888,55 +14893,36 @@
             <p:ph type="title"/>
           </p:nvPr>
         </p:nvSpPr>
-        <p:spPr/>
+        <p:spPr>
+          <a:xfrm>
+            <a:off x="1179016" y="438904"/>
+            <a:ext cx="9905998" cy="1478570"/>
+          </a:xfrm>
+        </p:spPr>
         <p:txBody>
-          <a:bodyPr/>
+          <a:bodyPr>
+            <a:normAutofit/>
+          </a:bodyPr>
           <a:lstStyle/>
           <a:p>
-            <a:endParaRPr lang="en-US"/>
-          </a:p>
-        </p:txBody>
-      </p:sp>
-      <p:sp>
-        <p:nvSpPr>
-          <p:cNvPr id="3" name="Content Placeholder 2"/>
-          <p:cNvSpPr>
-            <a:spLocks noGrp="1"/>
-          </p:cNvSpPr>
-          <p:nvPr>
-            <p:ph idx="1"/>
-          </p:nvPr>
-        </p:nvSpPr>
-        <p:spPr/>
-        <p:txBody>
-          <a:bodyPr/>
-          <a:lstStyle/>
-          <a:p>
-            <a:r>
-              <a:rPr lang="en-US" dirty="0" smtClean="0"/>
-              <a:t>&lt;Picture of Simulink model with PIDs&gt;</a:t>
-            </a:r>
-            <a:endParaRPr lang="en-US" dirty="0"/>
+            <a:r>
+              <a:rPr lang="en-US" sz="4000" dirty="0" smtClean="0"/>
+              <a:t>PID Model</a:t>
+            </a:r>
+            <a:endParaRPr lang="en-US" sz="4000" dirty="0"/>
           </a:p>
         </p:txBody>
       </p:sp>
     </p:spTree>
     <p:extLst>
       <p:ext uri="{BB962C8B-B14F-4D97-AF65-F5344CB8AC3E}">
-        <p14:creationId xmlns:p14="http://schemas.microsoft.com/office/powerpoint/2010/main" val="3175501738"/>
+        <p14:creationId xmlns:p14="http://schemas.microsoft.com/office/powerpoint/2010/main" val="3994524022"/>
       </p:ext>
     </p:extLst>
   </p:cSld>
   <p:clrMapOvr>
     <a:masterClrMapping/>
   </p:clrMapOvr>
-  <p:timing>
-    <p:tnLst>
-      <p:par>
-        <p:cTn id="1" dur="indefinite" restart="never" nodeType="tmRoot"/>
-      </p:par>
-    </p:tnLst>
-  </p:timing>
 </p:sld>
 </file>
 
@@ -15028,23 +15014,46 @@
           </a:p>
         </p:txBody>
       </p:sp>
+      <p:pic>
+        <p:nvPicPr>
+          <p:cNvPr id="5" name="Picture 4"/>
+          <p:cNvPicPr>
+            <a:picLocks noChangeAspect="1"/>
+          </p:cNvPicPr>
+          <p:nvPr/>
+        </p:nvPicPr>
+        <p:blipFill>
+          <a:blip r:embed="rId2">
+            <a:extLst>
+              <a:ext uri="{28A0092B-C50C-407E-A947-70E740481C1C}">
+                <a14:useLocalDpi xmlns:a14="http://schemas.microsoft.com/office/drawing/2010/main" val="0"/>
+              </a:ext>
+            </a:extLst>
+          </a:blip>
+          <a:stretch>
+            <a:fillRect/>
+          </a:stretch>
+        </p:blipFill>
+        <p:spPr>
+          <a:xfrm>
+            <a:off x="1361052" y="4406189"/>
+            <a:ext cx="9466718" cy="2304854"/>
+          </a:xfrm>
+          <a:prstGeom prst="rect">
+            <a:avLst/>
+          </a:prstGeom>
+        </p:spPr>
+      </p:pic>
     </p:spTree>
     <p:extLst>
       <p:ext uri="{BB962C8B-B14F-4D97-AF65-F5344CB8AC3E}">
-        <p14:creationId xmlns:p14="http://schemas.microsoft.com/office/powerpoint/2010/main" val="3380542292"/>
+        <p14:creationId xmlns:p14="http://schemas.microsoft.com/office/powerpoint/2010/main" val="1554634251"/>
       </p:ext>
     </p:extLst>
   </p:cSld>
   <p:clrMapOvr>
     <a:masterClrMapping/>
   </p:clrMapOvr>
-  <p:timing>
-    <p:tnLst>
-      <p:par>
-        <p:cTn id="1" dur="indefinite" restart="never" nodeType="tmRoot"/>
-      </p:par>
-    </p:tnLst>
-  </p:timing>
 </p:sld>
 </file>
 
@@ -15209,20 +15218,13 @@
     </p:spTree>
     <p:extLst>
       <p:ext uri="{BB962C8B-B14F-4D97-AF65-F5344CB8AC3E}">
-        <p14:creationId xmlns:p14="http://schemas.microsoft.com/office/powerpoint/2010/main" val="1403694238"/>
+        <p14:creationId xmlns:p14="http://schemas.microsoft.com/office/powerpoint/2010/main" val="3055334591"/>
       </p:ext>
     </p:extLst>
   </p:cSld>
   <p:clrMapOvr>
     <a:masterClrMapping/>
   </p:clrMapOvr>
-  <p:timing>
-    <p:tnLst>
-      <p:par>
-        <p:cTn id="1" dur="indefinite" restart="never" nodeType="tmRoot"/>
-      </p:par>
-    </p:tnLst>
-  </p:timing>
 </p:sld>
 </file>
 
@@ -15260,11 +15262,7 @@
           <a:p>
             <a:r>
               <a:rPr lang="en-US" dirty="0" smtClean="0"/>
-              <a:t>What’s Next</a:t>
-            </a:r>
-            <a:r>
-              <a:rPr lang="en-US" dirty="0" smtClean="0"/>
-              <a:t>?</a:t>
+              <a:t>What’s Next?</a:t>
             </a:r>
             <a:endParaRPr lang="en-US" dirty="0"/>
           </a:p>
@@ -15339,7 +15337,7 @@
     </p:spTree>
     <p:extLst>
       <p:ext uri="{BB962C8B-B14F-4D97-AF65-F5344CB8AC3E}">
-        <p14:creationId xmlns:p14="http://schemas.microsoft.com/office/powerpoint/2010/main" val="3609837094"/>
+        <p14:creationId xmlns:p14="http://schemas.microsoft.com/office/powerpoint/2010/main" val="2716787533"/>
       </p:ext>
     </p:extLst>
   </p:cSld>
@@ -17467,11 +17465,7 @@
           <a:p>
             <a:r>
               <a:rPr lang="en-US" dirty="0" smtClean="0"/>
-              <a:t>Pneumatic </a:t>
-            </a:r>
-            <a:r>
-              <a:rPr lang="en-US" dirty="0" smtClean="0"/>
-              <a:t>Circuit for single cylinder</a:t>
+              <a:t>Pneumatic Circuit for single cylinder</a:t>
             </a:r>
             <a:endParaRPr lang="en-US" dirty="0"/>
           </a:p>

--- a/Documentation/Presentation/Design Powerpoint.pptx
+++ b/Documentation/Presentation/Design Powerpoint.pptx
@@ -4424,7 +4424,7 @@
           <a:p>
             <a:fld id="{48A87A34-81AB-432B-8DAE-1953F412C126}" type="datetimeFigureOut">
               <a:rPr lang="en-US" dirty="0"/>
-              <a:t>1/12/2015</a:t>
+              <a:t>1/13/2015</a:t>
             </a:fld>
             <a:endParaRPr lang="en-US" dirty="0"/>
           </a:p>
@@ -4686,7 +4686,7 @@
           <a:p>
             <a:fld id="{48A87A34-81AB-432B-8DAE-1953F412C126}" type="datetimeFigureOut">
               <a:rPr lang="en-US" dirty="0"/>
-              <a:t>1/12/2015</a:t>
+              <a:t>1/13/2015</a:t>
             </a:fld>
             <a:endParaRPr lang="en-US" dirty="0"/>
           </a:p>
@@ -4877,7 +4877,7 @@
           <a:p>
             <a:fld id="{48A87A34-81AB-432B-8DAE-1953F412C126}" type="datetimeFigureOut">
               <a:rPr lang="en-US" dirty="0"/>
-              <a:t>1/12/2015</a:t>
+              <a:t>1/13/2015</a:t>
             </a:fld>
             <a:endParaRPr lang="en-US" dirty="0"/>
           </a:p>
@@ -5135,7 +5135,7 @@
           <a:p>
             <a:fld id="{48A87A34-81AB-432B-8DAE-1953F412C126}" type="datetimeFigureOut">
               <a:rPr lang="en-US" dirty="0"/>
-              <a:t>1/12/2015</a:t>
+              <a:t>1/13/2015</a:t>
             </a:fld>
             <a:endParaRPr lang="en-US" dirty="0"/>
           </a:p>
@@ -5564,7 +5564,7 @@
           <a:p>
             <a:fld id="{48A87A34-81AB-432B-8DAE-1953F412C126}" type="datetimeFigureOut">
               <a:rPr lang="en-US" dirty="0"/>
-              <a:t>1/12/2015</a:t>
+              <a:t>1/13/2015</a:t>
             </a:fld>
             <a:endParaRPr lang="en-US" dirty="0"/>
           </a:p>
@@ -6105,7 +6105,7 @@
           <a:p>
             <a:fld id="{48A87A34-81AB-432B-8DAE-1953F412C126}" type="datetimeFigureOut">
               <a:rPr lang="en-US" dirty="0"/>
-              <a:t>1/12/2015</a:t>
+              <a:t>1/13/2015</a:t>
             </a:fld>
             <a:endParaRPr lang="en-US" dirty="0"/>
           </a:p>
@@ -6820,7 +6820,7 @@
           <a:p>
             <a:fld id="{48A87A34-81AB-432B-8DAE-1953F412C126}" type="datetimeFigureOut">
               <a:rPr lang="en-US" dirty="0"/>
-              <a:t>1/12/2015</a:t>
+              <a:t>1/13/2015</a:t>
             </a:fld>
             <a:endParaRPr lang="en-US" dirty="0"/>
           </a:p>
@@ -6985,7 +6985,7 @@
           <a:p>
             <a:fld id="{48A87A34-81AB-432B-8DAE-1953F412C126}" type="datetimeFigureOut">
               <a:rPr lang="en-US" dirty="0"/>
-              <a:t>1/12/2015</a:t>
+              <a:t>1/13/2015</a:t>
             </a:fld>
             <a:endParaRPr lang="en-US" dirty="0"/>
           </a:p>
@@ -7160,7 +7160,7 @@
           <a:p>
             <a:fld id="{48A87A34-81AB-432B-8DAE-1953F412C126}" type="datetimeFigureOut">
               <a:rPr lang="en-US" dirty="0"/>
-              <a:t>1/12/2015</a:t>
+              <a:t>1/13/2015</a:t>
             </a:fld>
             <a:endParaRPr lang="en-US" dirty="0"/>
           </a:p>
@@ -7325,7 +7325,7 @@
           <a:p>
             <a:fld id="{48A87A34-81AB-432B-8DAE-1953F412C126}" type="datetimeFigureOut">
               <a:rPr lang="en-US" dirty="0"/>
-              <a:t>1/12/2015</a:t>
+              <a:t>1/13/2015</a:t>
             </a:fld>
             <a:endParaRPr lang="en-US" dirty="0"/>
           </a:p>
@@ -7570,7 +7570,7 @@
           <a:p>
             <a:fld id="{48A87A34-81AB-432B-8DAE-1953F412C126}" type="datetimeFigureOut">
               <a:rPr lang="en-US" dirty="0"/>
-              <a:t>1/12/2015</a:t>
+              <a:t>1/13/2015</a:t>
             </a:fld>
             <a:endParaRPr lang="en-US" dirty="0"/>
           </a:p>
@@ -7797,7 +7797,7 @@
           <a:p>
             <a:fld id="{48A87A34-81AB-432B-8DAE-1953F412C126}" type="datetimeFigureOut">
               <a:rPr lang="en-US" dirty="0"/>
-              <a:t>1/12/2015</a:t>
+              <a:t>1/13/2015</a:t>
             </a:fld>
             <a:endParaRPr lang="en-US" dirty="0"/>
           </a:p>
@@ -8173,7 +8173,7 @@
           <a:p>
             <a:fld id="{48A87A34-81AB-432B-8DAE-1953F412C126}" type="datetimeFigureOut">
               <a:rPr lang="en-US" dirty="0"/>
-              <a:t>1/12/2015</a:t>
+              <a:t>1/13/2015</a:t>
             </a:fld>
             <a:endParaRPr lang="en-US" dirty="0"/>
           </a:p>
@@ -8286,7 +8286,7 @@
           <a:p>
             <a:fld id="{48A87A34-81AB-432B-8DAE-1953F412C126}" type="datetimeFigureOut">
               <a:rPr lang="en-US" dirty="0"/>
-              <a:t>1/12/2015</a:t>
+              <a:t>1/13/2015</a:t>
             </a:fld>
             <a:endParaRPr lang="en-US" dirty="0"/>
           </a:p>
@@ -8376,7 +8376,7 @@
           <a:p>
             <a:fld id="{48A87A34-81AB-432B-8DAE-1953F412C126}" type="datetimeFigureOut">
               <a:rPr lang="en-US" dirty="0"/>
-              <a:t>1/12/2015</a:t>
+              <a:t>1/13/2015</a:t>
             </a:fld>
             <a:endParaRPr lang="en-US" dirty="0"/>
           </a:p>
@@ -8620,7 +8620,7 @@
           <a:p>
             <a:fld id="{48A87A34-81AB-432B-8DAE-1953F412C126}" type="datetimeFigureOut">
               <a:rPr lang="en-US" dirty="0"/>
-              <a:t>1/12/2015</a:t>
+              <a:t>1/13/2015</a:t>
             </a:fld>
             <a:endParaRPr lang="en-US" dirty="0"/>
           </a:p>
@@ -8895,7 +8895,7 @@
           <a:p>
             <a:fld id="{48A87A34-81AB-432B-8DAE-1953F412C126}" type="datetimeFigureOut">
               <a:rPr lang="en-US" dirty="0"/>
-              <a:t>1/12/2015</a:t>
+              <a:t>1/13/2015</a:t>
             </a:fld>
             <a:endParaRPr lang="en-US" dirty="0"/>
           </a:p>
@@ -11958,7 +11958,7 @@
             <a:fld id="{48A87A34-81AB-432B-8DAE-1953F412C126}" type="datetimeFigureOut">
               <a:rPr lang="en-US" dirty="0"/>
               <a:pPr/>
-              <a:t>1/12/2015</a:t>
+              <a:t>1/13/2015</a:t>
             </a:fld>
             <a:endParaRPr lang="en-US" dirty="0"/>
           </a:p>
@@ -12409,16 +12409,31 @@
             <p:ph type="subTitle" idx="1"/>
           </p:nvPr>
         </p:nvSpPr>
-        <p:spPr/>
+        <p:spPr>
+          <a:xfrm>
+            <a:off x="1982559" y="3593874"/>
+            <a:ext cx="8791575" cy="2578326"/>
+          </a:xfrm>
+        </p:spPr>
         <p:txBody>
           <a:bodyPr>
-            <a:normAutofit fontScale="92500" lnSpcReduction="20000"/>
+            <a:normAutofit/>
           </a:bodyPr>
           <a:lstStyle/>
           <a:p>
             <a:r>
               <a:rPr lang="en-US" dirty="0" smtClean="0"/>
-              <a:t>Logan Beaver - ME</a:t>
+              <a:t>Advisor: Dr. Rodriguez</a:t>
+            </a:r>
+          </a:p>
+          <a:p>
+            <a:r>
+              <a:rPr lang="en-US" dirty="0" smtClean="0"/>
+              <a:t>Logan </a:t>
+            </a:r>
+            <a:r>
+              <a:rPr lang="en-US" dirty="0" smtClean="0"/>
+              <a:t>Beaver - ME</a:t>
             </a:r>
           </a:p>
           <a:p>
@@ -12430,19 +12445,20 @@
           <a:p>
             <a:r>
               <a:rPr lang="en-US" dirty="0" smtClean="0"/>
-              <a:t>Tyler Paddock </a:t>
-            </a:r>
+              <a:t>Tyler Paddock – CE/EE</a:t>
+            </a:r>
+          </a:p>
+          <a:p>
             <a:r>
               <a:rPr lang="en-US" dirty="0" smtClean="0"/>
-              <a:t>– CE/EE</a:t>
-            </a:r>
-            <a:endParaRPr lang="en-US" dirty="0" smtClean="0"/>
-          </a:p>
-          <a:p>
+              <a:t>Ronald Shipman </a:t>
+            </a:r>
             <a:r>
               <a:rPr lang="en-US" dirty="0" smtClean="0"/>
-              <a:t>Ronald Shipman - ME</a:t>
-            </a:r>
+              <a:t>– ME</a:t>
+            </a:r>
+          </a:p>
+          <a:p>
             <a:endParaRPr lang="en-US" dirty="0"/>
           </a:p>
         </p:txBody>

--- a/Documentation/Presentation/Design Powerpoint.pptx
+++ b/Documentation/Presentation/Design Powerpoint.pptx
@@ -4424,7 +4424,7 @@
           <a:p>
             <a:fld id="{48A87A34-81AB-432B-8DAE-1953F412C126}" type="datetimeFigureOut">
               <a:rPr lang="en-US" dirty="0"/>
-              <a:t>1/12/2015</a:t>
+              <a:t>1/13/2015</a:t>
             </a:fld>
             <a:endParaRPr lang="en-US" dirty="0"/>
           </a:p>
@@ -4686,7 +4686,7 @@
           <a:p>
             <a:fld id="{48A87A34-81AB-432B-8DAE-1953F412C126}" type="datetimeFigureOut">
               <a:rPr lang="en-US" dirty="0"/>
-              <a:t>1/12/2015</a:t>
+              <a:t>1/13/2015</a:t>
             </a:fld>
             <a:endParaRPr lang="en-US" dirty="0"/>
           </a:p>
@@ -4877,7 +4877,7 @@
           <a:p>
             <a:fld id="{48A87A34-81AB-432B-8DAE-1953F412C126}" type="datetimeFigureOut">
               <a:rPr lang="en-US" dirty="0"/>
-              <a:t>1/12/2015</a:t>
+              <a:t>1/13/2015</a:t>
             </a:fld>
             <a:endParaRPr lang="en-US" dirty="0"/>
           </a:p>
@@ -5135,7 +5135,7 @@
           <a:p>
             <a:fld id="{48A87A34-81AB-432B-8DAE-1953F412C126}" type="datetimeFigureOut">
               <a:rPr lang="en-US" dirty="0"/>
-              <a:t>1/12/2015</a:t>
+              <a:t>1/13/2015</a:t>
             </a:fld>
             <a:endParaRPr lang="en-US" dirty="0"/>
           </a:p>
@@ -5564,7 +5564,7 @@
           <a:p>
             <a:fld id="{48A87A34-81AB-432B-8DAE-1953F412C126}" type="datetimeFigureOut">
               <a:rPr lang="en-US" dirty="0"/>
-              <a:t>1/12/2015</a:t>
+              <a:t>1/13/2015</a:t>
             </a:fld>
             <a:endParaRPr lang="en-US" dirty="0"/>
           </a:p>
@@ -6105,7 +6105,7 @@
           <a:p>
             <a:fld id="{48A87A34-81AB-432B-8DAE-1953F412C126}" type="datetimeFigureOut">
               <a:rPr lang="en-US" dirty="0"/>
-              <a:t>1/12/2015</a:t>
+              <a:t>1/13/2015</a:t>
             </a:fld>
             <a:endParaRPr lang="en-US" dirty="0"/>
           </a:p>
@@ -6820,7 +6820,7 @@
           <a:p>
             <a:fld id="{48A87A34-81AB-432B-8DAE-1953F412C126}" type="datetimeFigureOut">
               <a:rPr lang="en-US" dirty="0"/>
-              <a:t>1/12/2015</a:t>
+              <a:t>1/13/2015</a:t>
             </a:fld>
             <a:endParaRPr lang="en-US" dirty="0"/>
           </a:p>
@@ -6985,7 +6985,7 @@
           <a:p>
             <a:fld id="{48A87A34-81AB-432B-8DAE-1953F412C126}" type="datetimeFigureOut">
               <a:rPr lang="en-US" dirty="0"/>
-              <a:t>1/12/2015</a:t>
+              <a:t>1/13/2015</a:t>
             </a:fld>
             <a:endParaRPr lang="en-US" dirty="0"/>
           </a:p>
@@ -7160,7 +7160,7 @@
           <a:p>
             <a:fld id="{48A87A34-81AB-432B-8DAE-1953F412C126}" type="datetimeFigureOut">
               <a:rPr lang="en-US" dirty="0"/>
-              <a:t>1/12/2015</a:t>
+              <a:t>1/13/2015</a:t>
             </a:fld>
             <a:endParaRPr lang="en-US" dirty="0"/>
           </a:p>
@@ -7325,7 +7325,7 @@
           <a:p>
             <a:fld id="{48A87A34-81AB-432B-8DAE-1953F412C126}" type="datetimeFigureOut">
               <a:rPr lang="en-US" dirty="0"/>
-              <a:t>1/12/2015</a:t>
+              <a:t>1/13/2015</a:t>
             </a:fld>
             <a:endParaRPr lang="en-US" dirty="0"/>
           </a:p>
@@ -7570,7 +7570,7 @@
           <a:p>
             <a:fld id="{48A87A34-81AB-432B-8DAE-1953F412C126}" type="datetimeFigureOut">
               <a:rPr lang="en-US" dirty="0"/>
-              <a:t>1/12/2015</a:t>
+              <a:t>1/13/2015</a:t>
             </a:fld>
             <a:endParaRPr lang="en-US" dirty="0"/>
           </a:p>
@@ -7797,7 +7797,7 @@
           <a:p>
             <a:fld id="{48A87A34-81AB-432B-8DAE-1953F412C126}" type="datetimeFigureOut">
               <a:rPr lang="en-US" dirty="0"/>
-              <a:t>1/12/2015</a:t>
+              <a:t>1/13/2015</a:t>
             </a:fld>
             <a:endParaRPr lang="en-US" dirty="0"/>
           </a:p>
@@ -8173,7 +8173,7 @@
           <a:p>
             <a:fld id="{48A87A34-81AB-432B-8DAE-1953F412C126}" type="datetimeFigureOut">
               <a:rPr lang="en-US" dirty="0"/>
-              <a:t>1/12/2015</a:t>
+              <a:t>1/13/2015</a:t>
             </a:fld>
             <a:endParaRPr lang="en-US" dirty="0"/>
           </a:p>
@@ -8286,7 +8286,7 @@
           <a:p>
             <a:fld id="{48A87A34-81AB-432B-8DAE-1953F412C126}" type="datetimeFigureOut">
               <a:rPr lang="en-US" dirty="0"/>
-              <a:t>1/12/2015</a:t>
+              <a:t>1/13/2015</a:t>
             </a:fld>
             <a:endParaRPr lang="en-US" dirty="0"/>
           </a:p>
@@ -8376,7 +8376,7 @@
           <a:p>
             <a:fld id="{48A87A34-81AB-432B-8DAE-1953F412C126}" type="datetimeFigureOut">
               <a:rPr lang="en-US" dirty="0"/>
-              <a:t>1/12/2015</a:t>
+              <a:t>1/13/2015</a:t>
             </a:fld>
             <a:endParaRPr lang="en-US" dirty="0"/>
           </a:p>
@@ -8620,7 +8620,7 @@
           <a:p>
             <a:fld id="{48A87A34-81AB-432B-8DAE-1953F412C126}" type="datetimeFigureOut">
               <a:rPr lang="en-US" dirty="0"/>
-              <a:t>1/12/2015</a:t>
+              <a:t>1/13/2015</a:t>
             </a:fld>
             <a:endParaRPr lang="en-US" dirty="0"/>
           </a:p>
@@ -8895,7 +8895,7 @@
           <a:p>
             <a:fld id="{48A87A34-81AB-432B-8DAE-1953F412C126}" type="datetimeFigureOut">
               <a:rPr lang="en-US" dirty="0"/>
-              <a:t>1/12/2015</a:t>
+              <a:t>1/13/2015</a:t>
             </a:fld>
             <a:endParaRPr lang="en-US" dirty="0"/>
           </a:p>
@@ -11958,7 +11958,7 @@
             <a:fld id="{48A87A34-81AB-432B-8DAE-1953F412C126}" type="datetimeFigureOut">
               <a:rPr lang="en-US" dirty="0"/>
               <a:pPr/>
-              <a:t>1/12/2015</a:t>
+              <a:t>1/13/2015</a:t>
             </a:fld>
             <a:endParaRPr lang="en-US" dirty="0"/>
           </a:p>
@@ -12409,10 +12409,15 @@
             <p:ph type="subTitle" idx="1"/>
           </p:nvPr>
         </p:nvSpPr>
-        <p:spPr/>
+        <p:spPr>
+          <a:xfrm>
+            <a:off x="1876424" y="3602037"/>
+            <a:ext cx="8791575" cy="2401947"/>
+          </a:xfrm>
+        </p:spPr>
         <p:txBody>
           <a:bodyPr>
-            <a:normAutofit fontScale="92500" lnSpcReduction="20000"/>
+            <a:normAutofit lnSpcReduction="10000"/>
           </a:bodyPr>
           <a:lstStyle/>
           <a:p>
@@ -12430,18 +12435,31 @@
           <a:p>
             <a:r>
               <a:rPr lang="en-US" dirty="0" smtClean="0"/>
-              <a:t>Tyler Paddock </a:t>
-            </a:r>
+              <a:t>Tyler Paddock – CE/EE</a:t>
+            </a:r>
+          </a:p>
+          <a:p>
             <a:r>
               <a:rPr lang="en-US" dirty="0" smtClean="0"/>
-              <a:t>– CE/EE</a:t>
-            </a:r>
-            <a:endParaRPr lang="en-US" dirty="0" smtClean="0"/>
-          </a:p>
-          <a:p>
+              <a:t>Ronald Shipman </a:t>
+            </a:r>
             <a:r>
               <a:rPr lang="en-US" dirty="0" smtClean="0"/>
-              <a:t>Ronald Shipman - ME</a:t>
+              <a:t>– ME</a:t>
+            </a:r>
+          </a:p>
+          <a:p>
+            <a:r>
+              <a:rPr lang="en-US" dirty="0" smtClean="0"/>
+              <a:t>Dr</a:t>
+            </a:r>
+            <a:r>
+              <a:rPr lang="en-US" dirty="0"/>
+              <a:t>.</a:t>
+            </a:r>
+            <a:r>
+              <a:rPr lang="en-US" dirty="0" smtClean="0"/>
+              <a:t> Luis Rodriguez – advisor</a:t>
             </a:r>
             <a:endParaRPr lang="en-US" dirty="0"/>
           </a:p>
@@ -13107,8 +13125,8 @@
           </a:p>
         </p:txBody>
       </p:sp>
-      <mc:AlternateContent xmlns:mc="http://schemas.openxmlformats.org/markup-compatibility/2006" xmlns:a14="http://schemas.microsoft.com/office/drawing/2010/main">
-        <mc:Choice Requires="a14">
+      <mc:AlternateContent xmlns:mc="http://schemas.openxmlformats.org/markup-compatibility/2006">
+        <mc:Choice xmlns:a14="http://schemas.microsoft.com/office/drawing/2010/main" Requires="a14">
           <p:sp>
             <p:nvSpPr>
               <p:cNvPr id="10" name="Content Placeholder 2"/>
@@ -13344,362 +13362,461 @@
                         <m:rPr>
                           <m:nor/>
                         </m:rPr>
-                        <a:rPr lang="en-US" dirty="0"/>
+                        <a:rPr lang="en-US" dirty="0">
+                          <a:latin typeface="Cambria Math" panose="02040503050406030204" pitchFamily="18" charset="0"/>
+                        </a:rPr>
                         <m:t>LH</m:t>
                       </m:r>
                       <m:r>
                         <m:rPr>
                           <m:nor/>
                         </m:rPr>
-                        <a:rPr lang="en-US" dirty="0"/>
+                        <a:rPr lang="en-US" dirty="0">
+                          <a:latin typeface="Cambria Math" panose="02040503050406030204" pitchFamily="18" charset="0"/>
+                        </a:rPr>
                         <m:t>4∗</m:t>
                       </m:r>
                       <m:r>
                         <m:rPr>
                           <m:nor/>
                         </m:rPr>
-                        <a:rPr lang="en-US" dirty="0"/>
+                        <a:rPr lang="en-US" dirty="0">
+                          <a:latin typeface="Cambria Math" panose="02040503050406030204" pitchFamily="18" charset="0"/>
+                        </a:rPr>
                         <m:t>cos</m:t>
                       </m:r>
                       <m:r>
                         <m:rPr>
                           <m:nor/>
                         </m:rPr>
-                        <a:rPr lang="en-US" dirty="0"/>
+                        <a:rPr lang="en-US" dirty="0">
+                          <a:latin typeface="Cambria Math" panose="02040503050406030204" pitchFamily="18" charset="0"/>
+                        </a:rPr>
                         <m:t>(</m:t>
                       </m:r>
                       <m:r>
                         <m:rPr>
                           <m:nor/>
                         </m:rPr>
-                        <a:rPr lang="en-US" dirty="0"/>
+                        <a:rPr lang="en-US" dirty="0">
+                          <a:latin typeface="Cambria Math" panose="02040503050406030204" pitchFamily="18" charset="0"/>
+                        </a:rPr>
                         <m:t>tb</m:t>
                       </m:r>
                       <m:r>
                         <m:rPr>
                           <m:nor/>
                         </m:rPr>
-                        <a:rPr lang="en-US" dirty="0"/>
+                        <a:rPr lang="en-US" dirty="0">
+                          <a:latin typeface="Cambria Math" panose="02040503050406030204" pitchFamily="18" charset="0"/>
+                        </a:rPr>
                         <m:t>)∗</m:t>
                       </m:r>
                       <m:r>
                         <m:rPr>
                           <m:nor/>
                         </m:rPr>
-                        <a:rPr lang="en-US" dirty="0"/>
+                        <a:rPr lang="en-US" dirty="0">
+                          <a:latin typeface="Cambria Math" panose="02040503050406030204" pitchFamily="18" charset="0"/>
+                        </a:rPr>
                         <m:t>tbdot</m:t>
                       </m:r>
                       <m:r>
                         <m:rPr>
                           <m:nor/>
                         </m:rPr>
-                        <a:rPr lang="en-US" dirty="0"/>
+                        <a:rPr lang="en-US" dirty="0">
+                          <a:latin typeface="Cambria Math" panose="02040503050406030204" pitchFamily="18" charset="0"/>
+                        </a:rPr>
                         <m:t>^2 − </m:t>
                       </m:r>
                       <m:r>
                         <m:rPr>
                           <m:nor/>
                         </m:rPr>
-                        <a:rPr lang="en-US" dirty="0"/>
+                        <a:rPr lang="en-US" dirty="0">
+                          <a:latin typeface="Cambria Math" panose="02040503050406030204" pitchFamily="18" charset="0"/>
+                        </a:rPr>
                         <m:t>LK</m:t>
                       </m:r>
                       <m:r>
                         <m:rPr>
                           <m:nor/>
                         </m:rPr>
-                        <a:rPr lang="en-US" dirty="0"/>
+                        <a:rPr lang="en-US" dirty="0">
+                          <a:latin typeface="Cambria Math" panose="02040503050406030204" pitchFamily="18" charset="0"/>
+                        </a:rPr>
                         <m:t>4∗</m:t>
                       </m:r>
                       <m:r>
                         <m:rPr>
                           <m:nor/>
                         </m:rPr>
-                        <a:rPr lang="en-US" dirty="0"/>
+                        <a:rPr lang="en-US" dirty="0">
+                          <a:latin typeface="Cambria Math" panose="02040503050406030204" pitchFamily="18" charset="0"/>
+                        </a:rPr>
                         <m:t>cos</m:t>
                       </m:r>
                       <m:r>
                         <m:rPr>
                           <m:nor/>
                         </m:rPr>
-                        <a:rPr lang="en-US" dirty="0"/>
+                        <a:rPr lang="en-US" dirty="0">
+                          <a:latin typeface="Cambria Math" panose="02040503050406030204" pitchFamily="18" charset="0"/>
+                        </a:rPr>
                         <m:t>(</m:t>
                       </m:r>
                       <m:r>
                         <m:rPr>
                           <m:nor/>
                         </m:rPr>
-                        <a:rPr lang="en-US" dirty="0"/>
+                        <a:rPr lang="en-US" dirty="0">
+                          <a:latin typeface="Cambria Math" panose="02040503050406030204" pitchFamily="18" charset="0"/>
+                        </a:rPr>
                         <m:t>th</m:t>
                       </m:r>
                       <m:r>
                         <m:rPr>
                           <m:nor/>
                         </m:rPr>
-                        <a:rPr lang="en-US" dirty="0"/>
+                        <a:rPr lang="en-US" dirty="0">
+                          <a:latin typeface="Cambria Math" panose="02040503050406030204" pitchFamily="18" charset="0"/>
+                        </a:rPr>
                         <m:t>4)∗</m:t>
                       </m:r>
                       <m:r>
                         <m:rPr>
                           <m:nor/>
                         </m:rPr>
-                        <a:rPr lang="en-US" dirty="0"/>
+                        <a:rPr lang="en-US" dirty="0">
+                          <a:latin typeface="Cambria Math" panose="02040503050406030204" pitchFamily="18" charset="0"/>
+                        </a:rPr>
                         <m:t>th</m:t>
                       </m:r>
                       <m:r>
                         <m:rPr>
                           <m:nor/>
                         </m:rPr>
-                        <a:rPr lang="en-US" dirty="0"/>
+                        <a:rPr lang="en-US" dirty="0">
+                          <a:latin typeface="Cambria Math" panose="02040503050406030204" pitchFamily="18" charset="0"/>
+                        </a:rPr>
                         <m:t>4</m:t>
                       </m:r>
                       <m:r>
                         <m:rPr>
                           <m:nor/>
                         </m:rPr>
-                        <a:rPr lang="en-US" dirty="0"/>
+                        <a:rPr lang="en-US" dirty="0">
+                          <a:latin typeface="Cambria Math" panose="02040503050406030204" pitchFamily="18" charset="0"/>
+                        </a:rPr>
                         <m:t>dot</m:t>
                       </m:r>
                       <m:r>
                         <m:rPr>
                           <m:nor/>
                         </m:rPr>
-                        <a:rPr lang="en-US" dirty="0"/>
+                        <a:rPr lang="en-US" dirty="0">
+                          <a:latin typeface="Cambria Math" panose="02040503050406030204" pitchFamily="18" charset="0"/>
+                        </a:rPr>
                         <m:t>^2 + </m:t>
                       </m:r>
                       <m:r>
                         <m:rPr>
                           <m:nor/>
                         </m:rPr>
-                        <a:rPr lang="en-US" dirty="0"/>
+                        <a:rPr lang="en-US" dirty="0">
+                          <a:latin typeface="Cambria Math" panose="02040503050406030204" pitchFamily="18" charset="0"/>
+                        </a:rPr>
                         <m:t>xddot</m:t>
                       </m:r>
                       <m:r>
                         <m:rPr>
                           <m:nor/>
                         </m:rPr>
-                        <a:rPr lang="en-US" dirty="0"/>
+                        <a:rPr lang="en-US" dirty="0">
+                          <a:latin typeface="Cambria Math" panose="02040503050406030204" pitchFamily="18" charset="0"/>
+                        </a:rPr>
                         <m:t> + </m:t>
                       </m:r>
                       <m:r>
                         <m:rPr>
                           <m:nor/>
                         </m:rPr>
-                        <a:rPr lang="en-US" dirty="0"/>
+                        <a:rPr lang="en-US" dirty="0">
+                          <a:latin typeface="Cambria Math" panose="02040503050406030204" pitchFamily="18" charset="0"/>
+                        </a:rPr>
                         <m:t>LH</m:t>
                       </m:r>
                       <m:r>
                         <m:rPr>
                           <m:nor/>
                         </m:rPr>
-                        <a:rPr lang="en-US" dirty="0"/>
+                        <a:rPr lang="en-US" dirty="0">
+                          <a:latin typeface="Cambria Math" panose="02040503050406030204" pitchFamily="18" charset="0"/>
+                        </a:rPr>
                         <m:t>4∗</m:t>
                       </m:r>
                       <m:r>
                         <m:rPr>
                           <m:nor/>
                         </m:rPr>
-                        <a:rPr lang="en-US" dirty="0"/>
+                        <a:rPr lang="en-US" dirty="0">
+                          <a:latin typeface="Cambria Math" panose="02040503050406030204" pitchFamily="18" charset="0"/>
+                        </a:rPr>
                         <m:t>tbddot</m:t>
                       </m:r>
                       <m:r>
                         <m:rPr>
                           <m:nor/>
                         </m:rPr>
-                        <a:rPr lang="en-US" dirty="0"/>
+                        <a:rPr lang="en-US" dirty="0">
+                          <a:latin typeface="Cambria Math" panose="02040503050406030204" pitchFamily="18" charset="0"/>
+                        </a:rPr>
                         <m:t>∗</m:t>
                       </m:r>
                       <m:r>
                         <m:rPr>
                           <m:nor/>
                         </m:rPr>
-                        <a:rPr lang="en-US" dirty="0"/>
+                        <a:rPr lang="en-US" dirty="0">
+                          <a:latin typeface="Cambria Math" panose="02040503050406030204" pitchFamily="18" charset="0"/>
+                        </a:rPr>
                         <m:t>sin</m:t>
                       </m:r>
                       <m:r>
                         <m:rPr>
                           <m:nor/>
                         </m:rPr>
-                        <a:rPr lang="en-US" dirty="0"/>
+                        <a:rPr lang="en-US" dirty="0">
+                          <a:latin typeface="Cambria Math" panose="02040503050406030204" pitchFamily="18" charset="0"/>
+                        </a:rPr>
                         <m:t>(</m:t>
                       </m:r>
                       <m:r>
                         <m:rPr>
                           <m:nor/>
                         </m:rPr>
-                        <a:rPr lang="en-US" dirty="0"/>
+                        <a:rPr lang="en-US" dirty="0">
+                          <a:latin typeface="Cambria Math" panose="02040503050406030204" pitchFamily="18" charset="0"/>
+                        </a:rPr>
                         <m:t>tb</m:t>
                       </m:r>
                       <m:r>
                         <m:rPr>
                           <m:nor/>
                         </m:rPr>
-                        <a:rPr lang="en-US" dirty="0"/>
+                        <a:rPr lang="en-US" dirty="0">
+                          <a:latin typeface="Cambria Math" panose="02040503050406030204" pitchFamily="18" charset="0"/>
+                        </a:rPr>
                         <m:t>) − </m:t>
                       </m:r>
                       <m:r>
                         <m:rPr>
                           <m:nor/>
                         </m:rPr>
-                        <a:rPr lang="en-US" dirty="0"/>
+                        <a:rPr lang="en-US" dirty="0">
+                          <a:latin typeface="Cambria Math" panose="02040503050406030204" pitchFamily="18" charset="0"/>
+                        </a:rPr>
                         <m:t>LK</m:t>
                       </m:r>
                       <m:r>
                         <m:rPr>
                           <m:nor/>
                         </m:rPr>
-                        <a:rPr lang="en-US" dirty="0"/>
+                        <a:rPr lang="en-US" dirty="0">
+                          <a:latin typeface="Cambria Math" panose="02040503050406030204" pitchFamily="18" charset="0"/>
+                        </a:rPr>
                         <m:t>4∗</m:t>
                       </m:r>
                       <m:r>
                         <m:rPr>
                           <m:nor/>
                         </m:rPr>
-                        <a:rPr lang="en-US" dirty="0"/>
+                        <a:rPr lang="en-US" dirty="0">
+                          <a:latin typeface="Cambria Math" panose="02040503050406030204" pitchFamily="18" charset="0"/>
+                        </a:rPr>
                         <m:t>th</m:t>
                       </m:r>
                       <m:r>
                         <m:rPr>
                           <m:nor/>
                         </m:rPr>
-                        <a:rPr lang="en-US" dirty="0"/>
+                        <a:rPr lang="en-US" dirty="0">
+                          <a:latin typeface="Cambria Math" panose="02040503050406030204" pitchFamily="18" charset="0"/>
+                        </a:rPr>
                         <m:t>4</m:t>
                       </m:r>
                       <m:r>
                         <m:rPr>
                           <m:nor/>
                         </m:rPr>
-                        <a:rPr lang="en-US" dirty="0"/>
+                        <a:rPr lang="en-US" dirty="0">
+                          <a:latin typeface="Cambria Math" panose="02040503050406030204" pitchFamily="18" charset="0"/>
+                        </a:rPr>
                         <m:t>ddot</m:t>
                       </m:r>
                       <m:r>
                         <m:rPr>
                           <m:nor/>
                         </m:rPr>
-                        <a:rPr lang="en-US" dirty="0"/>
+                        <a:rPr lang="en-US" dirty="0">
+                          <a:latin typeface="Cambria Math" panose="02040503050406030204" pitchFamily="18" charset="0"/>
+                        </a:rPr>
                         <m:t>∗</m:t>
                       </m:r>
                       <m:r>
                         <m:rPr>
                           <m:nor/>
                         </m:rPr>
-                        <a:rPr lang="en-US" dirty="0"/>
+                        <a:rPr lang="en-US" dirty="0">
+                          <a:latin typeface="Cambria Math" panose="02040503050406030204" pitchFamily="18" charset="0"/>
+                        </a:rPr>
                         <m:t>sin</m:t>
                       </m:r>
                       <m:r>
                         <m:rPr>
                           <m:nor/>
                         </m:rPr>
-                        <a:rPr lang="en-US" dirty="0"/>
+                        <a:rPr lang="en-US" dirty="0">
+                          <a:latin typeface="Cambria Math" panose="02040503050406030204" pitchFamily="18" charset="0"/>
+                        </a:rPr>
                         <m:t>(</m:t>
                       </m:r>
                       <m:r>
                         <m:rPr>
                           <m:nor/>
                         </m:rPr>
-                        <a:rPr lang="en-US" dirty="0"/>
+                        <a:rPr lang="en-US" dirty="0">
+                          <a:latin typeface="Cambria Math" panose="02040503050406030204" pitchFamily="18" charset="0"/>
+                        </a:rPr>
                         <m:t>th</m:t>
                       </m:r>
                       <m:r>
                         <m:rPr>
                           <m:nor/>
                         </m:rPr>
-                        <a:rPr lang="en-US" dirty="0"/>
+                        <a:rPr lang="en-US" dirty="0">
+                          <a:latin typeface="Cambria Math" panose="02040503050406030204" pitchFamily="18" charset="0"/>
+                        </a:rPr>
                         <m:t>4) − </m:t>
                       </m:r>
                       <m:r>
                         <m:rPr>
                           <m:nor/>
                         </m:rPr>
-                        <a:rPr lang="en-US" dirty="0"/>
+                        <a:rPr lang="en-US" dirty="0">
+                          <a:latin typeface="Cambria Math" panose="02040503050406030204" pitchFamily="18" charset="0"/>
+                        </a:rPr>
                         <m:t>S</m:t>
                       </m:r>
                       <m:r>
                         <m:rPr>
                           <m:nor/>
                         </m:rPr>
-                        <a:rPr lang="en-US" dirty="0"/>
+                        <a:rPr lang="en-US" dirty="0">
+                          <a:latin typeface="Cambria Math" panose="02040503050406030204" pitchFamily="18" charset="0"/>
+                        </a:rPr>
                         <m:t>4∗</m:t>
                       </m:r>
                       <m:r>
                         <m:rPr>
                           <m:nor/>
                         </m:rPr>
-                        <a:rPr lang="en-US" dirty="0"/>
+                        <a:rPr lang="en-US" dirty="0">
+                          <a:latin typeface="Cambria Math" panose="02040503050406030204" pitchFamily="18" charset="0"/>
+                        </a:rPr>
                         <m:t>tk</m:t>
                       </m:r>
                       <m:r>
                         <m:rPr>
                           <m:nor/>
                         </m:rPr>
-                        <a:rPr lang="en-US" dirty="0"/>
+                        <a:rPr lang="en-US" dirty="0">
+                          <a:latin typeface="Cambria Math" panose="02040503050406030204" pitchFamily="18" charset="0"/>
+                        </a:rPr>
                         <m:t>4</m:t>
                       </m:r>
                       <m:r>
                         <m:rPr>
                           <m:nor/>
                         </m:rPr>
-                        <a:rPr lang="en-US" dirty="0"/>
+                        <a:rPr lang="en-US" dirty="0">
+                          <a:latin typeface="Cambria Math" panose="02040503050406030204" pitchFamily="18" charset="0"/>
+                        </a:rPr>
                         <m:t>ddot</m:t>
                       </m:r>
                       <m:r>
                         <m:rPr>
                           <m:nor/>
                         </m:rPr>
-                        <a:rPr lang="en-US" dirty="0"/>
+                        <a:rPr lang="en-US" dirty="0">
+                          <a:latin typeface="Cambria Math" panose="02040503050406030204" pitchFamily="18" charset="0"/>
+                        </a:rPr>
                         <m:t>∗</m:t>
                       </m:r>
                       <m:r>
                         <m:rPr>
                           <m:nor/>
                         </m:rPr>
-                        <a:rPr lang="en-US" dirty="0"/>
+                        <a:rPr lang="en-US" dirty="0">
+                          <a:latin typeface="Cambria Math" panose="02040503050406030204" pitchFamily="18" charset="0"/>
+                        </a:rPr>
                         <m:t>sin</m:t>
                       </m:r>
                       <m:r>
                         <m:rPr>
                           <m:nor/>
                         </m:rPr>
-                        <a:rPr lang="en-US" dirty="0"/>
+                        <a:rPr lang="en-US" dirty="0">
+                          <a:latin typeface="Cambria Math" panose="02040503050406030204" pitchFamily="18" charset="0"/>
+                        </a:rPr>
                         <m:t>(</m:t>
                       </m:r>
                       <m:r>
                         <m:rPr>
                           <m:nor/>
                         </m:rPr>
-                        <a:rPr lang="en-US" dirty="0"/>
+                        <a:rPr lang="en-US" dirty="0">
+                          <a:latin typeface="Cambria Math" panose="02040503050406030204" pitchFamily="18" charset="0"/>
+                        </a:rPr>
                         <m:t>tk</m:t>
                       </m:r>
                       <m:r>
                         <m:rPr>
                           <m:nor/>
                         </m:rPr>
-                        <a:rPr lang="en-US" dirty="0"/>
+                        <a:rPr lang="en-US" dirty="0">
+                          <a:latin typeface="Cambria Math" panose="02040503050406030204" pitchFamily="18" charset="0"/>
+                        </a:rPr>
                         <m:t>4)</m:t>
                       </m:r>
                     </m:oMath>
                   </m:oMathPara>
                 </a14:m>
-                <a:endParaRPr lang="en-US" dirty="0"/>
+                <a:endParaRPr lang="en-US" dirty="0">
+                  <a:latin typeface="Cambria Math" panose="02040503050406030204" pitchFamily="18" charset="0"/>
+                </a:endParaRPr>
               </a:p>
             </p:txBody>
           </p:sp>
         </mc:Choice>
-        <mc:Fallback xmlns="">
+        <mc:Fallback>
           <p:sp>
             <p:nvSpPr>
-              <p:cNvPr id="3" name="Content Placeholder 2"/>
-              <p:cNvSpPr>
-                <a:spLocks noGrp="1" noRot="1" noChangeAspect="1" noMove="1" noResize="1" noEditPoints="1" noAdjustHandles="1" noChangeArrowheads="1" noChangeShapeType="1" noTextEdit="1"/>
+              <p:cNvPr id="10" name="Content Placeholder 2"/>
+              <p:cNvSpPr txBox="1">
+                <a:spLocks noRot="1" noChangeAspect="1" noMove="1" noResize="1" noEditPoints="1" noAdjustHandles="1" noChangeArrowheads="1" noChangeShapeType="1" noTextEdit="1"/>
               </p:cNvSpPr>
-              <p:nvPr>
-                <p:ph idx="1"/>
-              </p:nvPr>
+              <p:nvPr/>
             </p:nvSpPr>
             <p:spPr>
               <a:xfrm>
                 <a:off x="1141413" y="2249486"/>
                 <a:ext cx="4274650" cy="4212859"/>
               </a:xfrm>
+              <a:prstGeom prst="rect">
+                <a:avLst/>
+              </a:prstGeom>
               <a:blipFill rotWithShape="0">
                 <a:blip r:embed="rId2"/>
                 <a:stretch>
@@ -14833,6 +14950,13 @@
   <p:clrMapOvr>
     <a:masterClrMapping/>
   </p:clrMapOvr>
+  <p:timing>
+    <p:tnLst>
+      <p:par>
+        <p:cTn id="1" dur="indefinite" restart="never" nodeType="tmRoot"/>
+      </p:par>
+    </p:tnLst>
+  </p:timing>
 </p:sld>
 </file>
 
@@ -14923,6 +15047,13 @@
   <p:clrMapOvr>
     <a:masterClrMapping/>
   </p:clrMapOvr>
+  <p:timing>
+    <p:tnLst>
+      <p:par>
+        <p:cTn id="1" dur="indefinite" restart="never" nodeType="tmRoot"/>
+      </p:par>
+    </p:tnLst>
+  </p:timing>
 </p:sld>
 </file>
 
@@ -15054,6 +15185,13 @@
   <p:clrMapOvr>
     <a:masterClrMapping/>
   </p:clrMapOvr>
+  <p:timing>
+    <p:tnLst>
+      <p:par>
+        <p:cTn id="1" dur="indefinite" restart="never" nodeType="tmRoot"/>
+      </p:par>
+    </p:tnLst>
+  </p:timing>
 </p:sld>
 </file>
 
@@ -15225,6 +15363,13 @@
   <p:clrMapOvr>
     <a:masterClrMapping/>
   </p:clrMapOvr>
+  <p:timing>
+    <p:tnLst>
+      <p:par>
+        <p:cTn id="1" dur="indefinite" restart="never" nodeType="tmRoot"/>
+      </p:par>
+    </p:tnLst>
+  </p:timing>
 </p:sld>
 </file>
 
